--- a/資料/設計書/発表資料/設計レビュー_発表資料.pptx
+++ b/資料/設計書/発表資料/設計レビュー_発表資料.pptx
@@ -4545,11 +4545,11 @@
           <a:p>
             <a:r>
               <a:rPr lang="en-US" altLang="ja-JP" sz="4000" dirty="0"/>
-              <a:t>‘20</a:t>
+              <a:t>’20</a:t>
             </a:r>
             <a:r>
               <a:rPr lang="ja-JP" altLang="en-US" sz="4000" dirty="0"/>
-              <a:t>年新入社員 新人研修</a:t>
+              <a:t>年 新人研修</a:t>
             </a:r>
             <a:br>
               <a:rPr lang="ja-JP" altLang="en-US" sz="4000" dirty="0"/>
@@ -9864,7 +9864,7 @@
           <a:p>
             <a:r>
               <a:rPr kumimoji="1" lang="en-US" altLang="ja-JP" dirty="0"/>
-              <a:t>1. </a:t>
+              <a:t>1.1. </a:t>
             </a:r>
             <a:r>
               <a:rPr kumimoji="1" lang="ja-JP" altLang="en-US" dirty="0"/>
@@ -15776,7 +15776,7 @@
           <a:p>
             <a:r>
               <a:rPr kumimoji="1" lang="en-US" altLang="ja-JP" dirty="0"/>
-              <a:t>1. </a:t>
+              <a:t>1.2. </a:t>
             </a:r>
             <a:r>
               <a:rPr kumimoji="1" lang="ja-JP" altLang="en-US" dirty="0"/>
@@ -15787,8 +15787,13 @@
             </a:br>
             <a:r>
               <a:rPr kumimoji="1" lang="ja-JP" altLang="en-US" dirty="0"/>
-              <a:t>　前回からの仕様の変更点</a:t>
-            </a:r>
+              <a:t>　前回からの仕様の変更点 － </a:t>
+            </a:r>
+            <a:r>
+              <a:rPr kumimoji="1" lang="en-US" altLang="ja-JP" dirty="0"/>
+              <a:t>1</a:t>
+            </a:r>
+            <a:endParaRPr kumimoji="1" lang="ja-JP" altLang="en-US" dirty="0"/>
           </a:p>
         </p:txBody>
       </p:sp>
@@ -16685,7 +16690,7 @@
           <a:p>
             <a:r>
               <a:rPr kumimoji="1" lang="en-US" altLang="ja-JP" dirty="0"/>
-              <a:t>1. </a:t>
+              <a:t>1.2. </a:t>
             </a:r>
             <a:r>
               <a:rPr kumimoji="1" lang="ja-JP" altLang="en-US" dirty="0"/>
@@ -16696,8 +16701,13 @@
             </a:br>
             <a:r>
               <a:rPr kumimoji="1" lang="ja-JP" altLang="en-US" dirty="0"/>
-              <a:t>　前回からの仕様の変更点</a:t>
-            </a:r>
+              <a:t>　前回からの仕様の変更点 － </a:t>
+            </a:r>
+            <a:r>
+              <a:rPr kumimoji="1" lang="en-US" altLang="ja-JP" dirty="0"/>
+              <a:t>2</a:t>
+            </a:r>
+            <a:endParaRPr kumimoji="1" lang="ja-JP" altLang="en-US" dirty="0"/>
           </a:p>
         </p:txBody>
       </p:sp>
@@ -16901,6 +16911,76 @@
           <a:p>
             <a:pPr algn="ctr"/>
             <a:endParaRPr kumimoji="1" lang="ja-JP" altLang="en-US"/>
+          </a:p>
+        </p:txBody>
+      </p:sp>
+      <p:sp>
+        <p:nvSpPr>
+          <p:cNvPr id="12" name="テキスト ボックス 11">
+            <a:extLst>
+              <a:ext uri="{FF2B5EF4-FFF2-40B4-BE49-F238E27FC236}">
+                <a16:creationId xmlns:a16="http://schemas.microsoft.com/office/drawing/2014/main" id="{A2C50A2C-222E-43E9-A7DF-15BBF99FBB7C}"/>
+              </a:ext>
+            </a:extLst>
+          </p:cNvPr>
+          <p:cNvSpPr txBox="1"/>
+          <p:nvPr/>
+        </p:nvSpPr>
+        <p:spPr>
+          <a:xfrm>
+            <a:off x="7340869" y="2547012"/>
+            <a:ext cx="954719" cy="369332"/>
+          </a:xfrm>
+          <a:prstGeom prst="rect">
+            <a:avLst/>
+          </a:prstGeom>
+          <a:noFill/>
+        </p:spPr>
+        <p:txBody>
+          <a:bodyPr wrap="square" rtlCol="0">
+            <a:spAutoFit/>
+          </a:bodyPr>
+          <a:lstStyle/>
+          <a:p>
+            <a:r>
+              <a:rPr kumimoji="1" lang="ja-JP" altLang="en-US" dirty="0"/>
+              <a:t>修正後</a:t>
+            </a:r>
+          </a:p>
+        </p:txBody>
+      </p:sp>
+      <p:sp>
+        <p:nvSpPr>
+          <p:cNvPr id="14" name="テキスト ボックス 13">
+            <a:extLst>
+              <a:ext uri="{FF2B5EF4-FFF2-40B4-BE49-F238E27FC236}">
+                <a16:creationId xmlns:a16="http://schemas.microsoft.com/office/drawing/2014/main" id="{7D529AAD-CBD9-464A-997D-194C2A695C52}"/>
+              </a:ext>
+            </a:extLst>
+          </p:cNvPr>
+          <p:cNvSpPr txBox="1"/>
+          <p:nvPr/>
+        </p:nvSpPr>
+        <p:spPr>
+          <a:xfrm>
+            <a:off x="558960" y="2562329"/>
+            <a:ext cx="954719" cy="369332"/>
+          </a:xfrm>
+          <a:prstGeom prst="rect">
+            <a:avLst/>
+          </a:prstGeom>
+          <a:noFill/>
+        </p:spPr>
+        <p:txBody>
+          <a:bodyPr wrap="square" rtlCol="0">
+            <a:spAutoFit/>
+          </a:bodyPr>
+          <a:lstStyle/>
+          <a:p>
+            <a:r>
+              <a:rPr kumimoji="1" lang="ja-JP" altLang="en-US" dirty="0"/>
+              <a:t>修正前</a:t>
+            </a:r>
           </a:p>
         </p:txBody>
       </p:sp>

--- a/資料/設計書/発表資料/設計レビュー_発表資料.pptx
+++ b/資料/設計書/発表資料/設計レビュー_発表資料.pptx
@@ -10575,7 +10575,14 @@
             </a:r>
             <a:r>
               <a:rPr lang="ja-JP" altLang="en-US" dirty="0"/>
-              <a:t>つ、モグラは最大</a:t>
+              <a:t>つ、</a:t>
+            </a:r>
+            <a:br>
+              <a:rPr lang="ja-JP" altLang="en-US" dirty="0"/>
+            </a:br>
+            <a:r>
+              <a:rPr lang="ja-JP" altLang="en-US" dirty="0"/>
+              <a:t>モグラは最大</a:t>
             </a:r>
             <a:r>
               <a:rPr lang="en-US" altLang="ja-JP" dirty="0"/>
@@ -10604,7 +10611,14 @@
             </a:r>
             <a:r>
               <a:rPr lang="ja-JP" altLang="en-US" dirty="0"/>
-              <a:t>増加、穴を叩くとペナルティとして残り時間が</a:t>
+              <a:t>増加、</a:t>
+            </a:r>
+            <a:br>
+              <a:rPr lang="ja-JP" altLang="en-US" dirty="0"/>
+            </a:br>
+            <a:r>
+              <a:rPr lang="ja-JP" altLang="en-US" dirty="0"/>
+              <a:t>穴を叩くとペナルティとして残り時間が</a:t>
             </a:r>
             <a:r>
               <a:rPr lang="en-US" altLang="ja-JP" dirty="0"/>
@@ -16632,7 +16646,14 @@
             </a:pPr>
             <a:r>
               <a:rPr lang="ja-JP" altLang="en-US" dirty="0"/>
-              <a:t>ハイスコアは、難易度ごとに記録する</a:t>
+              <a:t>ハイスコアは、</a:t>
+            </a:r>
+            <a:br>
+              <a:rPr lang="ja-JP" altLang="en-US" dirty="0"/>
+            </a:br>
+            <a:r>
+              <a:rPr lang="ja-JP" altLang="en-US" dirty="0"/>
+              <a:t>難易度ごとに記録する</a:t>
             </a:r>
           </a:p>
         </p:txBody>

--- a/資料/設計書/発表資料/設計レビュー_発表資料.pptx
+++ b/資料/設計書/発表資料/設計レビュー_発表資料.pptx
@@ -5,7 +5,7 @@
     <p:sldMasterId id="2147483708" r:id="rId1"/>
   </p:sldMasterIdLst>
   <p:notesMasterIdLst>
-    <p:notesMasterId r:id="rId29"/>
+    <p:notesMasterId r:id="rId28"/>
   </p:notesMasterIdLst>
   <p:sldIdLst>
     <p:sldId id="256" r:id="rId2"/>
@@ -24,17 +24,16 @@
     <p:sldId id="278" r:id="rId15"/>
     <p:sldId id="273" r:id="rId16"/>
     <p:sldId id="263" r:id="rId17"/>
-    <p:sldId id="274" r:id="rId18"/>
-    <p:sldId id="275" r:id="rId19"/>
-    <p:sldId id="264" r:id="rId20"/>
-    <p:sldId id="276" r:id="rId21"/>
-    <p:sldId id="277" r:id="rId22"/>
-    <p:sldId id="266" r:id="rId23"/>
-    <p:sldId id="279" r:id="rId24"/>
-    <p:sldId id="280" r:id="rId25"/>
-    <p:sldId id="281" r:id="rId26"/>
-    <p:sldId id="267" r:id="rId27"/>
-    <p:sldId id="261" r:id="rId28"/>
+    <p:sldId id="275" r:id="rId18"/>
+    <p:sldId id="264" r:id="rId19"/>
+    <p:sldId id="276" r:id="rId20"/>
+    <p:sldId id="277" r:id="rId21"/>
+    <p:sldId id="266" r:id="rId22"/>
+    <p:sldId id="279" r:id="rId23"/>
+    <p:sldId id="280" r:id="rId24"/>
+    <p:sldId id="281" r:id="rId25"/>
+    <p:sldId id="267" r:id="rId26"/>
+    <p:sldId id="261" r:id="rId27"/>
   </p:sldIdLst>
   <p:sldSz cx="12192000" cy="6858000"/>
   <p:notesSz cx="6858000" cy="9144000"/>
@@ -5198,10 +5197,10 @@
       </p:pic>
       <p:pic>
         <p:nvPicPr>
-          <p:cNvPr id="14" name="コンテンツ プレースホルダー 12">
-            <a:extLst>
-              <a:ext uri="{FF2B5EF4-FFF2-40B4-BE49-F238E27FC236}">
-                <a16:creationId xmlns:a16="http://schemas.microsoft.com/office/drawing/2014/main" id="{2BF06449-A8D4-46FB-92C3-66233B4EDE2B}"/>
+          <p:cNvPr id="6" name="図 5">
+            <a:extLst>
+              <a:ext uri="{FF2B5EF4-FFF2-40B4-BE49-F238E27FC236}">
+                <a16:creationId xmlns:a16="http://schemas.microsoft.com/office/drawing/2014/main" id="{AF0FB4E5-B33D-4199-9F83-50C674F141F6}"/>
               </a:ext>
             </a:extLst>
           </p:cNvPr>
@@ -5211,20 +5210,20 @@
           <p:nvPr/>
         </p:nvPicPr>
         <p:blipFill rotWithShape="1">
-          <a:blip r:embed="rId2">
+          <a:blip r:embed="rId3">
             <a:extLst>
               <a:ext uri="{28A0092B-C50C-407E-A947-70E740481C1C}">
                 <a14:useLocalDpi xmlns:a14="http://schemas.microsoft.com/office/drawing/2010/main" val="0"/>
               </a:ext>
             </a:extLst>
           </a:blip>
-          <a:srcRect l="32202" t="69980"/>
+          <a:srcRect l="31385" t="69012"/>
           <a:stretch/>
         </p:blipFill>
         <p:spPr>
           <a:xfrm>
-            <a:off x="7219950" y="2411304"/>
-            <a:ext cx="4306460" cy="2035392"/>
+            <a:off x="7177586" y="2142774"/>
+            <a:ext cx="4408120" cy="2125133"/>
           </a:xfrm>
           <a:prstGeom prst="rect">
             <a:avLst/>
@@ -5261,6 +5260,41 @@
           <a:chExt cx="0" cy="0"/>
         </a:xfrm>
       </p:grpSpPr>
+      <p:pic>
+        <p:nvPicPr>
+          <p:cNvPr id="13" name="図 12" descr="テキスト が含まれている画像&#10;&#10;自動的に生成された説明">
+            <a:extLst>
+              <a:ext uri="{FF2B5EF4-FFF2-40B4-BE49-F238E27FC236}">
+                <a16:creationId xmlns:a16="http://schemas.microsoft.com/office/drawing/2014/main" id="{9EE6ED21-FDA5-47D3-8E79-0D378753DB59}"/>
+              </a:ext>
+            </a:extLst>
+          </p:cNvPr>
+          <p:cNvPicPr>
+            <a:picLocks noChangeAspect="1"/>
+          </p:cNvPicPr>
+          <p:nvPr/>
+        </p:nvPicPr>
+        <p:blipFill rotWithShape="1">
+          <a:blip r:embed="rId2">
+            <a:extLst>
+              <a:ext uri="{28A0092B-C50C-407E-A947-70E740481C1C}">
+                <a14:useLocalDpi xmlns:a14="http://schemas.microsoft.com/office/drawing/2010/main" val="0"/>
+              </a:ext>
+            </a:extLst>
+          </a:blip>
+          <a:srcRect t="7698"/>
+          <a:stretch/>
+        </p:blipFill>
+        <p:spPr>
+          <a:xfrm>
+            <a:off x="5733528" y="1774599"/>
+            <a:ext cx="5264671" cy="4543565"/>
+          </a:xfrm>
+          <a:prstGeom prst="rect">
+            <a:avLst/>
+          </a:prstGeom>
+        </p:spPr>
+      </p:pic>
       <p:sp>
         <p:nvSpPr>
           <p:cNvPr id="2" name="タイトル 1">
@@ -5436,40 +5470,6 @@
           </a:p>
         </p:txBody>
       </p:sp>
-      <p:pic>
-        <p:nvPicPr>
-          <p:cNvPr id="7" name="コンテンツ プレースホルダー 6" descr="時計 が含まれている画像&#10;&#10;自動的に生成された説明">
-            <a:extLst>
-              <a:ext uri="{FF2B5EF4-FFF2-40B4-BE49-F238E27FC236}">
-                <a16:creationId xmlns:a16="http://schemas.microsoft.com/office/drawing/2014/main" id="{E57BBF25-3ED2-428A-90B0-8D29276672EE}"/>
-              </a:ext>
-            </a:extLst>
-          </p:cNvPr>
-          <p:cNvPicPr>
-            <a:picLocks noGrp="1" noChangeAspect="1"/>
-          </p:cNvPicPr>
-          <p:nvPr>
-            <p:ph idx="1"/>
-          </p:nvPr>
-        </p:nvPicPr>
-        <p:blipFill rotWithShape="1">
-          <a:blip r:embed="rId2">
-            <a:extLst>
-              <a:ext uri="{28A0092B-C50C-407E-A947-70E740481C1C}">
-                <a14:useLocalDpi xmlns:a14="http://schemas.microsoft.com/office/drawing/2010/main" val="0"/>
-              </a:ext>
-            </a:extLst>
-          </a:blip>
-          <a:srcRect l="34753" t="28689" b="13371"/>
-          <a:stretch/>
-        </p:blipFill>
-        <p:spPr>
-          <a:xfrm>
-            <a:off x="1777514" y="2416203"/>
-            <a:ext cx="2172022" cy="3764764"/>
-          </a:xfrm>
-        </p:spPr>
-      </p:pic>
       <p:sp>
         <p:nvSpPr>
           <p:cNvPr id="4" name="日付プレースホルダー 3">
@@ -5525,209 +5525,6 @@
               <a:t>11</a:t>
             </a:fld>
             <a:endParaRPr kumimoji="1" lang="ja-JP" altLang="en-US"/>
-          </a:p>
-        </p:txBody>
-      </p:sp>
-      <p:grpSp>
-        <p:nvGrpSpPr>
-          <p:cNvPr id="23" name="グループ化 22">
-            <a:extLst>
-              <a:ext uri="{FF2B5EF4-FFF2-40B4-BE49-F238E27FC236}">
-                <a16:creationId xmlns:a16="http://schemas.microsoft.com/office/drawing/2014/main" id="{6207FC8F-CED9-4ADF-979E-AE4F340EDB86}"/>
-              </a:ext>
-            </a:extLst>
-          </p:cNvPr>
-          <p:cNvGrpSpPr/>
-          <p:nvPr/>
-        </p:nvGrpSpPr>
-        <p:grpSpPr>
-          <a:xfrm>
-            <a:off x="5121701" y="1789212"/>
-            <a:ext cx="6656562" cy="4497288"/>
-            <a:chOff x="4140301" y="1965830"/>
-            <a:chExt cx="6555921" cy="4320670"/>
-          </a:xfrm>
-        </p:grpSpPr>
-        <p:pic>
-          <p:nvPicPr>
-            <p:cNvPr id="9" name="図 8" descr="テキスト が含まれている画像&#10;&#10;自動的に生成された説明">
-              <a:extLst>
-                <a:ext uri="{FF2B5EF4-FFF2-40B4-BE49-F238E27FC236}">
-                  <a16:creationId xmlns:a16="http://schemas.microsoft.com/office/drawing/2014/main" id="{FB25AEA7-49D3-4CC7-9FD0-D707D21E3471}"/>
-                </a:ext>
-              </a:extLst>
-            </p:cNvPr>
-            <p:cNvPicPr>
-              <a:picLocks noChangeAspect="1"/>
-            </p:cNvPicPr>
-            <p:nvPr/>
-          </p:nvPicPr>
-          <p:blipFill rotWithShape="1">
-            <a:blip r:embed="rId3">
-              <a:extLst>
-                <a:ext uri="{28A0092B-C50C-407E-A947-70E740481C1C}">
-                  <a14:useLocalDpi xmlns:a14="http://schemas.microsoft.com/office/drawing/2010/main" val="0"/>
-                </a:ext>
-              </a:extLst>
-            </a:blip>
-            <a:srcRect t="8056" r="76450"/>
-            <a:stretch/>
-          </p:blipFill>
-          <p:spPr>
-            <a:xfrm>
-              <a:off x="4140301" y="1965830"/>
-              <a:ext cx="1079399" cy="4320670"/>
-            </a:xfrm>
-            <a:prstGeom prst="rect">
-              <a:avLst/>
-            </a:prstGeom>
-          </p:spPr>
-        </p:pic>
-        <p:pic>
-          <p:nvPicPr>
-            <p:cNvPr id="11" name="図 10" descr="テキスト が含まれている画像&#10;&#10;自動的に生成された説明">
-              <a:extLst>
-                <a:ext uri="{FF2B5EF4-FFF2-40B4-BE49-F238E27FC236}">
-                  <a16:creationId xmlns:a16="http://schemas.microsoft.com/office/drawing/2014/main" id="{3C33F258-9049-46F9-9413-AF8F2B3DA1AE}"/>
-                </a:ext>
-              </a:extLst>
-            </p:cNvPr>
-            <p:cNvPicPr>
-              <a:picLocks noChangeAspect="1"/>
-            </p:cNvPicPr>
-            <p:nvPr/>
-          </p:nvPicPr>
-          <p:blipFill rotWithShape="1">
-            <a:blip r:embed="rId3">
-              <a:extLst>
-                <a:ext uri="{28A0092B-C50C-407E-A947-70E740481C1C}">
-                  <a14:useLocalDpi xmlns:a14="http://schemas.microsoft.com/office/drawing/2010/main" val="0"/>
-                </a:ext>
-              </a:extLst>
-            </a:blip>
-            <a:srcRect l="20158" t="35980" r="-1" b="9917"/>
-            <a:stretch/>
-          </p:blipFill>
-          <p:spPr>
-            <a:xfrm>
-              <a:off x="5071628" y="1974928"/>
-              <a:ext cx="5624594" cy="3907712"/>
-            </a:xfrm>
-            <a:prstGeom prst="rect">
-              <a:avLst/>
-            </a:prstGeom>
-          </p:spPr>
-        </p:pic>
-        <p:cxnSp>
-          <p:nvCxnSpPr>
-            <p:cNvPr id="18" name="直線コネクタ 17">
-              <a:extLst>
-                <a:ext uri="{FF2B5EF4-FFF2-40B4-BE49-F238E27FC236}">
-                  <a16:creationId xmlns:a16="http://schemas.microsoft.com/office/drawing/2014/main" id="{96572CA6-331C-41DD-819D-0FBC855BE9CD}"/>
-                </a:ext>
-              </a:extLst>
-            </p:cNvPr>
-            <p:cNvCxnSpPr>
-              <a:cxnSpLocks/>
-            </p:cNvCxnSpPr>
-            <p:nvPr/>
-          </p:nvCxnSpPr>
-          <p:spPr>
-            <a:xfrm flipV="1">
-              <a:off x="5071628" y="1981200"/>
-              <a:ext cx="2876032" cy="914400"/>
-            </a:xfrm>
-            <a:prstGeom prst="line">
-              <a:avLst/>
-            </a:prstGeom>
-            <a:ln>
-              <a:prstDash val="dash"/>
-            </a:ln>
-          </p:spPr>
-          <p:style>
-            <a:lnRef idx="1">
-              <a:schemeClr val="dk1"/>
-            </a:lnRef>
-            <a:fillRef idx="0">
-              <a:schemeClr val="dk1"/>
-            </a:fillRef>
-            <a:effectRef idx="0">
-              <a:schemeClr val="dk1"/>
-            </a:effectRef>
-            <a:fontRef idx="minor">
-              <a:schemeClr val="tx1"/>
-            </a:fontRef>
-          </p:style>
-        </p:cxnSp>
-      </p:grpSp>
-      <p:pic>
-        <p:nvPicPr>
-          <p:cNvPr id="24" name="コンテンツ プレースホルダー 6" descr="時計 が含まれている画像&#10;&#10;自動的に生成された説明">
-            <a:extLst>
-              <a:ext uri="{FF2B5EF4-FFF2-40B4-BE49-F238E27FC236}">
-                <a16:creationId xmlns:a16="http://schemas.microsoft.com/office/drawing/2014/main" id="{7BE00B9C-23AE-4DDB-BE00-FC19FDC50C20}"/>
-              </a:ext>
-            </a:extLst>
-          </p:cNvPr>
-          <p:cNvPicPr>
-            <a:picLocks noChangeAspect="1"/>
-          </p:cNvPicPr>
-          <p:nvPr/>
-        </p:nvPicPr>
-        <p:blipFill rotWithShape="1">
-          <a:blip r:embed="rId2">
-            <a:extLst>
-              <a:ext uri="{28A0092B-C50C-407E-A947-70E740481C1C}">
-                <a14:useLocalDpi xmlns:a14="http://schemas.microsoft.com/office/drawing/2010/main" val="0"/>
-              </a:ext>
-            </a:extLst>
-          </a:blip>
-          <a:srcRect l="325" t="-862" r="57715" b="93296"/>
-          <a:stretch/>
-        </p:blipFill>
-        <p:spPr>
-          <a:xfrm>
-            <a:off x="353777" y="1789212"/>
-            <a:ext cx="1713370" cy="603054"/>
-          </a:xfrm>
-          <a:prstGeom prst="rect">
-            <a:avLst/>
-          </a:prstGeom>
-        </p:spPr>
-      </p:pic>
-      <p:sp>
-        <p:nvSpPr>
-          <p:cNvPr id="27" name="テキスト ボックス 26">
-            <a:extLst>
-              <a:ext uri="{FF2B5EF4-FFF2-40B4-BE49-F238E27FC236}">
-                <a16:creationId xmlns:a16="http://schemas.microsoft.com/office/drawing/2014/main" id="{EEDB497C-86D5-4591-872D-99CEFFB53789}"/>
-              </a:ext>
-            </a:extLst>
-          </p:cNvPr>
-          <p:cNvSpPr txBox="1"/>
-          <p:nvPr/>
-        </p:nvSpPr>
-        <p:spPr>
-          <a:xfrm>
-            <a:off x="5840861" y="2526156"/>
-            <a:ext cx="452928" cy="230832"/>
-          </a:xfrm>
-          <a:prstGeom prst="rect">
-            <a:avLst/>
-          </a:prstGeom>
-          <a:noFill/>
-        </p:spPr>
-        <p:txBody>
-          <a:bodyPr wrap="square" rtlCol="0">
-            <a:spAutoFit/>
-          </a:bodyPr>
-          <a:lstStyle/>
-          <a:p>
-            <a:r>
-              <a:rPr kumimoji="1" lang="en-US" altLang="ja-JP" sz="900" dirty="0"/>
-              <a:t>DO</a:t>
-            </a:r>
-            <a:endParaRPr kumimoji="1" lang="ja-JP" altLang="en-US" sz="900" dirty="0"/>
           </a:p>
         </p:txBody>
       </p:sp>
@@ -5812,148 +5609,8 @@
         </p:blipFill>
         <p:spPr>
           <a:xfrm>
-            <a:off x="9547552" y="1805210"/>
+            <a:off x="8604894" y="1875123"/>
             <a:ext cx="1821776" cy="615085"/>
-          </a:xfrm>
-          <a:prstGeom prst="rect">
-            <a:avLst/>
-          </a:prstGeom>
-        </p:spPr>
-      </p:pic>
-      <p:pic>
-        <p:nvPicPr>
-          <p:cNvPr id="32" name="コンテンツ プレースホルダー 6" descr="時計 が含まれている画像&#10;&#10;自動的に生成された説明">
-            <a:extLst>
-              <a:ext uri="{FF2B5EF4-FFF2-40B4-BE49-F238E27FC236}">
-                <a16:creationId xmlns:a16="http://schemas.microsoft.com/office/drawing/2014/main" id="{290109D7-23EE-4AE4-A669-750281B1A60F}"/>
-              </a:ext>
-            </a:extLst>
-          </p:cNvPr>
-          <p:cNvPicPr>
-            <a:picLocks noChangeAspect="1"/>
-          </p:cNvPicPr>
-          <p:nvPr/>
-        </p:nvPicPr>
-        <p:blipFill rotWithShape="1">
-          <a:blip r:embed="rId2">
-            <a:extLst>
-              <a:ext uri="{28A0092B-C50C-407E-A947-70E740481C1C}">
-                <a14:useLocalDpi xmlns:a14="http://schemas.microsoft.com/office/drawing/2010/main" val="0"/>
-              </a:ext>
-            </a:extLst>
-          </a:blip>
-          <a:srcRect l="145" t="79771" r="56918" b="-1184"/>
-          <a:stretch/>
-        </p:blipFill>
-        <p:spPr>
-          <a:xfrm>
-            <a:off x="271713" y="4783015"/>
-            <a:ext cx="1397704" cy="1360595"/>
-          </a:xfrm>
-          <a:prstGeom prst="rect">
-            <a:avLst/>
-          </a:prstGeom>
-        </p:spPr>
-      </p:pic>
-      <p:pic>
-        <p:nvPicPr>
-          <p:cNvPr id="34" name="コンテンツ プレースホルダー 6" descr="時計 が含まれている画像&#10;&#10;自動的に生成された説明">
-            <a:extLst>
-              <a:ext uri="{FF2B5EF4-FFF2-40B4-BE49-F238E27FC236}">
-                <a16:creationId xmlns:a16="http://schemas.microsoft.com/office/drawing/2014/main" id="{4F4C3E93-DDC5-4D10-A3F3-5AFE8BFAB747}"/>
-              </a:ext>
-            </a:extLst>
-          </p:cNvPr>
-          <p:cNvPicPr>
-            <a:picLocks noChangeAspect="1"/>
-          </p:cNvPicPr>
-          <p:nvPr/>
-        </p:nvPicPr>
-        <p:blipFill rotWithShape="1">
-          <a:blip r:embed="rId2">
-            <a:extLst>
-              <a:ext uri="{28A0092B-C50C-407E-A947-70E740481C1C}">
-                <a14:useLocalDpi xmlns:a14="http://schemas.microsoft.com/office/drawing/2010/main" val="0"/>
-              </a:ext>
-            </a:extLst>
-          </a:blip>
-          <a:srcRect l="145" t="47251" r="56918" b="39586"/>
-          <a:stretch/>
-        </p:blipFill>
-        <p:spPr>
-          <a:xfrm>
-            <a:off x="344985" y="4037856"/>
-            <a:ext cx="1245304" cy="745159"/>
-          </a:xfrm>
-          <a:prstGeom prst="rect">
-            <a:avLst/>
-          </a:prstGeom>
-        </p:spPr>
-      </p:pic>
-      <p:pic>
-        <p:nvPicPr>
-          <p:cNvPr id="36" name="コンテンツ プレースホルダー 6" descr="時計 が含まれている画像&#10;&#10;自動的に生成された説明">
-            <a:extLst>
-              <a:ext uri="{FF2B5EF4-FFF2-40B4-BE49-F238E27FC236}">
-                <a16:creationId xmlns:a16="http://schemas.microsoft.com/office/drawing/2014/main" id="{6E08694E-87A7-41FD-B432-33886A362E2C}"/>
-              </a:ext>
-            </a:extLst>
-          </p:cNvPr>
-          <p:cNvPicPr>
-            <a:picLocks noChangeAspect="1"/>
-          </p:cNvPicPr>
-          <p:nvPr/>
-        </p:nvPicPr>
-        <p:blipFill rotWithShape="1">
-          <a:blip r:embed="rId2">
-            <a:extLst>
-              <a:ext uri="{28A0092B-C50C-407E-A947-70E740481C1C}">
-                <a14:useLocalDpi xmlns:a14="http://schemas.microsoft.com/office/drawing/2010/main" val="0"/>
-              </a:ext>
-            </a:extLst>
-          </a:blip>
-          <a:srcRect l="145" t="8232" r="56918" b="60103"/>
-          <a:stretch/>
-        </p:blipFill>
-        <p:spPr>
-          <a:xfrm>
-            <a:off x="379522" y="2392266"/>
-            <a:ext cx="1164827" cy="1676770"/>
-          </a:xfrm>
-          <a:prstGeom prst="rect">
-            <a:avLst/>
-          </a:prstGeom>
-        </p:spPr>
-      </p:pic>
-      <p:pic>
-        <p:nvPicPr>
-          <p:cNvPr id="37" name="コンテンツ プレースホルダー 6" descr="時計 が含まれている画像&#10;&#10;自動的に生成された説明">
-            <a:extLst>
-              <a:ext uri="{FF2B5EF4-FFF2-40B4-BE49-F238E27FC236}">
-                <a16:creationId xmlns:a16="http://schemas.microsoft.com/office/drawing/2014/main" id="{E4533C44-A39B-4F0B-934D-AF5D87849F6A}"/>
-              </a:ext>
-            </a:extLst>
-          </p:cNvPr>
-          <p:cNvPicPr>
-            <a:picLocks noChangeAspect="1"/>
-          </p:cNvPicPr>
-          <p:nvPr/>
-        </p:nvPicPr>
-        <p:blipFill rotWithShape="1">
-          <a:blip r:embed="rId2">
-            <a:extLst>
-              <a:ext uri="{28A0092B-C50C-407E-A947-70E740481C1C}">
-                <a14:useLocalDpi xmlns:a14="http://schemas.microsoft.com/office/drawing/2010/main" val="0"/>
-              </a:ext>
-            </a:extLst>
-          </a:blip>
-          <a:srcRect l="46712" t="5235" r="-2453" b="72327"/>
-          <a:stretch/>
-        </p:blipFill>
-        <p:spPr>
-          <a:xfrm>
-            <a:off x="2931536" y="1773972"/>
-            <a:ext cx="1781230" cy="1399526"/>
           </a:xfrm>
           <a:prstGeom prst="rect">
             <a:avLst/>
@@ -6014,89 +5671,42 @@
           </a:p>
         </p:txBody>
       </p:sp>
-      <p:cxnSp>
-        <p:nvCxnSpPr>
-          <p:cNvPr id="38" name="直線コネクタ 37">
-            <a:extLst>
-              <a:ext uri="{FF2B5EF4-FFF2-40B4-BE49-F238E27FC236}">
-                <a16:creationId xmlns:a16="http://schemas.microsoft.com/office/drawing/2014/main" id="{ED1EBD59-D3EE-481A-9F81-45A158917860}"/>
-              </a:ext>
-            </a:extLst>
-          </p:cNvPr>
-          <p:cNvCxnSpPr>
-            <a:cxnSpLocks/>
-            <a:endCxn id="41" idx="3"/>
-          </p:cNvCxnSpPr>
+      <p:pic>
+        <p:nvPicPr>
+          <p:cNvPr id="6" name="図 5" descr="時計 が含まれている画像&#10;&#10;自動的に生成された説明">
+            <a:extLst>
+              <a:ext uri="{FF2B5EF4-FFF2-40B4-BE49-F238E27FC236}">
+                <a16:creationId xmlns:a16="http://schemas.microsoft.com/office/drawing/2014/main" id="{34D4AC61-44A4-4264-BBDC-FBB8BF1BE700}"/>
+              </a:ext>
+            </a:extLst>
+          </p:cNvPr>
+          <p:cNvPicPr>
+            <a:picLocks noChangeAspect="1"/>
+          </p:cNvPicPr>
           <p:nvPr/>
-        </p:nvCxnSpPr>
-        <p:spPr>
-          <a:xfrm flipV="1">
-            <a:off x="1541400" y="2558792"/>
-            <a:ext cx="562994" cy="1023270"/>
-          </a:xfrm>
-          <a:prstGeom prst="line">
+        </p:nvPicPr>
+        <p:blipFill>
+          <a:blip r:embed="rId4">
+            <a:extLst>
+              <a:ext uri="{28A0092B-C50C-407E-A947-70E740481C1C}">
+                <a14:useLocalDpi xmlns:a14="http://schemas.microsoft.com/office/drawing/2010/main" val="0"/>
+              </a:ext>
+            </a:extLst>
+          </a:blip>
+          <a:stretch>
+            <a:fillRect/>
+          </a:stretch>
+        </p:blipFill>
+        <p:spPr>
+          <a:xfrm>
+            <a:off x="2174859" y="1789212"/>
+            <a:ext cx="2318119" cy="4524789"/>
+          </a:xfrm>
+          <a:prstGeom prst="rect">
             <a:avLst/>
           </a:prstGeom>
-          <a:ln>
-            <a:prstDash val="dash"/>
-          </a:ln>
-        </p:spPr>
-        <p:style>
-          <a:lnRef idx="1">
-            <a:schemeClr val="dk1"/>
-          </a:lnRef>
-          <a:fillRef idx="0">
-            <a:schemeClr val="dk1"/>
-          </a:fillRef>
-          <a:effectRef idx="0">
-            <a:schemeClr val="dk1"/>
-          </a:effectRef>
-          <a:fontRef idx="minor">
-            <a:schemeClr val="tx1"/>
-          </a:fontRef>
-        </p:style>
-      </p:cxnSp>
-      <p:cxnSp>
-        <p:nvCxnSpPr>
-          <p:cNvPr id="43" name="直線コネクタ 42">
-            <a:extLst>
-              <a:ext uri="{FF2B5EF4-FFF2-40B4-BE49-F238E27FC236}">
-                <a16:creationId xmlns:a16="http://schemas.microsoft.com/office/drawing/2014/main" id="{7676F385-091B-43C8-A593-041B73452855}"/>
-              </a:ext>
-            </a:extLst>
-          </p:cNvPr>
-          <p:cNvCxnSpPr>
-            <a:cxnSpLocks/>
-          </p:cNvCxnSpPr>
-          <p:nvPr/>
-        </p:nvCxnSpPr>
-        <p:spPr>
-          <a:xfrm>
-            <a:off x="1644620" y="5115839"/>
-            <a:ext cx="147199" cy="957936"/>
-          </a:xfrm>
-          <a:prstGeom prst="line">
-            <a:avLst/>
-          </a:prstGeom>
-          <a:ln>
-            <a:prstDash val="dash"/>
-          </a:ln>
-        </p:spPr>
-        <p:style>
-          <a:lnRef idx="1">
-            <a:schemeClr val="dk1"/>
-          </a:lnRef>
-          <a:fillRef idx="0">
-            <a:schemeClr val="dk1"/>
-          </a:fillRef>
-          <a:effectRef idx="0">
-            <a:schemeClr val="dk1"/>
-          </a:effectRef>
-          <a:fontRef idx="minor">
-            <a:schemeClr val="tx1"/>
-          </a:fontRef>
-        </p:style>
-      </p:cxnSp>
+        </p:spPr>
+      </p:pic>
     </p:spTree>
     <p:extLst>
       <p:ext uri="{BB962C8B-B14F-4D97-AF65-F5344CB8AC3E}">
@@ -6127,6 +5737,41 @@
           <a:chExt cx="0" cy="0"/>
         </a:xfrm>
       </p:grpSpPr>
+      <p:pic>
+        <p:nvPicPr>
+          <p:cNvPr id="6" name="図 5">
+            <a:extLst>
+              <a:ext uri="{FF2B5EF4-FFF2-40B4-BE49-F238E27FC236}">
+                <a16:creationId xmlns:a16="http://schemas.microsoft.com/office/drawing/2014/main" id="{2B2D2E6C-3E2B-4AFD-826D-04D430D8C24D}"/>
+              </a:ext>
+            </a:extLst>
+          </p:cNvPr>
+          <p:cNvPicPr>
+            <a:picLocks noChangeAspect="1"/>
+          </p:cNvPicPr>
+          <p:nvPr/>
+        </p:nvPicPr>
+        <p:blipFill rotWithShape="1">
+          <a:blip r:embed="rId2">
+            <a:extLst>
+              <a:ext uri="{28A0092B-C50C-407E-A947-70E740481C1C}">
+                <a14:useLocalDpi xmlns:a14="http://schemas.microsoft.com/office/drawing/2010/main" val="0"/>
+              </a:ext>
+            </a:extLst>
+          </a:blip>
+          <a:srcRect t="9199"/>
+          <a:stretch/>
+        </p:blipFill>
+        <p:spPr>
+          <a:xfrm>
+            <a:off x="3022888" y="1798320"/>
+            <a:ext cx="2466251" cy="4439385"/>
+          </a:xfrm>
+          <a:prstGeom prst="rect">
+            <a:avLst/>
+          </a:prstGeom>
+        </p:spPr>
+      </p:pic>
       <p:sp>
         <p:nvSpPr>
           <p:cNvPr id="2" name="タイトル 1">
@@ -6280,40 +5925,6 @@
           </a:p>
         </p:txBody>
       </p:sp>
-      <p:pic>
-        <p:nvPicPr>
-          <p:cNvPr id="7" name="コンテンツ プレースホルダー 6" descr="時計 が含まれている画像&#10;&#10;自動的に生成された説明">
-            <a:extLst>
-              <a:ext uri="{FF2B5EF4-FFF2-40B4-BE49-F238E27FC236}">
-                <a16:creationId xmlns:a16="http://schemas.microsoft.com/office/drawing/2014/main" id="{B3F5C6EB-B46B-4955-A0AB-D55CDBA4DF93}"/>
-              </a:ext>
-            </a:extLst>
-          </p:cNvPr>
-          <p:cNvPicPr>
-            <a:picLocks noGrp="1" noChangeAspect="1"/>
-          </p:cNvPicPr>
-          <p:nvPr>
-            <p:ph idx="1"/>
-          </p:nvPr>
-        </p:nvPicPr>
-        <p:blipFill rotWithShape="1">
-          <a:blip r:embed="rId2">
-            <a:extLst>
-              <a:ext uri="{28A0092B-C50C-407E-A947-70E740481C1C}">
-                <a14:useLocalDpi xmlns:a14="http://schemas.microsoft.com/office/drawing/2010/main" val="0"/>
-              </a:ext>
-            </a:extLst>
-          </a:blip>
-          <a:srcRect t="9226"/>
-          <a:stretch/>
-        </p:blipFill>
-        <p:spPr>
-          <a:xfrm>
-            <a:off x="2673648" y="1798320"/>
-            <a:ext cx="1941850" cy="4428808"/>
-          </a:xfrm>
-        </p:spPr>
-      </p:pic>
       <p:sp>
         <p:nvSpPr>
           <p:cNvPr id="4" name="日付プレースホルダー 3">
@@ -6378,41 +5989,6 @@
             <a:extLst>
               <a:ext uri="{FF2B5EF4-FFF2-40B4-BE49-F238E27FC236}">
                 <a16:creationId xmlns:a16="http://schemas.microsoft.com/office/drawing/2014/main" id="{07D49066-BC9F-4BF5-9427-BCFBF60E88C7}"/>
-              </a:ext>
-            </a:extLst>
-          </p:cNvPr>
-          <p:cNvPicPr>
-            <a:picLocks noChangeAspect="1"/>
-          </p:cNvPicPr>
-          <p:nvPr/>
-        </p:nvPicPr>
-        <p:blipFill rotWithShape="1">
-          <a:blip r:embed="rId2">
-            <a:extLst>
-              <a:ext uri="{28A0092B-C50C-407E-A947-70E740481C1C}">
-                <a14:useLocalDpi xmlns:a14="http://schemas.microsoft.com/office/drawing/2010/main" val="0"/>
-              </a:ext>
-            </a:extLst>
-          </a:blip>
-          <a:srcRect t="-623" r="53312" b="93236"/>
-          <a:stretch/>
-        </p:blipFill>
-        <p:spPr>
-          <a:xfrm>
-            <a:off x="3664710" y="1859280"/>
-            <a:ext cx="1667518" cy="662940"/>
-          </a:xfrm>
-          <a:prstGeom prst="rect">
-            <a:avLst/>
-          </a:prstGeom>
-        </p:spPr>
-      </p:pic>
-      <p:pic>
-        <p:nvPicPr>
-          <p:cNvPr id="10" name="図 9">
-            <a:extLst>
-              <a:ext uri="{FF2B5EF4-FFF2-40B4-BE49-F238E27FC236}">
-                <a16:creationId xmlns:a16="http://schemas.microsoft.com/office/drawing/2014/main" id="{FC0601EC-7E09-4F7C-9A29-6D5107FA8662}"/>
               </a:ext>
             </a:extLst>
           </p:cNvPr>
@@ -6429,13 +6005,13 @@
               </a:ext>
             </a:extLst>
           </a:blip>
-          <a:srcRect l="29396" t="11055"/>
+          <a:srcRect t="-623" r="53312" b="93236"/>
           <a:stretch/>
         </p:blipFill>
         <p:spPr>
           <a:xfrm>
-            <a:off x="7982561" y="1859280"/>
-            <a:ext cx="2277374" cy="4378425"/>
+            <a:off x="1089170" y="1823720"/>
+            <a:ext cx="1667518" cy="662940"/>
           </a:xfrm>
           <a:prstGeom prst="rect">
             <a:avLst/>
@@ -6457,7 +6033,7 @@
           <p:nvPr/>
         </p:nvPicPr>
         <p:blipFill rotWithShape="1">
-          <a:blip r:embed="rId3">
+          <a:blip r:embed="rId4">
             <a:extLst>
               <a:ext uri="{28A0092B-C50C-407E-A947-70E740481C1C}">
                 <a14:useLocalDpi xmlns:a14="http://schemas.microsoft.com/office/drawing/2010/main" val="0"/>
@@ -6469,7 +6045,7 @@
         </p:blipFill>
         <p:spPr>
           <a:xfrm>
-            <a:off x="8977513" y="1859280"/>
+            <a:off x="5484092" y="1859280"/>
             <a:ext cx="1941663" cy="662940"/>
           </a:xfrm>
           <a:prstGeom prst="rect">
@@ -6492,7 +6068,7 @@
           <p:nvPr/>
         </p:nvPicPr>
         <p:blipFill rotWithShape="1">
-          <a:blip r:embed="rId3">
+          <a:blip r:embed="rId4">
             <a:extLst>
               <a:ext uri="{28A0092B-C50C-407E-A947-70E740481C1C}">
                 <a14:useLocalDpi xmlns:a14="http://schemas.microsoft.com/office/drawing/2010/main" val="0"/>
@@ -6504,8 +6080,43 @@
         </p:blipFill>
         <p:spPr>
           <a:xfrm>
-            <a:off x="6868950" y="3611881"/>
+            <a:off x="6063858" y="3158563"/>
             <a:ext cx="1278009" cy="1718898"/>
+          </a:xfrm>
+          <a:prstGeom prst="rect">
+            <a:avLst/>
+          </a:prstGeom>
+        </p:spPr>
+      </p:pic>
+      <p:pic>
+        <p:nvPicPr>
+          <p:cNvPr id="15" name="図 14" descr="テキスト, 地図 が含まれている画像&#10;&#10;自動的に生成された説明">
+            <a:extLst>
+              <a:ext uri="{FF2B5EF4-FFF2-40B4-BE49-F238E27FC236}">
+                <a16:creationId xmlns:a16="http://schemas.microsoft.com/office/drawing/2014/main" id="{9F01DCCC-C810-492D-8E83-53B4154C185F}"/>
+              </a:ext>
+            </a:extLst>
+          </p:cNvPr>
+          <p:cNvPicPr>
+            <a:picLocks noChangeAspect="1"/>
+          </p:cNvPicPr>
+          <p:nvPr/>
+        </p:nvPicPr>
+        <p:blipFill rotWithShape="1">
+          <a:blip r:embed="rId5">
+            <a:extLst>
+              <a:ext uri="{28A0092B-C50C-407E-A947-70E740481C1C}">
+                <a14:useLocalDpi xmlns:a14="http://schemas.microsoft.com/office/drawing/2010/main" val="0"/>
+              </a:ext>
+            </a:extLst>
+          </a:blip>
+          <a:srcRect l="18425" t="9045"/>
+          <a:stretch/>
+        </p:blipFill>
+        <p:spPr>
+          <a:xfrm>
+            <a:off x="7359488" y="1798320"/>
+            <a:ext cx="3852995" cy="4439385"/>
           </a:xfrm>
           <a:prstGeom prst="rect">
             <a:avLst/>
@@ -6760,76 +6371,6 @@
           </a:p>
         </p:txBody>
       </p:sp>
-      <p:pic>
-        <p:nvPicPr>
-          <p:cNvPr id="11" name="図 10" descr="時計 が含まれている画像&#10;&#10;自動的に生成された説明">
-            <a:extLst>
-              <a:ext uri="{FF2B5EF4-FFF2-40B4-BE49-F238E27FC236}">
-                <a16:creationId xmlns:a16="http://schemas.microsoft.com/office/drawing/2014/main" id="{2E5EA995-E567-4891-9647-8522F6279961}"/>
-              </a:ext>
-            </a:extLst>
-          </p:cNvPr>
-          <p:cNvPicPr>
-            <a:picLocks noChangeAspect="1"/>
-          </p:cNvPicPr>
-          <p:nvPr/>
-        </p:nvPicPr>
-        <p:blipFill rotWithShape="1">
-          <a:blip r:embed="rId2">
-            <a:extLst>
-              <a:ext uri="{28A0092B-C50C-407E-A947-70E740481C1C}">
-                <a14:useLocalDpi xmlns:a14="http://schemas.microsoft.com/office/drawing/2010/main" val="0"/>
-              </a:ext>
-            </a:extLst>
-          </a:blip>
-          <a:srcRect r="56636" b="73025"/>
-          <a:stretch/>
-        </p:blipFill>
-        <p:spPr>
-          <a:xfrm>
-            <a:off x="3039142" y="1808217"/>
-            <a:ext cx="1417912" cy="2001172"/>
-          </a:xfrm>
-          <a:prstGeom prst="rect">
-            <a:avLst/>
-          </a:prstGeom>
-        </p:spPr>
-      </p:pic>
-      <p:pic>
-        <p:nvPicPr>
-          <p:cNvPr id="12" name="図 11" descr="時計 が含まれている画像&#10;&#10;自動的に生成された説明">
-            <a:extLst>
-              <a:ext uri="{FF2B5EF4-FFF2-40B4-BE49-F238E27FC236}">
-                <a16:creationId xmlns:a16="http://schemas.microsoft.com/office/drawing/2014/main" id="{9D81C162-A006-4F95-A935-F979299F9C8A}"/>
-              </a:ext>
-            </a:extLst>
-          </p:cNvPr>
-          <p:cNvPicPr>
-            <a:picLocks noChangeAspect="1"/>
-          </p:cNvPicPr>
-          <p:nvPr/>
-        </p:nvPicPr>
-        <p:blipFill rotWithShape="1">
-          <a:blip r:embed="rId2">
-            <a:extLst>
-              <a:ext uri="{28A0092B-C50C-407E-A947-70E740481C1C}">
-                <a14:useLocalDpi xmlns:a14="http://schemas.microsoft.com/office/drawing/2010/main" val="0"/>
-              </a:ext>
-            </a:extLst>
-          </a:blip>
-          <a:srcRect l="35732" t="15860" b="8824"/>
-          <a:stretch/>
-        </p:blipFill>
-        <p:spPr>
-          <a:xfrm>
-            <a:off x="6146607" y="1800561"/>
-            <a:ext cx="1627988" cy="4328678"/>
-          </a:xfrm>
-          <a:prstGeom prst="rect">
-            <a:avLst/>
-          </a:prstGeom>
-        </p:spPr>
-      </p:pic>
       <p:sp>
         <p:nvSpPr>
           <p:cNvPr id="15" name="正方形/長方形 14">
@@ -6884,76 +6425,6 @@
           </a:p>
         </p:txBody>
       </p:sp>
-      <p:pic>
-        <p:nvPicPr>
-          <p:cNvPr id="19" name="図 18" descr="時計 が含まれている画像&#10;&#10;自動的に生成された説明">
-            <a:extLst>
-              <a:ext uri="{FF2B5EF4-FFF2-40B4-BE49-F238E27FC236}">
-                <a16:creationId xmlns:a16="http://schemas.microsoft.com/office/drawing/2014/main" id="{50196CEC-0130-4AAE-ADA8-6870D9CDA4A8}"/>
-              </a:ext>
-            </a:extLst>
-          </p:cNvPr>
-          <p:cNvPicPr>
-            <a:picLocks noChangeAspect="1"/>
-          </p:cNvPicPr>
-          <p:nvPr/>
-        </p:nvPicPr>
-        <p:blipFill rotWithShape="1">
-          <a:blip r:embed="rId2">
-            <a:extLst>
-              <a:ext uri="{28A0092B-C50C-407E-A947-70E740481C1C}">
-                <a14:useLocalDpi xmlns:a14="http://schemas.microsoft.com/office/drawing/2010/main" val="0"/>
-              </a:ext>
-            </a:extLst>
-          </a:blip>
-          <a:srcRect t="47823" r="61945" b="43768"/>
-          <a:stretch/>
-        </p:blipFill>
-        <p:spPr>
-          <a:xfrm>
-            <a:off x="3039142" y="3809389"/>
-            <a:ext cx="1244319" cy="623851"/>
-          </a:xfrm>
-          <a:prstGeom prst="rect">
-            <a:avLst/>
-          </a:prstGeom>
-        </p:spPr>
-      </p:pic>
-      <p:pic>
-        <p:nvPicPr>
-          <p:cNvPr id="23" name="図 22" descr="時計 が含まれている画像&#10;&#10;自動的に生成された説明">
-            <a:extLst>
-              <a:ext uri="{FF2B5EF4-FFF2-40B4-BE49-F238E27FC236}">
-                <a16:creationId xmlns:a16="http://schemas.microsoft.com/office/drawing/2014/main" id="{79A2712A-FDDE-4D27-9169-F1FE71E12116}"/>
-              </a:ext>
-            </a:extLst>
-          </p:cNvPr>
-          <p:cNvPicPr>
-            <a:picLocks noChangeAspect="1"/>
-          </p:cNvPicPr>
-          <p:nvPr/>
-        </p:nvPicPr>
-        <p:blipFill rotWithShape="1">
-          <a:blip r:embed="rId2">
-            <a:extLst>
-              <a:ext uri="{28A0092B-C50C-407E-A947-70E740481C1C}">
-                <a14:useLocalDpi xmlns:a14="http://schemas.microsoft.com/office/drawing/2010/main" val="0"/>
-              </a:ext>
-            </a:extLst>
-          </a:blip>
-          <a:srcRect t="86660" r="61945" b="-59"/>
-          <a:stretch/>
-        </p:blipFill>
-        <p:spPr>
-          <a:xfrm>
-            <a:off x="3036494" y="5135181"/>
-            <a:ext cx="1244319" cy="994058"/>
-          </a:xfrm>
-          <a:prstGeom prst="rect">
-            <a:avLst/>
-          </a:prstGeom>
-        </p:spPr>
-      </p:pic>
       <p:sp>
         <p:nvSpPr>
           <p:cNvPr id="27" name="正方形/長方形 26">
@@ -7008,127 +6479,6 @@
           </a:p>
         </p:txBody>
       </p:sp>
-      <p:cxnSp>
-        <p:nvCxnSpPr>
-          <p:cNvPr id="24" name="直線コネクタ 23">
-            <a:extLst>
-              <a:ext uri="{FF2B5EF4-FFF2-40B4-BE49-F238E27FC236}">
-                <a16:creationId xmlns:a16="http://schemas.microsoft.com/office/drawing/2014/main" id="{504A0E5E-6CE9-450D-B085-3DAF2ADB2F71}"/>
-              </a:ext>
-            </a:extLst>
-          </p:cNvPr>
-          <p:cNvCxnSpPr>
-            <a:cxnSpLocks/>
-          </p:cNvCxnSpPr>
-          <p:nvPr/>
-        </p:nvCxnSpPr>
-        <p:spPr>
-          <a:xfrm flipV="1">
-            <a:off x="4457054" y="1890713"/>
-            <a:ext cx="0" cy="1238253"/>
-          </a:xfrm>
-          <a:prstGeom prst="line">
-            <a:avLst/>
-          </a:prstGeom>
-          <a:ln>
-            <a:prstDash val="dash"/>
-          </a:ln>
-        </p:spPr>
-        <p:style>
-          <a:lnRef idx="1">
-            <a:schemeClr val="dk1"/>
-          </a:lnRef>
-          <a:fillRef idx="0">
-            <a:schemeClr val="dk1"/>
-          </a:fillRef>
-          <a:effectRef idx="0">
-            <a:schemeClr val="dk1"/>
-          </a:effectRef>
-          <a:fontRef idx="minor">
-            <a:schemeClr val="tx1"/>
-          </a:fontRef>
-        </p:style>
-      </p:cxnSp>
-      <p:cxnSp>
-        <p:nvCxnSpPr>
-          <p:cNvPr id="38" name="直線コネクタ 37">
-            <a:extLst>
-              <a:ext uri="{FF2B5EF4-FFF2-40B4-BE49-F238E27FC236}">
-                <a16:creationId xmlns:a16="http://schemas.microsoft.com/office/drawing/2014/main" id="{08072BE5-1805-4CC4-A23B-04D2D9E42CB6}"/>
-              </a:ext>
-            </a:extLst>
-          </p:cNvPr>
-          <p:cNvCxnSpPr>
-            <a:cxnSpLocks/>
-          </p:cNvCxnSpPr>
-          <p:nvPr/>
-        </p:nvCxnSpPr>
-        <p:spPr>
-          <a:xfrm flipH="1">
-            <a:off x="3665004" y="4433240"/>
-            <a:ext cx="2648" cy="701941"/>
-          </a:xfrm>
-          <a:prstGeom prst="line">
-            <a:avLst/>
-          </a:prstGeom>
-          <a:ln w="9525"/>
-        </p:spPr>
-        <p:style>
-          <a:lnRef idx="1">
-            <a:schemeClr val="dk1"/>
-          </a:lnRef>
-          <a:fillRef idx="0">
-            <a:schemeClr val="dk1"/>
-          </a:fillRef>
-          <a:effectRef idx="0">
-            <a:schemeClr val="dk1"/>
-          </a:effectRef>
-          <a:fontRef idx="minor">
-            <a:schemeClr val="tx1"/>
-          </a:fontRef>
-        </p:style>
-      </p:cxnSp>
-      <p:cxnSp>
-        <p:nvCxnSpPr>
-          <p:cNvPr id="42" name="直線コネクタ 41">
-            <a:extLst>
-              <a:ext uri="{FF2B5EF4-FFF2-40B4-BE49-F238E27FC236}">
-                <a16:creationId xmlns:a16="http://schemas.microsoft.com/office/drawing/2014/main" id="{41E7EEA5-7EF1-4214-B447-3270BBCAC93F}"/>
-              </a:ext>
-            </a:extLst>
-          </p:cNvPr>
-          <p:cNvCxnSpPr>
-            <a:cxnSpLocks/>
-          </p:cNvCxnSpPr>
-          <p:nvPr/>
-        </p:nvCxnSpPr>
-        <p:spPr>
-          <a:xfrm>
-            <a:off x="4488611" y="6030917"/>
-            <a:ext cx="1657996" cy="0"/>
-          </a:xfrm>
-          <a:prstGeom prst="line">
-            <a:avLst/>
-          </a:prstGeom>
-          <a:ln>
-            <a:prstDash val="dash"/>
-          </a:ln>
-        </p:spPr>
-        <p:style>
-          <a:lnRef idx="1">
-            <a:schemeClr val="dk1"/>
-          </a:lnRef>
-          <a:fillRef idx="0">
-            <a:schemeClr val="dk1"/>
-          </a:fillRef>
-          <a:effectRef idx="0">
-            <a:schemeClr val="dk1"/>
-          </a:effectRef>
-          <a:fontRef idx="minor">
-            <a:schemeClr val="tx1"/>
-          </a:fontRef>
-        </p:style>
-      </p:cxnSp>
       <p:pic>
         <p:nvPicPr>
           <p:cNvPr id="45" name="図 44" descr="時計 が含まれている画像&#10;&#10;自動的に生成された説明">
@@ -7156,7 +6506,7 @@
         </p:blipFill>
         <p:spPr>
           <a:xfrm>
-            <a:off x="884871" y="1890713"/>
+            <a:off x="2494604" y="1796181"/>
             <a:ext cx="2018206" cy="821646"/>
           </a:xfrm>
           <a:prstGeom prst="rect">
@@ -7164,129 +6514,41 @@
           </a:prstGeom>
         </p:spPr>
       </p:pic>
-      <p:cxnSp>
-        <p:nvCxnSpPr>
-          <p:cNvPr id="47" name="直線コネクタ 46">
-            <a:extLst>
-              <a:ext uri="{FF2B5EF4-FFF2-40B4-BE49-F238E27FC236}">
-                <a16:creationId xmlns:a16="http://schemas.microsoft.com/office/drawing/2014/main" id="{EFD70C28-A7D0-4656-9B91-16F5414941F0}"/>
-              </a:ext>
-            </a:extLst>
-          </p:cNvPr>
-          <p:cNvCxnSpPr>
-            <a:cxnSpLocks/>
-          </p:cNvCxnSpPr>
+      <p:pic>
+        <p:nvPicPr>
+          <p:cNvPr id="6" name="図 5" descr="時計 が含まれている画像&#10;&#10;自動的に生成された説明">
+            <a:extLst>
+              <a:ext uri="{FF2B5EF4-FFF2-40B4-BE49-F238E27FC236}">
+                <a16:creationId xmlns:a16="http://schemas.microsoft.com/office/drawing/2014/main" id="{E8497655-D3ED-4869-B220-5C8E13232431}"/>
+              </a:ext>
+            </a:extLst>
+          </p:cNvPr>
+          <p:cNvPicPr>
+            <a:picLocks noChangeAspect="1"/>
+          </p:cNvPicPr>
           <p:nvPr/>
-        </p:nvCxnSpPr>
+        </p:nvPicPr>
+        <p:blipFill rotWithShape="1">
+          <a:blip r:embed="rId3">
+            <a:extLst>
+              <a:ext uri="{28A0092B-C50C-407E-A947-70E740481C1C}">
+                <a14:useLocalDpi xmlns:a14="http://schemas.microsoft.com/office/drawing/2010/main" val="0"/>
+              </a:ext>
+            </a:extLst>
+          </a:blip>
+          <a:srcRect t="7098"/>
+          <a:stretch/>
+        </p:blipFill>
         <p:spPr>
           <a:xfrm>
-            <a:off x="4457054" y="1915418"/>
-            <a:ext cx="2041741" cy="1"/>
-          </a:xfrm>
-          <a:prstGeom prst="line">
+            <a:off x="4773206" y="1796181"/>
+            <a:ext cx="2377707" cy="4519952"/>
+          </a:xfrm>
+          <a:prstGeom prst="rect">
             <a:avLst/>
           </a:prstGeom>
-          <a:ln>
-            <a:prstDash val="dash"/>
-          </a:ln>
-        </p:spPr>
-        <p:style>
-          <a:lnRef idx="1">
-            <a:schemeClr val="dk1"/>
-          </a:lnRef>
-          <a:fillRef idx="0">
-            <a:schemeClr val="dk1"/>
-          </a:fillRef>
-          <a:effectRef idx="0">
-            <a:schemeClr val="dk1"/>
-          </a:effectRef>
-          <a:fontRef idx="minor">
-            <a:schemeClr val="tx1"/>
-          </a:fontRef>
-        </p:style>
-      </p:cxnSp>
-      <p:cxnSp>
-        <p:nvCxnSpPr>
-          <p:cNvPr id="55" name="直線コネクタ 54">
-            <a:extLst>
-              <a:ext uri="{FF2B5EF4-FFF2-40B4-BE49-F238E27FC236}">
-                <a16:creationId xmlns:a16="http://schemas.microsoft.com/office/drawing/2014/main" id="{5502EAED-D4AF-41CF-A273-0B0BA1AA483D}"/>
-              </a:ext>
-            </a:extLst>
-          </p:cNvPr>
-          <p:cNvCxnSpPr>
-            <a:cxnSpLocks/>
-          </p:cNvCxnSpPr>
-          <p:nvPr/>
-        </p:nvCxnSpPr>
-        <p:spPr>
-          <a:xfrm flipV="1">
-            <a:off x="4488611" y="5337971"/>
-            <a:ext cx="0" cy="680246"/>
-          </a:xfrm>
-          <a:prstGeom prst="line">
-            <a:avLst/>
-          </a:prstGeom>
-          <a:ln>
-            <a:prstDash val="dash"/>
-          </a:ln>
-        </p:spPr>
-        <p:style>
-          <a:lnRef idx="1">
-            <a:schemeClr val="dk1"/>
-          </a:lnRef>
-          <a:fillRef idx="0">
-            <a:schemeClr val="dk1"/>
-          </a:fillRef>
-          <a:effectRef idx="0">
-            <a:schemeClr val="dk1"/>
-          </a:effectRef>
-          <a:fontRef idx="minor">
-            <a:schemeClr val="tx1"/>
-          </a:fontRef>
-        </p:style>
-      </p:cxnSp>
-      <p:cxnSp>
-        <p:nvCxnSpPr>
-          <p:cNvPr id="59" name="直線コネクタ 58">
-            <a:extLst>
-              <a:ext uri="{FF2B5EF4-FFF2-40B4-BE49-F238E27FC236}">
-                <a16:creationId xmlns:a16="http://schemas.microsoft.com/office/drawing/2014/main" id="{C90CB34C-20CF-49B6-9C48-0156DA6BC500}"/>
-              </a:ext>
-            </a:extLst>
-          </p:cNvPr>
-          <p:cNvCxnSpPr>
-            <a:cxnSpLocks/>
-          </p:cNvCxnSpPr>
-          <p:nvPr/>
-        </p:nvCxnSpPr>
-        <p:spPr>
-          <a:xfrm>
-            <a:off x="4280813" y="5350671"/>
-            <a:ext cx="207798" cy="0"/>
-          </a:xfrm>
-          <a:prstGeom prst="line">
-            <a:avLst/>
-          </a:prstGeom>
-          <a:ln>
-            <a:prstDash val="dash"/>
-          </a:ln>
-        </p:spPr>
-        <p:style>
-          <a:lnRef idx="1">
-            <a:schemeClr val="dk1"/>
-          </a:lnRef>
-          <a:fillRef idx="0">
-            <a:schemeClr val="dk1"/>
-          </a:fillRef>
-          <a:effectRef idx="0">
-            <a:schemeClr val="dk1"/>
-          </a:effectRef>
-          <a:fontRef idx="minor">
-            <a:schemeClr val="tx1"/>
-          </a:fontRef>
-        </p:style>
-      </p:cxnSp>
+        </p:spPr>
+      </p:pic>
     </p:spTree>
     <p:extLst>
       <p:ext uri="{BB962C8B-B14F-4D97-AF65-F5344CB8AC3E}">
@@ -7459,7 +6721,7 @@
               <a:t> －</a:t>
             </a:r>
             <a:r>
-              <a:rPr kumimoji="1" lang="ja-JP" altLang="en-US" sz="4800" kern="1200" spc="-50" baseline="0" dirty="0">
+              <a:rPr kumimoji="1" lang="en-US" altLang="ja-JP" sz="4800" kern="1200" spc="-50" baseline="0" dirty="0">
                 <a:solidFill>
                   <a:schemeClr val="tx1">
                     <a:lumMod val="75000"/>
@@ -7471,7 +6733,7 @@
                 <a:ea typeface="+mj-ea"/>
                 <a:cs typeface="+mj-cs"/>
               </a:rPr>
-              <a:t>ウィンドウマネージャ</a:t>
+              <a:t>LCD</a:t>
             </a:r>
             <a:endParaRPr kumimoji="1" lang="ja-JP" altLang="en-US" dirty="0"/>
           </a:p>
@@ -7537,10 +6799,10 @@
       </p:sp>
       <p:pic>
         <p:nvPicPr>
-          <p:cNvPr id="20" name="コンテンツ プレースホルダー 19" descr="テキスト, 地図 が含まれている画像&#10;&#10;自動的に生成された説明">
-            <a:extLst>
-              <a:ext uri="{FF2B5EF4-FFF2-40B4-BE49-F238E27FC236}">
-                <a16:creationId xmlns:a16="http://schemas.microsoft.com/office/drawing/2014/main" id="{961C739E-0EE9-4C4A-A776-B6D48E15CFD1}"/>
+          <p:cNvPr id="8" name="コンテンツ プレースホルダー 7" descr="テキスト が含まれている画像&#10;&#10;自動的に生成された説明">
+            <a:extLst>
+              <a:ext uri="{FF2B5EF4-FFF2-40B4-BE49-F238E27FC236}">
+                <a16:creationId xmlns:a16="http://schemas.microsoft.com/office/drawing/2014/main" id="{F7CF3C1C-C3AA-4F05-967A-AE946AEBD6AE}"/>
               </a:ext>
             </a:extLst>
           </p:cNvPr>
@@ -7559,57 +6821,22 @@
               </a:ext>
             </a:extLst>
           </a:blip>
-          <a:srcRect l="38402" r="40121" b="73461"/>
+          <a:srcRect t="14553"/>
           <a:stretch/>
         </p:blipFill>
         <p:spPr>
           <a:xfrm>
-            <a:off x="507267" y="1744394"/>
-            <a:ext cx="1817936" cy="1989430"/>
+            <a:off x="3906481" y="1809549"/>
+            <a:ext cx="4379037" cy="4498118"/>
           </a:xfrm>
         </p:spPr>
       </p:pic>
       <p:pic>
         <p:nvPicPr>
-          <p:cNvPr id="10" name="コンテンツ プレースホルダー 6" descr="テキスト が含まれている画像&#10;&#10;自動的に生成された説明">
-            <a:extLst>
-              <a:ext uri="{FF2B5EF4-FFF2-40B4-BE49-F238E27FC236}">
-                <a16:creationId xmlns:a16="http://schemas.microsoft.com/office/drawing/2014/main" id="{08783489-66CD-40D9-A183-5E36CC66C611}"/>
-              </a:ext>
-            </a:extLst>
-          </p:cNvPr>
-          <p:cNvPicPr>
-            <a:picLocks noChangeAspect="1"/>
-          </p:cNvPicPr>
-          <p:nvPr/>
-        </p:nvPicPr>
-        <p:blipFill rotWithShape="1">
-          <a:blip r:embed="rId3">
-            <a:extLst>
-              <a:ext uri="{28A0092B-C50C-407E-A947-70E740481C1C}">
-                <a14:useLocalDpi xmlns:a14="http://schemas.microsoft.com/office/drawing/2010/main" val="0"/>
-              </a:ext>
-            </a:extLst>
-          </a:blip>
-          <a:srcRect l="54929" r="25655" b="90856"/>
-          <a:stretch/>
-        </p:blipFill>
-        <p:spPr>
-          <a:xfrm>
-            <a:off x="1932801" y="1836409"/>
-            <a:ext cx="1974856" cy="704207"/>
-          </a:xfrm>
-          <a:prstGeom prst="rect">
-            <a:avLst/>
-          </a:prstGeom>
-        </p:spPr>
-      </p:pic>
-      <p:pic>
-        <p:nvPicPr>
-          <p:cNvPr id="21" name="コンテンツ プレースホルダー 19" descr="テキスト, 地図 が含まれている画像&#10;&#10;自動的に生成された説明">
-            <a:extLst>
-              <a:ext uri="{FF2B5EF4-FFF2-40B4-BE49-F238E27FC236}">
-                <a16:creationId xmlns:a16="http://schemas.microsoft.com/office/drawing/2014/main" id="{A5492459-9DD3-429B-97F3-84B4255E0923}"/>
+          <p:cNvPr id="23" name="コンテンツ プレースホルダー 7" descr="テキスト が含まれている画像&#10;&#10;自動的に生成された説明">
+            <a:extLst>
+              <a:ext uri="{FF2B5EF4-FFF2-40B4-BE49-F238E27FC236}">
+                <a16:creationId xmlns:a16="http://schemas.microsoft.com/office/drawing/2014/main" id="{0CC2C5CF-76CF-4EBA-96AF-26D69E24A6CC}"/>
               </a:ext>
             </a:extLst>
           </p:cNvPr>
@@ -7626,462 +6853,19 @@
               </a:ext>
             </a:extLst>
           </a:blip>
-          <a:srcRect t="23519" r="3466" b="39225"/>
+          <a:srcRect l="51352" t="-1" r="6331" b="89889"/>
           <a:stretch/>
         </p:blipFill>
         <p:spPr>
           <a:xfrm>
-            <a:off x="2301389" y="3058771"/>
-            <a:ext cx="7555835" cy="2582496"/>
+            <a:off x="3906481" y="1809549"/>
+            <a:ext cx="1570484" cy="451132"/>
           </a:xfrm>
           <a:prstGeom prst="rect">
             <a:avLst/>
           </a:prstGeom>
         </p:spPr>
       </p:pic>
-      <p:pic>
-        <p:nvPicPr>
-          <p:cNvPr id="22" name="コンテンツ プレースホルダー 19" descr="テキスト, 地図 が含まれている画像&#10;&#10;自動的に生成された説明">
-            <a:extLst>
-              <a:ext uri="{FF2B5EF4-FFF2-40B4-BE49-F238E27FC236}">
-                <a16:creationId xmlns:a16="http://schemas.microsoft.com/office/drawing/2014/main" id="{BFAEA52F-3371-4114-91B4-782ED908A68F}"/>
-              </a:ext>
-            </a:extLst>
-          </p:cNvPr>
-          <p:cNvPicPr>
-            <a:picLocks noChangeAspect="1"/>
-          </p:cNvPicPr>
-          <p:nvPr/>
-        </p:nvPicPr>
-        <p:blipFill rotWithShape="1">
-          <a:blip r:embed="rId2">
-            <a:extLst>
-              <a:ext uri="{28A0092B-C50C-407E-A947-70E740481C1C}">
-                <a14:useLocalDpi xmlns:a14="http://schemas.microsoft.com/office/drawing/2010/main" val="0"/>
-              </a:ext>
-            </a:extLst>
-          </a:blip>
-          <a:srcRect l="40508" t="61532" r="43895" b="-670"/>
-          <a:stretch/>
-        </p:blipFill>
-        <p:spPr>
-          <a:xfrm>
-            <a:off x="10473177" y="2729253"/>
-            <a:ext cx="1365005" cy="3033415"/>
-          </a:xfrm>
-          <a:prstGeom prst="rect">
-            <a:avLst/>
-          </a:prstGeom>
-        </p:spPr>
-      </p:pic>
-      <p:sp>
-        <p:nvSpPr>
-          <p:cNvPr id="24" name="テキスト ボックス 23">
-            <a:extLst>
-              <a:ext uri="{FF2B5EF4-FFF2-40B4-BE49-F238E27FC236}">
-                <a16:creationId xmlns:a16="http://schemas.microsoft.com/office/drawing/2014/main" id="{6D2BA9CB-23E8-45DB-B482-87B4DB53B4AC}"/>
-              </a:ext>
-            </a:extLst>
-          </p:cNvPr>
-          <p:cNvSpPr txBox="1"/>
-          <p:nvPr/>
-        </p:nvSpPr>
-        <p:spPr>
-          <a:xfrm>
-            <a:off x="1994665" y="2755485"/>
-            <a:ext cx="401974" cy="276999"/>
-          </a:xfrm>
-          <a:prstGeom prst="rect">
-            <a:avLst/>
-          </a:prstGeom>
-          <a:solidFill>
-            <a:schemeClr val="bg1"/>
-          </a:solidFill>
-        </p:spPr>
-        <p:txBody>
-          <a:bodyPr wrap="square" rtlCol="0">
-            <a:spAutoFit/>
-          </a:bodyPr>
-          <a:lstStyle/>
-          <a:p>
-            <a:r>
-              <a:rPr kumimoji="1" lang="en-US" altLang="ja-JP" sz="1200" dirty="0"/>
-              <a:t>Yes</a:t>
-            </a:r>
-            <a:endParaRPr kumimoji="1" lang="ja-JP" altLang="en-US" sz="1200" dirty="0"/>
-          </a:p>
-        </p:txBody>
-      </p:sp>
-      <p:sp>
-        <p:nvSpPr>
-          <p:cNvPr id="27" name="テキスト ボックス 26">
-            <a:extLst>
-              <a:ext uri="{FF2B5EF4-FFF2-40B4-BE49-F238E27FC236}">
-                <a16:creationId xmlns:a16="http://schemas.microsoft.com/office/drawing/2014/main" id="{0C949875-55DF-4A0D-B5C0-22655FCCD386}"/>
-              </a:ext>
-            </a:extLst>
-          </p:cNvPr>
-          <p:cNvSpPr txBox="1"/>
-          <p:nvPr/>
-        </p:nvSpPr>
-        <p:spPr>
-          <a:xfrm>
-            <a:off x="1416235" y="3380696"/>
-            <a:ext cx="401974" cy="276999"/>
-          </a:xfrm>
-          <a:prstGeom prst="rect">
-            <a:avLst/>
-          </a:prstGeom>
-          <a:solidFill>
-            <a:schemeClr val="bg1"/>
-          </a:solidFill>
-        </p:spPr>
-        <p:txBody>
-          <a:bodyPr wrap="square" rtlCol="0">
-            <a:spAutoFit/>
-          </a:bodyPr>
-          <a:lstStyle/>
-          <a:p>
-            <a:r>
-              <a:rPr kumimoji="1" lang="en-US" altLang="ja-JP" sz="1200" dirty="0"/>
-              <a:t>No</a:t>
-            </a:r>
-            <a:endParaRPr kumimoji="1" lang="ja-JP" altLang="en-US" sz="1200" dirty="0"/>
-          </a:p>
-        </p:txBody>
-      </p:sp>
-      <p:pic>
-        <p:nvPicPr>
-          <p:cNvPr id="29" name="コンテンツ プレースホルダー 19" descr="テキスト, 地図 が含まれている画像&#10;&#10;自動的に生成された説明">
-            <a:extLst>
-              <a:ext uri="{FF2B5EF4-FFF2-40B4-BE49-F238E27FC236}">
-                <a16:creationId xmlns:a16="http://schemas.microsoft.com/office/drawing/2014/main" id="{BA500A46-BF54-4657-8B1B-FE5EF21D8A81}"/>
-              </a:ext>
-            </a:extLst>
-          </p:cNvPr>
-          <p:cNvPicPr>
-            <a:picLocks noChangeAspect="1"/>
-          </p:cNvPicPr>
-          <p:nvPr/>
-        </p:nvPicPr>
-        <p:blipFill rotWithShape="1">
-          <a:blip r:embed="rId2">
-            <a:extLst>
-              <a:ext uri="{28A0092B-C50C-407E-A947-70E740481C1C}">
-                <a14:useLocalDpi xmlns:a14="http://schemas.microsoft.com/office/drawing/2010/main" val="0"/>
-              </a:ext>
-            </a:extLst>
-          </a:blip>
-          <a:srcRect l="40508" t="90317" r="43895" b="-670"/>
-          <a:stretch/>
-        </p:blipFill>
-        <p:spPr>
-          <a:xfrm>
-            <a:off x="660584" y="4920821"/>
-            <a:ext cx="1365005" cy="802433"/>
-          </a:xfrm>
-          <a:prstGeom prst="rect">
-            <a:avLst/>
-          </a:prstGeom>
-        </p:spPr>
-      </p:pic>
-      <p:cxnSp>
-        <p:nvCxnSpPr>
-          <p:cNvPr id="30" name="直線コネクタ 29">
-            <a:extLst>
-              <a:ext uri="{FF2B5EF4-FFF2-40B4-BE49-F238E27FC236}">
-                <a16:creationId xmlns:a16="http://schemas.microsoft.com/office/drawing/2014/main" id="{F79F014F-3554-4516-9817-6B4E550A083A}"/>
-              </a:ext>
-            </a:extLst>
-          </p:cNvPr>
-          <p:cNvCxnSpPr>
-            <a:cxnSpLocks/>
-            <a:endCxn id="21" idx="0"/>
-          </p:cNvCxnSpPr>
-          <p:nvPr/>
-        </p:nvCxnSpPr>
-        <p:spPr>
-          <a:xfrm>
-            <a:off x="2357519" y="3058771"/>
-            <a:ext cx="3721788" cy="0"/>
-          </a:xfrm>
-          <a:prstGeom prst="line">
-            <a:avLst/>
-          </a:prstGeom>
-          <a:ln>
-            <a:prstDash val="dash"/>
-          </a:ln>
-        </p:spPr>
-        <p:style>
-          <a:lnRef idx="1">
-            <a:schemeClr val="dk1"/>
-          </a:lnRef>
-          <a:fillRef idx="0">
-            <a:schemeClr val="dk1"/>
-          </a:fillRef>
-          <a:effectRef idx="0">
-            <a:schemeClr val="dk1"/>
-          </a:effectRef>
-          <a:fontRef idx="minor">
-            <a:schemeClr val="tx1"/>
-          </a:fontRef>
-        </p:style>
-      </p:cxnSp>
-      <p:cxnSp>
-        <p:nvCxnSpPr>
-          <p:cNvPr id="32" name="直線コネクタ 31">
-            <a:extLst>
-              <a:ext uri="{FF2B5EF4-FFF2-40B4-BE49-F238E27FC236}">
-                <a16:creationId xmlns:a16="http://schemas.microsoft.com/office/drawing/2014/main" id="{05316743-FAE9-49B6-BA2F-17CF63CE02C5}"/>
-              </a:ext>
-            </a:extLst>
-          </p:cNvPr>
-          <p:cNvCxnSpPr>
-            <a:cxnSpLocks/>
-          </p:cNvCxnSpPr>
-          <p:nvPr/>
-        </p:nvCxnSpPr>
-        <p:spPr>
-          <a:xfrm>
-            <a:off x="6096000" y="5628831"/>
-            <a:ext cx="4163198" cy="12436"/>
-          </a:xfrm>
-          <a:prstGeom prst="line">
-            <a:avLst/>
-          </a:prstGeom>
-          <a:ln>
-            <a:prstDash val="dash"/>
-          </a:ln>
-        </p:spPr>
-        <p:style>
-          <a:lnRef idx="1">
-            <a:schemeClr val="dk1"/>
-          </a:lnRef>
-          <a:fillRef idx="0">
-            <a:schemeClr val="dk1"/>
-          </a:fillRef>
-          <a:effectRef idx="0">
-            <a:schemeClr val="dk1"/>
-          </a:effectRef>
-          <a:fontRef idx="minor">
-            <a:schemeClr val="tx1"/>
-          </a:fontRef>
-        </p:style>
-      </p:cxnSp>
-      <p:cxnSp>
-        <p:nvCxnSpPr>
-          <p:cNvPr id="34" name="直線コネクタ 33">
-            <a:extLst>
-              <a:ext uri="{FF2B5EF4-FFF2-40B4-BE49-F238E27FC236}">
-                <a16:creationId xmlns:a16="http://schemas.microsoft.com/office/drawing/2014/main" id="{1A5ACE87-C581-4B33-AD1D-AFD66E04C7FC}"/>
-              </a:ext>
-            </a:extLst>
-          </p:cNvPr>
-          <p:cNvCxnSpPr>
-            <a:cxnSpLocks/>
-          </p:cNvCxnSpPr>
-          <p:nvPr/>
-        </p:nvCxnSpPr>
-        <p:spPr>
-          <a:xfrm flipV="1">
-            <a:off x="10259198" y="2227089"/>
-            <a:ext cx="0" cy="3401742"/>
-          </a:xfrm>
-          <a:prstGeom prst="line">
-            <a:avLst/>
-          </a:prstGeom>
-          <a:ln>
-            <a:prstDash val="dash"/>
-          </a:ln>
-        </p:spPr>
-        <p:style>
-          <a:lnRef idx="1">
-            <a:schemeClr val="dk1"/>
-          </a:lnRef>
-          <a:fillRef idx="0">
-            <a:schemeClr val="dk1"/>
-          </a:fillRef>
-          <a:effectRef idx="0">
-            <a:schemeClr val="dk1"/>
-          </a:effectRef>
-          <a:fontRef idx="minor">
-            <a:schemeClr val="tx1"/>
-          </a:fontRef>
-        </p:style>
-      </p:cxnSp>
-      <p:cxnSp>
-        <p:nvCxnSpPr>
-          <p:cNvPr id="37" name="直線コネクタ 36">
-            <a:extLst>
-              <a:ext uri="{FF2B5EF4-FFF2-40B4-BE49-F238E27FC236}">
-                <a16:creationId xmlns:a16="http://schemas.microsoft.com/office/drawing/2014/main" id="{0B795E98-C413-4F21-A970-43CFB78B59C9}"/>
-              </a:ext>
-            </a:extLst>
-          </p:cNvPr>
-          <p:cNvCxnSpPr>
-            <a:cxnSpLocks/>
-          </p:cNvCxnSpPr>
-          <p:nvPr/>
-        </p:nvCxnSpPr>
-        <p:spPr>
-          <a:xfrm>
-            <a:off x="10259198" y="2227089"/>
-            <a:ext cx="896481" cy="0"/>
-          </a:xfrm>
-          <a:prstGeom prst="line">
-            <a:avLst/>
-          </a:prstGeom>
-          <a:ln>
-            <a:prstDash val="dash"/>
-          </a:ln>
-        </p:spPr>
-        <p:style>
-          <a:lnRef idx="1">
-            <a:schemeClr val="dk1"/>
-          </a:lnRef>
-          <a:fillRef idx="0">
-            <a:schemeClr val="dk1"/>
-          </a:fillRef>
-          <a:effectRef idx="0">
-            <a:schemeClr val="dk1"/>
-          </a:effectRef>
-          <a:fontRef idx="minor">
-            <a:schemeClr val="tx1"/>
-          </a:fontRef>
-        </p:style>
-      </p:cxnSp>
-      <p:cxnSp>
-        <p:nvCxnSpPr>
-          <p:cNvPr id="40" name="直線コネクタ 39">
-            <a:extLst>
-              <a:ext uri="{FF2B5EF4-FFF2-40B4-BE49-F238E27FC236}">
-                <a16:creationId xmlns:a16="http://schemas.microsoft.com/office/drawing/2014/main" id="{DEBC605A-722D-463D-8AF2-B38297AE2330}"/>
-              </a:ext>
-            </a:extLst>
-          </p:cNvPr>
-          <p:cNvCxnSpPr>
-            <a:cxnSpLocks/>
-            <a:endCxn id="22" idx="0"/>
-          </p:cNvCxnSpPr>
-          <p:nvPr/>
-        </p:nvCxnSpPr>
-        <p:spPr>
-          <a:xfrm>
-            <a:off x="11155680" y="2227089"/>
-            <a:ext cx="0" cy="502164"/>
-          </a:xfrm>
-          <a:prstGeom prst="line">
-            <a:avLst/>
-          </a:prstGeom>
-          <a:ln>
-            <a:prstDash val="dash"/>
-          </a:ln>
-        </p:spPr>
-        <p:style>
-          <a:lnRef idx="1">
-            <a:schemeClr val="dk1"/>
-          </a:lnRef>
-          <a:fillRef idx="0">
-            <a:schemeClr val="dk1"/>
-          </a:fillRef>
-          <a:effectRef idx="0">
-            <a:schemeClr val="dk1"/>
-          </a:effectRef>
-          <a:fontRef idx="minor">
-            <a:schemeClr val="tx1"/>
-          </a:fontRef>
-        </p:style>
-      </p:cxnSp>
-      <p:cxnSp>
-        <p:nvCxnSpPr>
-          <p:cNvPr id="48" name="直線コネクタ 47">
-            <a:extLst>
-              <a:ext uri="{FF2B5EF4-FFF2-40B4-BE49-F238E27FC236}">
-                <a16:creationId xmlns:a16="http://schemas.microsoft.com/office/drawing/2014/main" id="{863D4052-CA41-4C02-A58C-D4934EEC69CB}"/>
-              </a:ext>
-            </a:extLst>
-          </p:cNvPr>
-          <p:cNvCxnSpPr/>
-          <p:nvPr/>
-        </p:nvCxnSpPr>
-        <p:spPr>
-          <a:xfrm>
-            <a:off x="1349437" y="3733824"/>
-            <a:ext cx="0" cy="1206500"/>
-          </a:xfrm>
-          <a:prstGeom prst="line">
-            <a:avLst/>
-          </a:prstGeom>
-        </p:spPr>
-        <p:style>
-          <a:lnRef idx="1">
-            <a:schemeClr val="dk1"/>
-          </a:lnRef>
-          <a:fillRef idx="0">
-            <a:schemeClr val="dk1"/>
-          </a:fillRef>
-          <a:effectRef idx="0">
-            <a:schemeClr val="dk1"/>
-          </a:effectRef>
-          <a:fontRef idx="minor">
-            <a:schemeClr val="tx1"/>
-          </a:fontRef>
-        </p:style>
-      </p:cxnSp>
-      <p:sp>
-        <p:nvSpPr>
-          <p:cNvPr id="49" name="正方形/長方形 48">
-            <a:extLst>
-              <a:ext uri="{FF2B5EF4-FFF2-40B4-BE49-F238E27FC236}">
-                <a16:creationId xmlns:a16="http://schemas.microsoft.com/office/drawing/2014/main" id="{BB040D5B-0012-46D2-A88D-B7F52DEF6CFE}"/>
-              </a:ext>
-            </a:extLst>
-          </p:cNvPr>
-          <p:cNvSpPr/>
-          <p:nvPr/>
-        </p:nvSpPr>
-        <p:spPr>
-          <a:xfrm>
-            <a:off x="11179786" y="4641025"/>
-            <a:ext cx="658396" cy="299299"/>
-          </a:xfrm>
-          <a:prstGeom prst="rect">
-            <a:avLst/>
-          </a:prstGeom>
-          <a:solidFill>
-            <a:schemeClr val="bg1"/>
-          </a:solidFill>
-          <a:ln>
-            <a:solidFill>
-              <a:schemeClr val="bg1"/>
-            </a:solidFill>
-          </a:ln>
-        </p:spPr>
-        <p:style>
-          <a:lnRef idx="2">
-            <a:schemeClr val="accent1">
-              <a:shade val="50000"/>
-            </a:schemeClr>
-          </a:lnRef>
-          <a:fillRef idx="1">
-            <a:schemeClr val="accent1"/>
-          </a:fillRef>
-          <a:effectRef idx="0">
-            <a:schemeClr val="accent1"/>
-          </a:effectRef>
-          <a:fontRef idx="minor">
-            <a:schemeClr val="lt1"/>
-          </a:fontRef>
-        </p:style>
-        <p:txBody>
-          <a:bodyPr rtlCol="0" anchor="ctr"/>
-          <a:lstStyle/>
-          <a:p>
-            <a:pPr algn="ctr"/>
-            <a:endParaRPr kumimoji="1" lang="ja-JP" altLang="en-US" dirty="0"/>
-          </a:p>
-        </p:txBody>
-      </p:sp>
     </p:spTree>
     <p:extLst>
       <p:ext uri="{BB962C8B-B14F-4D97-AF65-F5344CB8AC3E}">
@@ -8112,6 +6896,41 @@
           <a:chExt cx="0" cy="0"/>
         </a:xfrm>
       </p:grpSpPr>
+      <p:pic>
+        <p:nvPicPr>
+          <p:cNvPr id="6" name="図 5" descr="時計 が含まれている画像&#10;&#10;自動的に生成された説明">
+            <a:extLst>
+              <a:ext uri="{FF2B5EF4-FFF2-40B4-BE49-F238E27FC236}">
+                <a16:creationId xmlns:a16="http://schemas.microsoft.com/office/drawing/2014/main" id="{14F5580F-0D08-49F9-B6CF-74884BF6C28A}"/>
+              </a:ext>
+            </a:extLst>
+          </p:cNvPr>
+          <p:cNvPicPr>
+            <a:picLocks noChangeAspect="1"/>
+          </p:cNvPicPr>
+          <p:nvPr/>
+        </p:nvPicPr>
+        <p:blipFill rotWithShape="1">
+          <a:blip r:embed="rId2">
+            <a:extLst>
+              <a:ext uri="{28A0092B-C50C-407E-A947-70E740481C1C}">
+                <a14:useLocalDpi xmlns:a14="http://schemas.microsoft.com/office/drawing/2010/main" val="0"/>
+              </a:ext>
+            </a:extLst>
+          </a:blip>
+          <a:srcRect b="41747"/>
+          <a:stretch/>
+        </p:blipFill>
+        <p:spPr>
+          <a:xfrm>
+            <a:off x="3163871" y="1838244"/>
+            <a:ext cx="3765428" cy="4252040"/>
+          </a:xfrm>
+          <a:prstGeom prst="rect">
+            <a:avLst/>
+          </a:prstGeom>
+        </p:spPr>
+      </p:pic>
       <p:sp>
         <p:nvSpPr>
           <p:cNvPr id="2" name="タイトル 1">
@@ -8213,40 +7032,6 @@
           </a:p>
         </p:txBody>
       </p:sp>
-      <p:pic>
-        <p:nvPicPr>
-          <p:cNvPr id="7" name="コンテンツ プレースホルダー 6" descr="テキスト, 地図 が含まれている画像&#10;&#10;自動的に生成された説明">
-            <a:extLst>
-              <a:ext uri="{FF2B5EF4-FFF2-40B4-BE49-F238E27FC236}">
-                <a16:creationId xmlns:a16="http://schemas.microsoft.com/office/drawing/2014/main" id="{D16E117E-018D-48C8-94D2-D659AEA58677}"/>
-              </a:ext>
-            </a:extLst>
-          </p:cNvPr>
-          <p:cNvPicPr>
-            <a:picLocks noGrp="1" noChangeAspect="1"/>
-          </p:cNvPicPr>
-          <p:nvPr>
-            <p:ph idx="1"/>
-          </p:nvPr>
-        </p:nvPicPr>
-        <p:blipFill rotWithShape="1">
-          <a:blip r:embed="rId2">
-            <a:extLst>
-              <a:ext uri="{28A0092B-C50C-407E-A947-70E740481C1C}">
-                <a14:useLocalDpi xmlns:a14="http://schemas.microsoft.com/office/drawing/2010/main" val="0"/>
-              </a:ext>
-            </a:extLst>
-          </a:blip>
-          <a:srcRect b="44167"/>
-          <a:stretch/>
-        </p:blipFill>
-        <p:spPr>
-          <a:xfrm>
-            <a:off x="2905148" y="1818711"/>
-            <a:ext cx="4297159" cy="4259137"/>
-          </a:xfrm>
-        </p:spPr>
-      </p:pic>
       <p:sp>
         <p:nvSpPr>
           <p:cNvPr id="4" name="日付プレースホルダー 3">
@@ -8380,7 +7165,7 @@
           <p:nvPr/>
         </p:nvPicPr>
         <p:blipFill rotWithShape="1">
-          <a:blip r:embed="rId2">
+          <a:blip r:embed="rId3">
             <a:extLst>
               <a:ext uri="{28A0092B-C50C-407E-A947-70E740481C1C}">
                 <a14:useLocalDpi xmlns:a14="http://schemas.microsoft.com/office/drawing/2010/main" val="0"/>
@@ -8400,66 +7185,6 @@
           </a:prstGeom>
         </p:spPr>
       </p:pic>
-      <p:sp>
-        <p:nvSpPr>
-          <p:cNvPr id="10" name="四角形: メモ 9">
-            <a:extLst>
-              <a:ext uri="{FF2B5EF4-FFF2-40B4-BE49-F238E27FC236}">
-                <a16:creationId xmlns:a16="http://schemas.microsoft.com/office/drawing/2014/main" id="{5FD19A9F-D79F-4F2C-92AD-F4127E9867C0}"/>
-              </a:ext>
-            </a:extLst>
-          </p:cNvPr>
-          <p:cNvSpPr/>
-          <p:nvPr/>
-        </p:nvSpPr>
-        <p:spPr>
-          <a:xfrm>
-            <a:off x="3406285" y="4519257"/>
-            <a:ext cx="1246391" cy="546681"/>
-          </a:xfrm>
-          <a:prstGeom prst="foldedCorner">
-            <a:avLst/>
-          </a:prstGeom>
-          <a:solidFill>
-            <a:schemeClr val="bg1"/>
-          </a:solidFill>
-          <a:ln w="6350">
-            <a:solidFill>
-              <a:schemeClr val="tx1"/>
-            </a:solidFill>
-          </a:ln>
-        </p:spPr>
-        <p:style>
-          <a:lnRef idx="2">
-            <a:schemeClr val="accent6"/>
-          </a:lnRef>
-          <a:fillRef idx="1">
-            <a:schemeClr val="lt1"/>
-          </a:fillRef>
-          <a:effectRef idx="0">
-            <a:schemeClr val="accent6"/>
-          </a:effectRef>
-          <a:fontRef idx="minor">
-            <a:schemeClr val="dk1"/>
-          </a:fontRef>
-        </p:style>
-        <p:txBody>
-          <a:bodyPr rtlCol="0" anchor="ctr"/>
-          <a:lstStyle/>
-          <a:p>
-            <a:r>
-              <a:rPr kumimoji="1" lang="ja-JP" altLang="en-US" sz="1100" dirty="0"/>
-              <a:t>チャタ取りをし、</a:t>
-            </a:r>
-          </a:p>
-          <a:p>
-            <a:r>
-              <a:rPr kumimoji="1" lang="ja-JP" altLang="en-US" sz="1100" dirty="0"/>
-              <a:t>値を確定する</a:t>
-            </a:r>
-          </a:p>
-        </p:txBody>
-      </p:sp>
       <p:pic>
         <p:nvPicPr>
           <p:cNvPr id="12" name="コンテンツ プレースホルダー 6" descr="テキスト, 地図 が含まれている画像&#10;&#10;自動的に生成された説明">
@@ -8475,7 +7200,7 @@
           <p:nvPr/>
         </p:nvPicPr>
         <p:blipFill rotWithShape="1">
-          <a:blip r:embed="rId2">
+          <a:blip r:embed="rId3">
             <a:extLst>
               <a:ext uri="{28A0092B-C50C-407E-A947-70E740481C1C}">
                 <a14:useLocalDpi xmlns:a14="http://schemas.microsoft.com/office/drawing/2010/main" val="0"/>
@@ -8772,18 +7497,7 @@
               <a:t>　フローチャート － 割込み処理</a:t>
             </a:r>
             <a:r>
-              <a:rPr kumimoji="1" lang="en-US" altLang="ja-JP" sz="4800" kern="1200" spc="-50" baseline="0" dirty="0">
-                <a:solidFill>
-                  <a:schemeClr val="tx1">
-                    <a:lumMod val="75000"/>
-                    <a:lumOff val="25000"/>
-                  </a:schemeClr>
-                </a:solidFill>
-                <a:effectLst/>
-                <a:latin typeface="+mj-lt"/>
-                <a:ea typeface="+mj-ea"/>
-                <a:cs typeface="+mj-cs"/>
-              </a:rPr>
+              <a:rPr lang="en-US" altLang="ja-JP" dirty="0"/>
               <a:t>2</a:t>
             </a:r>
             <a:endParaRPr kumimoji="1" lang="ja-JP" altLang="en-US" dirty="0"/>
@@ -8850,10 +7564,10 @@
       </p:sp>
       <p:pic>
         <p:nvPicPr>
-          <p:cNvPr id="11" name="コンテンツ プレースホルダー 10">
-            <a:extLst>
-              <a:ext uri="{FF2B5EF4-FFF2-40B4-BE49-F238E27FC236}">
-                <a16:creationId xmlns:a16="http://schemas.microsoft.com/office/drawing/2014/main" id="{E87323EA-8BED-4CCF-AE06-70E83145759D}"/>
+          <p:cNvPr id="20" name="コンテンツ プレースホルダー 19">
+            <a:extLst>
+              <a:ext uri="{FF2B5EF4-FFF2-40B4-BE49-F238E27FC236}">
+                <a16:creationId xmlns:a16="http://schemas.microsoft.com/office/drawing/2014/main" id="{A3612E03-8D00-483E-8CF7-604A3C5059E8}"/>
               </a:ext>
             </a:extLst>
           </p:cNvPr>
@@ -8872,21 +7586,56 @@
               </a:ext>
             </a:extLst>
           </a:blip>
+          <a:srcRect/>
+          <a:stretch/>
+        </p:blipFill>
+        <p:spPr>
+          <a:xfrm>
+            <a:off x="7340599" y="1846263"/>
+            <a:ext cx="3293443" cy="4433077"/>
+          </a:xfrm>
+        </p:spPr>
+      </p:pic>
+      <p:pic>
+        <p:nvPicPr>
+          <p:cNvPr id="6" name="図 5" descr="テキスト, 地図 が含まれている画像&#10;&#10;自動的に生成された説明">
+            <a:extLst>
+              <a:ext uri="{FF2B5EF4-FFF2-40B4-BE49-F238E27FC236}">
+                <a16:creationId xmlns:a16="http://schemas.microsoft.com/office/drawing/2014/main" id="{98E9CBE3-E03A-4525-91C4-54AA006B0B57}"/>
+              </a:ext>
+            </a:extLst>
+          </p:cNvPr>
+          <p:cNvPicPr>
+            <a:picLocks noChangeAspect="1"/>
+          </p:cNvPicPr>
+          <p:nvPr/>
+        </p:nvPicPr>
+        <p:blipFill>
+          <a:blip r:embed="rId3">
+            <a:extLst>
+              <a:ext uri="{28A0092B-C50C-407E-A947-70E740481C1C}">
+                <a14:useLocalDpi xmlns:a14="http://schemas.microsoft.com/office/drawing/2010/main" val="0"/>
+              </a:ext>
+            </a:extLst>
+          </a:blip>
           <a:stretch>
             <a:fillRect/>
           </a:stretch>
         </p:blipFill>
         <p:spPr>
           <a:xfrm>
-            <a:off x="4020967" y="1798320"/>
-            <a:ext cx="4211026" cy="4487974"/>
-          </a:xfrm>
+            <a:off x="1816101" y="1798717"/>
+            <a:ext cx="4235450" cy="4480623"/>
+          </a:xfrm>
+          <a:prstGeom prst="rect">
+            <a:avLst/>
+          </a:prstGeom>
         </p:spPr>
       </p:pic>
     </p:spTree>
     <p:extLst>
       <p:ext uri="{BB962C8B-B14F-4D97-AF65-F5344CB8AC3E}">
-        <p14:creationId xmlns:p14="http://schemas.microsoft.com/office/powerpoint/2010/main" val="4124477614"/>
+        <p14:creationId xmlns:p14="http://schemas.microsoft.com/office/powerpoint/2010/main" val="127370561"/>
       </p:ext>
     </p:extLst>
   </p:cSld>
@@ -8918,7 +7667,7 @@
           <p:cNvPr id="2" name="タイトル 1">
             <a:extLst>
               <a:ext uri="{FF2B5EF4-FFF2-40B4-BE49-F238E27FC236}">
-                <a16:creationId xmlns:a16="http://schemas.microsoft.com/office/drawing/2014/main" id="{4950F2F3-2D3D-4572-9D5A-4CFD9E1ED567}"/>
+                <a16:creationId xmlns:a16="http://schemas.microsoft.com/office/drawing/2014/main" id="{7E6CB820-8B1A-4384-BFD4-ACAFE713F983}"/>
               </a:ext>
             </a:extLst>
           </p:cNvPr>
@@ -8931,9 +7680,7 @@
         </p:nvSpPr>
         <p:spPr/>
         <p:txBody>
-          <a:bodyPr>
-            <a:normAutofit/>
-          </a:bodyPr>
+          <a:bodyPr/>
           <a:lstStyle/>
           <a:p>
             <a:r>
@@ -8993,11 +7740,52 @@
                 <a:ea typeface="+mj-ea"/>
                 <a:cs typeface="+mj-cs"/>
               </a:rPr>
-              <a:t>　フローチャート － 割込み処理</a:t>
-            </a:r>
-            <a:r>
-              <a:rPr lang="en-US" altLang="ja-JP" dirty="0"/>
-              <a:t>3</a:t>
+              <a:t>　</a:t>
+            </a:r>
+            <a:r>
+              <a:rPr kumimoji="1" lang="ja-JP" altLang="ja-JP" sz="4800" kern="1200" spc="-50" baseline="0" dirty="0">
+                <a:solidFill>
+                  <a:schemeClr val="tx1">
+                    <a:lumMod val="75000"/>
+                    <a:lumOff val="25000"/>
+                  </a:schemeClr>
+                </a:solidFill>
+                <a:effectLst/>
+                <a:latin typeface="+mj-lt"/>
+                <a:ea typeface="+mj-ea"/>
+                <a:cs typeface="+mj-cs"/>
+              </a:rPr>
+              <a:t>フローチャート － </a:t>
+            </a:r>
+            <a:r>
+              <a:rPr kumimoji="1" lang="ja-JP" altLang="en-US" sz="4800" kern="1200" spc="-50" baseline="0" dirty="0">
+                <a:solidFill>
+                  <a:schemeClr val="tx1">
+                    <a:lumMod val="75000"/>
+                    <a:lumOff val="25000"/>
+                  </a:schemeClr>
+                </a:solidFill>
+                <a:effectLst/>
+                <a:latin typeface="+mj-lt"/>
+                <a:ea typeface="+mj-ea"/>
+                <a:cs typeface="+mj-cs"/>
+              </a:rPr>
+              <a:t>ゲーム中</a:t>
+            </a:r>
+            <a:r>
+              <a:rPr kumimoji="1" lang="en-US" altLang="ja-JP" sz="4800" kern="1200" spc="-50" baseline="0" dirty="0">
+                <a:solidFill>
+                  <a:schemeClr val="tx1">
+                    <a:lumMod val="75000"/>
+                    <a:lumOff val="25000"/>
+                  </a:schemeClr>
+                </a:solidFill>
+                <a:effectLst/>
+                <a:latin typeface="+mj-lt"/>
+                <a:ea typeface="+mj-ea"/>
+                <a:cs typeface="+mj-cs"/>
+              </a:rPr>
+              <a:t>1</a:t>
             </a:r>
             <a:endParaRPr kumimoji="1" lang="ja-JP" altLang="en-US" dirty="0"/>
           </a:p>
@@ -9008,7 +7796,7 @@
           <p:cNvPr id="4" name="日付プレースホルダー 3">
             <a:extLst>
               <a:ext uri="{FF2B5EF4-FFF2-40B4-BE49-F238E27FC236}">
-                <a16:creationId xmlns:a16="http://schemas.microsoft.com/office/drawing/2014/main" id="{E683C6A6-6465-4FD8-ACA1-4A3B1645D8A2}"/>
+                <a16:creationId xmlns:a16="http://schemas.microsoft.com/office/drawing/2014/main" id="{0DE384F7-782C-41FB-B733-4EE9CE23D2B1}"/>
               </a:ext>
             </a:extLst>
           </p:cNvPr>
@@ -9037,7 +7825,7 @@
           <p:cNvPr id="5" name="スライド番号プレースホルダー 4">
             <a:extLst>
               <a:ext uri="{FF2B5EF4-FFF2-40B4-BE49-F238E27FC236}">
-                <a16:creationId xmlns:a16="http://schemas.microsoft.com/office/drawing/2014/main" id="{6B1CA635-89AA-404A-9D39-D536370AAE47}"/>
+                <a16:creationId xmlns:a16="http://schemas.microsoft.com/office/drawing/2014/main" id="{A0A26DC5-96D4-471F-A24F-973CB3EC2283}"/>
               </a:ext>
             </a:extLst>
           </p:cNvPr>
@@ -9063,45 +7851,10 @@
       </p:sp>
       <p:pic>
         <p:nvPicPr>
-          <p:cNvPr id="20" name="コンテンツ プレースホルダー 19" descr="時計 が含まれている画像&#10;&#10;自動的に生成された説明">
-            <a:extLst>
-              <a:ext uri="{FF2B5EF4-FFF2-40B4-BE49-F238E27FC236}">
-                <a16:creationId xmlns:a16="http://schemas.microsoft.com/office/drawing/2014/main" id="{A3612E03-8D00-483E-8CF7-604A3C5059E8}"/>
-              </a:ext>
-            </a:extLst>
-          </p:cNvPr>
-          <p:cNvPicPr>
-            <a:picLocks noGrp="1" noChangeAspect="1"/>
-          </p:cNvPicPr>
-          <p:nvPr>
-            <p:ph idx="1"/>
-          </p:nvPr>
-        </p:nvPicPr>
-        <p:blipFill>
-          <a:blip r:embed="rId2">
-            <a:extLst>
-              <a:ext uri="{28A0092B-C50C-407E-A947-70E740481C1C}">
-                <a14:useLocalDpi xmlns:a14="http://schemas.microsoft.com/office/drawing/2010/main" val="0"/>
-              </a:ext>
-            </a:extLst>
-          </a:blip>
-          <a:stretch>
-            <a:fillRect/>
-          </a:stretch>
-        </p:blipFill>
-        <p:spPr>
-          <a:xfrm>
-            <a:off x="7513320" y="1846263"/>
-            <a:ext cx="3416879" cy="4433077"/>
-          </a:xfrm>
-        </p:spPr>
-      </p:pic>
-      <p:pic>
-        <p:nvPicPr>
-          <p:cNvPr id="22" name="コンテンツ プレースホルダー 12" descr="テキスト が含まれている画像&#10;&#10;自動的に生成された説明">
-            <a:extLst>
-              <a:ext uri="{FF2B5EF4-FFF2-40B4-BE49-F238E27FC236}">
-                <a16:creationId xmlns:a16="http://schemas.microsoft.com/office/drawing/2014/main" id="{483FBBD0-6D1E-4030-9FEB-4EC7D05EA399}"/>
+          <p:cNvPr id="19" name="コンテンツ プレースホルダー 16" descr="テキスト が含まれている画像&#10;&#10;自動的に生成された説明">
+            <a:extLst>
+              <a:ext uri="{FF2B5EF4-FFF2-40B4-BE49-F238E27FC236}">
+                <a16:creationId xmlns:a16="http://schemas.microsoft.com/office/drawing/2014/main" id="{62764775-C5FE-4510-995D-B81FF33572F0}"/>
               </a:ext>
             </a:extLst>
           </p:cNvPr>
@@ -9110,22 +7863,180 @@
           </p:cNvPicPr>
           <p:nvPr/>
         </p:nvPicPr>
-        <p:blipFill>
-          <a:blip r:embed="rId3">
+        <p:blipFill rotWithShape="1">
+          <a:blip r:embed="rId2">
             <a:extLst>
               <a:ext uri="{28A0092B-C50C-407E-A947-70E740481C1C}">
                 <a14:useLocalDpi xmlns:a14="http://schemas.microsoft.com/office/drawing/2010/main" val="0"/>
               </a:ext>
             </a:extLst>
           </a:blip>
-          <a:stretch>
-            <a:fillRect/>
-          </a:stretch>
+          <a:srcRect l="21387" t="10653" r="69473" b="31566"/>
+          <a:stretch/>
         </p:blipFill>
         <p:spPr>
           <a:xfrm>
-            <a:off x="1097280" y="1846263"/>
-            <a:ext cx="5517669" cy="4451952"/>
+            <a:off x="8253805" y="1844475"/>
+            <a:ext cx="1646653" cy="4480102"/>
+          </a:xfrm>
+          <a:prstGeom prst="rect">
+            <a:avLst/>
+          </a:prstGeom>
+        </p:spPr>
+      </p:pic>
+      <p:sp>
+        <p:nvSpPr>
+          <p:cNvPr id="25" name="正方形/長方形 24">
+            <a:extLst>
+              <a:ext uri="{FF2B5EF4-FFF2-40B4-BE49-F238E27FC236}">
+                <a16:creationId xmlns:a16="http://schemas.microsoft.com/office/drawing/2014/main" id="{BE4CF56F-C6B3-48C6-B22B-03C4F3CAF1AC}"/>
+              </a:ext>
+            </a:extLst>
+          </p:cNvPr>
+          <p:cNvSpPr/>
+          <p:nvPr/>
+        </p:nvSpPr>
+        <p:spPr>
+          <a:xfrm>
+            <a:off x="3311722" y="2018241"/>
+            <a:ext cx="273236" cy="470959"/>
+          </a:xfrm>
+          <a:prstGeom prst="rect">
+            <a:avLst/>
+          </a:prstGeom>
+          <a:solidFill>
+            <a:schemeClr val="bg1"/>
+          </a:solidFill>
+          <a:ln>
+            <a:solidFill>
+              <a:schemeClr val="bg1"/>
+            </a:solidFill>
+          </a:ln>
+        </p:spPr>
+        <p:style>
+          <a:lnRef idx="2">
+            <a:schemeClr val="accent1">
+              <a:shade val="50000"/>
+            </a:schemeClr>
+          </a:lnRef>
+          <a:fillRef idx="1">
+            <a:schemeClr val="accent1"/>
+          </a:fillRef>
+          <a:effectRef idx="0">
+            <a:schemeClr val="accent1"/>
+          </a:effectRef>
+          <a:fontRef idx="minor">
+            <a:schemeClr val="lt1"/>
+          </a:fontRef>
+        </p:style>
+        <p:txBody>
+          <a:bodyPr rtlCol="0" anchor="ctr"/>
+          <a:lstStyle/>
+          <a:p>
+            <a:pPr algn="ctr"/>
+            <a:endParaRPr kumimoji="1" lang="ja-JP" altLang="en-US"/>
+          </a:p>
+        </p:txBody>
+      </p:sp>
+      <p:pic>
+        <p:nvPicPr>
+          <p:cNvPr id="27" name="コンテンツ プレースホルダー 16" descr="テキスト が含まれている画像&#10;&#10;自動的に生成された説明">
+            <a:extLst>
+              <a:ext uri="{FF2B5EF4-FFF2-40B4-BE49-F238E27FC236}">
+                <a16:creationId xmlns:a16="http://schemas.microsoft.com/office/drawing/2014/main" id="{8A957AEE-4781-4232-9F6D-B60DDC5ED97E}"/>
+              </a:ext>
+            </a:extLst>
+          </p:cNvPr>
+          <p:cNvPicPr>
+            <a:picLocks noChangeAspect="1"/>
+          </p:cNvPicPr>
+          <p:nvPr/>
+        </p:nvPicPr>
+        <p:blipFill rotWithShape="1">
+          <a:blip r:embed="rId2">
+            <a:extLst>
+              <a:ext uri="{28A0092B-C50C-407E-A947-70E740481C1C}">
+                <a14:useLocalDpi xmlns:a14="http://schemas.microsoft.com/office/drawing/2010/main" val="0"/>
+              </a:ext>
+            </a:extLst>
+          </a:blip>
+          <a:srcRect l="6460" t="2008" r="85074" b="90738"/>
+          <a:stretch/>
+        </p:blipFill>
+        <p:spPr>
+          <a:xfrm>
+            <a:off x="667109" y="1903410"/>
+            <a:ext cx="1431024" cy="527733"/>
+          </a:xfrm>
+          <a:prstGeom prst="rect">
+            <a:avLst/>
+          </a:prstGeom>
+        </p:spPr>
+      </p:pic>
+      <p:pic>
+        <p:nvPicPr>
+          <p:cNvPr id="37" name="コンテンツ プレースホルダー 16" descr="テキスト が含まれている画像&#10;&#10;自動的に生成された説明">
+            <a:extLst>
+              <a:ext uri="{FF2B5EF4-FFF2-40B4-BE49-F238E27FC236}">
+                <a16:creationId xmlns:a16="http://schemas.microsoft.com/office/drawing/2014/main" id="{98AB3522-26C8-4F27-B275-0363DC84D8D1}"/>
+              </a:ext>
+            </a:extLst>
+          </p:cNvPr>
+          <p:cNvPicPr>
+            <a:picLocks noChangeAspect="1"/>
+          </p:cNvPicPr>
+          <p:nvPr/>
+        </p:nvPicPr>
+        <p:blipFill rotWithShape="1">
+          <a:blip r:embed="rId2">
+            <a:extLst>
+              <a:ext uri="{28A0092B-C50C-407E-A947-70E740481C1C}">
+                <a14:useLocalDpi xmlns:a14="http://schemas.microsoft.com/office/drawing/2010/main" val="0"/>
+              </a:ext>
+            </a:extLst>
+          </a:blip>
+          <a:srcRect l="21387" t="2363" r="69473" b="90817"/>
+          <a:stretch/>
+        </p:blipFill>
+        <p:spPr>
+          <a:xfrm>
+            <a:off x="7019093" y="1809779"/>
+            <a:ext cx="1431024" cy="459544"/>
+          </a:xfrm>
+          <a:prstGeom prst="rect">
+            <a:avLst/>
+          </a:prstGeom>
+        </p:spPr>
+      </p:pic>
+      <p:pic>
+        <p:nvPicPr>
+          <p:cNvPr id="6" name="図 5" descr="テキスト, 地図 が含まれている画像&#10;&#10;自動的に生成された説明">
+            <a:extLst>
+              <a:ext uri="{FF2B5EF4-FFF2-40B4-BE49-F238E27FC236}">
+                <a16:creationId xmlns:a16="http://schemas.microsoft.com/office/drawing/2014/main" id="{17BB679E-62EF-4E26-9A45-EF6CE0DC0C5F}"/>
+              </a:ext>
+            </a:extLst>
+          </p:cNvPr>
+          <p:cNvPicPr>
+            <a:picLocks noChangeAspect="1"/>
+          </p:cNvPicPr>
+          <p:nvPr/>
+        </p:nvPicPr>
+        <p:blipFill rotWithShape="1">
+          <a:blip r:embed="rId3">
+            <a:extLst>
+              <a:ext uri="{28A0092B-C50C-407E-A947-70E740481C1C}">
+                <a14:useLocalDpi xmlns:a14="http://schemas.microsoft.com/office/drawing/2010/main" val="0"/>
+              </a:ext>
+            </a:extLst>
+          </a:blip>
+          <a:srcRect l="-449" t="6368" r="83001" b="17266"/>
+          <a:stretch/>
+        </p:blipFill>
+        <p:spPr>
+          <a:xfrm>
+            <a:off x="2027195" y="1809778"/>
+            <a:ext cx="3145713" cy="4525557"/>
           </a:xfrm>
           <a:prstGeom prst="rect">
             <a:avLst/>
@@ -9135,7 +8046,7 @@
     </p:spTree>
     <p:extLst>
       <p:ext uri="{BB962C8B-B14F-4D97-AF65-F5344CB8AC3E}">
-        <p14:creationId xmlns:p14="http://schemas.microsoft.com/office/powerpoint/2010/main" val="127370561"/>
+        <p14:creationId xmlns:p14="http://schemas.microsoft.com/office/powerpoint/2010/main" val="2651975922"/>
       </p:ext>
     </p:extLst>
   </p:cSld>
@@ -9196,7 +8107,7 @@
                 <a:ea typeface="+mj-ea"/>
                 <a:cs typeface="+mj-cs"/>
               </a:rPr>
-              <a:t>2.3.10.</a:t>
+              <a:t>2.3.9.</a:t>
             </a:r>
             <a:r>
               <a:rPr kumimoji="1" lang="ja-JP" altLang="ja-JP" sz="4800" kern="1200" spc="-50" baseline="0" dirty="0">
@@ -9285,7 +8196,7 @@
                 <a:ea typeface="+mj-ea"/>
                 <a:cs typeface="+mj-cs"/>
               </a:rPr>
-              <a:t>1</a:t>
+              <a:t>2</a:t>
             </a:r>
             <a:endParaRPr kumimoji="1" lang="ja-JP" altLang="en-US" dirty="0"/>
           </a:p>
@@ -9351,10 +8262,10 @@
       </p:sp>
       <p:pic>
         <p:nvPicPr>
-          <p:cNvPr id="17" name="コンテンツ プレースホルダー 16" descr="テキスト が含まれている画像&#10;&#10;自動的に生成された説明">
-            <a:extLst>
-              <a:ext uri="{FF2B5EF4-FFF2-40B4-BE49-F238E27FC236}">
-                <a16:creationId xmlns:a16="http://schemas.microsoft.com/office/drawing/2014/main" id="{A684D8ED-34E8-4D2B-ADD5-832501D0A328}"/>
+          <p:cNvPr id="7" name="コンテンツ プレースホルダー 16" descr="テキスト が含まれている画像&#10;&#10;自動的に生成された説明">
+            <a:extLst>
+              <a:ext uri="{FF2B5EF4-FFF2-40B4-BE49-F238E27FC236}">
+                <a16:creationId xmlns:a16="http://schemas.microsoft.com/office/drawing/2014/main" id="{ECE68FBD-8B8B-4427-9B91-9E51A753E386}"/>
               </a:ext>
             </a:extLst>
           </p:cNvPr>
@@ -9373,22 +8284,25 @@
               </a:ext>
             </a:extLst>
           </a:blip>
-          <a:srcRect l="6870" t="15216" r="79832" b="32964"/>
+          <a:srcRect l="31976" r="60146" b="74724"/>
           <a:stretch/>
         </p:blipFill>
         <p:spPr>
           <a:xfrm>
-            <a:off x="4110765" y="1893358"/>
-            <a:ext cx="2547571" cy="4272486"/>
-          </a:xfrm>
+            <a:off x="613411" y="1841177"/>
+            <a:ext cx="1227276" cy="1694503"/>
+          </a:xfrm>
+          <a:prstGeom prst="rect">
+            <a:avLst/>
+          </a:prstGeom>
         </p:spPr>
       </p:pic>
       <p:pic>
         <p:nvPicPr>
-          <p:cNvPr id="19" name="コンテンツ プレースホルダー 16" descr="テキスト が含まれている画像&#10;&#10;自動的に生成された説明">
-            <a:extLst>
-              <a:ext uri="{FF2B5EF4-FFF2-40B4-BE49-F238E27FC236}">
-                <a16:creationId xmlns:a16="http://schemas.microsoft.com/office/drawing/2014/main" id="{62764775-C5FE-4510-995D-B81FF33572F0}"/>
+          <p:cNvPr id="23" name="コンテンツ プレースホルダー 16" descr="テキスト が含まれている画像&#10;&#10;自動的に生成された説明">
+            <a:extLst>
+              <a:ext uri="{FF2B5EF4-FFF2-40B4-BE49-F238E27FC236}">
+                <a16:creationId xmlns:a16="http://schemas.microsoft.com/office/drawing/2014/main" id="{F5BBA171-4451-4E52-9553-015190E3BEA1}"/>
               </a:ext>
             </a:extLst>
           </p:cNvPr>
@@ -9405,130 +8319,25 @@
               </a:ext>
             </a:extLst>
           </a:blip>
-          <a:srcRect l="21387" t="10653" r="69473" b="31566"/>
+          <a:srcRect l="32740" t="85968" r="60573" b="2652"/>
           <a:stretch/>
         </p:blipFill>
         <p:spPr>
           <a:xfrm>
-            <a:off x="8253805" y="1844475"/>
-            <a:ext cx="1646653" cy="4480102"/>
+            <a:off x="706197" y="5552455"/>
+            <a:ext cx="1041703" cy="762887"/>
           </a:xfrm>
           <a:prstGeom prst="rect">
             <a:avLst/>
           </a:prstGeom>
         </p:spPr>
       </p:pic>
-      <p:pic>
-        <p:nvPicPr>
-          <p:cNvPr id="20" name="コンテンツ プレースホルダー 16" descr="テキスト が含まれている画像&#10;&#10;自動的に生成された説明">
-            <a:extLst>
-              <a:ext uri="{FF2B5EF4-FFF2-40B4-BE49-F238E27FC236}">
-                <a16:creationId xmlns:a16="http://schemas.microsoft.com/office/drawing/2014/main" id="{1CF30922-FD14-4421-A7FE-CA2AEE0CB345}"/>
-              </a:ext>
-            </a:extLst>
-          </p:cNvPr>
-          <p:cNvPicPr>
-            <a:picLocks noChangeAspect="1"/>
-          </p:cNvPicPr>
-          <p:nvPr/>
-        </p:nvPicPr>
-        <p:blipFill rotWithShape="1">
-          <a:blip r:embed="rId2">
-            <a:extLst>
-              <a:ext uri="{28A0092B-C50C-407E-A947-70E740481C1C}">
-                <a14:useLocalDpi xmlns:a14="http://schemas.microsoft.com/office/drawing/2010/main" val="0"/>
-              </a:ext>
-            </a:extLst>
-          </a:blip>
-          <a:srcRect r="92241" b="78605"/>
-          <a:stretch/>
-        </p:blipFill>
-        <p:spPr>
-          <a:xfrm>
-            <a:off x="2192200" y="1872567"/>
-            <a:ext cx="1311535" cy="1556433"/>
-          </a:xfrm>
-          <a:prstGeom prst="rect">
-            <a:avLst/>
-          </a:prstGeom>
-        </p:spPr>
-      </p:pic>
-      <p:pic>
-        <p:nvPicPr>
-          <p:cNvPr id="22" name="コンテンツ プレースホルダー 16" descr="テキスト が含まれている画像&#10;&#10;自動的に生成された説明">
-            <a:extLst>
-              <a:ext uri="{FF2B5EF4-FFF2-40B4-BE49-F238E27FC236}">
-                <a16:creationId xmlns:a16="http://schemas.microsoft.com/office/drawing/2014/main" id="{D91ADDDB-D5D6-4BD5-9998-54E87951CF93}"/>
-              </a:ext>
-            </a:extLst>
-          </p:cNvPr>
-          <p:cNvPicPr>
-            <a:picLocks noChangeAspect="1"/>
-          </p:cNvPicPr>
-          <p:nvPr/>
-        </p:nvPicPr>
-        <p:blipFill rotWithShape="1">
-          <a:blip r:embed="rId2">
-            <a:extLst>
-              <a:ext uri="{28A0092B-C50C-407E-A947-70E740481C1C}">
-                <a14:useLocalDpi xmlns:a14="http://schemas.microsoft.com/office/drawing/2010/main" val="0"/>
-              </a:ext>
-            </a:extLst>
-          </a:blip>
-          <a:srcRect t="61287" r="92744" b="22202"/>
-          <a:stretch/>
-        </p:blipFill>
-        <p:spPr>
-          <a:xfrm>
-            <a:off x="2179743" y="4890680"/>
-            <a:ext cx="1244968" cy="1219199"/>
-          </a:xfrm>
-          <a:prstGeom prst="rect">
-            <a:avLst/>
-          </a:prstGeom>
-        </p:spPr>
-      </p:pic>
-      <p:pic>
-        <p:nvPicPr>
-          <p:cNvPr id="24" name="コンテンツ プレースホルダー 16" descr="テキスト が含まれている画像&#10;&#10;自動的に生成された説明">
-            <a:extLst>
-              <a:ext uri="{FF2B5EF4-FFF2-40B4-BE49-F238E27FC236}">
-                <a16:creationId xmlns:a16="http://schemas.microsoft.com/office/drawing/2014/main" id="{CDD57A2F-74D4-4C60-9347-49B737184931}"/>
-              </a:ext>
-            </a:extLst>
-          </p:cNvPr>
-          <p:cNvPicPr>
-            <a:picLocks noChangeAspect="1"/>
-          </p:cNvPicPr>
-          <p:nvPr/>
-        </p:nvPicPr>
-        <p:blipFill rotWithShape="1">
-          <a:blip r:embed="rId2">
-            <a:extLst>
-              <a:ext uri="{28A0092B-C50C-407E-A947-70E740481C1C}">
-                <a14:useLocalDpi xmlns:a14="http://schemas.microsoft.com/office/drawing/2010/main" val="0"/>
-              </a:ext>
-            </a:extLst>
-          </a:blip>
-          <a:srcRect l="401" t="31658" r="93601" b="49631"/>
-          <a:stretch/>
-        </p:blipFill>
-        <p:spPr>
-          <a:xfrm>
-            <a:off x="2223034" y="3429000"/>
-            <a:ext cx="1088688" cy="1461680"/>
-          </a:xfrm>
-          <a:prstGeom prst="rect">
-            <a:avLst/>
-          </a:prstGeom>
-        </p:spPr>
-      </p:pic>
-      <p:sp>
-        <p:nvSpPr>
-          <p:cNvPr id="25" name="正方形/長方形 24">
-            <a:extLst>
-              <a:ext uri="{FF2B5EF4-FFF2-40B4-BE49-F238E27FC236}">
-                <a16:creationId xmlns:a16="http://schemas.microsoft.com/office/drawing/2014/main" id="{BE4CF56F-C6B3-48C6-B22B-03C4F3CAF1AC}"/>
+      <p:sp>
+        <p:nvSpPr>
+          <p:cNvPr id="9" name="正方形/長方形 8">
+            <a:extLst>
+              <a:ext uri="{FF2B5EF4-FFF2-40B4-BE49-F238E27FC236}">
+                <a16:creationId xmlns:a16="http://schemas.microsoft.com/office/drawing/2014/main" id="{55DB41B4-3ABB-45F8-9B5B-DB2377CAA91F}"/>
               </a:ext>
             </a:extLst>
           </p:cNvPr>
@@ -9537,8 +8346,8 @@
         </p:nvSpPr>
         <p:spPr>
           <a:xfrm>
-            <a:off x="3311722" y="2018241"/>
-            <a:ext cx="273236" cy="470959"/>
+            <a:off x="6779896" y="4505592"/>
+            <a:ext cx="781050" cy="1809750"/>
           </a:xfrm>
           <a:prstGeom prst="rect">
             <a:avLst/>
@@ -9579,10 +8388,10 @@
       </p:sp>
       <p:pic>
         <p:nvPicPr>
-          <p:cNvPr id="27" name="コンテンツ プレースホルダー 16" descr="テキスト が含まれている画像&#10;&#10;自動的に生成された説明">
-            <a:extLst>
-              <a:ext uri="{FF2B5EF4-FFF2-40B4-BE49-F238E27FC236}">
-                <a16:creationId xmlns:a16="http://schemas.microsoft.com/office/drawing/2014/main" id="{8A957AEE-4781-4232-9F6D-B60DDC5ED97E}"/>
+          <p:cNvPr id="11" name="コンテンツ プレースホルダー 16" descr="テキスト が含まれている画像&#10;&#10;自動的に生成された説明">
+            <a:extLst>
+              <a:ext uri="{FF2B5EF4-FFF2-40B4-BE49-F238E27FC236}">
+                <a16:creationId xmlns:a16="http://schemas.microsoft.com/office/drawing/2014/main" id="{D848B9B2-C45D-4734-80CE-78208E88C44F}"/>
               </a:ext>
             </a:extLst>
           </p:cNvPr>
@@ -9599,66 +8408,25 @@
               </a:ext>
             </a:extLst>
           </a:blip>
-          <a:srcRect l="6460" t="2008" r="85074" b="90738"/>
+          <a:srcRect l="31976" t="26037" r="51236" b="17251"/>
           <a:stretch/>
         </p:blipFill>
         <p:spPr>
           <a:xfrm>
-            <a:off x="667109" y="1903410"/>
-            <a:ext cx="1431024" cy="527733"/>
+            <a:off x="2921158" y="1841177"/>
+            <a:ext cx="2985145" cy="4339962"/>
           </a:xfrm>
           <a:prstGeom prst="rect">
             <a:avLst/>
           </a:prstGeom>
         </p:spPr>
       </p:pic>
-      <p:cxnSp>
-        <p:nvCxnSpPr>
-          <p:cNvPr id="28" name="直線コネクタ 27">
-            <a:extLst>
-              <a:ext uri="{FF2B5EF4-FFF2-40B4-BE49-F238E27FC236}">
-                <a16:creationId xmlns:a16="http://schemas.microsoft.com/office/drawing/2014/main" id="{A32247E5-796A-47A4-A2BC-05991CC67895}"/>
-              </a:ext>
-            </a:extLst>
-          </p:cNvPr>
-          <p:cNvCxnSpPr>
-            <a:cxnSpLocks/>
-          </p:cNvCxnSpPr>
-          <p:nvPr/>
-        </p:nvCxnSpPr>
-        <p:spPr>
-          <a:xfrm flipV="1">
-            <a:off x="3503735" y="1893358"/>
-            <a:ext cx="0" cy="1033995"/>
-          </a:xfrm>
-          <a:prstGeom prst="line">
-            <a:avLst/>
-          </a:prstGeom>
-          <a:ln>
-            <a:prstDash val="dash"/>
-          </a:ln>
-        </p:spPr>
-        <p:style>
-          <a:lnRef idx="1">
-            <a:schemeClr val="dk1"/>
-          </a:lnRef>
-          <a:fillRef idx="0">
-            <a:schemeClr val="dk1"/>
-          </a:fillRef>
-          <a:effectRef idx="0">
-            <a:schemeClr val="dk1"/>
-          </a:effectRef>
-          <a:fontRef idx="minor">
-            <a:schemeClr val="tx1"/>
-          </a:fontRef>
-        </p:style>
-      </p:cxnSp>
       <p:pic>
         <p:nvPicPr>
-          <p:cNvPr id="37" name="コンテンツ プレースホルダー 16" descr="テキスト が含まれている画像&#10;&#10;自動的に生成された説明">
-            <a:extLst>
-              <a:ext uri="{FF2B5EF4-FFF2-40B4-BE49-F238E27FC236}">
-                <a16:creationId xmlns:a16="http://schemas.microsoft.com/office/drawing/2014/main" id="{98AB3522-26C8-4F27-B275-0363DC84D8D1}"/>
+          <p:cNvPr id="10" name="コンテンツ プレースホルダー 16" descr="テキスト が含まれている画像&#10;&#10;自動的に生成された説明">
+            <a:extLst>
+              <a:ext uri="{FF2B5EF4-FFF2-40B4-BE49-F238E27FC236}">
+                <a16:creationId xmlns:a16="http://schemas.microsoft.com/office/drawing/2014/main" id="{2BED8BF5-79B9-4CBC-9157-ABAEA140E185}"/>
               </a:ext>
             </a:extLst>
           </p:cNvPr>
@@ -9675,25 +8443,222 @@
               </a:ext>
             </a:extLst>
           </a:blip>
-          <a:srcRect l="21387" t="2363" r="69473" b="90817"/>
+          <a:srcRect l="48587" t="25497" r="34625" b="15974"/>
           <a:stretch/>
         </p:blipFill>
         <p:spPr>
           <a:xfrm>
-            <a:off x="7019093" y="1809779"/>
-            <a:ext cx="1431024" cy="459544"/>
+            <a:off x="5906303" y="1791940"/>
+            <a:ext cx="2992897" cy="4490525"/>
           </a:xfrm>
           <a:prstGeom prst="rect">
             <a:avLst/>
           </a:prstGeom>
         </p:spPr>
       </p:pic>
+      <p:pic>
+        <p:nvPicPr>
+          <p:cNvPr id="13" name="コンテンツ プレースホルダー 16" descr="テキスト が含まれている画像&#10;&#10;自動的に生成された説明">
+            <a:extLst>
+              <a:ext uri="{FF2B5EF4-FFF2-40B4-BE49-F238E27FC236}">
+                <a16:creationId xmlns:a16="http://schemas.microsoft.com/office/drawing/2014/main" id="{C5F44C3C-E8F1-4E65-B6C9-87561D01064F}"/>
+              </a:ext>
+            </a:extLst>
+          </p:cNvPr>
+          <p:cNvPicPr>
+            <a:picLocks noChangeAspect="1"/>
+          </p:cNvPicPr>
+          <p:nvPr/>
+        </p:nvPicPr>
+        <p:blipFill rotWithShape="1">
+          <a:blip r:embed="rId2">
+            <a:extLst>
+              <a:ext uri="{28A0092B-C50C-407E-A947-70E740481C1C}">
+                <a14:useLocalDpi xmlns:a14="http://schemas.microsoft.com/office/drawing/2010/main" val="0"/>
+              </a:ext>
+            </a:extLst>
+          </a:blip>
+          <a:srcRect l="65198" t="25776" r="18014" b="15695"/>
+          <a:stretch/>
+        </p:blipFill>
+        <p:spPr>
+          <a:xfrm>
+            <a:off x="8803815" y="1818317"/>
+            <a:ext cx="2995461" cy="4494373"/>
+          </a:xfrm>
+          <a:prstGeom prst="rect">
+            <a:avLst/>
+          </a:prstGeom>
+        </p:spPr>
+      </p:pic>
+      <p:sp>
+        <p:nvSpPr>
+          <p:cNvPr id="15" name="正方形/長方形 14">
+            <a:extLst>
+              <a:ext uri="{FF2B5EF4-FFF2-40B4-BE49-F238E27FC236}">
+                <a16:creationId xmlns:a16="http://schemas.microsoft.com/office/drawing/2014/main" id="{21AC4EB5-EB9D-4988-9FC9-85BFDFD8C552}"/>
+              </a:ext>
+            </a:extLst>
+          </p:cNvPr>
+          <p:cNvSpPr/>
+          <p:nvPr/>
+        </p:nvSpPr>
+        <p:spPr>
+          <a:xfrm>
+            <a:off x="1711235" y="1763866"/>
+            <a:ext cx="479515" cy="712634"/>
+          </a:xfrm>
+          <a:prstGeom prst="rect">
+            <a:avLst/>
+          </a:prstGeom>
+          <a:solidFill>
+            <a:schemeClr val="bg1"/>
+          </a:solidFill>
+          <a:ln>
+            <a:solidFill>
+              <a:schemeClr val="bg1"/>
+            </a:solidFill>
+          </a:ln>
+        </p:spPr>
+        <p:style>
+          <a:lnRef idx="2">
+            <a:schemeClr val="accent1">
+              <a:shade val="50000"/>
+            </a:schemeClr>
+          </a:lnRef>
+          <a:fillRef idx="1">
+            <a:schemeClr val="accent1"/>
+          </a:fillRef>
+          <a:effectRef idx="0">
+            <a:schemeClr val="accent1"/>
+          </a:effectRef>
+          <a:fontRef idx="minor">
+            <a:schemeClr val="lt1"/>
+          </a:fontRef>
+        </p:style>
+        <p:txBody>
+          <a:bodyPr rtlCol="0" anchor="ctr"/>
+          <a:lstStyle/>
+          <a:p>
+            <a:pPr algn="ctr"/>
+            <a:endParaRPr kumimoji="1" lang="ja-JP" altLang="en-US"/>
+          </a:p>
+        </p:txBody>
+      </p:sp>
+      <p:sp>
+        <p:nvSpPr>
+          <p:cNvPr id="16" name="正方形/長方形 15">
+            <a:extLst>
+              <a:ext uri="{FF2B5EF4-FFF2-40B4-BE49-F238E27FC236}">
+                <a16:creationId xmlns:a16="http://schemas.microsoft.com/office/drawing/2014/main" id="{BD377AB5-ADCA-4194-9562-0C88183A5B61}"/>
+              </a:ext>
+            </a:extLst>
+          </p:cNvPr>
+          <p:cNvSpPr/>
+          <p:nvPr/>
+        </p:nvSpPr>
+        <p:spPr>
+          <a:xfrm>
+            <a:off x="10105410" y="4514277"/>
+            <a:ext cx="1898819" cy="1792380"/>
+          </a:xfrm>
+          <a:prstGeom prst="rect">
+            <a:avLst/>
+          </a:prstGeom>
+          <a:solidFill>
+            <a:schemeClr val="bg1"/>
+          </a:solidFill>
+          <a:ln>
+            <a:solidFill>
+              <a:schemeClr val="bg1"/>
+            </a:solidFill>
+          </a:ln>
+        </p:spPr>
+        <p:style>
+          <a:lnRef idx="2">
+            <a:schemeClr val="accent1">
+              <a:shade val="50000"/>
+            </a:schemeClr>
+          </a:lnRef>
+          <a:fillRef idx="1">
+            <a:schemeClr val="accent1"/>
+          </a:fillRef>
+          <a:effectRef idx="0">
+            <a:schemeClr val="accent1"/>
+          </a:effectRef>
+          <a:fontRef idx="minor">
+            <a:schemeClr val="lt1"/>
+          </a:fontRef>
+        </p:style>
+        <p:txBody>
+          <a:bodyPr rtlCol="0" anchor="ctr"/>
+          <a:lstStyle/>
+          <a:p>
+            <a:pPr algn="ctr"/>
+            <a:endParaRPr kumimoji="1" lang="ja-JP" altLang="en-US"/>
+          </a:p>
+        </p:txBody>
+      </p:sp>
+      <p:sp>
+        <p:nvSpPr>
+          <p:cNvPr id="20" name="正方形/長方形 19">
+            <a:extLst>
+              <a:ext uri="{FF2B5EF4-FFF2-40B4-BE49-F238E27FC236}">
+                <a16:creationId xmlns:a16="http://schemas.microsoft.com/office/drawing/2014/main" id="{4A6534FD-FD1C-4279-A483-EB4006D0C566}"/>
+              </a:ext>
+            </a:extLst>
+          </p:cNvPr>
+          <p:cNvSpPr/>
+          <p:nvPr/>
+        </p:nvSpPr>
+        <p:spPr>
+          <a:xfrm>
+            <a:off x="10043863" y="1791940"/>
+            <a:ext cx="1766920" cy="777111"/>
+          </a:xfrm>
+          <a:prstGeom prst="rect">
+            <a:avLst/>
+          </a:prstGeom>
+          <a:solidFill>
+            <a:schemeClr val="bg1"/>
+          </a:solidFill>
+          <a:ln>
+            <a:solidFill>
+              <a:schemeClr val="bg1"/>
+            </a:solidFill>
+          </a:ln>
+        </p:spPr>
+        <p:style>
+          <a:lnRef idx="2">
+            <a:schemeClr val="accent1">
+              <a:shade val="50000"/>
+            </a:schemeClr>
+          </a:lnRef>
+          <a:fillRef idx="1">
+            <a:schemeClr val="accent1"/>
+          </a:fillRef>
+          <a:effectRef idx="0">
+            <a:schemeClr val="accent1"/>
+          </a:effectRef>
+          <a:fontRef idx="minor">
+            <a:schemeClr val="lt1"/>
+          </a:fontRef>
+        </p:style>
+        <p:txBody>
+          <a:bodyPr rtlCol="0" anchor="ctr"/>
+          <a:lstStyle/>
+          <a:p>
+            <a:pPr algn="ctr"/>
+            <a:endParaRPr kumimoji="1" lang="ja-JP" altLang="en-US"/>
+          </a:p>
+        </p:txBody>
+      </p:sp>
       <p:cxnSp>
         <p:nvCxnSpPr>
-          <p:cNvPr id="40" name="直線コネクタ 39">
-            <a:extLst>
-              <a:ext uri="{FF2B5EF4-FFF2-40B4-BE49-F238E27FC236}">
-                <a16:creationId xmlns:a16="http://schemas.microsoft.com/office/drawing/2014/main" id="{E445E66C-5832-4A9B-9D45-E91BA653C453}"/>
+          <p:cNvPr id="24" name="直線コネクタ 23">
+            <a:extLst>
+              <a:ext uri="{FF2B5EF4-FFF2-40B4-BE49-F238E27FC236}">
+                <a16:creationId xmlns:a16="http://schemas.microsoft.com/office/drawing/2014/main" id="{2C60D790-4085-43EB-AA29-230EAB04D41B}"/>
               </a:ext>
             </a:extLst>
           </p:cNvPr>
@@ -9704,8 +8669,8 @@
         </p:nvCxnSpPr>
         <p:spPr>
           <a:xfrm>
-            <a:off x="3503735" y="1903410"/>
-            <a:ext cx="1296005" cy="1"/>
+            <a:off x="1307537" y="3535680"/>
+            <a:ext cx="1116576" cy="0"/>
           </a:xfrm>
           <a:prstGeom prst="line">
             <a:avLst/>
@@ -9731,10 +8696,10 @@
       </p:cxnSp>
       <p:cxnSp>
         <p:nvCxnSpPr>
-          <p:cNvPr id="44" name="直線コネクタ 43">
-            <a:extLst>
-              <a:ext uri="{FF2B5EF4-FFF2-40B4-BE49-F238E27FC236}">
-                <a16:creationId xmlns:a16="http://schemas.microsoft.com/office/drawing/2014/main" id="{A6C93043-DAB4-4EE3-AC75-40A046449B3B}"/>
+          <p:cNvPr id="35" name="直線コネクタ 34">
+            <a:extLst>
+              <a:ext uri="{FF2B5EF4-FFF2-40B4-BE49-F238E27FC236}">
+                <a16:creationId xmlns:a16="http://schemas.microsoft.com/office/drawing/2014/main" id="{6C3C0BBF-DA9C-4E0D-944E-2CA67422F680}"/>
               </a:ext>
             </a:extLst>
           </p:cNvPr>
@@ -9744,9 +8709,132 @@
           <p:nvPr/>
         </p:nvCxnSpPr>
         <p:spPr>
-          <a:xfrm flipV="1">
-            <a:off x="3436934" y="5241387"/>
-            <a:ext cx="0" cy="833182"/>
+          <a:xfrm>
+            <a:off x="2412437" y="1881188"/>
+            <a:ext cx="0" cy="1654492"/>
+          </a:xfrm>
+          <a:prstGeom prst="line">
+            <a:avLst/>
+          </a:prstGeom>
+          <a:ln>
+            <a:prstDash val="dash"/>
+          </a:ln>
+        </p:spPr>
+        <p:style>
+          <a:lnRef idx="1">
+            <a:schemeClr val="dk1"/>
+          </a:lnRef>
+          <a:fillRef idx="0">
+            <a:schemeClr val="dk1"/>
+          </a:fillRef>
+          <a:effectRef idx="0">
+            <a:schemeClr val="dk1"/>
+          </a:effectRef>
+          <a:fontRef idx="minor">
+            <a:schemeClr val="tx1"/>
+          </a:fontRef>
+        </p:style>
+      </p:cxnSp>
+      <p:cxnSp>
+        <p:nvCxnSpPr>
+          <p:cNvPr id="38" name="直線コネクタ 37">
+            <a:extLst>
+              <a:ext uri="{FF2B5EF4-FFF2-40B4-BE49-F238E27FC236}">
+                <a16:creationId xmlns:a16="http://schemas.microsoft.com/office/drawing/2014/main" id="{090A2311-D037-43FF-8292-437ACA493801}"/>
+              </a:ext>
+            </a:extLst>
+          </p:cNvPr>
+          <p:cNvCxnSpPr>
+            <a:cxnSpLocks/>
+          </p:cNvCxnSpPr>
+          <p:nvPr/>
+        </p:nvCxnSpPr>
+        <p:spPr>
+          <a:xfrm>
+            <a:off x="2412437" y="1831652"/>
+            <a:ext cx="1264213" cy="0"/>
+          </a:xfrm>
+          <a:prstGeom prst="line">
+            <a:avLst/>
+          </a:prstGeom>
+          <a:ln>
+            <a:prstDash val="dash"/>
+          </a:ln>
+        </p:spPr>
+        <p:style>
+          <a:lnRef idx="1">
+            <a:schemeClr val="dk1"/>
+          </a:lnRef>
+          <a:fillRef idx="0">
+            <a:schemeClr val="dk1"/>
+          </a:fillRef>
+          <a:effectRef idx="0">
+            <a:schemeClr val="dk1"/>
+          </a:effectRef>
+          <a:fontRef idx="minor">
+            <a:schemeClr val="tx1"/>
+          </a:fontRef>
+        </p:style>
+      </p:cxnSp>
+      <p:cxnSp>
+        <p:nvCxnSpPr>
+          <p:cNvPr id="42" name="直線コネクタ 41">
+            <a:extLst>
+              <a:ext uri="{FF2B5EF4-FFF2-40B4-BE49-F238E27FC236}">
+                <a16:creationId xmlns:a16="http://schemas.microsoft.com/office/drawing/2014/main" id="{E0978030-7E59-4706-B068-B327C91B6468}"/>
+              </a:ext>
+            </a:extLst>
+          </p:cNvPr>
+          <p:cNvCxnSpPr>
+            <a:cxnSpLocks/>
+          </p:cNvCxnSpPr>
+          <p:nvPr/>
+        </p:nvCxnSpPr>
+        <p:spPr>
+          <a:xfrm>
+            <a:off x="1307537" y="5552455"/>
+            <a:ext cx="1104900" cy="0"/>
+          </a:xfrm>
+          <a:prstGeom prst="line">
+            <a:avLst/>
+          </a:prstGeom>
+          <a:ln>
+            <a:prstDash val="dash"/>
+          </a:ln>
+        </p:spPr>
+        <p:style>
+          <a:lnRef idx="1">
+            <a:schemeClr val="dk1"/>
+          </a:lnRef>
+          <a:fillRef idx="0">
+            <a:schemeClr val="dk1"/>
+          </a:fillRef>
+          <a:effectRef idx="0">
+            <a:schemeClr val="dk1"/>
+          </a:effectRef>
+          <a:fontRef idx="minor">
+            <a:schemeClr val="tx1"/>
+          </a:fontRef>
+        </p:style>
+      </p:cxnSp>
+      <p:cxnSp>
+        <p:nvCxnSpPr>
+          <p:cNvPr id="45" name="直線コネクタ 44">
+            <a:extLst>
+              <a:ext uri="{FF2B5EF4-FFF2-40B4-BE49-F238E27FC236}">
+                <a16:creationId xmlns:a16="http://schemas.microsoft.com/office/drawing/2014/main" id="{1775E126-2597-4968-9E65-750B682F7D60}"/>
+              </a:ext>
+            </a:extLst>
+          </p:cNvPr>
+          <p:cNvCxnSpPr>
+            <a:cxnSpLocks/>
+          </p:cNvCxnSpPr>
+          <p:nvPr/>
+        </p:nvCxnSpPr>
+        <p:spPr>
+          <a:xfrm>
+            <a:off x="2424113" y="6181139"/>
+            <a:ext cx="1264213" cy="0"/>
           </a:xfrm>
           <a:prstGeom prst="line">
             <a:avLst/>
@@ -9775,7 +8863,7 @@
           <p:cNvPr id="46" name="直線コネクタ 45">
             <a:extLst>
               <a:ext uri="{FF2B5EF4-FFF2-40B4-BE49-F238E27FC236}">
-                <a16:creationId xmlns:a16="http://schemas.microsoft.com/office/drawing/2014/main" id="{BA3B7EAA-8709-497A-A4E4-1C9177455887}"/>
+                <a16:creationId xmlns:a16="http://schemas.microsoft.com/office/drawing/2014/main" id="{D2F5F3C4-6CB6-457C-8D56-2DD95259BCBA}"/>
               </a:ext>
             </a:extLst>
           </p:cNvPr>
@@ -9786,8 +8874,49 @@
         </p:nvCxnSpPr>
         <p:spPr>
           <a:xfrm>
-            <a:off x="3424711" y="6074569"/>
-            <a:ext cx="686054" cy="0"/>
+            <a:off x="2412437" y="5552455"/>
+            <a:ext cx="0" cy="628684"/>
+          </a:xfrm>
+          <a:prstGeom prst="line">
+            <a:avLst/>
+          </a:prstGeom>
+          <a:ln>
+            <a:prstDash val="dash"/>
+          </a:ln>
+        </p:spPr>
+        <p:style>
+          <a:lnRef idx="1">
+            <a:schemeClr val="dk1"/>
+          </a:lnRef>
+          <a:fillRef idx="0">
+            <a:schemeClr val="dk1"/>
+          </a:fillRef>
+          <a:effectRef idx="0">
+            <a:schemeClr val="dk1"/>
+          </a:effectRef>
+          <a:fontRef idx="minor">
+            <a:schemeClr val="tx1"/>
+          </a:fontRef>
+        </p:style>
+      </p:cxnSp>
+      <p:cxnSp>
+        <p:nvCxnSpPr>
+          <p:cNvPr id="47" name="直線コネクタ 46">
+            <a:extLst>
+              <a:ext uri="{FF2B5EF4-FFF2-40B4-BE49-F238E27FC236}">
+                <a16:creationId xmlns:a16="http://schemas.microsoft.com/office/drawing/2014/main" id="{11E795DE-19BD-4642-9DF4-DC54A7A97F81}"/>
+              </a:ext>
+            </a:extLst>
+          </p:cNvPr>
+          <p:cNvCxnSpPr>
+            <a:cxnSpLocks/>
+          </p:cNvCxnSpPr>
+          <p:nvPr/>
+        </p:nvCxnSpPr>
+        <p:spPr>
+          <a:xfrm>
+            <a:off x="2424113" y="8826598"/>
+            <a:ext cx="1264213" cy="0"/>
           </a:xfrm>
           <a:prstGeom prst="line">
             <a:avLst/>
@@ -9814,7 +8943,7 @@
     </p:spTree>
     <p:extLst>
       <p:ext uri="{BB962C8B-B14F-4D97-AF65-F5344CB8AC3E}">
-        <p14:creationId xmlns:p14="http://schemas.microsoft.com/office/powerpoint/2010/main" val="2651975922"/>
+        <p14:creationId xmlns:p14="http://schemas.microsoft.com/office/powerpoint/2010/main" val="698713433"/>
       </p:ext>
     </p:extLst>
   </p:cSld>
@@ -10729,7 +9858,7 @@
                 <a:ea typeface="+mj-ea"/>
                 <a:cs typeface="+mj-cs"/>
               </a:rPr>
-              <a:t>2.3.11.</a:t>
+              <a:t>2.3.10.</a:t>
             </a:r>
             <a:r>
               <a:rPr kumimoji="1" lang="ja-JP" altLang="ja-JP" sz="4800" kern="1200" spc="-50" baseline="0" dirty="0">
@@ -10818,7 +9947,7 @@
                 <a:ea typeface="+mj-ea"/>
                 <a:cs typeface="+mj-cs"/>
               </a:rPr>
-              <a:t>2</a:t>
+              <a:t>3</a:t>
             </a:r>
             <a:endParaRPr kumimoji="1" lang="ja-JP" altLang="en-US" dirty="0"/>
           </a:p>
@@ -10882,84 +10011,12 @@
           </a:p>
         </p:txBody>
       </p:sp>
-      <p:pic>
-        <p:nvPicPr>
-          <p:cNvPr id="7" name="コンテンツ プレースホルダー 16" descr="テキスト が含まれている画像&#10;&#10;自動的に生成された説明">
-            <a:extLst>
-              <a:ext uri="{FF2B5EF4-FFF2-40B4-BE49-F238E27FC236}">
-                <a16:creationId xmlns:a16="http://schemas.microsoft.com/office/drawing/2014/main" id="{ECE68FBD-8B8B-4427-9B91-9E51A753E386}"/>
-              </a:ext>
-            </a:extLst>
-          </p:cNvPr>
-          <p:cNvPicPr>
-            <a:picLocks noGrp="1" noChangeAspect="1"/>
-          </p:cNvPicPr>
-          <p:nvPr>
-            <p:ph idx="1"/>
-          </p:nvPr>
-        </p:nvPicPr>
-        <p:blipFill rotWithShape="1">
-          <a:blip r:embed="rId2">
-            <a:extLst>
-              <a:ext uri="{28A0092B-C50C-407E-A947-70E740481C1C}">
-                <a14:useLocalDpi xmlns:a14="http://schemas.microsoft.com/office/drawing/2010/main" val="0"/>
-              </a:ext>
-            </a:extLst>
-          </a:blip>
-          <a:srcRect l="31976" r="60146" b="74724"/>
-          <a:stretch/>
-        </p:blipFill>
-        <p:spPr>
-          <a:xfrm>
-            <a:off x="613411" y="1841177"/>
-            <a:ext cx="1227276" cy="1694503"/>
-          </a:xfrm>
-          <a:prstGeom prst="rect">
-            <a:avLst/>
-          </a:prstGeom>
-        </p:spPr>
-      </p:pic>
-      <p:pic>
-        <p:nvPicPr>
-          <p:cNvPr id="23" name="コンテンツ プレースホルダー 16" descr="テキスト が含まれている画像&#10;&#10;自動的に生成された説明">
-            <a:extLst>
-              <a:ext uri="{FF2B5EF4-FFF2-40B4-BE49-F238E27FC236}">
-                <a16:creationId xmlns:a16="http://schemas.microsoft.com/office/drawing/2014/main" id="{F5BBA171-4451-4E52-9553-015190E3BEA1}"/>
-              </a:ext>
-            </a:extLst>
-          </p:cNvPr>
-          <p:cNvPicPr>
-            <a:picLocks noChangeAspect="1"/>
-          </p:cNvPicPr>
-          <p:nvPr/>
-        </p:nvPicPr>
-        <p:blipFill rotWithShape="1">
-          <a:blip r:embed="rId2">
-            <a:extLst>
-              <a:ext uri="{28A0092B-C50C-407E-A947-70E740481C1C}">
-                <a14:useLocalDpi xmlns:a14="http://schemas.microsoft.com/office/drawing/2010/main" val="0"/>
-              </a:ext>
-            </a:extLst>
-          </a:blip>
-          <a:srcRect l="32740" t="85968" r="60573" b="2652"/>
-          <a:stretch/>
-        </p:blipFill>
-        <p:spPr>
-          <a:xfrm>
-            <a:off x="706197" y="5552455"/>
-            <a:ext cx="1041703" cy="762887"/>
-          </a:xfrm>
-          <a:prstGeom prst="rect">
-            <a:avLst/>
-          </a:prstGeom>
-        </p:spPr>
-      </p:pic>
-      <p:sp>
-        <p:nvSpPr>
-          <p:cNvPr id="9" name="正方形/長方形 8">
-            <a:extLst>
-              <a:ext uri="{FF2B5EF4-FFF2-40B4-BE49-F238E27FC236}">
-                <a16:creationId xmlns:a16="http://schemas.microsoft.com/office/drawing/2014/main" id="{55DB41B4-3ABB-45F8-9B5B-DB2377CAA91F}"/>
+      <p:sp>
+        <p:nvSpPr>
+          <p:cNvPr id="14" name="正方形/長方形 13">
+            <a:extLst>
+              <a:ext uri="{FF2B5EF4-FFF2-40B4-BE49-F238E27FC236}">
+                <a16:creationId xmlns:a16="http://schemas.microsoft.com/office/drawing/2014/main" id="{0DF82491-B412-44D0-9F1F-D4723D799A82}"/>
               </a:ext>
             </a:extLst>
           </p:cNvPr>
@@ -10968,8 +10025,8 @@
         </p:nvSpPr>
         <p:spPr>
           <a:xfrm>
-            <a:off x="6779896" y="4505592"/>
-            <a:ext cx="781050" cy="1809750"/>
+            <a:off x="3116580" y="5867400"/>
+            <a:ext cx="1980228" cy="419290"/>
           </a:xfrm>
           <a:prstGeom prst="rect">
             <a:avLst/>
@@ -11010,10 +10067,10 @@
       </p:sp>
       <p:pic>
         <p:nvPicPr>
-          <p:cNvPr id="11" name="コンテンツ プレースホルダー 16" descr="テキスト が含まれている画像&#10;&#10;自動的に生成された説明">
-            <a:extLst>
-              <a:ext uri="{FF2B5EF4-FFF2-40B4-BE49-F238E27FC236}">
-                <a16:creationId xmlns:a16="http://schemas.microsoft.com/office/drawing/2014/main" id="{D848B9B2-C45D-4734-80CE-78208E88C44F}"/>
+          <p:cNvPr id="17" name="コンテンツ プレースホルダー 16" descr="テキスト が含まれている画像&#10;&#10;自動的に生成された説明">
+            <a:extLst>
+              <a:ext uri="{FF2B5EF4-FFF2-40B4-BE49-F238E27FC236}">
+                <a16:creationId xmlns:a16="http://schemas.microsoft.com/office/drawing/2014/main" id="{0EE0BCF0-A863-4423-B13F-F715F9A7D19C}"/>
               </a:ext>
             </a:extLst>
           </p:cNvPr>
@@ -11030,13 +10087,13 @@
               </a:ext>
             </a:extLst>
           </a:blip>
-          <a:srcRect l="31976" t="26037" r="51236" b="17251"/>
+          <a:srcRect l="72412" t="17954" r="19867" b="64989"/>
           <a:stretch/>
         </p:blipFill>
         <p:spPr>
           <a:xfrm>
-            <a:off x="2921158" y="1841177"/>
-            <a:ext cx="2985145" cy="4339962"/>
+            <a:off x="1981556" y="3556922"/>
+            <a:ext cx="1287425" cy="1223996"/>
           </a:xfrm>
           <a:prstGeom prst="rect">
             <a:avLst/>
@@ -11045,10 +10102,10 @@
       </p:pic>
       <p:pic>
         <p:nvPicPr>
-          <p:cNvPr id="10" name="コンテンツ プレースホルダー 16" descr="テキスト が含まれている画像&#10;&#10;自動的に生成された説明">
-            <a:extLst>
-              <a:ext uri="{FF2B5EF4-FFF2-40B4-BE49-F238E27FC236}">
-                <a16:creationId xmlns:a16="http://schemas.microsoft.com/office/drawing/2014/main" id="{2BED8BF5-79B9-4CBC-9157-ABAEA140E185}"/>
+          <p:cNvPr id="6" name="図 5" descr="テキスト, 地図 が含まれている画像&#10;&#10;自動的に生成された説明">
+            <a:extLst>
+              <a:ext uri="{FF2B5EF4-FFF2-40B4-BE49-F238E27FC236}">
+                <a16:creationId xmlns:a16="http://schemas.microsoft.com/office/drawing/2014/main" id="{01F9A639-6E04-437A-A694-C581530AB937}"/>
               </a:ext>
             </a:extLst>
           </p:cNvPr>
@@ -11058,514 +10115,30 @@
           <p:nvPr/>
         </p:nvPicPr>
         <p:blipFill rotWithShape="1">
-          <a:blip r:embed="rId2">
+          <a:blip r:embed="rId3">
             <a:extLst>
               <a:ext uri="{28A0092B-C50C-407E-A947-70E740481C1C}">
                 <a14:useLocalDpi xmlns:a14="http://schemas.microsoft.com/office/drawing/2010/main" val="0"/>
               </a:ext>
             </a:extLst>
           </a:blip>
-          <a:srcRect l="48587" t="25497" r="34625" b="15974"/>
+          <a:srcRect l="68264" b="31069"/>
           <a:stretch/>
         </p:blipFill>
         <p:spPr>
           <a:xfrm>
-            <a:off x="5906303" y="1791940"/>
-            <a:ext cx="2992897" cy="4490525"/>
+            <a:off x="3424306" y="1866928"/>
+            <a:ext cx="6476152" cy="4463288"/>
           </a:xfrm>
           <a:prstGeom prst="rect">
             <a:avLst/>
           </a:prstGeom>
         </p:spPr>
       </p:pic>
-      <p:pic>
-        <p:nvPicPr>
-          <p:cNvPr id="13" name="コンテンツ プレースホルダー 16" descr="テキスト が含まれている画像&#10;&#10;自動的に生成された説明">
-            <a:extLst>
-              <a:ext uri="{FF2B5EF4-FFF2-40B4-BE49-F238E27FC236}">
-                <a16:creationId xmlns:a16="http://schemas.microsoft.com/office/drawing/2014/main" id="{C5F44C3C-E8F1-4E65-B6C9-87561D01064F}"/>
-              </a:ext>
-            </a:extLst>
-          </p:cNvPr>
-          <p:cNvPicPr>
-            <a:picLocks noChangeAspect="1"/>
-          </p:cNvPicPr>
-          <p:nvPr/>
-        </p:nvPicPr>
-        <p:blipFill rotWithShape="1">
-          <a:blip r:embed="rId2">
-            <a:extLst>
-              <a:ext uri="{28A0092B-C50C-407E-A947-70E740481C1C}">
-                <a14:useLocalDpi xmlns:a14="http://schemas.microsoft.com/office/drawing/2010/main" val="0"/>
-              </a:ext>
-            </a:extLst>
-          </a:blip>
-          <a:srcRect l="65198" t="25776" r="18014" b="15695"/>
-          <a:stretch/>
-        </p:blipFill>
-        <p:spPr>
-          <a:xfrm>
-            <a:off x="8803815" y="1818317"/>
-            <a:ext cx="2995461" cy="4494373"/>
-          </a:xfrm>
-          <a:prstGeom prst="rect">
-            <a:avLst/>
-          </a:prstGeom>
-        </p:spPr>
-      </p:pic>
-      <p:sp>
-        <p:nvSpPr>
-          <p:cNvPr id="15" name="正方形/長方形 14">
-            <a:extLst>
-              <a:ext uri="{FF2B5EF4-FFF2-40B4-BE49-F238E27FC236}">
-                <a16:creationId xmlns:a16="http://schemas.microsoft.com/office/drawing/2014/main" id="{21AC4EB5-EB9D-4988-9FC9-85BFDFD8C552}"/>
-              </a:ext>
-            </a:extLst>
-          </p:cNvPr>
-          <p:cNvSpPr/>
-          <p:nvPr/>
-        </p:nvSpPr>
-        <p:spPr>
-          <a:xfrm>
-            <a:off x="1711235" y="1763866"/>
-            <a:ext cx="479515" cy="712634"/>
-          </a:xfrm>
-          <a:prstGeom prst="rect">
-            <a:avLst/>
-          </a:prstGeom>
-          <a:solidFill>
-            <a:schemeClr val="bg1"/>
-          </a:solidFill>
-          <a:ln>
-            <a:solidFill>
-              <a:schemeClr val="bg1"/>
-            </a:solidFill>
-          </a:ln>
-        </p:spPr>
-        <p:style>
-          <a:lnRef idx="2">
-            <a:schemeClr val="accent1">
-              <a:shade val="50000"/>
-            </a:schemeClr>
-          </a:lnRef>
-          <a:fillRef idx="1">
-            <a:schemeClr val="accent1"/>
-          </a:fillRef>
-          <a:effectRef idx="0">
-            <a:schemeClr val="accent1"/>
-          </a:effectRef>
-          <a:fontRef idx="minor">
-            <a:schemeClr val="lt1"/>
-          </a:fontRef>
-        </p:style>
-        <p:txBody>
-          <a:bodyPr rtlCol="0" anchor="ctr"/>
-          <a:lstStyle/>
-          <a:p>
-            <a:pPr algn="ctr"/>
-            <a:endParaRPr kumimoji="1" lang="ja-JP" altLang="en-US"/>
-          </a:p>
-        </p:txBody>
-      </p:sp>
-      <p:sp>
-        <p:nvSpPr>
-          <p:cNvPr id="16" name="正方形/長方形 15">
-            <a:extLst>
-              <a:ext uri="{FF2B5EF4-FFF2-40B4-BE49-F238E27FC236}">
-                <a16:creationId xmlns:a16="http://schemas.microsoft.com/office/drawing/2014/main" id="{BD377AB5-ADCA-4194-9562-0C88183A5B61}"/>
-              </a:ext>
-            </a:extLst>
-          </p:cNvPr>
-          <p:cNvSpPr/>
-          <p:nvPr/>
-        </p:nvSpPr>
-        <p:spPr>
-          <a:xfrm>
-            <a:off x="10105410" y="4514277"/>
-            <a:ext cx="1898819" cy="1792380"/>
-          </a:xfrm>
-          <a:prstGeom prst="rect">
-            <a:avLst/>
-          </a:prstGeom>
-          <a:solidFill>
-            <a:schemeClr val="bg1"/>
-          </a:solidFill>
-          <a:ln>
-            <a:solidFill>
-              <a:schemeClr val="bg1"/>
-            </a:solidFill>
-          </a:ln>
-        </p:spPr>
-        <p:style>
-          <a:lnRef idx="2">
-            <a:schemeClr val="accent1">
-              <a:shade val="50000"/>
-            </a:schemeClr>
-          </a:lnRef>
-          <a:fillRef idx="1">
-            <a:schemeClr val="accent1"/>
-          </a:fillRef>
-          <a:effectRef idx="0">
-            <a:schemeClr val="accent1"/>
-          </a:effectRef>
-          <a:fontRef idx="minor">
-            <a:schemeClr val="lt1"/>
-          </a:fontRef>
-        </p:style>
-        <p:txBody>
-          <a:bodyPr rtlCol="0" anchor="ctr"/>
-          <a:lstStyle/>
-          <a:p>
-            <a:pPr algn="ctr"/>
-            <a:endParaRPr kumimoji="1" lang="ja-JP" altLang="en-US"/>
-          </a:p>
-        </p:txBody>
-      </p:sp>
-      <p:sp>
-        <p:nvSpPr>
-          <p:cNvPr id="20" name="正方形/長方形 19">
-            <a:extLst>
-              <a:ext uri="{FF2B5EF4-FFF2-40B4-BE49-F238E27FC236}">
-                <a16:creationId xmlns:a16="http://schemas.microsoft.com/office/drawing/2014/main" id="{4A6534FD-FD1C-4279-A483-EB4006D0C566}"/>
-              </a:ext>
-            </a:extLst>
-          </p:cNvPr>
-          <p:cNvSpPr/>
-          <p:nvPr/>
-        </p:nvSpPr>
-        <p:spPr>
-          <a:xfrm>
-            <a:off x="10043863" y="1791940"/>
-            <a:ext cx="1766920" cy="777111"/>
-          </a:xfrm>
-          <a:prstGeom prst="rect">
-            <a:avLst/>
-          </a:prstGeom>
-          <a:solidFill>
-            <a:schemeClr val="bg1"/>
-          </a:solidFill>
-          <a:ln>
-            <a:solidFill>
-              <a:schemeClr val="bg1"/>
-            </a:solidFill>
-          </a:ln>
-        </p:spPr>
-        <p:style>
-          <a:lnRef idx="2">
-            <a:schemeClr val="accent1">
-              <a:shade val="50000"/>
-            </a:schemeClr>
-          </a:lnRef>
-          <a:fillRef idx="1">
-            <a:schemeClr val="accent1"/>
-          </a:fillRef>
-          <a:effectRef idx="0">
-            <a:schemeClr val="accent1"/>
-          </a:effectRef>
-          <a:fontRef idx="minor">
-            <a:schemeClr val="lt1"/>
-          </a:fontRef>
-        </p:style>
-        <p:txBody>
-          <a:bodyPr rtlCol="0" anchor="ctr"/>
-          <a:lstStyle/>
-          <a:p>
-            <a:pPr algn="ctr"/>
-            <a:endParaRPr kumimoji="1" lang="ja-JP" altLang="en-US"/>
-          </a:p>
-        </p:txBody>
-      </p:sp>
-      <p:cxnSp>
-        <p:nvCxnSpPr>
-          <p:cNvPr id="24" name="直線コネクタ 23">
-            <a:extLst>
-              <a:ext uri="{FF2B5EF4-FFF2-40B4-BE49-F238E27FC236}">
-                <a16:creationId xmlns:a16="http://schemas.microsoft.com/office/drawing/2014/main" id="{2C60D790-4085-43EB-AA29-230EAB04D41B}"/>
-              </a:ext>
-            </a:extLst>
-          </p:cNvPr>
-          <p:cNvCxnSpPr>
-            <a:cxnSpLocks/>
-          </p:cNvCxnSpPr>
-          <p:nvPr/>
-        </p:nvCxnSpPr>
-        <p:spPr>
-          <a:xfrm>
-            <a:off x="1307537" y="3535680"/>
-            <a:ext cx="1116576" cy="0"/>
-          </a:xfrm>
-          <a:prstGeom prst="line">
-            <a:avLst/>
-          </a:prstGeom>
-          <a:ln>
-            <a:prstDash val="dash"/>
-          </a:ln>
-        </p:spPr>
-        <p:style>
-          <a:lnRef idx="1">
-            <a:schemeClr val="dk1"/>
-          </a:lnRef>
-          <a:fillRef idx="0">
-            <a:schemeClr val="dk1"/>
-          </a:fillRef>
-          <a:effectRef idx="0">
-            <a:schemeClr val="dk1"/>
-          </a:effectRef>
-          <a:fontRef idx="minor">
-            <a:schemeClr val="tx1"/>
-          </a:fontRef>
-        </p:style>
-      </p:cxnSp>
-      <p:cxnSp>
-        <p:nvCxnSpPr>
-          <p:cNvPr id="35" name="直線コネクタ 34">
-            <a:extLst>
-              <a:ext uri="{FF2B5EF4-FFF2-40B4-BE49-F238E27FC236}">
-                <a16:creationId xmlns:a16="http://schemas.microsoft.com/office/drawing/2014/main" id="{6C3C0BBF-DA9C-4E0D-944E-2CA67422F680}"/>
-              </a:ext>
-            </a:extLst>
-          </p:cNvPr>
-          <p:cNvCxnSpPr>
-            <a:cxnSpLocks/>
-          </p:cNvCxnSpPr>
-          <p:nvPr/>
-        </p:nvCxnSpPr>
-        <p:spPr>
-          <a:xfrm>
-            <a:off x="2412437" y="1881188"/>
-            <a:ext cx="0" cy="1654492"/>
-          </a:xfrm>
-          <a:prstGeom prst="line">
-            <a:avLst/>
-          </a:prstGeom>
-          <a:ln>
-            <a:prstDash val="dash"/>
-          </a:ln>
-        </p:spPr>
-        <p:style>
-          <a:lnRef idx="1">
-            <a:schemeClr val="dk1"/>
-          </a:lnRef>
-          <a:fillRef idx="0">
-            <a:schemeClr val="dk1"/>
-          </a:fillRef>
-          <a:effectRef idx="0">
-            <a:schemeClr val="dk1"/>
-          </a:effectRef>
-          <a:fontRef idx="minor">
-            <a:schemeClr val="tx1"/>
-          </a:fontRef>
-        </p:style>
-      </p:cxnSp>
-      <p:cxnSp>
-        <p:nvCxnSpPr>
-          <p:cNvPr id="38" name="直線コネクタ 37">
-            <a:extLst>
-              <a:ext uri="{FF2B5EF4-FFF2-40B4-BE49-F238E27FC236}">
-                <a16:creationId xmlns:a16="http://schemas.microsoft.com/office/drawing/2014/main" id="{090A2311-D037-43FF-8292-437ACA493801}"/>
-              </a:ext>
-            </a:extLst>
-          </p:cNvPr>
-          <p:cNvCxnSpPr>
-            <a:cxnSpLocks/>
-          </p:cNvCxnSpPr>
-          <p:nvPr/>
-        </p:nvCxnSpPr>
-        <p:spPr>
-          <a:xfrm>
-            <a:off x="2412437" y="1831652"/>
-            <a:ext cx="1264213" cy="0"/>
-          </a:xfrm>
-          <a:prstGeom prst="line">
-            <a:avLst/>
-          </a:prstGeom>
-          <a:ln>
-            <a:prstDash val="dash"/>
-          </a:ln>
-        </p:spPr>
-        <p:style>
-          <a:lnRef idx="1">
-            <a:schemeClr val="dk1"/>
-          </a:lnRef>
-          <a:fillRef idx="0">
-            <a:schemeClr val="dk1"/>
-          </a:fillRef>
-          <a:effectRef idx="0">
-            <a:schemeClr val="dk1"/>
-          </a:effectRef>
-          <a:fontRef idx="minor">
-            <a:schemeClr val="tx1"/>
-          </a:fontRef>
-        </p:style>
-      </p:cxnSp>
-      <p:cxnSp>
-        <p:nvCxnSpPr>
-          <p:cNvPr id="42" name="直線コネクタ 41">
-            <a:extLst>
-              <a:ext uri="{FF2B5EF4-FFF2-40B4-BE49-F238E27FC236}">
-                <a16:creationId xmlns:a16="http://schemas.microsoft.com/office/drawing/2014/main" id="{E0978030-7E59-4706-B068-B327C91B6468}"/>
-              </a:ext>
-            </a:extLst>
-          </p:cNvPr>
-          <p:cNvCxnSpPr>
-            <a:cxnSpLocks/>
-          </p:cNvCxnSpPr>
-          <p:nvPr/>
-        </p:nvCxnSpPr>
-        <p:spPr>
-          <a:xfrm>
-            <a:off x="1307537" y="5552455"/>
-            <a:ext cx="1104900" cy="0"/>
-          </a:xfrm>
-          <a:prstGeom prst="line">
-            <a:avLst/>
-          </a:prstGeom>
-          <a:ln>
-            <a:prstDash val="dash"/>
-          </a:ln>
-        </p:spPr>
-        <p:style>
-          <a:lnRef idx="1">
-            <a:schemeClr val="dk1"/>
-          </a:lnRef>
-          <a:fillRef idx="0">
-            <a:schemeClr val="dk1"/>
-          </a:fillRef>
-          <a:effectRef idx="0">
-            <a:schemeClr val="dk1"/>
-          </a:effectRef>
-          <a:fontRef idx="minor">
-            <a:schemeClr val="tx1"/>
-          </a:fontRef>
-        </p:style>
-      </p:cxnSp>
-      <p:cxnSp>
-        <p:nvCxnSpPr>
-          <p:cNvPr id="45" name="直線コネクタ 44">
-            <a:extLst>
-              <a:ext uri="{FF2B5EF4-FFF2-40B4-BE49-F238E27FC236}">
-                <a16:creationId xmlns:a16="http://schemas.microsoft.com/office/drawing/2014/main" id="{1775E126-2597-4968-9E65-750B682F7D60}"/>
-              </a:ext>
-            </a:extLst>
-          </p:cNvPr>
-          <p:cNvCxnSpPr>
-            <a:cxnSpLocks/>
-          </p:cNvCxnSpPr>
-          <p:nvPr/>
-        </p:nvCxnSpPr>
-        <p:spPr>
-          <a:xfrm>
-            <a:off x="2424113" y="6181139"/>
-            <a:ext cx="1264213" cy="0"/>
-          </a:xfrm>
-          <a:prstGeom prst="line">
-            <a:avLst/>
-          </a:prstGeom>
-          <a:ln>
-            <a:prstDash val="dash"/>
-          </a:ln>
-        </p:spPr>
-        <p:style>
-          <a:lnRef idx="1">
-            <a:schemeClr val="dk1"/>
-          </a:lnRef>
-          <a:fillRef idx="0">
-            <a:schemeClr val="dk1"/>
-          </a:fillRef>
-          <a:effectRef idx="0">
-            <a:schemeClr val="dk1"/>
-          </a:effectRef>
-          <a:fontRef idx="minor">
-            <a:schemeClr val="tx1"/>
-          </a:fontRef>
-        </p:style>
-      </p:cxnSp>
-      <p:cxnSp>
-        <p:nvCxnSpPr>
-          <p:cNvPr id="46" name="直線コネクタ 45">
-            <a:extLst>
-              <a:ext uri="{FF2B5EF4-FFF2-40B4-BE49-F238E27FC236}">
-                <a16:creationId xmlns:a16="http://schemas.microsoft.com/office/drawing/2014/main" id="{D2F5F3C4-6CB6-457C-8D56-2DD95259BCBA}"/>
-              </a:ext>
-            </a:extLst>
-          </p:cNvPr>
-          <p:cNvCxnSpPr>
-            <a:cxnSpLocks/>
-          </p:cNvCxnSpPr>
-          <p:nvPr/>
-        </p:nvCxnSpPr>
-        <p:spPr>
-          <a:xfrm>
-            <a:off x="2412437" y="5552455"/>
-            <a:ext cx="0" cy="628684"/>
-          </a:xfrm>
-          <a:prstGeom prst="line">
-            <a:avLst/>
-          </a:prstGeom>
-          <a:ln>
-            <a:prstDash val="dash"/>
-          </a:ln>
-        </p:spPr>
-        <p:style>
-          <a:lnRef idx="1">
-            <a:schemeClr val="dk1"/>
-          </a:lnRef>
-          <a:fillRef idx="0">
-            <a:schemeClr val="dk1"/>
-          </a:fillRef>
-          <a:effectRef idx="0">
-            <a:schemeClr val="dk1"/>
-          </a:effectRef>
-          <a:fontRef idx="minor">
-            <a:schemeClr val="tx1"/>
-          </a:fontRef>
-        </p:style>
-      </p:cxnSp>
-      <p:cxnSp>
-        <p:nvCxnSpPr>
-          <p:cNvPr id="47" name="直線コネクタ 46">
-            <a:extLst>
-              <a:ext uri="{FF2B5EF4-FFF2-40B4-BE49-F238E27FC236}">
-                <a16:creationId xmlns:a16="http://schemas.microsoft.com/office/drawing/2014/main" id="{11E795DE-19BD-4642-9DF4-DC54A7A97F81}"/>
-              </a:ext>
-            </a:extLst>
-          </p:cNvPr>
-          <p:cNvCxnSpPr>
-            <a:cxnSpLocks/>
-          </p:cNvCxnSpPr>
-          <p:nvPr/>
-        </p:nvCxnSpPr>
-        <p:spPr>
-          <a:xfrm>
-            <a:off x="2424113" y="8826598"/>
-            <a:ext cx="1264213" cy="0"/>
-          </a:xfrm>
-          <a:prstGeom prst="line">
-            <a:avLst/>
-          </a:prstGeom>
-          <a:ln>
-            <a:prstDash val="dash"/>
-          </a:ln>
-        </p:spPr>
-        <p:style>
-          <a:lnRef idx="1">
-            <a:schemeClr val="dk1"/>
-          </a:lnRef>
-          <a:fillRef idx="0">
-            <a:schemeClr val="dk1"/>
-          </a:fillRef>
-          <a:effectRef idx="0">
-            <a:schemeClr val="dk1"/>
-          </a:effectRef>
-          <a:fontRef idx="minor">
-            <a:schemeClr val="tx1"/>
-          </a:fontRef>
-        </p:style>
-      </p:cxnSp>
     </p:spTree>
     <p:extLst>
       <p:ext uri="{BB962C8B-B14F-4D97-AF65-F5344CB8AC3E}">
-        <p14:creationId xmlns:p14="http://schemas.microsoft.com/office/powerpoint/2010/main" val="698713433"/>
+        <p14:creationId xmlns:p14="http://schemas.microsoft.com/office/powerpoint/2010/main" val="1698583011"/>
       </p:ext>
     </p:extLst>
   </p:cSld>
@@ -11597,7 +10170,7 @@
           <p:cNvPr id="2" name="タイトル 1">
             <a:extLst>
               <a:ext uri="{FF2B5EF4-FFF2-40B4-BE49-F238E27FC236}">
-                <a16:creationId xmlns:a16="http://schemas.microsoft.com/office/drawing/2014/main" id="{7E6CB820-8B1A-4384-BFD4-ACAFE713F983}"/>
+                <a16:creationId xmlns:a16="http://schemas.microsoft.com/office/drawing/2014/main" id="{A97D991A-5110-48F5-BD11-1919078F1AA5}"/>
               </a:ext>
             </a:extLst>
           </p:cNvPr>
@@ -11626,7 +10199,7 @@
                 <a:ea typeface="+mj-ea"/>
                 <a:cs typeface="+mj-cs"/>
               </a:rPr>
-              <a:t>2.3.12.</a:t>
+              <a:t>2.3.11.</a:t>
             </a:r>
             <a:r>
               <a:rPr kumimoji="1" lang="ja-JP" altLang="ja-JP" sz="4800" kern="1200" spc="-50" baseline="0" dirty="0">
@@ -11700,7 +10273,7 @@
                 <a:ea typeface="+mj-ea"/>
                 <a:cs typeface="+mj-cs"/>
               </a:rPr>
-              <a:t>ゲーム中</a:t>
+              <a:t>ブザー</a:t>
             </a:r>
             <a:r>
               <a:rPr kumimoji="1" lang="en-US" altLang="ja-JP" sz="4800" kern="1200" spc="-50" baseline="0" dirty="0">
@@ -11715,7 +10288,7 @@
                 <a:ea typeface="+mj-ea"/>
                 <a:cs typeface="+mj-cs"/>
               </a:rPr>
-              <a:t>3</a:t>
+              <a:t>1</a:t>
             </a:r>
             <a:endParaRPr kumimoji="1" lang="ja-JP" altLang="en-US" dirty="0"/>
           </a:p>
@@ -11726,7 +10299,7 @@
           <p:cNvPr id="4" name="日付プレースホルダー 3">
             <a:extLst>
               <a:ext uri="{FF2B5EF4-FFF2-40B4-BE49-F238E27FC236}">
-                <a16:creationId xmlns:a16="http://schemas.microsoft.com/office/drawing/2014/main" id="{0DE384F7-782C-41FB-B733-4EE9CE23D2B1}"/>
+                <a16:creationId xmlns:a16="http://schemas.microsoft.com/office/drawing/2014/main" id="{0D710AED-334C-49CC-B71B-153D1527C4DF}"/>
               </a:ext>
             </a:extLst>
           </p:cNvPr>
@@ -11755,7 +10328,7 @@
           <p:cNvPr id="5" name="スライド番号プレースホルダー 4">
             <a:extLst>
               <a:ext uri="{FF2B5EF4-FFF2-40B4-BE49-F238E27FC236}">
-                <a16:creationId xmlns:a16="http://schemas.microsoft.com/office/drawing/2014/main" id="{A0A26DC5-96D4-471F-A24F-973CB3EC2283}"/>
+                <a16:creationId xmlns:a16="http://schemas.microsoft.com/office/drawing/2014/main" id="{BA4B4EFC-3ACF-4883-AA8F-7C25B5AB61CC}"/>
               </a:ext>
             </a:extLst>
           </p:cNvPr>
@@ -11781,10 +10354,10 @@
       </p:sp>
       <p:pic>
         <p:nvPicPr>
-          <p:cNvPr id="12" name="コンテンツ プレースホルダー 11">
-            <a:extLst>
-              <a:ext uri="{FF2B5EF4-FFF2-40B4-BE49-F238E27FC236}">
-                <a16:creationId xmlns:a16="http://schemas.microsoft.com/office/drawing/2014/main" id="{5E38602C-1D97-41F8-82AD-FC8075981A44}"/>
+          <p:cNvPr id="11" name="コンテンツ プレースホルダー 10" descr="文字と写真のスクリーンショット&#10;&#10;自動的に生成された説明">
+            <a:extLst>
+              <a:ext uri="{FF2B5EF4-FFF2-40B4-BE49-F238E27FC236}">
+                <a16:creationId xmlns:a16="http://schemas.microsoft.com/office/drawing/2014/main" id="{269DFDB5-E119-47C4-8822-41B8F103CDB9}"/>
               </a:ext>
             </a:extLst>
           </p:cNvPr>
@@ -11803,22 +10376,57 @@
               </a:ext>
             </a:extLst>
           </a:blip>
-          <a:srcRect l="81633" b="32620"/>
+          <a:srcRect r="74413" b="87898"/>
           <a:stretch/>
         </p:blipFill>
         <p:spPr>
           <a:xfrm>
-            <a:off x="3268981" y="1823403"/>
-            <a:ext cx="2827019" cy="4463287"/>
+            <a:off x="337712" y="2287913"/>
+            <a:ext cx="965168" cy="1954211"/>
           </a:xfrm>
         </p:spPr>
       </p:pic>
       <p:pic>
         <p:nvPicPr>
-          <p:cNvPr id="21" name="コンテンツ プレースホルダー 11">
-            <a:extLst>
-              <a:ext uri="{FF2B5EF4-FFF2-40B4-BE49-F238E27FC236}">
-                <a16:creationId xmlns:a16="http://schemas.microsoft.com/office/drawing/2014/main" id="{4EFCCBAF-75F7-46F8-9D39-E8976117C9CB}"/>
+          <p:cNvPr id="14" name="図 13" descr="時計 が含まれている画像&#10;&#10;自動的に生成された説明">
+            <a:extLst>
+              <a:ext uri="{FF2B5EF4-FFF2-40B4-BE49-F238E27FC236}">
+                <a16:creationId xmlns:a16="http://schemas.microsoft.com/office/drawing/2014/main" id="{33323F42-2EA8-41AA-91B9-96783C707B1A}"/>
+              </a:ext>
+            </a:extLst>
+          </p:cNvPr>
+          <p:cNvPicPr>
+            <a:picLocks noChangeAspect="1"/>
+          </p:cNvPicPr>
+          <p:nvPr/>
+        </p:nvPicPr>
+        <p:blipFill rotWithShape="1">
+          <a:blip r:embed="rId3">
+            <a:extLst>
+              <a:ext uri="{28A0092B-C50C-407E-A947-70E740481C1C}">
+                <a14:useLocalDpi xmlns:a14="http://schemas.microsoft.com/office/drawing/2010/main" val="0"/>
+              </a:ext>
+            </a:extLst>
+          </a:blip>
+          <a:srcRect l="20652" t="55973" r="41591" b="19020"/>
+          <a:stretch/>
+        </p:blipFill>
+        <p:spPr>
+          <a:xfrm>
+            <a:off x="4979301" y="1817924"/>
+            <a:ext cx="1650979" cy="4151579"/>
+          </a:xfrm>
+          <a:prstGeom prst="rect">
+            <a:avLst/>
+          </a:prstGeom>
+        </p:spPr>
+      </p:pic>
+      <p:pic>
+        <p:nvPicPr>
+          <p:cNvPr id="15" name="コンテンツ プレースホルダー 10" descr="文字と写真のスクリーンショット&#10;&#10;自動的に生成された説明">
+            <a:extLst>
+              <a:ext uri="{FF2B5EF4-FFF2-40B4-BE49-F238E27FC236}">
+                <a16:creationId xmlns:a16="http://schemas.microsoft.com/office/drawing/2014/main" id="{DCE2C2D7-0697-44EE-8A19-2AC7ACE1DB3E}"/>
               </a:ext>
             </a:extLst>
           </p:cNvPr>
@@ -11835,79 +10443,25 @@
               </a:ext>
             </a:extLst>
           </a:blip>
-          <a:srcRect l="74156" t="61559" r="6768" b="-1851"/>
+          <a:srcRect t="12539" r="59245" b="62628"/>
           <a:stretch/>
         </p:blipFill>
         <p:spPr>
           <a:xfrm>
-            <a:off x="6837218" y="1823403"/>
-            <a:ext cx="3063240" cy="2784515"/>
+            <a:off x="1704325" y="2167306"/>
+            <a:ext cx="1570840" cy="4097465"/>
           </a:xfrm>
           <a:prstGeom prst="rect">
             <a:avLst/>
           </a:prstGeom>
         </p:spPr>
       </p:pic>
-      <p:sp>
-        <p:nvSpPr>
-          <p:cNvPr id="14" name="正方形/長方形 13">
-            <a:extLst>
-              <a:ext uri="{FF2B5EF4-FFF2-40B4-BE49-F238E27FC236}">
-                <a16:creationId xmlns:a16="http://schemas.microsoft.com/office/drawing/2014/main" id="{0DF82491-B412-44D0-9F1F-D4723D799A82}"/>
-              </a:ext>
-            </a:extLst>
-          </p:cNvPr>
-          <p:cNvSpPr/>
-          <p:nvPr/>
-        </p:nvSpPr>
-        <p:spPr>
-          <a:xfrm>
-            <a:off x="3116580" y="5867400"/>
-            <a:ext cx="1980228" cy="419290"/>
-          </a:xfrm>
-          <a:prstGeom prst="rect">
-            <a:avLst/>
-          </a:prstGeom>
-          <a:solidFill>
-            <a:schemeClr val="bg1"/>
-          </a:solidFill>
-          <a:ln>
-            <a:solidFill>
-              <a:schemeClr val="bg1"/>
-            </a:solidFill>
-          </a:ln>
-        </p:spPr>
-        <p:style>
-          <a:lnRef idx="2">
-            <a:schemeClr val="accent1">
-              <a:shade val="50000"/>
-            </a:schemeClr>
-          </a:lnRef>
-          <a:fillRef idx="1">
-            <a:schemeClr val="accent1"/>
-          </a:fillRef>
-          <a:effectRef idx="0">
-            <a:schemeClr val="accent1"/>
-          </a:effectRef>
-          <a:fontRef idx="minor">
-            <a:schemeClr val="lt1"/>
-          </a:fontRef>
-        </p:style>
-        <p:txBody>
-          <a:bodyPr rtlCol="0" anchor="ctr"/>
-          <a:lstStyle/>
-          <a:p>
-            <a:pPr algn="ctr"/>
-            <a:endParaRPr kumimoji="1" lang="ja-JP" altLang="en-US"/>
-          </a:p>
-        </p:txBody>
-      </p:sp>
       <p:pic>
         <p:nvPicPr>
-          <p:cNvPr id="17" name="コンテンツ プレースホルダー 16" descr="テキスト が含まれている画像&#10;&#10;自動的に生成された説明">
-            <a:extLst>
-              <a:ext uri="{FF2B5EF4-FFF2-40B4-BE49-F238E27FC236}">
-                <a16:creationId xmlns:a16="http://schemas.microsoft.com/office/drawing/2014/main" id="{0EE0BCF0-A863-4423-B13F-F715F9A7D19C}"/>
+          <p:cNvPr id="16" name="コンテンツ プレースホルダー 10" descr="文字と写真のスクリーンショット&#10;&#10;自動的に生成された説明">
+            <a:extLst>
+              <a:ext uri="{FF2B5EF4-FFF2-40B4-BE49-F238E27FC236}">
+                <a16:creationId xmlns:a16="http://schemas.microsoft.com/office/drawing/2014/main" id="{ECFF1E52-ABDC-412B-89A7-6B9FB847A4DE}"/>
               </a:ext>
             </a:extLst>
           </p:cNvPr>
@@ -11924,13 +10478,727 @@
               </a:ext>
             </a:extLst>
           </a:blip>
-          <a:srcRect l="72412" t="17954" r="19867" b="64989"/>
+          <a:srcRect l="31175" r="47278" b="97800"/>
           <a:stretch/>
         </p:blipFill>
         <p:spPr>
           <a:xfrm>
-            <a:off x="1981556" y="3556922"/>
-            <a:ext cx="1287425" cy="1223996"/>
+            <a:off x="490112" y="1870715"/>
+            <a:ext cx="812768" cy="355281"/>
+          </a:xfrm>
+          <a:prstGeom prst="rect">
+            <a:avLst/>
+          </a:prstGeom>
+        </p:spPr>
+      </p:pic>
+      <p:cxnSp>
+        <p:nvCxnSpPr>
+          <p:cNvPr id="17" name="直線コネクタ 16">
+            <a:extLst>
+              <a:ext uri="{FF2B5EF4-FFF2-40B4-BE49-F238E27FC236}">
+                <a16:creationId xmlns:a16="http://schemas.microsoft.com/office/drawing/2014/main" id="{13E75570-856F-48B0-9FB7-1FFD4001CBE1}"/>
+              </a:ext>
+            </a:extLst>
+          </p:cNvPr>
+          <p:cNvCxnSpPr>
+            <a:cxnSpLocks/>
+          </p:cNvCxnSpPr>
+          <p:nvPr/>
+        </p:nvCxnSpPr>
+        <p:spPr>
+          <a:xfrm>
+            <a:off x="825590" y="4555118"/>
+            <a:ext cx="669597" cy="0"/>
+          </a:xfrm>
+          <a:prstGeom prst="line">
+            <a:avLst/>
+          </a:prstGeom>
+          <a:ln>
+            <a:prstDash val="dash"/>
+          </a:ln>
+        </p:spPr>
+        <p:style>
+          <a:lnRef idx="1">
+            <a:schemeClr val="dk1"/>
+          </a:lnRef>
+          <a:fillRef idx="0">
+            <a:schemeClr val="dk1"/>
+          </a:fillRef>
+          <a:effectRef idx="0">
+            <a:schemeClr val="dk1"/>
+          </a:effectRef>
+          <a:fontRef idx="minor">
+            <a:schemeClr val="tx1"/>
+          </a:fontRef>
+        </p:style>
+      </p:cxnSp>
+      <p:cxnSp>
+        <p:nvCxnSpPr>
+          <p:cNvPr id="18" name="直線コネクタ 17">
+            <a:extLst>
+              <a:ext uri="{FF2B5EF4-FFF2-40B4-BE49-F238E27FC236}">
+                <a16:creationId xmlns:a16="http://schemas.microsoft.com/office/drawing/2014/main" id="{6E9272FE-0DDB-439A-B4B7-E459F87396F8}"/>
+              </a:ext>
+            </a:extLst>
+          </p:cNvPr>
+          <p:cNvCxnSpPr>
+            <a:cxnSpLocks/>
+          </p:cNvCxnSpPr>
+          <p:nvPr/>
+        </p:nvCxnSpPr>
+        <p:spPr>
+          <a:xfrm flipV="1">
+            <a:off x="1495187" y="2085850"/>
+            <a:ext cx="0" cy="2469268"/>
+          </a:xfrm>
+          <a:prstGeom prst="line">
+            <a:avLst/>
+          </a:prstGeom>
+          <a:ln>
+            <a:prstDash val="dash"/>
+          </a:ln>
+        </p:spPr>
+        <p:style>
+          <a:lnRef idx="1">
+            <a:schemeClr val="dk1"/>
+          </a:lnRef>
+          <a:fillRef idx="0">
+            <a:schemeClr val="dk1"/>
+          </a:fillRef>
+          <a:effectRef idx="0">
+            <a:schemeClr val="dk1"/>
+          </a:effectRef>
+          <a:fontRef idx="minor">
+            <a:schemeClr val="tx1"/>
+          </a:fontRef>
+        </p:style>
+      </p:cxnSp>
+      <p:cxnSp>
+        <p:nvCxnSpPr>
+          <p:cNvPr id="19" name="直線コネクタ 18">
+            <a:extLst>
+              <a:ext uri="{FF2B5EF4-FFF2-40B4-BE49-F238E27FC236}">
+                <a16:creationId xmlns:a16="http://schemas.microsoft.com/office/drawing/2014/main" id="{B3DFB301-9FF1-4892-BBEE-EF2C2361CC9D}"/>
+              </a:ext>
+            </a:extLst>
+          </p:cNvPr>
+          <p:cNvCxnSpPr>
+            <a:cxnSpLocks/>
+          </p:cNvCxnSpPr>
+          <p:nvPr/>
+        </p:nvCxnSpPr>
+        <p:spPr>
+          <a:xfrm>
+            <a:off x="1495187" y="2085849"/>
+            <a:ext cx="711628" cy="0"/>
+          </a:xfrm>
+          <a:prstGeom prst="line">
+            <a:avLst/>
+          </a:prstGeom>
+          <a:ln>
+            <a:prstDash val="dash"/>
+          </a:ln>
+        </p:spPr>
+        <p:style>
+          <a:lnRef idx="1">
+            <a:schemeClr val="dk1"/>
+          </a:lnRef>
+          <a:fillRef idx="0">
+            <a:schemeClr val="dk1"/>
+          </a:fillRef>
+          <a:effectRef idx="0">
+            <a:schemeClr val="dk1"/>
+          </a:effectRef>
+          <a:fontRef idx="minor">
+            <a:schemeClr val="tx1"/>
+          </a:fontRef>
+        </p:style>
+      </p:cxnSp>
+      <p:cxnSp>
+        <p:nvCxnSpPr>
+          <p:cNvPr id="24" name="直線コネクタ 23">
+            <a:extLst>
+              <a:ext uri="{FF2B5EF4-FFF2-40B4-BE49-F238E27FC236}">
+                <a16:creationId xmlns:a16="http://schemas.microsoft.com/office/drawing/2014/main" id="{A6AACA42-0B05-428B-9917-BCB8B7ECD3F2}"/>
+              </a:ext>
+            </a:extLst>
+          </p:cNvPr>
+          <p:cNvCxnSpPr>
+            <a:cxnSpLocks/>
+          </p:cNvCxnSpPr>
+          <p:nvPr/>
+        </p:nvCxnSpPr>
+        <p:spPr>
+          <a:xfrm flipV="1">
+            <a:off x="827971" y="4242124"/>
+            <a:ext cx="0" cy="312994"/>
+          </a:xfrm>
+          <a:prstGeom prst="line">
+            <a:avLst/>
+          </a:prstGeom>
+          <a:ln>
+            <a:prstDash val="dash"/>
+          </a:ln>
+        </p:spPr>
+        <p:style>
+          <a:lnRef idx="1">
+            <a:schemeClr val="dk1"/>
+          </a:lnRef>
+          <a:fillRef idx="0">
+            <a:schemeClr val="dk1"/>
+          </a:fillRef>
+          <a:effectRef idx="0">
+            <a:schemeClr val="dk1"/>
+          </a:effectRef>
+          <a:fontRef idx="minor">
+            <a:schemeClr val="tx1"/>
+          </a:fontRef>
+        </p:style>
+      </p:cxnSp>
+      <p:cxnSp>
+        <p:nvCxnSpPr>
+          <p:cNvPr id="29" name="直線コネクタ 28">
+            <a:extLst>
+              <a:ext uri="{FF2B5EF4-FFF2-40B4-BE49-F238E27FC236}">
+                <a16:creationId xmlns:a16="http://schemas.microsoft.com/office/drawing/2014/main" id="{7D6F0DF7-1D3E-4FD1-823C-2166711B2645}"/>
+              </a:ext>
+            </a:extLst>
+          </p:cNvPr>
+          <p:cNvCxnSpPr>
+            <a:cxnSpLocks/>
+          </p:cNvCxnSpPr>
+          <p:nvPr/>
+        </p:nvCxnSpPr>
+        <p:spPr>
+          <a:xfrm flipV="1">
+            <a:off x="2209196" y="2085849"/>
+            <a:ext cx="0" cy="81458"/>
+          </a:xfrm>
+          <a:prstGeom prst="line">
+            <a:avLst/>
+          </a:prstGeom>
+          <a:ln>
+            <a:prstDash val="dash"/>
+          </a:ln>
+        </p:spPr>
+        <p:style>
+          <a:lnRef idx="1">
+            <a:schemeClr val="dk1"/>
+          </a:lnRef>
+          <a:fillRef idx="0">
+            <a:schemeClr val="dk1"/>
+          </a:fillRef>
+          <a:effectRef idx="0">
+            <a:schemeClr val="dk1"/>
+          </a:effectRef>
+          <a:fontRef idx="minor">
+            <a:schemeClr val="tx1"/>
+          </a:fontRef>
+        </p:style>
+      </p:cxnSp>
+      <p:pic>
+        <p:nvPicPr>
+          <p:cNvPr id="41" name="図 40" descr="時計 が含まれている画像&#10;&#10;自動的に生成された説明">
+            <a:extLst>
+              <a:ext uri="{FF2B5EF4-FFF2-40B4-BE49-F238E27FC236}">
+                <a16:creationId xmlns:a16="http://schemas.microsoft.com/office/drawing/2014/main" id="{CA390D07-66A2-4031-ADDD-32A98F580D10}"/>
+              </a:ext>
+            </a:extLst>
+          </p:cNvPr>
+          <p:cNvPicPr>
+            <a:picLocks noChangeAspect="1"/>
+          </p:cNvPicPr>
+          <p:nvPr/>
+        </p:nvPicPr>
+        <p:blipFill rotWithShape="1">
+          <a:blip r:embed="rId3">
+            <a:extLst>
+              <a:ext uri="{28A0092B-C50C-407E-A947-70E740481C1C}">
+                <a14:useLocalDpi xmlns:a14="http://schemas.microsoft.com/office/drawing/2010/main" val="0"/>
+              </a:ext>
+            </a:extLst>
+          </a:blip>
+          <a:srcRect l="64418" t="56328" r="-2175" b="18925"/>
+          <a:stretch/>
+        </p:blipFill>
+        <p:spPr>
+          <a:xfrm>
+            <a:off x="8410258" y="1817924"/>
+            <a:ext cx="1650979" cy="4108343"/>
+          </a:xfrm>
+          <a:prstGeom prst="rect">
+            <a:avLst/>
+          </a:prstGeom>
+        </p:spPr>
+      </p:pic>
+      <p:pic>
+        <p:nvPicPr>
+          <p:cNvPr id="43" name="図 42" descr="時計 が含まれている画像&#10;&#10;自動的に生成された説明">
+            <a:extLst>
+              <a:ext uri="{FF2B5EF4-FFF2-40B4-BE49-F238E27FC236}">
+                <a16:creationId xmlns:a16="http://schemas.microsoft.com/office/drawing/2014/main" id="{8E6E79E9-5AF1-4BA8-86DD-7E63593457F2}"/>
+              </a:ext>
+            </a:extLst>
+          </p:cNvPr>
+          <p:cNvPicPr>
+            <a:picLocks noChangeAspect="1"/>
+          </p:cNvPicPr>
+          <p:nvPr/>
+        </p:nvPicPr>
+        <p:blipFill rotWithShape="1">
+          <a:blip r:embed="rId3">
+            <a:extLst>
+              <a:ext uri="{28A0092B-C50C-407E-A947-70E740481C1C}">
+                <a14:useLocalDpi xmlns:a14="http://schemas.microsoft.com/office/drawing/2010/main" val="0"/>
+              </a:ext>
+            </a:extLst>
+          </a:blip>
+          <a:srcRect l="20652" t="80638" r="41591" b="-534"/>
+          <a:stretch/>
+        </p:blipFill>
+        <p:spPr>
+          <a:xfrm>
+            <a:off x="6834289" y="2961567"/>
+            <a:ext cx="1650981" cy="3303203"/>
+          </a:xfrm>
+          <a:prstGeom prst="rect">
+            <a:avLst/>
+          </a:prstGeom>
+        </p:spPr>
+      </p:pic>
+      <p:pic>
+        <p:nvPicPr>
+          <p:cNvPr id="45" name="図 44" descr="時計 が含まれている画像&#10;&#10;自動的に生成された説明">
+            <a:extLst>
+              <a:ext uri="{FF2B5EF4-FFF2-40B4-BE49-F238E27FC236}">
+                <a16:creationId xmlns:a16="http://schemas.microsoft.com/office/drawing/2014/main" id="{66CDDA2E-1F0A-4D98-9485-FF93DBD6E1D6}"/>
+              </a:ext>
+            </a:extLst>
+          </p:cNvPr>
+          <p:cNvPicPr>
+            <a:picLocks noChangeAspect="1"/>
+          </p:cNvPicPr>
+          <p:nvPr/>
+        </p:nvPicPr>
+        <p:blipFill rotWithShape="1">
+          <a:blip r:embed="rId3">
+            <a:extLst>
+              <a:ext uri="{28A0092B-C50C-407E-A947-70E740481C1C}">
+                <a14:useLocalDpi xmlns:a14="http://schemas.microsoft.com/office/drawing/2010/main" val="0"/>
+              </a:ext>
+            </a:extLst>
+          </a:blip>
+          <a:srcRect l="64760" t="81159" r="-2517" b="-481"/>
+          <a:stretch/>
+        </p:blipFill>
+        <p:spPr>
+          <a:xfrm>
+            <a:off x="10524339" y="3024554"/>
+            <a:ext cx="1667661" cy="3240216"/>
+          </a:xfrm>
+          <a:prstGeom prst="rect">
+            <a:avLst/>
+          </a:prstGeom>
+        </p:spPr>
+      </p:pic>
+      <p:cxnSp>
+        <p:nvCxnSpPr>
+          <p:cNvPr id="46" name="直線コネクタ 45">
+            <a:extLst>
+              <a:ext uri="{FF2B5EF4-FFF2-40B4-BE49-F238E27FC236}">
+                <a16:creationId xmlns:a16="http://schemas.microsoft.com/office/drawing/2014/main" id="{8129FEA6-8174-4CE4-B903-2EC68D5AB4D2}"/>
+              </a:ext>
+            </a:extLst>
+          </p:cNvPr>
+          <p:cNvCxnSpPr>
+            <a:cxnSpLocks/>
+          </p:cNvCxnSpPr>
+          <p:nvPr/>
+        </p:nvCxnSpPr>
+        <p:spPr>
+          <a:xfrm>
+            <a:off x="5574910" y="6120286"/>
+            <a:ext cx="1144382" cy="0"/>
+          </a:xfrm>
+          <a:prstGeom prst="line">
+            <a:avLst/>
+          </a:prstGeom>
+          <a:ln>
+            <a:prstDash val="dash"/>
+          </a:ln>
+        </p:spPr>
+        <p:style>
+          <a:lnRef idx="1">
+            <a:schemeClr val="dk1"/>
+          </a:lnRef>
+          <a:fillRef idx="0">
+            <a:schemeClr val="dk1"/>
+          </a:fillRef>
+          <a:effectRef idx="0">
+            <a:schemeClr val="dk1"/>
+          </a:effectRef>
+          <a:fontRef idx="minor">
+            <a:schemeClr val="tx1"/>
+          </a:fontRef>
+        </p:style>
+      </p:cxnSp>
+      <p:cxnSp>
+        <p:nvCxnSpPr>
+          <p:cNvPr id="47" name="直線コネクタ 46">
+            <a:extLst>
+              <a:ext uri="{FF2B5EF4-FFF2-40B4-BE49-F238E27FC236}">
+                <a16:creationId xmlns:a16="http://schemas.microsoft.com/office/drawing/2014/main" id="{E3687AE2-3DF8-4FDD-B9B6-7290A51E650C}"/>
+              </a:ext>
+            </a:extLst>
+          </p:cNvPr>
+          <p:cNvCxnSpPr>
+            <a:cxnSpLocks/>
+          </p:cNvCxnSpPr>
+          <p:nvPr/>
+        </p:nvCxnSpPr>
+        <p:spPr>
+          <a:xfrm flipV="1">
+            <a:off x="6719292" y="2961567"/>
+            <a:ext cx="0" cy="3158719"/>
+          </a:xfrm>
+          <a:prstGeom prst="line">
+            <a:avLst/>
+          </a:prstGeom>
+          <a:ln>
+            <a:prstDash val="dash"/>
+          </a:ln>
+        </p:spPr>
+        <p:style>
+          <a:lnRef idx="1">
+            <a:schemeClr val="dk1"/>
+          </a:lnRef>
+          <a:fillRef idx="0">
+            <a:schemeClr val="dk1"/>
+          </a:fillRef>
+          <a:effectRef idx="0">
+            <a:schemeClr val="dk1"/>
+          </a:effectRef>
+          <a:fontRef idx="minor">
+            <a:schemeClr val="tx1"/>
+          </a:fontRef>
+        </p:style>
+      </p:cxnSp>
+      <p:cxnSp>
+        <p:nvCxnSpPr>
+          <p:cNvPr id="48" name="直線コネクタ 47">
+            <a:extLst>
+              <a:ext uri="{FF2B5EF4-FFF2-40B4-BE49-F238E27FC236}">
+                <a16:creationId xmlns:a16="http://schemas.microsoft.com/office/drawing/2014/main" id="{0DD5806B-D9F4-4548-92BF-B08561914F35}"/>
+              </a:ext>
+            </a:extLst>
+          </p:cNvPr>
+          <p:cNvCxnSpPr>
+            <a:cxnSpLocks/>
+          </p:cNvCxnSpPr>
+          <p:nvPr/>
+        </p:nvCxnSpPr>
+        <p:spPr>
+          <a:xfrm>
+            <a:off x="6719292" y="2963776"/>
+            <a:ext cx="711628" cy="0"/>
+          </a:xfrm>
+          <a:prstGeom prst="line">
+            <a:avLst/>
+          </a:prstGeom>
+          <a:ln>
+            <a:prstDash val="dash"/>
+          </a:ln>
+        </p:spPr>
+        <p:style>
+          <a:lnRef idx="1">
+            <a:schemeClr val="dk1"/>
+          </a:lnRef>
+          <a:fillRef idx="0">
+            <a:schemeClr val="dk1"/>
+          </a:fillRef>
+          <a:effectRef idx="0">
+            <a:schemeClr val="dk1"/>
+          </a:effectRef>
+          <a:fontRef idx="minor">
+            <a:schemeClr val="tx1"/>
+          </a:fontRef>
+        </p:style>
+      </p:cxnSp>
+      <p:cxnSp>
+        <p:nvCxnSpPr>
+          <p:cNvPr id="49" name="直線コネクタ 48">
+            <a:extLst>
+              <a:ext uri="{FF2B5EF4-FFF2-40B4-BE49-F238E27FC236}">
+                <a16:creationId xmlns:a16="http://schemas.microsoft.com/office/drawing/2014/main" id="{A0FCAC8A-5C1F-4068-B215-12A30F0D86A5}"/>
+              </a:ext>
+            </a:extLst>
+          </p:cNvPr>
+          <p:cNvCxnSpPr>
+            <a:cxnSpLocks/>
+          </p:cNvCxnSpPr>
+          <p:nvPr/>
+        </p:nvCxnSpPr>
+        <p:spPr>
+          <a:xfrm flipV="1">
+            <a:off x="5577291" y="5807292"/>
+            <a:ext cx="0" cy="312994"/>
+          </a:xfrm>
+          <a:prstGeom prst="line">
+            <a:avLst/>
+          </a:prstGeom>
+          <a:ln>
+            <a:prstDash val="dash"/>
+          </a:ln>
+        </p:spPr>
+        <p:style>
+          <a:lnRef idx="1">
+            <a:schemeClr val="dk1"/>
+          </a:lnRef>
+          <a:fillRef idx="0">
+            <a:schemeClr val="dk1"/>
+          </a:fillRef>
+          <a:effectRef idx="0">
+            <a:schemeClr val="dk1"/>
+          </a:effectRef>
+          <a:fontRef idx="minor">
+            <a:schemeClr val="tx1"/>
+          </a:fontRef>
+        </p:style>
+      </p:cxnSp>
+      <p:cxnSp>
+        <p:nvCxnSpPr>
+          <p:cNvPr id="52" name="直線コネクタ 51">
+            <a:extLst>
+              <a:ext uri="{FF2B5EF4-FFF2-40B4-BE49-F238E27FC236}">
+                <a16:creationId xmlns:a16="http://schemas.microsoft.com/office/drawing/2014/main" id="{E2AAE33B-B070-4775-92F8-8E89B36DCC7C}"/>
+              </a:ext>
+            </a:extLst>
+          </p:cNvPr>
+          <p:cNvCxnSpPr>
+            <a:cxnSpLocks/>
+          </p:cNvCxnSpPr>
+          <p:nvPr/>
+        </p:nvCxnSpPr>
+        <p:spPr>
+          <a:xfrm>
+            <a:off x="9003909" y="6156881"/>
+            <a:ext cx="1381225" cy="0"/>
+          </a:xfrm>
+          <a:prstGeom prst="line">
+            <a:avLst/>
+          </a:prstGeom>
+          <a:ln>
+            <a:prstDash val="dash"/>
+          </a:ln>
+        </p:spPr>
+        <p:style>
+          <a:lnRef idx="1">
+            <a:schemeClr val="dk1"/>
+          </a:lnRef>
+          <a:fillRef idx="0">
+            <a:schemeClr val="dk1"/>
+          </a:fillRef>
+          <a:effectRef idx="0">
+            <a:schemeClr val="dk1"/>
+          </a:effectRef>
+          <a:fontRef idx="minor">
+            <a:schemeClr val="tx1"/>
+          </a:fontRef>
+        </p:style>
+      </p:cxnSp>
+      <p:cxnSp>
+        <p:nvCxnSpPr>
+          <p:cNvPr id="53" name="直線コネクタ 52">
+            <a:extLst>
+              <a:ext uri="{FF2B5EF4-FFF2-40B4-BE49-F238E27FC236}">
+                <a16:creationId xmlns:a16="http://schemas.microsoft.com/office/drawing/2014/main" id="{97A40ADD-F2B6-4736-8BB3-151126090D7E}"/>
+              </a:ext>
+            </a:extLst>
+          </p:cNvPr>
+          <p:cNvCxnSpPr>
+            <a:cxnSpLocks/>
+          </p:cNvCxnSpPr>
+          <p:nvPr/>
+        </p:nvCxnSpPr>
+        <p:spPr>
+          <a:xfrm flipV="1">
+            <a:off x="10385134" y="2801971"/>
+            <a:ext cx="0" cy="3354911"/>
+          </a:xfrm>
+          <a:prstGeom prst="line">
+            <a:avLst/>
+          </a:prstGeom>
+          <a:ln>
+            <a:prstDash val="dash"/>
+          </a:ln>
+        </p:spPr>
+        <p:style>
+          <a:lnRef idx="1">
+            <a:schemeClr val="dk1"/>
+          </a:lnRef>
+          <a:fillRef idx="0">
+            <a:schemeClr val="dk1"/>
+          </a:fillRef>
+          <a:effectRef idx="0">
+            <a:schemeClr val="dk1"/>
+          </a:effectRef>
+          <a:fontRef idx="minor">
+            <a:schemeClr val="tx1"/>
+          </a:fontRef>
+        </p:style>
+      </p:cxnSp>
+      <p:cxnSp>
+        <p:nvCxnSpPr>
+          <p:cNvPr id="54" name="直線コネクタ 53">
+            <a:extLst>
+              <a:ext uri="{FF2B5EF4-FFF2-40B4-BE49-F238E27FC236}">
+                <a16:creationId xmlns:a16="http://schemas.microsoft.com/office/drawing/2014/main" id="{66457285-81E6-4DA6-9CA8-F06F6FAA8814}"/>
+              </a:ext>
+            </a:extLst>
+          </p:cNvPr>
+          <p:cNvCxnSpPr>
+            <a:cxnSpLocks/>
+          </p:cNvCxnSpPr>
+          <p:nvPr/>
+        </p:nvCxnSpPr>
+        <p:spPr>
+          <a:xfrm>
+            <a:off x="10385134" y="2801971"/>
+            <a:ext cx="711628" cy="0"/>
+          </a:xfrm>
+          <a:prstGeom prst="line">
+            <a:avLst/>
+          </a:prstGeom>
+          <a:ln>
+            <a:prstDash val="dash"/>
+          </a:ln>
+        </p:spPr>
+        <p:style>
+          <a:lnRef idx="1">
+            <a:schemeClr val="dk1"/>
+          </a:lnRef>
+          <a:fillRef idx="0">
+            <a:schemeClr val="dk1"/>
+          </a:fillRef>
+          <a:effectRef idx="0">
+            <a:schemeClr val="dk1"/>
+          </a:effectRef>
+          <a:fontRef idx="minor">
+            <a:schemeClr val="tx1"/>
+          </a:fontRef>
+        </p:style>
+      </p:cxnSp>
+      <p:cxnSp>
+        <p:nvCxnSpPr>
+          <p:cNvPr id="55" name="直線コネクタ 54">
+            <a:extLst>
+              <a:ext uri="{FF2B5EF4-FFF2-40B4-BE49-F238E27FC236}">
+                <a16:creationId xmlns:a16="http://schemas.microsoft.com/office/drawing/2014/main" id="{1CDB1C71-FE4F-4411-8F49-92AD8F827169}"/>
+              </a:ext>
+            </a:extLst>
+          </p:cNvPr>
+          <p:cNvCxnSpPr>
+            <a:cxnSpLocks/>
+          </p:cNvCxnSpPr>
+          <p:nvPr/>
+        </p:nvCxnSpPr>
+        <p:spPr>
+          <a:xfrm flipV="1">
+            <a:off x="9006290" y="5951776"/>
+            <a:ext cx="0" cy="205105"/>
+          </a:xfrm>
+          <a:prstGeom prst="line">
+            <a:avLst/>
+          </a:prstGeom>
+          <a:ln>
+            <a:prstDash val="dash"/>
+          </a:ln>
+        </p:spPr>
+        <p:style>
+          <a:lnRef idx="1">
+            <a:schemeClr val="dk1"/>
+          </a:lnRef>
+          <a:fillRef idx="0">
+            <a:schemeClr val="dk1"/>
+          </a:fillRef>
+          <a:effectRef idx="0">
+            <a:schemeClr val="dk1"/>
+          </a:effectRef>
+          <a:fontRef idx="minor">
+            <a:schemeClr val="tx1"/>
+          </a:fontRef>
+        </p:style>
+      </p:cxnSp>
+      <p:cxnSp>
+        <p:nvCxnSpPr>
+          <p:cNvPr id="61" name="直線コネクタ 60">
+            <a:extLst>
+              <a:ext uri="{FF2B5EF4-FFF2-40B4-BE49-F238E27FC236}">
+                <a16:creationId xmlns:a16="http://schemas.microsoft.com/office/drawing/2014/main" id="{8F2ED348-2F55-4785-995F-7E00A583D93C}"/>
+              </a:ext>
+            </a:extLst>
+          </p:cNvPr>
+          <p:cNvCxnSpPr>
+            <a:cxnSpLocks/>
+          </p:cNvCxnSpPr>
+          <p:nvPr/>
+        </p:nvCxnSpPr>
+        <p:spPr>
+          <a:xfrm flipV="1">
+            <a:off x="11107845" y="2801971"/>
+            <a:ext cx="0" cy="222583"/>
+          </a:xfrm>
+          <a:prstGeom prst="line">
+            <a:avLst/>
+          </a:prstGeom>
+          <a:ln>
+            <a:prstDash val="dash"/>
+          </a:ln>
+        </p:spPr>
+        <p:style>
+          <a:lnRef idx="1">
+            <a:schemeClr val="dk1"/>
+          </a:lnRef>
+          <a:fillRef idx="0">
+            <a:schemeClr val="dk1"/>
+          </a:fillRef>
+          <a:effectRef idx="0">
+            <a:schemeClr val="dk1"/>
+          </a:effectRef>
+          <a:fontRef idx="minor">
+            <a:schemeClr val="tx1"/>
+          </a:fontRef>
+        </p:style>
+      </p:cxnSp>
+      <p:pic>
+        <p:nvPicPr>
+          <p:cNvPr id="67" name="コンテンツ プレースホルダー 10" descr="文字と写真のスクリーンショット&#10;&#10;自動的に生成された説明">
+            <a:extLst>
+              <a:ext uri="{FF2B5EF4-FFF2-40B4-BE49-F238E27FC236}">
+                <a16:creationId xmlns:a16="http://schemas.microsoft.com/office/drawing/2014/main" id="{688C8CB4-A03A-44EC-8B53-1467F9E2BFD3}"/>
+              </a:ext>
+            </a:extLst>
+          </p:cNvPr>
+          <p:cNvPicPr>
+            <a:picLocks noChangeAspect="1"/>
+          </p:cNvPicPr>
+          <p:nvPr/>
+        </p:nvPicPr>
+        <p:blipFill rotWithShape="1">
+          <a:blip r:embed="rId2">
+            <a:extLst>
+              <a:ext uri="{28A0092B-C50C-407E-A947-70E740481C1C}">
+                <a14:useLocalDpi xmlns:a14="http://schemas.microsoft.com/office/drawing/2010/main" val="0"/>
+              </a:ext>
+            </a:extLst>
+          </a:blip>
+          <a:srcRect l="43431" t="14059" r="24758" b="79644"/>
+          <a:stretch/>
+        </p:blipFill>
+        <p:spPr>
+          <a:xfrm>
+            <a:off x="3198325" y="1897479"/>
+            <a:ext cx="1473705" cy="1248760"/>
           </a:xfrm>
           <a:prstGeom prst="rect">
             <a:avLst/>
@@ -11940,7 +11208,7 @@
     </p:spTree>
     <p:extLst>
       <p:ext uri="{BB962C8B-B14F-4D97-AF65-F5344CB8AC3E}">
-        <p14:creationId xmlns:p14="http://schemas.microsoft.com/office/powerpoint/2010/main" val="1698583011"/>
+        <p14:creationId xmlns:p14="http://schemas.microsoft.com/office/powerpoint/2010/main" val="536147936"/>
       </p:ext>
     </p:extLst>
   </p:cSld>
@@ -12001,7 +11269,7 @@
                 <a:ea typeface="+mj-ea"/>
                 <a:cs typeface="+mj-cs"/>
               </a:rPr>
-              <a:t>2.3.13.</a:t>
+              <a:t>2.3.12.</a:t>
             </a:r>
             <a:r>
               <a:rPr kumimoji="1" lang="ja-JP" altLang="ja-JP" sz="4800" kern="1200" spc="-50" baseline="0" dirty="0">
@@ -12090,7 +11358,7 @@
                 <a:ea typeface="+mj-ea"/>
                 <a:cs typeface="+mj-cs"/>
               </a:rPr>
-              <a:t>1</a:t>
+              <a:t>2</a:t>
             </a:r>
             <a:endParaRPr kumimoji="1" lang="ja-JP" altLang="en-US" dirty="0"/>
           </a:p>
@@ -12156,79 +11424,10 @@
       </p:sp>
       <p:pic>
         <p:nvPicPr>
-          <p:cNvPr id="11" name="コンテンツ プレースホルダー 10" descr="文字と写真のスクリーンショット&#10;&#10;自動的に生成された説明">
-            <a:extLst>
-              <a:ext uri="{FF2B5EF4-FFF2-40B4-BE49-F238E27FC236}">
-                <a16:creationId xmlns:a16="http://schemas.microsoft.com/office/drawing/2014/main" id="{269DFDB5-E119-47C4-8822-41B8F103CDB9}"/>
-              </a:ext>
-            </a:extLst>
-          </p:cNvPr>
-          <p:cNvPicPr>
-            <a:picLocks noGrp="1" noChangeAspect="1"/>
-          </p:cNvPicPr>
-          <p:nvPr>
-            <p:ph idx="1"/>
-          </p:nvPr>
-        </p:nvPicPr>
-        <p:blipFill rotWithShape="1">
-          <a:blip r:embed="rId2">
-            <a:extLst>
-              <a:ext uri="{28A0092B-C50C-407E-A947-70E740481C1C}">
-                <a14:useLocalDpi xmlns:a14="http://schemas.microsoft.com/office/drawing/2010/main" val="0"/>
-              </a:ext>
-            </a:extLst>
-          </a:blip>
-          <a:srcRect r="74413" b="87898"/>
-          <a:stretch/>
-        </p:blipFill>
-        <p:spPr>
-          <a:xfrm>
-            <a:off x="337712" y="2287913"/>
-            <a:ext cx="965168" cy="1954211"/>
-          </a:xfrm>
-        </p:spPr>
-      </p:pic>
-      <p:pic>
-        <p:nvPicPr>
-          <p:cNvPr id="14" name="図 13" descr="時計 が含まれている画像&#10;&#10;自動的に生成された説明">
-            <a:extLst>
-              <a:ext uri="{FF2B5EF4-FFF2-40B4-BE49-F238E27FC236}">
-                <a16:creationId xmlns:a16="http://schemas.microsoft.com/office/drawing/2014/main" id="{33323F42-2EA8-41AA-91B9-96783C707B1A}"/>
-              </a:ext>
-            </a:extLst>
-          </p:cNvPr>
-          <p:cNvPicPr>
-            <a:picLocks noChangeAspect="1"/>
-          </p:cNvPicPr>
-          <p:nvPr/>
-        </p:nvPicPr>
-        <p:blipFill rotWithShape="1">
-          <a:blip r:embed="rId3">
-            <a:extLst>
-              <a:ext uri="{28A0092B-C50C-407E-A947-70E740481C1C}">
-                <a14:useLocalDpi xmlns:a14="http://schemas.microsoft.com/office/drawing/2010/main" val="0"/>
-              </a:ext>
-            </a:extLst>
-          </a:blip>
-          <a:srcRect l="20652" t="55973" r="41591" b="19020"/>
-          <a:stretch/>
-        </p:blipFill>
-        <p:spPr>
-          <a:xfrm>
-            <a:off x="4979301" y="1817924"/>
-            <a:ext cx="1650979" cy="4151579"/>
-          </a:xfrm>
-          <a:prstGeom prst="rect">
-            <a:avLst/>
-          </a:prstGeom>
-        </p:spPr>
-      </p:pic>
-      <p:pic>
-        <p:nvPicPr>
-          <p:cNvPr id="15" name="コンテンツ プレースホルダー 10" descr="文字と写真のスクリーンショット&#10;&#10;自動的に生成された説明">
-            <a:extLst>
-              <a:ext uri="{FF2B5EF4-FFF2-40B4-BE49-F238E27FC236}">
-                <a16:creationId xmlns:a16="http://schemas.microsoft.com/office/drawing/2014/main" id="{DCE2C2D7-0697-44EE-8A19-2AC7ACE1DB3E}"/>
+          <p:cNvPr id="8" name="図 7" descr="テキスト, 地図 が含まれている画像&#10;&#10;自動的に生成された説明">
+            <a:extLst>
+              <a:ext uri="{FF2B5EF4-FFF2-40B4-BE49-F238E27FC236}">
+                <a16:creationId xmlns:a16="http://schemas.microsoft.com/office/drawing/2014/main" id="{DBF08255-96F4-4F1B-BA49-3B05C0A94EE1}"/>
               </a:ext>
             </a:extLst>
           </p:cNvPr>
@@ -12245,25 +11444,169 @@
               </a:ext>
             </a:extLst>
           </a:blip>
-          <a:srcRect t="12539" r="59245" b="62628"/>
+          <a:srcRect l="6190" r="52114" b="59342"/>
           <a:stretch/>
         </p:blipFill>
         <p:spPr>
           <a:xfrm>
-            <a:off x="1704325" y="2167306"/>
-            <a:ext cx="1570840" cy="4097465"/>
+            <a:off x="2755722" y="1894839"/>
+            <a:ext cx="2257450" cy="3830297"/>
           </a:xfrm>
           <a:prstGeom prst="rect">
             <a:avLst/>
           </a:prstGeom>
         </p:spPr>
       </p:pic>
+      <p:sp>
+        <p:nvSpPr>
+          <p:cNvPr id="10" name="正方形/長方形 9">
+            <a:extLst>
+              <a:ext uri="{FF2B5EF4-FFF2-40B4-BE49-F238E27FC236}">
+                <a16:creationId xmlns:a16="http://schemas.microsoft.com/office/drawing/2014/main" id="{06A7F09E-F048-4706-9DAA-C981A6137146}"/>
+              </a:ext>
+            </a:extLst>
+          </p:cNvPr>
+          <p:cNvSpPr/>
+          <p:nvPr/>
+        </p:nvSpPr>
+        <p:spPr>
+          <a:xfrm>
+            <a:off x="4250227" y="1894839"/>
+            <a:ext cx="1028700" cy="659130"/>
+          </a:xfrm>
+          <a:prstGeom prst="rect">
+            <a:avLst/>
+          </a:prstGeom>
+          <a:solidFill>
+            <a:schemeClr val="bg1"/>
+          </a:solidFill>
+          <a:ln>
+            <a:solidFill>
+              <a:schemeClr val="bg1"/>
+            </a:solidFill>
+          </a:ln>
+        </p:spPr>
+        <p:style>
+          <a:lnRef idx="2">
+            <a:schemeClr val="accent1">
+              <a:shade val="50000"/>
+            </a:schemeClr>
+          </a:lnRef>
+          <a:fillRef idx="1">
+            <a:schemeClr val="accent1"/>
+          </a:fillRef>
+          <a:effectRef idx="0">
+            <a:schemeClr val="accent1"/>
+          </a:effectRef>
+          <a:fontRef idx="minor">
+            <a:schemeClr val="lt1"/>
+          </a:fontRef>
+        </p:style>
+        <p:txBody>
+          <a:bodyPr rtlCol="0" anchor="ctr"/>
+          <a:lstStyle/>
+          <a:p>
+            <a:pPr algn="ctr"/>
+            <a:endParaRPr kumimoji="1" lang="ja-JP" altLang="en-US"/>
+          </a:p>
+        </p:txBody>
+      </p:sp>
+      <p:sp>
+        <p:nvSpPr>
+          <p:cNvPr id="12" name="正方形/長方形 11">
+            <a:extLst>
+              <a:ext uri="{FF2B5EF4-FFF2-40B4-BE49-F238E27FC236}">
+                <a16:creationId xmlns:a16="http://schemas.microsoft.com/office/drawing/2014/main" id="{251FE4ED-B550-405F-958A-FE6D500552E6}"/>
+              </a:ext>
+            </a:extLst>
+          </p:cNvPr>
+          <p:cNvSpPr/>
+          <p:nvPr/>
+        </p:nvSpPr>
+        <p:spPr>
+          <a:xfrm>
+            <a:off x="4631700" y="2711448"/>
+            <a:ext cx="1028700" cy="659130"/>
+          </a:xfrm>
+          <a:prstGeom prst="rect">
+            <a:avLst/>
+          </a:prstGeom>
+          <a:solidFill>
+            <a:schemeClr val="bg1"/>
+          </a:solidFill>
+          <a:ln>
+            <a:solidFill>
+              <a:schemeClr val="bg1"/>
+            </a:solidFill>
+          </a:ln>
+        </p:spPr>
+        <p:style>
+          <a:lnRef idx="2">
+            <a:schemeClr val="accent1">
+              <a:shade val="50000"/>
+            </a:schemeClr>
+          </a:lnRef>
+          <a:fillRef idx="1">
+            <a:schemeClr val="accent1"/>
+          </a:fillRef>
+          <a:effectRef idx="0">
+            <a:schemeClr val="accent1"/>
+          </a:effectRef>
+          <a:fontRef idx="minor">
+            <a:schemeClr val="lt1"/>
+          </a:fontRef>
+        </p:style>
+        <p:txBody>
+          <a:bodyPr rtlCol="0" anchor="ctr"/>
+          <a:lstStyle/>
+          <a:p>
+            <a:pPr algn="ctr"/>
+            <a:endParaRPr kumimoji="1" lang="ja-JP" altLang="en-US"/>
+          </a:p>
+        </p:txBody>
+      </p:sp>
+      <p:sp>
+        <p:nvSpPr>
+          <p:cNvPr id="13" name="テキスト ボックス 12">
+            <a:extLst>
+              <a:ext uri="{FF2B5EF4-FFF2-40B4-BE49-F238E27FC236}">
+                <a16:creationId xmlns:a16="http://schemas.microsoft.com/office/drawing/2014/main" id="{EDF5587A-CB35-41F6-8FEE-5A6BB5707A72}"/>
+              </a:ext>
+            </a:extLst>
+          </p:cNvPr>
+          <p:cNvSpPr txBox="1"/>
+          <p:nvPr/>
+        </p:nvSpPr>
+        <p:spPr>
+          <a:xfrm>
+            <a:off x="2501318" y="2795732"/>
+            <a:ext cx="337224" cy="230832"/>
+          </a:xfrm>
+          <a:prstGeom prst="rect">
+            <a:avLst/>
+          </a:prstGeom>
+          <a:noFill/>
+        </p:spPr>
+        <p:txBody>
+          <a:bodyPr wrap="square" rtlCol="0">
+            <a:spAutoFit/>
+          </a:bodyPr>
+          <a:lstStyle/>
+          <a:p>
+            <a:r>
+              <a:rPr kumimoji="1" lang="en-US" altLang="ja-JP" sz="900" dirty="0"/>
+              <a:t>NO</a:t>
+            </a:r>
+            <a:endParaRPr kumimoji="1" lang="ja-JP" altLang="en-US" sz="900" dirty="0"/>
+          </a:p>
+        </p:txBody>
+      </p:sp>
       <p:pic>
         <p:nvPicPr>
-          <p:cNvPr id="16" name="コンテンツ プレースホルダー 10" descr="文字と写真のスクリーンショット&#10;&#10;自動的に生成された説明">
-            <a:extLst>
-              <a:ext uri="{FF2B5EF4-FFF2-40B4-BE49-F238E27FC236}">
-                <a16:creationId xmlns:a16="http://schemas.microsoft.com/office/drawing/2014/main" id="{ECFF1E52-ABDC-412B-89A7-6B9FB847A4DE}"/>
+          <p:cNvPr id="20" name="図 19" descr="テキスト, 地図 が含まれている画像&#10;&#10;自動的に生成された説明">
+            <a:extLst>
+              <a:ext uri="{FF2B5EF4-FFF2-40B4-BE49-F238E27FC236}">
+                <a16:creationId xmlns:a16="http://schemas.microsoft.com/office/drawing/2014/main" id="{F909DAC8-0C68-434D-98C1-05B5F06F9BB4}"/>
               </a:ext>
             </a:extLst>
           </p:cNvPr>
@@ -12280,13 +11623,13 @@
               </a:ext>
             </a:extLst>
           </a:blip>
-          <a:srcRect l="31175" r="47278" b="97800"/>
+          <a:srcRect l="15621" t="92021" r="67024" b="-845"/>
           <a:stretch/>
         </p:blipFill>
         <p:spPr>
           <a:xfrm>
-            <a:off x="490112" y="1870715"/>
-            <a:ext cx="812768" cy="355281"/>
+            <a:off x="1849397" y="3370578"/>
+            <a:ext cx="906325" cy="801858"/>
           </a:xfrm>
           <a:prstGeom prst="rect">
             <a:avLst/>
@@ -12295,10 +11638,10 @@
       </p:pic>
       <p:cxnSp>
         <p:nvCxnSpPr>
-          <p:cNvPr id="17" name="直線コネクタ 16">
-            <a:extLst>
-              <a:ext uri="{FF2B5EF4-FFF2-40B4-BE49-F238E27FC236}">
-                <a16:creationId xmlns:a16="http://schemas.microsoft.com/office/drawing/2014/main" id="{13E75570-856F-48B0-9FB7-1FFD4001CBE1}"/>
+          <p:cNvPr id="39" name="直線コネクタ 38">
+            <a:extLst>
+              <a:ext uri="{FF2B5EF4-FFF2-40B4-BE49-F238E27FC236}">
+                <a16:creationId xmlns:a16="http://schemas.microsoft.com/office/drawing/2014/main" id="{968B81D4-026D-44E0-9084-E6482D9A8855}"/>
               </a:ext>
             </a:extLst>
           </p:cNvPr>
@@ -12308,9 +11651,9 @@
           <p:nvPr/>
         </p:nvCxnSpPr>
         <p:spPr>
-          <a:xfrm>
-            <a:off x="825590" y="4555118"/>
-            <a:ext cx="669597" cy="0"/>
+          <a:xfrm flipV="1">
+            <a:off x="2306809" y="3026564"/>
+            <a:ext cx="0" cy="358449"/>
           </a:xfrm>
           <a:prstGeom prst="line">
             <a:avLst/>
@@ -12336,10 +11679,10 @@
       </p:cxnSp>
       <p:cxnSp>
         <p:nvCxnSpPr>
-          <p:cNvPr id="18" name="直線コネクタ 17">
-            <a:extLst>
-              <a:ext uri="{FF2B5EF4-FFF2-40B4-BE49-F238E27FC236}">
-                <a16:creationId xmlns:a16="http://schemas.microsoft.com/office/drawing/2014/main" id="{6E9272FE-0DDB-439A-B4B7-E459F87396F8}"/>
+          <p:cNvPr id="44" name="直線コネクタ 43">
+            <a:extLst>
+              <a:ext uri="{FF2B5EF4-FFF2-40B4-BE49-F238E27FC236}">
+                <a16:creationId xmlns:a16="http://schemas.microsoft.com/office/drawing/2014/main" id="{441B9BB2-87C2-4A16-9CE2-1F47B766F818}"/>
               </a:ext>
             </a:extLst>
           </p:cNvPr>
@@ -12350,8 +11693,224 @@
         </p:nvCxnSpPr>
         <p:spPr>
           <a:xfrm flipV="1">
-            <a:off x="1495187" y="2085850"/>
-            <a:ext cx="0" cy="2469268"/>
+            <a:off x="2353996" y="3047710"/>
+            <a:ext cx="519941" cy="1"/>
+          </a:xfrm>
+          <a:prstGeom prst="line">
+            <a:avLst/>
+          </a:prstGeom>
+          <a:ln>
+            <a:prstDash val="dash"/>
+          </a:ln>
+        </p:spPr>
+        <p:style>
+          <a:lnRef idx="1">
+            <a:schemeClr val="dk1"/>
+          </a:lnRef>
+          <a:fillRef idx="0">
+            <a:schemeClr val="dk1"/>
+          </a:fillRef>
+          <a:effectRef idx="0">
+            <a:schemeClr val="dk1"/>
+          </a:effectRef>
+          <a:fontRef idx="minor">
+            <a:schemeClr val="tx1"/>
+          </a:fontRef>
+        </p:style>
+      </p:cxnSp>
+      <p:pic>
+        <p:nvPicPr>
+          <p:cNvPr id="27" name="図 26" descr="テキスト, 地図 が含まれている画像&#10;&#10;自動的に生成された説明">
+            <a:extLst>
+              <a:ext uri="{FF2B5EF4-FFF2-40B4-BE49-F238E27FC236}">
+                <a16:creationId xmlns:a16="http://schemas.microsoft.com/office/drawing/2014/main" id="{EAA7067D-862C-4AC9-8212-69C67CFAFD50}"/>
+              </a:ext>
+            </a:extLst>
+          </p:cNvPr>
+          <p:cNvPicPr>
+            <a:picLocks noChangeAspect="1"/>
+          </p:cNvPicPr>
+          <p:nvPr/>
+        </p:nvPicPr>
+        <p:blipFill rotWithShape="1">
+          <a:blip r:embed="rId2">
+            <a:extLst>
+              <a:ext uri="{28A0092B-C50C-407E-A947-70E740481C1C}">
+                <a14:useLocalDpi xmlns:a14="http://schemas.microsoft.com/office/drawing/2010/main" val="0"/>
+              </a:ext>
+            </a:extLst>
+          </a:blip>
+          <a:srcRect l="6190" t="44277" r="52114" b="52963"/>
+          <a:stretch/>
+        </p:blipFill>
+        <p:spPr>
+          <a:xfrm>
+            <a:off x="2755722" y="5718917"/>
+            <a:ext cx="2257450" cy="260061"/>
+          </a:xfrm>
+          <a:prstGeom prst="rect">
+            <a:avLst/>
+          </a:prstGeom>
+        </p:spPr>
+      </p:pic>
+      <p:pic>
+        <p:nvPicPr>
+          <p:cNvPr id="30" name="図 29" descr="テキスト, 地図 が含まれている画像&#10;&#10;自動的に生成された説明">
+            <a:extLst>
+              <a:ext uri="{FF2B5EF4-FFF2-40B4-BE49-F238E27FC236}">
+                <a16:creationId xmlns:a16="http://schemas.microsoft.com/office/drawing/2014/main" id="{71B27704-D2B4-4DE4-B386-76822B4A85EC}"/>
+              </a:ext>
+            </a:extLst>
+          </p:cNvPr>
+          <p:cNvPicPr>
+            <a:picLocks noChangeAspect="1"/>
+          </p:cNvPicPr>
+          <p:nvPr/>
+        </p:nvPicPr>
+        <p:blipFill rotWithShape="1">
+          <a:blip r:embed="rId2">
+            <a:extLst>
+              <a:ext uri="{28A0092B-C50C-407E-A947-70E740481C1C}">
+                <a14:useLocalDpi xmlns:a14="http://schemas.microsoft.com/office/drawing/2010/main" val="0"/>
+              </a:ext>
+            </a:extLst>
+          </a:blip>
+          <a:srcRect t="46625" r="38113" b="33138"/>
+          <a:stretch/>
+        </p:blipFill>
+        <p:spPr>
+          <a:xfrm>
+            <a:off x="6096000" y="1894839"/>
+            <a:ext cx="3593497" cy="2044701"/>
+          </a:xfrm>
+          <a:prstGeom prst="rect">
+            <a:avLst/>
+          </a:prstGeom>
+        </p:spPr>
+      </p:pic>
+      <p:pic>
+        <p:nvPicPr>
+          <p:cNvPr id="33" name="図 32" descr="テキスト, 地図 が含まれている画像&#10;&#10;自動的に生成された説明">
+            <a:extLst>
+              <a:ext uri="{FF2B5EF4-FFF2-40B4-BE49-F238E27FC236}">
+                <a16:creationId xmlns:a16="http://schemas.microsoft.com/office/drawing/2014/main" id="{0CE477DA-980B-471D-93E7-3F33A1B87F59}"/>
+              </a:ext>
+            </a:extLst>
+          </p:cNvPr>
+          <p:cNvPicPr>
+            <a:picLocks noChangeAspect="1"/>
+          </p:cNvPicPr>
+          <p:nvPr/>
+        </p:nvPicPr>
+        <p:blipFill rotWithShape="1">
+          <a:blip r:embed="rId2">
+            <a:extLst>
+              <a:ext uri="{28A0092B-C50C-407E-A947-70E740481C1C}">
+                <a14:useLocalDpi xmlns:a14="http://schemas.microsoft.com/office/drawing/2010/main" val="0"/>
+              </a:ext>
+            </a:extLst>
+          </a:blip>
+          <a:srcRect l="15621" t="92021" r="67024" b="-845"/>
+          <a:stretch/>
+        </p:blipFill>
+        <p:spPr>
+          <a:xfrm>
+            <a:off x="7097887" y="5648495"/>
+            <a:ext cx="815340" cy="721360"/>
+          </a:xfrm>
+          <a:prstGeom prst="rect">
+            <a:avLst/>
+          </a:prstGeom>
+        </p:spPr>
+      </p:pic>
+      <p:pic>
+        <p:nvPicPr>
+          <p:cNvPr id="35" name="図 34" descr="テキスト, 地図 が含まれている画像&#10;&#10;自動的に生成された説明">
+            <a:extLst>
+              <a:ext uri="{FF2B5EF4-FFF2-40B4-BE49-F238E27FC236}">
+                <a16:creationId xmlns:a16="http://schemas.microsoft.com/office/drawing/2014/main" id="{EA609D49-0A84-47A2-A776-C9480BBCF40C}"/>
+              </a:ext>
+            </a:extLst>
+          </p:cNvPr>
+          <p:cNvPicPr>
+            <a:picLocks noChangeAspect="1"/>
+          </p:cNvPicPr>
+          <p:nvPr/>
+        </p:nvPicPr>
+        <p:blipFill rotWithShape="1">
+          <a:blip r:embed="rId2">
+            <a:extLst>
+              <a:ext uri="{28A0092B-C50C-407E-A947-70E740481C1C}">
+                <a14:useLocalDpi xmlns:a14="http://schemas.microsoft.com/office/drawing/2010/main" val="0"/>
+              </a:ext>
+            </a:extLst>
+          </a:blip>
+          <a:srcRect l="-1574" t="68724" r="39687" b="14370"/>
+          <a:stretch/>
+        </p:blipFill>
+        <p:spPr>
+          <a:xfrm>
+            <a:off x="6003440" y="3939540"/>
+            <a:ext cx="3593497" cy="1708152"/>
+          </a:xfrm>
+          <a:prstGeom prst="rect">
+            <a:avLst/>
+          </a:prstGeom>
+        </p:spPr>
+      </p:pic>
+      <p:pic>
+        <p:nvPicPr>
+          <p:cNvPr id="36" name="図 35" descr="テキスト, 地図 が含まれている画像&#10;&#10;自動的に生成された説明">
+            <a:extLst>
+              <a:ext uri="{FF2B5EF4-FFF2-40B4-BE49-F238E27FC236}">
+                <a16:creationId xmlns:a16="http://schemas.microsoft.com/office/drawing/2014/main" id="{AF387425-2B4D-4A79-9542-8A31690E3C81}"/>
+              </a:ext>
+            </a:extLst>
+          </p:cNvPr>
+          <p:cNvPicPr>
+            <a:picLocks noChangeAspect="1"/>
+          </p:cNvPicPr>
+          <p:nvPr/>
+        </p:nvPicPr>
+        <p:blipFill rotWithShape="1">
+          <a:blip r:embed="rId2">
+            <a:extLst>
+              <a:ext uri="{28A0092B-C50C-407E-A947-70E740481C1C}">
+                <a14:useLocalDpi xmlns:a14="http://schemas.microsoft.com/office/drawing/2010/main" val="0"/>
+              </a:ext>
+            </a:extLst>
+          </a:blip>
+          <a:srcRect l="23393" t="87576" r="46442" b="11503"/>
+          <a:stretch/>
+        </p:blipFill>
+        <p:spPr>
+          <a:xfrm>
+            <a:off x="7453374" y="5625930"/>
+            <a:ext cx="1751281" cy="92987"/>
+          </a:xfrm>
+          <a:prstGeom prst="rect">
+            <a:avLst/>
+          </a:prstGeom>
+        </p:spPr>
+      </p:pic>
+      <p:cxnSp>
+        <p:nvCxnSpPr>
+          <p:cNvPr id="62" name="直線コネクタ 61">
+            <a:extLst>
+              <a:ext uri="{FF2B5EF4-FFF2-40B4-BE49-F238E27FC236}">
+                <a16:creationId xmlns:a16="http://schemas.microsoft.com/office/drawing/2014/main" id="{4E73EFD8-6DE6-4808-97AA-66F5313B57DB}"/>
+              </a:ext>
+            </a:extLst>
+          </p:cNvPr>
+          <p:cNvCxnSpPr>
+            <a:cxnSpLocks/>
+          </p:cNvCxnSpPr>
+          <p:nvPr/>
+        </p:nvCxnSpPr>
+        <p:spPr>
+          <a:xfrm flipV="1">
+            <a:off x="5448772" y="1894037"/>
+            <a:ext cx="0" cy="4198692"/>
           </a:xfrm>
           <a:prstGeom prst="line">
             <a:avLst/>
@@ -12377,10 +11936,10 @@
       </p:cxnSp>
       <p:cxnSp>
         <p:nvCxnSpPr>
-          <p:cNvPr id="19" name="直線コネクタ 18">
-            <a:extLst>
-              <a:ext uri="{FF2B5EF4-FFF2-40B4-BE49-F238E27FC236}">
-                <a16:creationId xmlns:a16="http://schemas.microsoft.com/office/drawing/2014/main" id="{B3DFB301-9FF1-4892-BBEE-EF2C2361CC9D}"/>
+          <p:cNvPr id="63" name="直線コネクタ 62">
+            <a:extLst>
+              <a:ext uri="{FF2B5EF4-FFF2-40B4-BE49-F238E27FC236}">
+                <a16:creationId xmlns:a16="http://schemas.microsoft.com/office/drawing/2014/main" id="{79790E76-42A1-4F00-8BE5-9003C8537CDE}"/>
               </a:ext>
             </a:extLst>
           </p:cNvPr>
@@ -12391,8 +11950,8 @@
         </p:nvCxnSpPr>
         <p:spPr>
           <a:xfrm>
-            <a:off x="1495187" y="2085849"/>
-            <a:ext cx="711628" cy="0"/>
+            <a:off x="5448772" y="1894035"/>
+            <a:ext cx="2056785" cy="1"/>
           </a:xfrm>
           <a:prstGeom prst="line">
             <a:avLst/>
@@ -12418,10 +11977,10 @@
       </p:cxnSp>
       <p:cxnSp>
         <p:nvCxnSpPr>
-          <p:cNvPr id="24" name="直線コネクタ 23">
-            <a:extLst>
-              <a:ext uri="{FF2B5EF4-FFF2-40B4-BE49-F238E27FC236}">
-                <a16:creationId xmlns:a16="http://schemas.microsoft.com/office/drawing/2014/main" id="{A6AACA42-0B05-428B-9917-BCB8B7ECD3F2}"/>
+          <p:cNvPr id="64" name="直線コネクタ 63">
+            <a:extLst>
+              <a:ext uri="{FF2B5EF4-FFF2-40B4-BE49-F238E27FC236}">
+                <a16:creationId xmlns:a16="http://schemas.microsoft.com/office/drawing/2014/main" id="{DD3E0533-A4CF-4CFF-A519-EAF1A3A27D9C}"/>
               </a:ext>
             </a:extLst>
           </p:cNvPr>
@@ -12431,9 +11990,9 @@
           <p:nvPr/>
         </p:nvCxnSpPr>
         <p:spPr>
-          <a:xfrm flipV="1">
-            <a:off x="827971" y="4242124"/>
-            <a:ext cx="0" cy="312994"/>
+          <a:xfrm>
+            <a:off x="3740554" y="6114077"/>
+            <a:ext cx="1708218" cy="1"/>
           </a:xfrm>
           <a:prstGeom prst="line">
             <a:avLst/>
@@ -12459,10 +12018,10 @@
       </p:cxnSp>
       <p:cxnSp>
         <p:nvCxnSpPr>
-          <p:cNvPr id="29" name="直線コネクタ 28">
-            <a:extLst>
-              <a:ext uri="{FF2B5EF4-FFF2-40B4-BE49-F238E27FC236}">
-                <a16:creationId xmlns:a16="http://schemas.microsoft.com/office/drawing/2014/main" id="{7D6F0DF7-1D3E-4FD1-823C-2166711B2645}"/>
+          <p:cNvPr id="66" name="直線コネクタ 65">
+            <a:extLst>
+              <a:ext uri="{FF2B5EF4-FFF2-40B4-BE49-F238E27FC236}">
+                <a16:creationId xmlns:a16="http://schemas.microsoft.com/office/drawing/2014/main" id="{65E6AEED-3408-492C-95CD-3A1B4510F56F}"/>
               </a:ext>
             </a:extLst>
           </p:cNvPr>
@@ -12473,8 +12032,8 @@
         </p:nvCxnSpPr>
         <p:spPr>
           <a:xfrm flipV="1">
-            <a:off x="2209196" y="2085849"/>
-            <a:ext cx="0" cy="81458"/>
+            <a:off x="3724447" y="5978978"/>
+            <a:ext cx="0" cy="143948"/>
           </a:xfrm>
           <a:prstGeom prst="line">
             <a:avLst/>
@@ -12500,484 +12059,10 @@
       </p:cxnSp>
       <p:pic>
         <p:nvPicPr>
-          <p:cNvPr id="41" name="図 40" descr="時計 が含まれている画像&#10;&#10;自動的に生成された説明">
-            <a:extLst>
-              <a:ext uri="{FF2B5EF4-FFF2-40B4-BE49-F238E27FC236}">
-                <a16:creationId xmlns:a16="http://schemas.microsoft.com/office/drawing/2014/main" id="{CA390D07-66A2-4031-ADDD-32A98F580D10}"/>
-              </a:ext>
-            </a:extLst>
-          </p:cNvPr>
-          <p:cNvPicPr>
-            <a:picLocks noChangeAspect="1"/>
-          </p:cNvPicPr>
-          <p:nvPr/>
-        </p:nvPicPr>
-        <p:blipFill rotWithShape="1">
-          <a:blip r:embed="rId3">
-            <a:extLst>
-              <a:ext uri="{28A0092B-C50C-407E-A947-70E740481C1C}">
-                <a14:useLocalDpi xmlns:a14="http://schemas.microsoft.com/office/drawing/2010/main" val="0"/>
-              </a:ext>
-            </a:extLst>
-          </a:blip>
-          <a:srcRect l="64418" t="56328" r="-2175" b="18925"/>
-          <a:stretch/>
-        </p:blipFill>
-        <p:spPr>
-          <a:xfrm>
-            <a:off x="8410258" y="1817924"/>
-            <a:ext cx="1650979" cy="4108343"/>
-          </a:xfrm>
-          <a:prstGeom prst="rect">
-            <a:avLst/>
-          </a:prstGeom>
-        </p:spPr>
-      </p:pic>
-      <p:pic>
-        <p:nvPicPr>
-          <p:cNvPr id="43" name="図 42" descr="時計 が含まれている画像&#10;&#10;自動的に生成された説明">
-            <a:extLst>
-              <a:ext uri="{FF2B5EF4-FFF2-40B4-BE49-F238E27FC236}">
-                <a16:creationId xmlns:a16="http://schemas.microsoft.com/office/drawing/2014/main" id="{8E6E79E9-5AF1-4BA8-86DD-7E63593457F2}"/>
-              </a:ext>
-            </a:extLst>
-          </p:cNvPr>
-          <p:cNvPicPr>
-            <a:picLocks noChangeAspect="1"/>
-          </p:cNvPicPr>
-          <p:nvPr/>
-        </p:nvPicPr>
-        <p:blipFill rotWithShape="1">
-          <a:blip r:embed="rId3">
-            <a:extLst>
-              <a:ext uri="{28A0092B-C50C-407E-A947-70E740481C1C}">
-                <a14:useLocalDpi xmlns:a14="http://schemas.microsoft.com/office/drawing/2010/main" val="0"/>
-              </a:ext>
-            </a:extLst>
-          </a:blip>
-          <a:srcRect l="20652" t="80638" r="41591" b="-534"/>
-          <a:stretch/>
-        </p:blipFill>
-        <p:spPr>
-          <a:xfrm>
-            <a:off x="6834289" y="2961567"/>
-            <a:ext cx="1650981" cy="3303203"/>
-          </a:xfrm>
-          <a:prstGeom prst="rect">
-            <a:avLst/>
-          </a:prstGeom>
-        </p:spPr>
-      </p:pic>
-      <p:pic>
-        <p:nvPicPr>
-          <p:cNvPr id="45" name="図 44" descr="時計 が含まれている画像&#10;&#10;自動的に生成された説明">
-            <a:extLst>
-              <a:ext uri="{FF2B5EF4-FFF2-40B4-BE49-F238E27FC236}">
-                <a16:creationId xmlns:a16="http://schemas.microsoft.com/office/drawing/2014/main" id="{66CDDA2E-1F0A-4D98-9485-FF93DBD6E1D6}"/>
-              </a:ext>
-            </a:extLst>
-          </p:cNvPr>
-          <p:cNvPicPr>
-            <a:picLocks noChangeAspect="1"/>
-          </p:cNvPicPr>
-          <p:nvPr/>
-        </p:nvPicPr>
-        <p:blipFill rotWithShape="1">
-          <a:blip r:embed="rId3">
-            <a:extLst>
-              <a:ext uri="{28A0092B-C50C-407E-A947-70E740481C1C}">
-                <a14:useLocalDpi xmlns:a14="http://schemas.microsoft.com/office/drawing/2010/main" val="0"/>
-              </a:ext>
-            </a:extLst>
-          </a:blip>
-          <a:srcRect l="64760" t="81159" r="-2517" b="-481"/>
-          <a:stretch/>
-        </p:blipFill>
-        <p:spPr>
-          <a:xfrm>
-            <a:off x="10524339" y="3024554"/>
-            <a:ext cx="1667661" cy="3240216"/>
-          </a:xfrm>
-          <a:prstGeom prst="rect">
-            <a:avLst/>
-          </a:prstGeom>
-        </p:spPr>
-      </p:pic>
-      <p:cxnSp>
-        <p:nvCxnSpPr>
-          <p:cNvPr id="46" name="直線コネクタ 45">
-            <a:extLst>
-              <a:ext uri="{FF2B5EF4-FFF2-40B4-BE49-F238E27FC236}">
-                <a16:creationId xmlns:a16="http://schemas.microsoft.com/office/drawing/2014/main" id="{8129FEA6-8174-4CE4-B903-2EC68D5AB4D2}"/>
-              </a:ext>
-            </a:extLst>
-          </p:cNvPr>
-          <p:cNvCxnSpPr>
-            <a:cxnSpLocks/>
-          </p:cNvCxnSpPr>
-          <p:nvPr/>
-        </p:nvCxnSpPr>
-        <p:spPr>
-          <a:xfrm>
-            <a:off x="5574910" y="6120286"/>
-            <a:ext cx="1144382" cy="0"/>
-          </a:xfrm>
-          <a:prstGeom prst="line">
-            <a:avLst/>
-          </a:prstGeom>
-          <a:ln>
-            <a:prstDash val="dash"/>
-          </a:ln>
-        </p:spPr>
-        <p:style>
-          <a:lnRef idx="1">
-            <a:schemeClr val="dk1"/>
-          </a:lnRef>
-          <a:fillRef idx="0">
-            <a:schemeClr val="dk1"/>
-          </a:fillRef>
-          <a:effectRef idx="0">
-            <a:schemeClr val="dk1"/>
-          </a:effectRef>
-          <a:fontRef idx="minor">
-            <a:schemeClr val="tx1"/>
-          </a:fontRef>
-        </p:style>
-      </p:cxnSp>
-      <p:cxnSp>
-        <p:nvCxnSpPr>
-          <p:cNvPr id="47" name="直線コネクタ 46">
-            <a:extLst>
-              <a:ext uri="{FF2B5EF4-FFF2-40B4-BE49-F238E27FC236}">
-                <a16:creationId xmlns:a16="http://schemas.microsoft.com/office/drawing/2014/main" id="{E3687AE2-3DF8-4FDD-B9B6-7290A51E650C}"/>
-              </a:ext>
-            </a:extLst>
-          </p:cNvPr>
-          <p:cNvCxnSpPr>
-            <a:cxnSpLocks/>
-          </p:cNvCxnSpPr>
-          <p:nvPr/>
-        </p:nvCxnSpPr>
-        <p:spPr>
-          <a:xfrm flipV="1">
-            <a:off x="6719292" y="2961567"/>
-            <a:ext cx="0" cy="3158719"/>
-          </a:xfrm>
-          <a:prstGeom prst="line">
-            <a:avLst/>
-          </a:prstGeom>
-          <a:ln>
-            <a:prstDash val="dash"/>
-          </a:ln>
-        </p:spPr>
-        <p:style>
-          <a:lnRef idx="1">
-            <a:schemeClr val="dk1"/>
-          </a:lnRef>
-          <a:fillRef idx="0">
-            <a:schemeClr val="dk1"/>
-          </a:fillRef>
-          <a:effectRef idx="0">
-            <a:schemeClr val="dk1"/>
-          </a:effectRef>
-          <a:fontRef idx="minor">
-            <a:schemeClr val="tx1"/>
-          </a:fontRef>
-        </p:style>
-      </p:cxnSp>
-      <p:cxnSp>
-        <p:nvCxnSpPr>
-          <p:cNvPr id="48" name="直線コネクタ 47">
-            <a:extLst>
-              <a:ext uri="{FF2B5EF4-FFF2-40B4-BE49-F238E27FC236}">
-                <a16:creationId xmlns:a16="http://schemas.microsoft.com/office/drawing/2014/main" id="{0DD5806B-D9F4-4548-92BF-B08561914F35}"/>
-              </a:ext>
-            </a:extLst>
-          </p:cNvPr>
-          <p:cNvCxnSpPr>
-            <a:cxnSpLocks/>
-          </p:cNvCxnSpPr>
-          <p:nvPr/>
-        </p:nvCxnSpPr>
-        <p:spPr>
-          <a:xfrm>
-            <a:off x="6719292" y="2963776"/>
-            <a:ext cx="711628" cy="0"/>
-          </a:xfrm>
-          <a:prstGeom prst="line">
-            <a:avLst/>
-          </a:prstGeom>
-          <a:ln>
-            <a:prstDash val="dash"/>
-          </a:ln>
-        </p:spPr>
-        <p:style>
-          <a:lnRef idx="1">
-            <a:schemeClr val="dk1"/>
-          </a:lnRef>
-          <a:fillRef idx="0">
-            <a:schemeClr val="dk1"/>
-          </a:fillRef>
-          <a:effectRef idx="0">
-            <a:schemeClr val="dk1"/>
-          </a:effectRef>
-          <a:fontRef idx="minor">
-            <a:schemeClr val="tx1"/>
-          </a:fontRef>
-        </p:style>
-      </p:cxnSp>
-      <p:cxnSp>
-        <p:nvCxnSpPr>
-          <p:cNvPr id="49" name="直線コネクタ 48">
-            <a:extLst>
-              <a:ext uri="{FF2B5EF4-FFF2-40B4-BE49-F238E27FC236}">
-                <a16:creationId xmlns:a16="http://schemas.microsoft.com/office/drawing/2014/main" id="{A0FCAC8A-5C1F-4068-B215-12A30F0D86A5}"/>
-              </a:ext>
-            </a:extLst>
-          </p:cNvPr>
-          <p:cNvCxnSpPr>
-            <a:cxnSpLocks/>
-          </p:cNvCxnSpPr>
-          <p:nvPr/>
-        </p:nvCxnSpPr>
-        <p:spPr>
-          <a:xfrm flipV="1">
-            <a:off x="5577291" y="5807292"/>
-            <a:ext cx="0" cy="312994"/>
-          </a:xfrm>
-          <a:prstGeom prst="line">
-            <a:avLst/>
-          </a:prstGeom>
-          <a:ln>
-            <a:prstDash val="dash"/>
-          </a:ln>
-        </p:spPr>
-        <p:style>
-          <a:lnRef idx="1">
-            <a:schemeClr val="dk1"/>
-          </a:lnRef>
-          <a:fillRef idx="0">
-            <a:schemeClr val="dk1"/>
-          </a:fillRef>
-          <a:effectRef idx="0">
-            <a:schemeClr val="dk1"/>
-          </a:effectRef>
-          <a:fontRef idx="minor">
-            <a:schemeClr val="tx1"/>
-          </a:fontRef>
-        </p:style>
-      </p:cxnSp>
-      <p:cxnSp>
-        <p:nvCxnSpPr>
-          <p:cNvPr id="52" name="直線コネクタ 51">
-            <a:extLst>
-              <a:ext uri="{FF2B5EF4-FFF2-40B4-BE49-F238E27FC236}">
-                <a16:creationId xmlns:a16="http://schemas.microsoft.com/office/drawing/2014/main" id="{E2AAE33B-B070-4775-92F8-8E89B36DCC7C}"/>
-              </a:ext>
-            </a:extLst>
-          </p:cNvPr>
-          <p:cNvCxnSpPr>
-            <a:cxnSpLocks/>
-          </p:cNvCxnSpPr>
-          <p:nvPr/>
-        </p:nvCxnSpPr>
-        <p:spPr>
-          <a:xfrm>
-            <a:off x="9003909" y="6156881"/>
-            <a:ext cx="1381225" cy="0"/>
-          </a:xfrm>
-          <a:prstGeom prst="line">
-            <a:avLst/>
-          </a:prstGeom>
-          <a:ln>
-            <a:prstDash val="dash"/>
-          </a:ln>
-        </p:spPr>
-        <p:style>
-          <a:lnRef idx="1">
-            <a:schemeClr val="dk1"/>
-          </a:lnRef>
-          <a:fillRef idx="0">
-            <a:schemeClr val="dk1"/>
-          </a:fillRef>
-          <a:effectRef idx="0">
-            <a:schemeClr val="dk1"/>
-          </a:effectRef>
-          <a:fontRef idx="minor">
-            <a:schemeClr val="tx1"/>
-          </a:fontRef>
-        </p:style>
-      </p:cxnSp>
-      <p:cxnSp>
-        <p:nvCxnSpPr>
-          <p:cNvPr id="53" name="直線コネクタ 52">
-            <a:extLst>
-              <a:ext uri="{FF2B5EF4-FFF2-40B4-BE49-F238E27FC236}">
-                <a16:creationId xmlns:a16="http://schemas.microsoft.com/office/drawing/2014/main" id="{97A40ADD-F2B6-4736-8BB3-151126090D7E}"/>
-              </a:ext>
-            </a:extLst>
-          </p:cNvPr>
-          <p:cNvCxnSpPr>
-            <a:cxnSpLocks/>
-          </p:cNvCxnSpPr>
-          <p:nvPr/>
-        </p:nvCxnSpPr>
-        <p:spPr>
-          <a:xfrm flipV="1">
-            <a:off x="10385134" y="2801971"/>
-            <a:ext cx="0" cy="3354911"/>
-          </a:xfrm>
-          <a:prstGeom prst="line">
-            <a:avLst/>
-          </a:prstGeom>
-          <a:ln>
-            <a:prstDash val="dash"/>
-          </a:ln>
-        </p:spPr>
-        <p:style>
-          <a:lnRef idx="1">
-            <a:schemeClr val="dk1"/>
-          </a:lnRef>
-          <a:fillRef idx="0">
-            <a:schemeClr val="dk1"/>
-          </a:fillRef>
-          <a:effectRef idx="0">
-            <a:schemeClr val="dk1"/>
-          </a:effectRef>
-          <a:fontRef idx="minor">
-            <a:schemeClr val="tx1"/>
-          </a:fontRef>
-        </p:style>
-      </p:cxnSp>
-      <p:cxnSp>
-        <p:nvCxnSpPr>
-          <p:cNvPr id="54" name="直線コネクタ 53">
-            <a:extLst>
-              <a:ext uri="{FF2B5EF4-FFF2-40B4-BE49-F238E27FC236}">
-                <a16:creationId xmlns:a16="http://schemas.microsoft.com/office/drawing/2014/main" id="{66457285-81E6-4DA6-9CA8-F06F6FAA8814}"/>
-              </a:ext>
-            </a:extLst>
-          </p:cNvPr>
-          <p:cNvCxnSpPr>
-            <a:cxnSpLocks/>
-          </p:cNvCxnSpPr>
-          <p:nvPr/>
-        </p:nvCxnSpPr>
-        <p:spPr>
-          <a:xfrm>
-            <a:off x="10385134" y="2801971"/>
-            <a:ext cx="711628" cy="0"/>
-          </a:xfrm>
-          <a:prstGeom prst="line">
-            <a:avLst/>
-          </a:prstGeom>
-          <a:ln>
-            <a:prstDash val="dash"/>
-          </a:ln>
-        </p:spPr>
-        <p:style>
-          <a:lnRef idx="1">
-            <a:schemeClr val="dk1"/>
-          </a:lnRef>
-          <a:fillRef idx="0">
-            <a:schemeClr val="dk1"/>
-          </a:fillRef>
-          <a:effectRef idx="0">
-            <a:schemeClr val="dk1"/>
-          </a:effectRef>
-          <a:fontRef idx="minor">
-            <a:schemeClr val="tx1"/>
-          </a:fontRef>
-        </p:style>
-      </p:cxnSp>
-      <p:cxnSp>
-        <p:nvCxnSpPr>
-          <p:cNvPr id="55" name="直線コネクタ 54">
-            <a:extLst>
-              <a:ext uri="{FF2B5EF4-FFF2-40B4-BE49-F238E27FC236}">
-                <a16:creationId xmlns:a16="http://schemas.microsoft.com/office/drawing/2014/main" id="{1CDB1C71-FE4F-4411-8F49-92AD8F827169}"/>
-              </a:ext>
-            </a:extLst>
-          </p:cNvPr>
-          <p:cNvCxnSpPr>
-            <a:cxnSpLocks/>
-          </p:cNvCxnSpPr>
-          <p:nvPr/>
-        </p:nvCxnSpPr>
-        <p:spPr>
-          <a:xfrm flipV="1">
-            <a:off x="9006290" y="5951776"/>
-            <a:ext cx="0" cy="205105"/>
-          </a:xfrm>
-          <a:prstGeom prst="line">
-            <a:avLst/>
-          </a:prstGeom>
-          <a:ln>
-            <a:prstDash val="dash"/>
-          </a:ln>
-        </p:spPr>
-        <p:style>
-          <a:lnRef idx="1">
-            <a:schemeClr val="dk1"/>
-          </a:lnRef>
-          <a:fillRef idx="0">
-            <a:schemeClr val="dk1"/>
-          </a:fillRef>
-          <a:effectRef idx="0">
-            <a:schemeClr val="dk1"/>
-          </a:effectRef>
-          <a:fontRef idx="minor">
-            <a:schemeClr val="tx1"/>
-          </a:fontRef>
-        </p:style>
-      </p:cxnSp>
-      <p:cxnSp>
-        <p:nvCxnSpPr>
-          <p:cNvPr id="61" name="直線コネクタ 60">
-            <a:extLst>
-              <a:ext uri="{FF2B5EF4-FFF2-40B4-BE49-F238E27FC236}">
-                <a16:creationId xmlns:a16="http://schemas.microsoft.com/office/drawing/2014/main" id="{8F2ED348-2F55-4785-995F-7E00A583D93C}"/>
-              </a:ext>
-            </a:extLst>
-          </p:cNvPr>
-          <p:cNvCxnSpPr>
-            <a:cxnSpLocks/>
-          </p:cNvCxnSpPr>
-          <p:nvPr/>
-        </p:nvCxnSpPr>
-        <p:spPr>
-          <a:xfrm flipV="1">
-            <a:off x="11107845" y="2801971"/>
-            <a:ext cx="0" cy="222583"/>
-          </a:xfrm>
-          <a:prstGeom prst="line">
-            <a:avLst/>
-          </a:prstGeom>
-          <a:ln>
-            <a:prstDash val="dash"/>
-          </a:ln>
-        </p:spPr>
-        <p:style>
-          <a:lnRef idx="1">
-            <a:schemeClr val="dk1"/>
-          </a:lnRef>
-          <a:fillRef idx="0">
-            <a:schemeClr val="dk1"/>
-          </a:fillRef>
-          <a:effectRef idx="0">
-            <a:schemeClr val="dk1"/>
-          </a:effectRef>
-          <a:fontRef idx="minor">
-            <a:schemeClr val="tx1"/>
-          </a:fontRef>
-        </p:style>
-      </p:cxnSp>
-      <p:pic>
-        <p:nvPicPr>
-          <p:cNvPr id="67" name="コンテンツ プレースホルダー 10" descr="文字と写真のスクリーンショット&#10;&#10;自動的に生成された説明">
-            <a:extLst>
-              <a:ext uri="{FF2B5EF4-FFF2-40B4-BE49-F238E27FC236}">
-                <a16:creationId xmlns:a16="http://schemas.microsoft.com/office/drawing/2014/main" id="{688C8CB4-A03A-44EC-8B53-1467F9E2BFD3}"/>
+          <p:cNvPr id="3" name="図 2" descr="テキスト, 地図 が含まれている画像&#10;&#10;自動的に生成された説明">
+            <a:extLst>
+              <a:ext uri="{FF2B5EF4-FFF2-40B4-BE49-F238E27FC236}">
+                <a16:creationId xmlns:a16="http://schemas.microsoft.com/office/drawing/2014/main" id="{3B6ECA27-A47C-4907-877B-305630D1CE86}"/>
               </a:ext>
             </a:extLst>
           </p:cNvPr>
@@ -12994,13 +12079,13 @@
               </a:ext>
             </a:extLst>
           </a:blip>
-          <a:srcRect l="43431" t="14059" r="24758" b="79644"/>
+          <a:srcRect l="36358" t="1224" r="44641" b="94543"/>
           <a:stretch/>
         </p:blipFill>
         <p:spPr>
           <a:xfrm>
-            <a:off x="3198325" y="1897479"/>
-            <a:ext cx="1473705" cy="1248760"/>
+            <a:off x="1688524" y="1917552"/>
+            <a:ext cx="1492060" cy="578405"/>
           </a:xfrm>
           <a:prstGeom prst="rect">
             <a:avLst/>
@@ -13010,7 +12095,7 @@
     </p:spTree>
     <p:extLst>
       <p:ext uri="{BB962C8B-B14F-4D97-AF65-F5344CB8AC3E}">
-        <p14:creationId xmlns:p14="http://schemas.microsoft.com/office/powerpoint/2010/main" val="536147936"/>
+        <p14:creationId xmlns:p14="http://schemas.microsoft.com/office/powerpoint/2010/main" val="3473997696"/>
       </p:ext>
     </p:extLst>
   </p:cSld>
@@ -13071,7 +12156,7 @@
                 <a:ea typeface="+mj-ea"/>
                 <a:cs typeface="+mj-cs"/>
               </a:rPr>
-              <a:t>2.3.14.</a:t>
+              <a:t>2.3.13.</a:t>
             </a:r>
             <a:r>
               <a:rPr kumimoji="1" lang="ja-JP" altLang="ja-JP" sz="4800" kern="1200" spc="-50" baseline="0" dirty="0">
@@ -13148,19 +12233,8 @@
               <a:t>ブザー</a:t>
             </a:r>
             <a:r>
-              <a:rPr kumimoji="1" lang="en-US" altLang="ja-JP" sz="4800" kern="1200" spc="-50" baseline="0" dirty="0">
-                <a:solidFill>
-                  <a:schemeClr val="tx1">
-                    <a:lumMod val="75000"/>
-                    <a:lumOff val="25000"/>
-                  </a:schemeClr>
-                </a:solidFill>
-                <a:effectLst/>
-                <a:latin typeface="+mj-lt"/>
-                <a:ea typeface="+mj-ea"/>
-                <a:cs typeface="+mj-cs"/>
-              </a:rPr>
-              <a:t>2</a:t>
+              <a:rPr lang="en-US" altLang="ja-JP" dirty="0"/>
+              <a:t>3</a:t>
             </a:r>
             <a:endParaRPr kumimoji="1" lang="ja-JP" altLang="en-US" dirty="0"/>
           </a:p>
@@ -13226,10 +12300,10 @@
       </p:sp>
       <p:pic>
         <p:nvPicPr>
-          <p:cNvPr id="8" name="図 7" descr="テキスト, 地図 が含まれている画像&#10;&#10;自動的に生成された説明">
-            <a:extLst>
-              <a:ext uri="{FF2B5EF4-FFF2-40B4-BE49-F238E27FC236}">
-                <a16:creationId xmlns:a16="http://schemas.microsoft.com/office/drawing/2014/main" id="{DBF08255-96F4-4F1B-BA49-3B05C0A94EE1}"/>
+          <p:cNvPr id="6" name="図 5" descr="文字と写真のスクリーンショット&#10;&#10;自動的に生成された説明">
+            <a:extLst>
+              <a:ext uri="{FF2B5EF4-FFF2-40B4-BE49-F238E27FC236}">
+                <a16:creationId xmlns:a16="http://schemas.microsoft.com/office/drawing/2014/main" id="{850A4567-1B75-425E-809C-2F4949A2AA95}"/>
               </a:ext>
             </a:extLst>
           </p:cNvPr>
@@ -13246,25 +12320,200 @@
               </a:ext>
             </a:extLst>
           </a:blip>
-          <a:srcRect l="6190" r="52114" b="59342"/>
+          <a:srcRect l="7589" t="27138" r="49567" b="59445"/>
           <a:stretch/>
         </p:blipFill>
         <p:spPr>
           <a:xfrm>
-            <a:off x="2755722" y="1894839"/>
-            <a:ext cx="2257450" cy="3830297"/>
+            <a:off x="2538238" y="4112442"/>
+            <a:ext cx="2472271" cy="1181734"/>
           </a:xfrm>
           <a:prstGeom prst="rect">
             <a:avLst/>
           </a:prstGeom>
         </p:spPr>
       </p:pic>
-      <p:sp>
-        <p:nvSpPr>
-          <p:cNvPr id="10" name="正方形/長方形 9">
-            <a:extLst>
-              <a:ext uri="{FF2B5EF4-FFF2-40B4-BE49-F238E27FC236}">
-                <a16:creationId xmlns:a16="http://schemas.microsoft.com/office/drawing/2014/main" id="{06A7F09E-F048-4706-9DAA-C981A6137146}"/>
+      <p:pic>
+        <p:nvPicPr>
+          <p:cNvPr id="7" name="図 6" descr="文字と写真のスクリーンショット&#10;&#10;自動的に生成された説明">
+            <a:extLst>
+              <a:ext uri="{FF2B5EF4-FFF2-40B4-BE49-F238E27FC236}">
+                <a16:creationId xmlns:a16="http://schemas.microsoft.com/office/drawing/2014/main" id="{763BB34A-9F76-458D-AA15-1B887A6E89F0}"/>
+              </a:ext>
+            </a:extLst>
+          </p:cNvPr>
+          <p:cNvPicPr>
+            <a:picLocks noChangeAspect="1"/>
+          </p:cNvPicPr>
+          <p:nvPr/>
+        </p:nvPicPr>
+        <p:blipFill rotWithShape="1">
+          <a:blip r:embed="rId2">
+            <a:extLst>
+              <a:ext uri="{28A0092B-C50C-407E-A947-70E740481C1C}">
+                <a14:useLocalDpi xmlns:a14="http://schemas.microsoft.com/office/drawing/2010/main" val="0"/>
+              </a:ext>
+            </a:extLst>
+          </a:blip>
+          <a:srcRect l="39176" t="41673" r="36417" b="51624"/>
+          <a:stretch/>
+        </p:blipFill>
+        <p:spPr>
+          <a:xfrm>
+            <a:off x="2972650" y="5251740"/>
+            <a:ext cx="1408387" cy="590334"/>
+          </a:xfrm>
+          <a:prstGeom prst="rect">
+            <a:avLst/>
+          </a:prstGeom>
+        </p:spPr>
+      </p:pic>
+      <p:pic>
+        <p:nvPicPr>
+          <p:cNvPr id="9" name="図 8" descr="文字と写真のスクリーンショット&#10;&#10;自動的に生成された説明">
+            <a:extLst>
+              <a:ext uri="{FF2B5EF4-FFF2-40B4-BE49-F238E27FC236}">
+                <a16:creationId xmlns:a16="http://schemas.microsoft.com/office/drawing/2014/main" id="{3D33867C-B808-4010-A30F-0A3B351A7B1D}"/>
+              </a:ext>
+            </a:extLst>
+          </p:cNvPr>
+          <p:cNvPicPr>
+            <a:picLocks noChangeAspect="1"/>
+          </p:cNvPicPr>
+          <p:nvPr/>
+        </p:nvPicPr>
+        <p:blipFill rotWithShape="1">
+          <a:blip r:embed="rId2">
+            <a:extLst>
+              <a:ext uri="{28A0092B-C50C-407E-A947-70E740481C1C}">
+                <a14:useLocalDpi xmlns:a14="http://schemas.microsoft.com/office/drawing/2010/main" val="0"/>
+              </a:ext>
+            </a:extLst>
+          </a:blip>
+          <a:srcRect l="-578" t="44413" r="39613" b="11007"/>
+          <a:stretch/>
+        </p:blipFill>
+        <p:spPr>
+          <a:xfrm>
+            <a:off x="5800734" y="1869367"/>
+            <a:ext cx="3517900" cy="3926136"/>
+          </a:xfrm>
+          <a:prstGeom prst="rect">
+            <a:avLst/>
+          </a:prstGeom>
+        </p:spPr>
+      </p:pic>
+      <p:pic>
+        <p:nvPicPr>
+          <p:cNvPr id="11" name="図 10" descr="文字と写真のスクリーンショット&#10;&#10;自動的に生成された説明">
+            <a:extLst>
+              <a:ext uri="{FF2B5EF4-FFF2-40B4-BE49-F238E27FC236}">
+                <a16:creationId xmlns:a16="http://schemas.microsoft.com/office/drawing/2014/main" id="{24231043-45D6-443D-AE62-47DEE0A60B63}"/>
+              </a:ext>
+            </a:extLst>
+          </p:cNvPr>
+          <p:cNvPicPr>
+            <a:picLocks noChangeAspect="1"/>
+          </p:cNvPicPr>
+          <p:nvPr/>
+        </p:nvPicPr>
+        <p:blipFill rotWithShape="1">
+          <a:blip r:embed="rId2">
+            <a:extLst>
+              <a:ext uri="{28A0092B-C50C-407E-A947-70E740481C1C}">
+                <a14:useLocalDpi xmlns:a14="http://schemas.microsoft.com/office/drawing/2010/main" val="0"/>
+              </a:ext>
+            </a:extLst>
+          </a:blip>
+          <a:srcRect l="16867" t="91868" r="68138" b="-593"/>
+          <a:stretch/>
+        </p:blipFill>
+        <p:spPr>
+          <a:xfrm>
+            <a:off x="6806360" y="5705755"/>
+            <a:ext cx="865278" cy="668801"/>
+          </a:xfrm>
+          <a:prstGeom prst="rect">
+            <a:avLst/>
+          </a:prstGeom>
+        </p:spPr>
+      </p:pic>
+      <p:pic>
+        <p:nvPicPr>
+          <p:cNvPr id="14" name="図 13" descr="文字と写真のスクリーンショット&#10;&#10;自動的に生成された説明">
+            <a:extLst>
+              <a:ext uri="{FF2B5EF4-FFF2-40B4-BE49-F238E27FC236}">
+                <a16:creationId xmlns:a16="http://schemas.microsoft.com/office/drawing/2014/main" id="{200F64C2-BE37-4512-B68F-4AEA24537824}"/>
+              </a:ext>
+            </a:extLst>
+          </p:cNvPr>
+          <p:cNvPicPr>
+            <a:picLocks noChangeAspect="1"/>
+          </p:cNvPicPr>
+          <p:nvPr/>
+        </p:nvPicPr>
+        <p:blipFill rotWithShape="1">
+          <a:blip r:embed="rId2">
+            <a:extLst>
+              <a:ext uri="{28A0092B-C50C-407E-A947-70E740481C1C}">
+                <a14:useLocalDpi xmlns:a14="http://schemas.microsoft.com/office/drawing/2010/main" val="0"/>
+              </a:ext>
+            </a:extLst>
+          </a:blip>
+          <a:srcRect l="14033" t="4676" r="64255" b="88795"/>
+          <a:stretch/>
+        </p:blipFill>
+        <p:spPr>
+          <a:xfrm>
+            <a:off x="2749435" y="2249665"/>
+            <a:ext cx="1572940" cy="626993"/>
+          </a:xfrm>
+          <a:prstGeom prst="rect">
+            <a:avLst/>
+          </a:prstGeom>
+        </p:spPr>
+      </p:pic>
+      <p:pic>
+        <p:nvPicPr>
+          <p:cNvPr id="16" name="図 15" descr="文字と写真のスクリーンショット&#10;&#10;自動的に生成された説明">
+            <a:extLst>
+              <a:ext uri="{FF2B5EF4-FFF2-40B4-BE49-F238E27FC236}">
+                <a16:creationId xmlns:a16="http://schemas.microsoft.com/office/drawing/2014/main" id="{0EC6667B-244D-4F7C-A08D-ABAFB4A37B28}"/>
+              </a:ext>
+            </a:extLst>
+          </p:cNvPr>
+          <p:cNvPicPr>
+            <a:picLocks noChangeAspect="1"/>
+          </p:cNvPicPr>
+          <p:nvPr/>
+        </p:nvPicPr>
+        <p:blipFill rotWithShape="1">
+          <a:blip r:embed="rId2">
+            <a:extLst>
+              <a:ext uri="{28A0092B-C50C-407E-A947-70E740481C1C}">
+                <a14:useLocalDpi xmlns:a14="http://schemas.microsoft.com/office/drawing/2010/main" val="0"/>
+              </a:ext>
+            </a:extLst>
+          </a:blip>
+          <a:srcRect l="6884" t="12999" r="59141" b="73006"/>
+          <a:stretch/>
+        </p:blipFill>
+        <p:spPr>
+          <a:xfrm>
+            <a:off x="2491829" y="2876658"/>
+            <a:ext cx="1960471" cy="1232609"/>
+          </a:xfrm>
+          <a:prstGeom prst="rect">
+            <a:avLst/>
+          </a:prstGeom>
+        </p:spPr>
+      </p:pic>
+      <p:sp>
+        <p:nvSpPr>
+          <p:cNvPr id="17" name="正方形/長方形 16">
+            <a:extLst>
+              <a:ext uri="{FF2B5EF4-FFF2-40B4-BE49-F238E27FC236}">
+                <a16:creationId xmlns:a16="http://schemas.microsoft.com/office/drawing/2014/main" id="{06FCD61B-4446-47FB-BBCF-5F2B29C5564E}"/>
               </a:ext>
             </a:extLst>
           </p:cNvPr>
@@ -13273,8 +12522,8 @@
         </p:nvSpPr>
         <p:spPr>
           <a:xfrm>
-            <a:off x="4250227" y="1894839"/>
-            <a:ext cx="1028700" cy="659130"/>
+            <a:off x="4002210" y="5186833"/>
+            <a:ext cx="1028700" cy="707202"/>
           </a:xfrm>
           <a:prstGeom prst="rect">
             <a:avLst/>
@@ -13315,10 +12564,10 @@
       </p:sp>
       <p:sp>
         <p:nvSpPr>
-          <p:cNvPr id="12" name="正方形/長方形 11">
-            <a:extLst>
-              <a:ext uri="{FF2B5EF4-FFF2-40B4-BE49-F238E27FC236}">
-                <a16:creationId xmlns:a16="http://schemas.microsoft.com/office/drawing/2014/main" id="{251FE4ED-B550-405F-958A-FE6D500552E6}"/>
+          <p:cNvPr id="19" name="正方形/長方形 18">
+            <a:extLst>
+              <a:ext uri="{FF2B5EF4-FFF2-40B4-BE49-F238E27FC236}">
+                <a16:creationId xmlns:a16="http://schemas.microsoft.com/office/drawing/2014/main" id="{36A93DB8-F7C3-40EE-B5AD-E3A728E440D1}"/>
               </a:ext>
             </a:extLst>
           </p:cNvPr>
@@ -13327,8 +12576,8 @@
         </p:nvSpPr>
         <p:spPr>
           <a:xfrm>
-            <a:off x="4631700" y="2711448"/>
-            <a:ext cx="1028700" cy="659130"/>
+            <a:off x="4613160" y="4616894"/>
+            <a:ext cx="1028700" cy="707202"/>
           </a:xfrm>
           <a:prstGeom prst="rect">
             <a:avLst/>
@@ -13367,48 +12616,12 @@
           </a:p>
         </p:txBody>
       </p:sp>
-      <p:sp>
-        <p:nvSpPr>
-          <p:cNvPr id="13" name="テキスト ボックス 12">
-            <a:extLst>
-              <a:ext uri="{FF2B5EF4-FFF2-40B4-BE49-F238E27FC236}">
-                <a16:creationId xmlns:a16="http://schemas.microsoft.com/office/drawing/2014/main" id="{EDF5587A-CB35-41F6-8FEE-5A6BB5707A72}"/>
-              </a:ext>
-            </a:extLst>
-          </p:cNvPr>
-          <p:cNvSpPr txBox="1"/>
-          <p:nvPr/>
-        </p:nvSpPr>
-        <p:spPr>
-          <a:xfrm>
-            <a:off x="2501318" y="2795732"/>
-            <a:ext cx="337224" cy="230832"/>
-          </a:xfrm>
-          <a:prstGeom prst="rect">
-            <a:avLst/>
-          </a:prstGeom>
-          <a:noFill/>
-        </p:spPr>
-        <p:txBody>
-          <a:bodyPr wrap="square" rtlCol="0">
-            <a:spAutoFit/>
-          </a:bodyPr>
-          <a:lstStyle/>
-          <a:p>
-            <a:r>
-              <a:rPr kumimoji="1" lang="en-US" altLang="ja-JP" sz="900" dirty="0"/>
-              <a:t>NO</a:t>
-            </a:r>
-            <a:endParaRPr kumimoji="1" lang="ja-JP" altLang="en-US" sz="900" dirty="0"/>
-          </a:p>
-        </p:txBody>
-      </p:sp>
       <p:pic>
         <p:nvPicPr>
-          <p:cNvPr id="20" name="図 19" descr="テキスト, 地図 が含まれている画像&#10;&#10;自動的に生成された説明">
-            <a:extLst>
-              <a:ext uri="{FF2B5EF4-FFF2-40B4-BE49-F238E27FC236}">
-                <a16:creationId xmlns:a16="http://schemas.microsoft.com/office/drawing/2014/main" id="{F909DAC8-0C68-434D-98C1-05B5F06F9BB4}"/>
+          <p:cNvPr id="21" name="図 20" descr="文字と写真のスクリーンショット&#10;&#10;自動的に生成された説明">
+            <a:extLst>
+              <a:ext uri="{FF2B5EF4-FFF2-40B4-BE49-F238E27FC236}">
+                <a16:creationId xmlns:a16="http://schemas.microsoft.com/office/drawing/2014/main" id="{6F255102-773A-497C-9327-8DEB1A3BA5F3}"/>
               </a:ext>
             </a:extLst>
           </p:cNvPr>
@@ -13425,25 +12638,60 @@
               </a:ext>
             </a:extLst>
           </a:blip>
-          <a:srcRect l="15621" t="92021" r="67024" b="-845"/>
+          <a:srcRect l="16867" t="91868" r="68138" b="-593"/>
           <a:stretch/>
         </p:blipFill>
         <p:spPr>
           <a:xfrm>
-            <a:off x="1849397" y="3370578"/>
-            <a:ext cx="906325" cy="801858"/>
+            <a:off x="1703010" y="5650490"/>
+            <a:ext cx="865278" cy="707202"/>
           </a:xfrm>
           <a:prstGeom prst="rect">
             <a:avLst/>
           </a:prstGeom>
         </p:spPr>
       </p:pic>
+      <p:pic>
+        <p:nvPicPr>
+          <p:cNvPr id="43" name="図 42" descr="文字と写真のスクリーンショット&#10;&#10;自動的に生成された説明">
+            <a:extLst>
+              <a:ext uri="{FF2B5EF4-FFF2-40B4-BE49-F238E27FC236}">
+                <a16:creationId xmlns:a16="http://schemas.microsoft.com/office/drawing/2014/main" id="{924954A4-8202-4118-83D1-BB64407A19B5}"/>
+              </a:ext>
+            </a:extLst>
+          </p:cNvPr>
+          <p:cNvPicPr>
+            <a:picLocks noChangeAspect="1"/>
+          </p:cNvPicPr>
+          <p:nvPr/>
+        </p:nvPicPr>
+        <p:blipFill rotWithShape="1">
+          <a:blip r:embed="rId2">
+            <a:extLst>
+              <a:ext uri="{28A0092B-C50C-407E-A947-70E740481C1C}">
+                <a14:useLocalDpi xmlns:a14="http://schemas.microsoft.com/office/drawing/2010/main" val="0"/>
+              </a:ext>
+            </a:extLst>
+          </a:blip>
+          <a:srcRect l="14953" t="-406" r="65439" b="95725"/>
+          <a:stretch/>
+        </p:blipFill>
+        <p:spPr>
+          <a:xfrm>
+            <a:off x="2946272" y="1757761"/>
+            <a:ext cx="1420540" cy="517559"/>
+          </a:xfrm>
+          <a:prstGeom prst="rect">
+            <a:avLst/>
+          </a:prstGeom>
+        </p:spPr>
+      </p:pic>
       <p:cxnSp>
         <p:nvCxnSpPr>
-          <p:cNvPr id="39" name="直線コネクタ 38">
-            <a:extLst>
-              <a:ext uri="{FF2B5EF4-FFF2-40B4-BE49-F238E27FC236}">
-                <a16:creationId xmlns:a16="http://schemas.microsoft.com/office/drawing/2014/main" id="{968B81D4-026D-44E0-9084-E6482D9A8855}"/>
+          <p:cNvPr id="47" name="直線コネクタ 46">
+            <a:extLst>
+              <a:ext uri="{FF2B5EF4-FFF2-40B4-BE49-F238E27FC236}">
+                <a16:creationId xmlns:a16="http://schemas.microsoft.com/office/drawing/2014/main" id="{B8C53FD5-16D3-41FA-836D-51F19F02D796}"/>
               </a:ext>
             </a:extLst>
           </p:cNvPr>
@@ -13453,16 +12701,13 @@
           <p:nvPr/>
         </p:nvCxnSpPr>
         <p:spPr>
-          <a:xfrm flipV="1">
-            <a:off x="2306809" y="3026564"/>
-            <a:ext cx="0" cy="358449"/>
+          <a:xfrm flipH="1">
+            <a:off x="2135649" y="3492962"/>
+            <a:ext cx="470391" cy="1"/>
           </a:xfrm>
           <a:prstGeom prst="line">
             <a:avLst/>
           </a:prstGeom>
-          <a:ln>
-            <a:prstDash val="dash"/>
-          </a:ln>
         </p:spPr>
         <p:style>
           <a:lnRef idx="1">
@@ -13481,245 +12726,27 @@
       </p:cxnSp>
       <p:cxnSp>
         <p:nvCxnSpPr>
-          <p:cNvPr id="44" name="直線コネクタ 43">
-            <a:extLst>
-              <a:ext uri="{FF2B5EF4-FFF2-40B4-BE49-F238E27FC236}">
-                <a16:creationId xmlns:a16="http://schemas.microsoft.com/office/drawing/2014/main" id="{441B9BB2-87C2-4A16-9CE2-1F47B766F818}"/>
+          <p:cNvPr id="55" name="直線コネクタ 54">
+            <a:extLst>
+              <a:ext uri="{FF2B5EF4-FFF2-40B4-BE49-F238E27FC236}">
+                <a16:creationId xmlns:a16="http://schemas.microsoft.com/office/drawing/2014/main" id="{D441B06A-88CC-458F-AE8F-1F253A9290B4}"/>
               </a:ext>
             </a:extLst>
           </p:cNvPr>
           <p:cNvCxnSpPr>
             <a:cxnSpLocks/>
+            <a:stCxn id="21" idx="0"/>
           </p:cNvCxnSpPr>
           <p:nvPr/>
         </p:nvCxnSpPr>
         <p:spPr>
           <a:xfrm flipV="1">
-            <a:off x="2353996" y="3047710"/>
-            <a:ext cx="519941" cy="1"/>
+            <a:off x="2135649" y="3492966"/>
+            <a:ext cx="0" cy="2157524"/>
           </a:xfrm>
           <a:prstGeom prst="line">
             <a:avLst/>
           </a:prstGeom>
-          <a:ln>
-            <a:prstDash val="dash"/>
-          </a:ln>
-        </p:spPr>
-        <p:style>
-          <a:lnRef idx="1">
-            <a:schemeClr val="dk1"/>
-          </a:lnRef>
-          <a:fillRef idx="0">
-            <a:schemeClr val="dk1"/>
-          </a:fillRef>
-          <a:effectRef idx="0">
-            <a:schemeClr val="dk1"/>
-          </a:effectRef>
-          <a:fontRef idx="minor">
-            <a:schemeClr val="tx1"/>
-          </a:fontRef>
-        </p:style>
-      </p:cxnSp>
-      <p:pic>
-        <p:nvPicPr>
-          <p:cNvPr id="27" name="図 26" descr="テキスト, 地図 が含まれている画像&#10;&#10;自動的に生成された説明">
-            <a:extLst>
-              <a:ext uri="{FF2B5EF4-FFF2-40B4-BE49-F238E27FC236}">
-                <a16:creationId xmlns:a16="http://schemas.microsoft.com/office/drawing/2014/main" id="{EAA7067D-862C-4AC9-8212-69C67CFAFD50}"/>
-              </a:ext>
-            </a:extLst>
-          </p:cNvPr>
-          <p:cNvPicPr>
-            <a:picLocks noChangeAspect="1"/>
-          </p:cNvPicPr>
-          <p:nvPr/>
-        </p:nvPicPr>
-        <p:blipFill rotWithShape="1">
-          <a:blip r:embed="rId2">
-            <a:extLst>
-              <a:ext uri="{28A0092B-C50C-407E-A947-70E740481C1C}">
-                <a14:useLocalDpi xmlns:a14="http://schemas.microsoft.com/office/drawing/2010/main" val="0"/>
-              </a:ext>
-            </a:extLst>
-          </a:blip>
-          <a:srcRect l="6190" t="44277" r="52114" b="52963"/>
-          <a:stretch/>
-        </p:blipFill>
-        <p:spPr>
-          <a:xfrm>
-            <a:off x="2755722" y="5718917"/>
-            <a:ext cx="2257450" cy="260061"/>
-          </a:xfrm>
-          <a:prstGeom prst="rect">
-            <a:avLst/>
-          </a:prstGeom>
-        </p:spPr>
-      </p:pic>
-      <p:pic>
-        <p:nvPicPr>
-          <p:cNvPr id="30" name="図 29" descr="テキスト, 地図 が含まれている画像&#10;&#10;自動的に生成された説明">
-            <a:extLst>
-              <a:ext uri="{FF2B5EF4-FFF2-40B4-BE49-F238E27FC236}">
-                <a16:creationId xmlns:a16="http://schemas.microsoft.com/office/drawing/2014/main" id="{71B27704-D2B4-4DE4-B386-76822B4A85EC}"/>
-              </a:ext>
-            </a:extLst>
-          </p:cNvPr>
-          <p:cNvPicPr>
-            <a:picLocks noChangeAspect="1"/>
-          </p:cNvPicPr>
-          <p:nvPr/>
-        </p:nvPicPr>
-        <p:blipFill rotWithShape="1">
-          <a:blip r:embed="rId2">
-            <a:extLst>
-              <a:ext uri="{28A0092B-C50C-407E-A947-70E740481C1C}">
-                <a14:useLocalDpi xmlns:a14="http://schemas.microsoft.com/office/drawing/2010/main" val="0"/>
-              </a:ext>
-            </a:extLst>
-          </a:blip>
-          <a:srcRect t="46625" r="38113" b="33138"/>
-          <a:stretch/>
-        </p:blipFill>
-        <p:spPr>
-          <a:xfrm>
-            <a:off x="6096000" y="1894839"/>
-            <a:ext cx="3593497" cy="2044701"/>
-          </a:xfrm>
-          <a:prstGeom prst="rect">
-            <a:avLst/>
-          </a:prstGeom>
-        </p:spPr>
-      </p:pic>
-      <p:pic>
-        <p:nvPicPr>
-          <p:cNvPr id="33" name="図 32" descr="テキスト, 地図 が含まれている画像&#10;&#10;自動的に生成された説明">
-            <a:extLst>
-              <a:ext uri="{FF2B5EF4-FFF2-40B4-BE49-F238E27FC236}">
-                <a16:creationId xmlns:a16="http://schemas.microsoft.com/office/drawing/2014/main" id="{0CE477DA-980B-471D-93E7-3F33A1B87F59}"/>
-              </a:ext>
-            </a:extLst>
-          </p:cNvPr>
-          <p:cNvPicPr>
-            <a:picLocks noChangeAspect="1"/>
-          </p:cNvPicPr>
-          <p:nvPr/>
-        </p:nvPicPr>
-        <p:blipFill rotWithShape="1">
-          <a:blip r:embed="rId2">
-            <a:extLst>
-              <a:ext uri="{28A0092B-C50C-407E-A947-70E740481C1C}">
-                <a14:useLocalDpi xmlns:a14="http://schemas.microsoft.com/office/drawing/2010/main" val="0"/>
-              </a:ext>
-            </a:extLst>
-          </a:blip>
-          <a:srcRect l="15621" t="92021" r="67024" b="-845"/>
-          <a:stretch/>
-        </p:blipFill>
-        <p:spPr>
-          <a:xfrm>
-            <a:off x="7097887" y="5648495"/>
-            <a:ext cx="815340" cy="721360"/>
-          </a:xfrm>
-          <a:prstGeom prst="rect">
-            <a:avLst/>
-          </a:prstGeom>
-        </p:spPr>
-      </p:pic>
-      <p:pic>
-        <p:nvPicPr>
-          <p:cNvPr id="35" name="図 34" descr="テキスト, 地図 が含まれている画像&#10;&#10;自動的に生成された説明">
-            <a:extLst>
-              <a:ext uri="{FF2B5EF4-FFF2-40B4-BE49-F238E27FC236}">
-                <a16:creationId xmlns:a16="http://schemas.microsoft.com/office/drawing/2014/main" id="{EA609D49-0A84-47A2-A776-C9480BBCF40C}"/>
-              </a:ext>
-            </a:extLst>
-          </p:cNvPr>
-          <p:cNvPicPr>
-            <a:picLocks noChangeAspect="1"/>
-          </p:cNvPicPr>
-          <p:nvPr/>
-        </p:nvPicPr>
-        <p:blipFill rotWithShape="1">
-          <a:blip r:embed="rId2">
-            <a:extLst>
-              <a:ext uri="{28A0092B-C50C-407E-A947-70E740481C1C}">
-                <a14:useLocalDpi xmlns:a14="http://schemas.microsoft.com/office/drawing/2010/main" val="0"/>
-              </a:ext>
-            </a:extLst>
-          </a:blip>
-          <a:srcRect l="-1574" t="68724" r="39687" b="14370"/>
-          <a:stretch/>
-        </p:blipFill>
-        <p:spPr>
-          <a:xfrm>
-            <a:off x="6003440" y="3939540"/>
-            <a:ext cx="3593497" cy="1708152"/>
-          </a:xfrm>
-          <a:prstGeom prst="rect">
-            <a:avLst/>
-          </a:prstGeom>
-        </p:spPr>
-      </p:pic>
-      <p:pic>
-        <p:nvPicPr>
-          <p:cNvPr id="36" name="図 35" descr="テキスト, 地図 が含まれている画像&#10;&#10;自動的に生成された説明">
-            <a:extLst>
-              <a:ext uri="{FF2B5EF4-FFF2-40B4-BE49-F238E27FC236}">
-                <a16:creationId xmlns:a16="http://schemas.microsoft.com/office/drawing/2014/main" id="{AF387425-2B4D-4A79-9542-8A31690E3C81}"/>
-              </a:ext>
-            </a:extLst>
-          </p:cNvPr>
-          <p:cNvPicPr>
-            <a:picLocks noChangeAspect="1"/>
-          </p:cNvPicPr>
-          <p:nvPr/>
-        </p:nvPicPr>
-        <p:blipFill rotWithShape="1">
-          <a:blip r:embed="rId2">
-            <a:extLst>
-              <a:ext uri="{28A0092B-C50C-407E-A947-70E740481C1C}">
-                <a14:useLocalDpi xmlns:a14="http://schemas.microsoft.com/office/drawing/2010/main" val="0"/>
-              </a:ext>
-            </a:extLst>
-          </a:blip>
-          <a:srcRect l="23393" t="87576" r="46442" b="11503"/>
-          <a:stretch/>
-        </p:blipFill>
-        <p:spPr>
-          <a:xfrm>
-            <a:off x="7453374" y="5625930"/>
-            <a:ext cx="1751281" cy="92987"/>
-          </a:xfrm>
-          <a:prstGeom prst="rect">
-            <a:avLst/>
-          </a:prstGeom>
-        </p:spPr>
-      </p:pic>
-      <p:cxnSp>
-        <p:nvCxnSpPr>
-          <p:cNvPr id="62" name="直線コネクタ 61">
-            <a:extLst>
-              <a:ext uri="{FF2B5EF4-FFF2-40B4-BE49-F238E27FC236}">
-                <a16:creationId xmlns:a16="http://schemas.microsoft.com/office/drawing/2014/main" id="{4E73EFD8-6DE6-4808-97AA-66F5313B57DB}"/>
-              </a:ext>
-            </a:extLst>
-          </p:cNvPr>
-          <p:cNvCxnSpPr>
-            <a:cxnSpLocks/>
-          </p:cNvCxnSpPr>
-          <p:nvPr/>
-        </p:nvCxnSpPr>
-        <p:spPr>
-          <a:xfrm flipV="1">
-            <a:off x="5448772" y="1894037"/>
-            <a:ext cx="0" cy="4198692"/>
-          </a:xfrm>
-          <a:prstGeom prst="line">
-            <a:avLst/>
-          </a:prstGeom>
-          <a:ln>
-            <a:prstDash val="dash"/>
-          </a:ln>
         </p:spPr>
         <p:style>
           <a:lnRef idx="1">
@@ -13738,10 +12765,10 @@
       </p:cxnSp>
       <p:cxnSp>
         <p:nvCxnSpPr>
-          <p:cNvPr id="63" name="直線コネクタ 62">
-            <a:extLst>
-              <a:ext uri="{FF2B5EF4-FFF2-40B4-BE49-F238E27FC236}">
-                <a16:creationId xmlns:a16="http://schemas.microsoft.com/office/drawing/2014/main" id="{79790E76-42A1-4F00-8BE5-9003C8537CDE}"/>
+          <p:cNvPr id="68" name="直線コネクタ 67">
+            <a:extLst>
+              <a:ext uri="{FF2B5EF4-FFF2-40B4-BE49-F238E27FC236}">
+                <a16:creationId xmlns:a16="http://schemas.microsoft.com/office/drawing/2014/main" id="{5123D2F2-F6CA-460D-8F2F-F6C3E53FE453}"/>
               </a:ext>
             </a:extLst>
           </p:cNvPr>
@@ -13751,16 +12778,13 @@
           <p:nvPr/>
         </p:nvCxnSpPr>
         <p:spPr>
-          <a:xfrm>
-            <a:off x="5448772" y="1894035"/>
-            <a:ext cx="2056785" cy="1"/>
+          <a:xfrm flipH="1">
+            <a:off x="2505331" y="5556417"/>
+            <a:ext cx="470391" cy="1"/>
           </a:xfrm>
           <a:prstGeom prst="line">
             <a:avLst/>
           </a:prstGeom>
-          <a:ln>
-            <a:prstDash val="dash"/>
-          </a:ln>
         </p:spPr>
         <p:style>
           <a:lnRef idx="1">
@@ -13779,10 +12803,10 @@
       </p:cxnSp>
       <p:cxnSp>
         <p:nvCxnSpPr>
-          <p:cNvPr id="64" name="直線コネクタ 63">
-            <a:extLst>
-              <a:ext uri="{FF2B5EF4-FFF2-40B4-BE49-F238E27FC236}">
-                <a16:creationId xmlns:a16="http://schemas.microsoft.com/office/drawing/2014/main" id="{DD3E0533-A4CF-4CFF-A519-EAF1A3A27D9C}"/>
+          <p:cNvPr id="69" name="直線矢印コネクタ 68">
+            <a:extLst>
+              <a:ext uri="{FF2B5EF4-FFF2-40B4-BE49-F238E27FC236}">
+                <a16:creationId xmlns:a16="http://schemas.microsoft.com/office/drawing/2014/main" id="{1453BC25-EBB2-4B32-A67C-0C7FDF200B25}"/>
               </a:ext>
             </a:extLst>
           </p:cNvPr>
@@ -13792,9 +12816,126 @@
           <p:nvPr/>
         </p:nvCxnSpPr>
         <p:spPr>
+          <a:xfrm flipH="1">
+            <a:off x="2158877" y="5556417"/>
+            <a:ext cx="447163" cy="0"/>
+          </a:xfrm>
+          <a:prstGeom prst="straightConnector1">
+            <a:avLst/>
+          </a:prstGeom>
+          <a:ln>
+            <a:tailEnd type="triangle"/>
+          </a:ln>
+        </p:spPr>
+        <p:style>
+          <a:lnRef idx="1">
+            <a:schemeClr val="dk1"/>
+          </a:lnRef>
+          <a:fillRef idx="0">
+            <a:schemeClr val="dk1"/>
+          </a:fillRef>
+          <a:effectRef idx="0">
+            <a:schemeClr val="dk1"/>
+          </a:effectRef>
+          <a:fontRef idx="minor">
+            <a:schemeClr val="tx1"/>
+          </a:fontRef>
+        </p:style>
+      </p:cxnSp>
+      <p:sp>
+        <p:nvSpPr>
+          <p:cNvPr id="75" name="テキスト ボックス 74">
+            <a:extLst>
+              <a:ext uri="{FF2B5EF4-FFF2-40B4-BE49-F238E27FC236}">
+                <a16:creationId xmlns:a16="http://schemas.microsoft.com/office/drawing/2014/main" id="{19FC7132-BF29-445A-9179-AA210537002D}"/>
+              </a:ext>
+            </a:extLst>
+          </p:cNvPr>
+          <p:cNvSpPr txBox="1"/>
+          <p:nvPr/>
+        </p:nvSpPr>
+        <p:spPr>
           <a:xfrm>
-            <a:off x="3740554" y="6114077"/>
-            <a:ext cx="1708218" cy="1"/>
+            <a:off x="4319567" y="4321730"/>
+            <a:ext cx="337224" cy="230832"/>
+          </a:xfrm>
+          <a:prstGeom prst="rect">
+            <a:avLst/>
+          </a:prstGeom>
+          <a:solidFill>
+            <a:schemeClr val="bg1"/>
+          </a:solidFill>
+        </p:spPr>
+        <p:txBody>
+          <a:bodyPr wrap="square" rtlCol="0">
+            <a:spAutoFit/>
+          </a:bodyPr>
+          <a:lstStyle/>
+          <a:p>
+            <a:r>
+              <a:rPr kumimoji="1" lang="en-US" altLang="ja-JP" sz="900" dirty="0"/>
+              <a:t>NO</a:t>
+            </a:r>
+            <a:endParaRPr kumimoji="1" lang="ja-JP" altLang="en-US" sz="900" dirty="0"/>
+          </a:p>
+        </p:txBody>
+      </p:sp>
+      <p:sp>
+        <p:nvSpPr>
+          <p:cNvPr id="77" name="テキスト ボックス 76">
+            <a:extLst>
+              <a:ext uri="{FF2B5EF4-FFF2-40B4-BE49-F238E27FC236}">
+                <a16:creationId xmlns:a16="http://schemas.microsoft.com/office/drawing/2014/main" id="{FDBF1752-60FC-4E3A-BCF3-D68F1A3AB065}"/>
+              </a:ext>
+            </a:extLst>
+          </p:cNvPr>
+          <p:cNvSpPr txBox="1"/>
+          <p:nvPr/>
+        </p:nvSpPr>
+        <p:spPr>
+          <a:xfrm>
+            <a:off x="3528123" y="5000900"/>
+            <a:ext cx="434182" cy="230832"/>
+          </a:xfrm>
+          <a:prstGeom prst="rect">
+            <a:avLst/>
+          </a:prstGeom>
+          <a:solidFill>
+            <a:schemeClr val="bg1"/>
+          </a:solidFill>
+        </p:spPr>
+        <p:txBody>
+          <a:bodyPr wrap="square" rtlCol="0">
+            <a:spAutoFit/>
+          </a:bodyPr>
+          <a:lstStyle/>
+          <a:p>
+            <a:r>
+              <a:rPr kumimoji="1" lang="en-US" altLang="ja-JP" sz="900" dirty="0"/>
+              <a:t>YES</a:t>
+            </a:r>
+            <a:endParaRPr kumimoji="1" lang="ja-JP" altLang="en-US" sz="900" dirty="0"/>
+          </a:p>
+        </p:txBody>
+      </p:sp>
+      <p:cxnSp>
+        <p:nvCxnSpPr>
+          <p:cNvPr id="79" name="直線コネクタ 78">
+            <a:extLst>
+              <a:ext uri="{FF2B5EF4-FFF2-40B4-BE49-F238E27FC236}">
+                <a16:creationId xmlns:a16="http://schemas.microsoft.com/office/drawing/2014/main" id="{8051F3FD-7371-48CA-B633-21A90F1A88A0}"/>
+              </a:ext>
+            </a:extLst>
+          </p:cNvPr>
+          <p:cNvCxnSpPr>
+            <a:cxnSpLocks/>
+          </p:cNvCxnSpPr>
+          <p:nvPr/>
+        </p:nvCxnSpPr>
+        <p:spPr>
+          <a:xfrm flipV="1">
+            <a:off x="4901709" y="1837200"/>
+            <a:ext cx="0" cy="2779695"/>
           </a:xfrm>
           <a:prstGeom prst="line">
             <a:avLst/>
@@ -13820,10 +12961,10 @@
       </p:cxnSp>
       <p:cxnSp>
         <p:nvCxnSpPr>
-          <p:cNvPr id="66" name="直線コネクタ 65">
-            <a:extLst>
-              <a:ext uri="{FF2B5EF4-FFF2-40B4-BE49-F238E27FC236}">
-                <a16:creationId xmlns:a16="http://schemas.microsoft.com/office/drawing/2014/main" id="{65E6AEED-3408-492C-95CD-3A1B4510F56F}"/>
+          <p:cNvPr id="81" name="直線コネクタ 80">
+            <a:extLst>
+              <a:ext uri="{FF2B5EF4-FFF2-40B4-BE49-F238E27FC236}">
+                <a16:creationId xmlns:a16="http://schemas.microsoft.com/office/drawing/2014/main" id="{97B00BC4-E2B2-4907-9D53-B54E169A4865}"/>
               </a:ext>
             </a:extLst>
           </p:cNvPr>
@@ -13834,8 +12975,8 @@
         </p:nvCxnSpPr>
         <p:spPr>
           <a:xfrm flipV="1">
-            <a:off x="3724447" y="5978978"/>
-            <a:ext cx="0" cy="143948"/>
+            <a:off x="4901709" y="1837200"/>
+            <a:ext cx="2329671" cy="1"/>
           </a:xfrm>
           <a:prstGeom prst="line">
             <a:avLst/>
@@ -13859,45 +13000,64 @@
           </a:fontRef>
         </p:style>
       </p:cxnSp>
-      <p:pic>
-        <p:nvPicPr>
-          <p:cNvPr id="3" name="図 2" descr="テキスト, 地図 が含まれている画像&#10;&#10;自動的に生成された説明">
-            <a:extLst>
-              <a:ext uri="{FF2B5EF4-FFF2-40B4-BE49-F238E27FC236}">
-                <a16:creationId xmlns:a16="http://schemas.microsoft.com/office/drawing/2014/main" id="{3B6ECA27-A47C-4907-877B-305630D1CE86}"/>
-              </a:ext>
-            </a:extLst>
-          </p:cNvPr>
-          <p:cNvPicPr>
-            <a:picLocks noChangeAspect="1"/>
-          </p:cNvPicPr>
+      <p:sp>
+        <p:nvSpPr>
+          <p:cNvPr id="85" name="正方形/長方形 84">
+            <a:extLst>
+              <a:ext uri="{FF2B5EF4-FFF2-40B4-BE49-F238E27FC236}">
+                <a16:creationId xmlns:a16="http://schemas.microsoft.com/office/drawing/2014/main" id="{45D2D41C-9A99-4483-B7AF-0DF7FDC0FAAC}"/>
+              </a:ext>
+            </a:extLst>
+          </p:cNvPr>
+          <p:cNvSpPr/>
           <p:nvPr/>
-        </p:nvPicPr>
-        <p:blipFill rotWithShape="1">
-          <a:blip r:embed="rId2">
-            <a:extLst>
-              <a:ext uri="{28A0092B-C50C-407E-A947-70E740481C1C}">
-                <a14:useLocalDpi xmlns:a14="http://schemas.microsoft.com/office/drawing/2010/main" val="0"/>
-              </a:ext>
-            </a:extLst>
-          </a:blip>
-          <a:srcRect l="36358" t="1224" r="44641" b="94543"/>
-          <a:stretch/>
-        </p:blipFill>
+        </p:nvSpPr>
         <p:spPr>
           <a:xfrm>
-            <a:off x="1688524" y="1917552"/>
-            <a:ext cx="1492060" cy="578405"/>
+            <a:off x="7978142" y="1863898"/>
+            <a:ext cx="1568911" cy="385763"/>
           </a:xfrm>
           <a:prstGeom prst="rect">
             <a:avLst/>
           </a:prstGeom>
-        </p:spPr>
-      </p:pic>
+          <a:solidFill>
+            <a:schemeClr val="bg1"/>
+          </a:solidFill>
+          <a:ln>
+            <a:solidFill>
+              <a:schemeClr val="bg1"/>
+            </a:solidFill>
+          </a:ln>
+        </p:spPr>
+        <p:style>
+          <a:lnRef idx="2">
+            <a:schemeClr val="accent1">
+              <a:shade val="50000"/>
+            </a:schemeClr>
+          </a:lnRef>
+          <a:fillRef idx="1">
+            <a:schemeClr val="accent1"/>
+          </a:fillRef>
+          <a:effectRef idx="0">
+            <a:schemeClr val="accent1"/>
+          </a:effectRef>
+          <a:fontRef idx="minor">
+            <a:schemeClr val="lt1"/>
+          </a:fontRef>
+        </p:style>
+        <p:txBody>
+          <a:bodyPr rtlCol="0" anchor="ctr"/>
+          <a:lstStyle/>
+          <a:p>
+            <a:pPr algn="ctr"/>
+            <a:endParaRPr kumimoji="1" lang="ja-JP" altLang="en-US"/>
+          </a:p>
+        </p:txBody>
+      </p:sp>
     </p:spTree>
     <p:extLst>
       <p:ext uri="{BB962C8B-B14F-4D97-AF65-F5344CB8AC3E}">
-        <p14:creationId xmlns:p14="http://schemas.microsoft.com/office/powerpoint/2010/main" val="3473997696"/>
+        <p14:creationId xmlns:p14="http://schemas.microsoft.com/office/powerpoint/2010/main" val="2199459091"/>
       </p:ext>
     </p:extLst>
   </p:cSld>
@@ -13929,7 +13089,7 @@
           <p:cNvPr id="2" name="タイトル 1">
             <a:extLst>
               <a:ext uri="{FF2B5EF4-FFF2-40B4-BE49-F238E27FC236}">
-                <a16:creationId xmlns:a16="http://schemas.microsoft.com/office/drawing/2014/main" id="{A97D991A-5110-48F5-BD11-1919078F1AA5}"/>
+                <a16:creationId xmlns:a16="http://schemas.microsoft.com/office/drawing/2014/main" id="{4950F2F3-2D3D-4572-9D5A-4CFD9E1ED567}"/>
               </a:ext>
             </a:extLst>
           </p:cNvPr>
@@ -13942,7 +13102,9 @@
         </p:nvSpPr>
         <p:spPr/>
         <p:txBody>
-          <a:bodyPr/>
+          <a:bodyPr>
+            <a:normAutofit fontScale="90000"/>
+          </a:bodyPr>
           <a:lstStyle/>
           <a:p>
             <a:r>
@@ -13958,7 +13120,7 @@
                 <a:ea typeface="+mj-ea"/>
                 <a:cs typeface="+mj-cs"/>
               </a:rPr>
-              <a:t>2.3.15.</a:t>
+              <a:t>2.3.14.</a:t>
             </a:r>
             <a:r>
               <a:rPr kumimoji="1" lang="ja-JP" altLang="ja-JP" sz="4800" kern="1200" spc="-50" baseline="0" dirty="0">
@@ -14002,41 +13164,7 @@
                 <a:ea typeface="+mj-ea"/>
                 <a:cs typeface="+mj-cs"/>
               </a:rPr>
-              <a:t>　</a:t>
-            </a:r>
-            <a:r>
-              <a:rPr kumimoji="1" lang="ja-JP" altLang="ja-JP" sz="4800" kern="1200" spc="-50" baseline="0" dirty="0">
-                <a:solidFill>
-                  <a:schemeClr val="tx1">
-                    <a:lumMod val="75000"/>
-                    <a:lumOff val="25000"/>
-                  </a:schemeClr>
-                </a:solidFill>
-                <a:effectLst/>
-                <a:latin typeface="+mj-lt"/>
-                <a:ea typeface="+mj-ea"/>
-                <a:cs typeface="+mj-cs"/>
-              </a:rPr>
-              <a:t>フローチャート － </a:t>
-            </a:r>
-            <a:r>
-              <a:rPr kumimoji="1" lang="ja-JP" altLang="en-US" sz="4800" kern="1200" spc="-50" baseline="0" dirty="0">
-                <a:solidFill>
-                  <a:schemeClr val="tx1">
-                    <a:lumMod val="75000"/>
-                    <a:lumOff val="25000"/>
-                  </a:schemeClr>
-                </a:solidFill>
-                <a:effectLst/>
-                <a:latin typeface="+mj-lt"/>
-                <a:ea typeface="+mj-ea"/>
-                <a:cs typeface="+mj-cs"/>
-              </a:rPr>
-              <a:t>ブザー</a:t>
-            </a:r>
-            <a:r>
-              <a:rPr lang="en-US" altLang="ja-JP" dirty="0"/>
-              <a:t>3</a:t>
+              <a:t>　フローチャート － ブザー用割込み</a:t>
             </a:r>
             <a:endParaRPr kumimoji="1" lang="ja-JP" altLang="en-US" dirty="0"/>
           </a:p>
@@ -14047,7 +13175,7 @@
           <p:cNvPr id="4" name="日付プレースホルダー 3">
             <a:extLst>
               <a:ext uri="{FF2B5EF4-FFF2-40B4-BE49-F238E27FC236}">
-                <a16:creationId xmlns:a16="http://schemas.microsoft.com/office/drawing/2014/main" id="{0D710AED-334C-49CC-B71B-153D1527C4DF}"/>
+                <a16:creationId xmlns:a16="http://schemas.microsoft.com/office/drawing/2014/main" id="{E683C6A6-6465-4FD8-ACA1-4A3B1645D8A2}"/>
               </a:ext>
             </a:extLst>
           </p:cNvPr>
@@ -14076,7 +13204,7 @@
           <p:cNvPr id="5" name="スライド番号プレースホルダー 4">
             <a:extLst>
               <a:ext uri="{FF2B5EF4-FFF2-40B4-BE49-F238E27FC236}">
-                <a16:creationId xmlns:a16="http://schemas.microsoft.com/office/drawing/2014/main" id="{BA4B4EFC-3ACF-4883-AA8F-7C25B5AB61CC}"/>
+                <a16:creationId xmlns:a16="http://schemas.microsoft.com/office/drawing/2014/main" id="{6B1CA635-89AA-404A-9D39-D536370AAE47}"/>
               </a:ext>
             </a:extLst>
           </p:cNvPr>
@@ -14102,10 +13230,10 @@
       </p:sp>
       <p:pic>
         <p:nvPicPr>
-          <p:cNvPr id="6" name="図 5" descr="文字と写真のスクリーンショット&#10;&#10;自動的に生成された説明">
-            <a:extLst>
-              <a:ext uri="{FF2B5EF4-FFF2-40B4-BE49-F238E27FC236}">
-                <a16:creationId xmlns:a16="http://schemas.microsoft.com/office/drawing/2014/main" id="{850A4567-1B75-425E-809C-2F4949A2AA95}"/>
+          <p:cNvPr id="10" name="図 9" descr="テキスト が含まれている画像&#10;&#10;自動的に生成された説明">
+            <a:extLst>
+              <a:ext uri="{FF2B5EF4-FFF2-40B4-BE49-F238E27FC236}">
+                <a16:creationId xmlns:a16="http://schemas.microsoft.com/office/drawing/2014/main" id="{201B34E0-2606-473D-9467-AFCE065D2256}"/>
               </a:ext>
             </a:extLst>
           </p:cNvPr>
@@ -14122,13 +13250,13 @@
               </a:ext>
             </a:extLst>
           </a:blip>
-          <a:srcRect l="7589" t="27138" r="49567" b="59445"/>
+          <a:srcRect r="43585"/>
           <a:stretch/>
         </p:blipFill>
         <p:spPr>
           <a:xfrm>
-            <a:off x="2538238" y="4112442"/>
-            <a:ext cx="2472271" cy="1181734"/>
+            <a:off x="3508917" y="1951892"/>
+            <a:ext cx="1784301" cy="4294530"/>
           </a:xfrm>
           <a:prstGeom prst="rect">
             <a:avLst/>
@@ -14137,10 +13265,10 @@
       </p:pic>
       <p:pic>
         <p:nvPicPr>
-          <p:cNvPr id="7" name="図 6" descr="文字と写真のスクリーンショット&#10;&#10;自動的に生成された説明">
-            <a:extLst>
-              <a:ext uri="{FF2B5EF4-FFF2-40B4-BE49-F238E27FC236}">
-                <a16:creationId xmlns:a16="http://schemas.microsoft.com/office/drawing/2014/main" id="{763BB34A-9F76-458D-AA15-1B887A6E89F0}"/>
+          <p:cNvPr id="13" name="図 12" descr="テキスト が含まれている画像&#10;&#10;自動的に生成された説明">
+            <a:extLst>
+              <a:ext uri="{FF2B5EF4-FFF2-40B4-BE49-F238E27FC236}">
+                <a16:creationId xmlns:a16="http://schemas.microsoft.com/office/drawing/2014/main" id="{57387234-C582-41DE-9E94-F478EE2188C5}"/>
               </a:ext>
             </a:extLst>
           </p:cNvPr>
@@ -14157,13 +13285,13 @@
               </a:ext>
             </a:extLst>
           </a:blip>
-          <a:srcRect l="39176" t="41673" r="36417" b="51624"/>
+          <a:srcRect l="57123" t="28207" r="-1484" b="23749"/>
           <a:stretch/>
         </p:blipFill>
         <p:spPr>
           <a:xfrm>
-            <a:off x="2972650" y="5251740"/>
-            <a:ext cx="1408387" cy="590334"/>
+            <a:off x="5674756" y="3057380"/>
+            <a:ext cx="1403052" cy="2063261"/>
           </a:xfrm>
           <a:prstGeom prst="rect">
             <a:avLst/>
@@ -14172,10 +13300,10 @@
       </p:pic>
       <p:pic>
         <p:nvPicPr>
-          <p:cNvPr id="9" name="図 8" descr="文字と写真のスクリーンショット&#10;&#10;自動的に生成された説明">
-            <a:extLst>
-              <a:ext uri="{FF2B5EF4-FFF2-40B4-BE49-F238E27FC236}">
-                <a16:creationId xmlns:a16="http://schemas.microsoft.com/office/drawing/2014/main" id="{3D33867C-B808-4010-A30F-0A3B351A7B1D}"/>
+          <p:cNvPr id="14" name="図 13" descr="テキスト が含まれている画像&#10;&#10;自動的に生成された説明">
+            <a:extLst>
+              <a:ext uri="{FF2B5EF4-FFF2-40B4-BE49-F238E27FC236}">
+                <a16:creationId xmlns:a16="http://schemas.microsoft.com/office/drawing/2014/main" id="{34F75541-D9CD-4A92-94B7-A23B9CEEBBF9}"/>
               </a:ext>
             </a:extLst>
           </p:cNvPr>
@@ -14192,130 +13320,25 @@
               </a:ext>
             </a:extLst>
           </a:blip>
-          <a:srcRect l="-578" t="44413" r="39613" b="11007"/>
+          <a:srcRect l="35459" t="568" r="24998" b="83067"/>
           <a:stretch/>
         </p:blipFill>
         <p:spPr>
           <a:xfrm>
-            <a:off x="5800734" y="1869367"/>
-            <a:ext cx="3517900" cy="3926136"/>
+            <a:off x="4667892" y="2045971"/>
+            <a:ext cx="1250652" cy="702797"/>
           </a:xfrm>
           <a:prstGeom prst="rect">
             <a:avLst/>
           </a:prstGeom>
         </p:spPr>
       </p:pic>
-      <p:pic>
-        <p:nvPicPr>
-          <p:cNvPr id="11" name="図 10" descr="文字と写真のスクリーンショット&#10;&#10;自動的に生成された説明">
-            <a:extLst>
-              <a:ext uri="{FF2B5EF4-FFF2-40B4-BE49-F238E27FC236}">
-                <a16:creationId xmlns:a16="http://schemas.microsoft.com/office/drawing/2014/main" id="{24231043-45D6-443D-AE62-47DEE0A60B63}"/>
-              </a:ext>
-            </a:extLst>
-          </p:cNvPr>
-          <p:cNvPicPr>
-            <a:picLocks noChangeAspect="1"/>
-          </p:cNvPicPr>
-          <p:nvPr/>
-        </p:nvPicPr>
-        <p:blipFill rotWithShape="1">
-          <a:blip r:embed="rId2">
-            <a:extLst>
-              <a:ext uri="{28A0092B-C50C-407E-A947-70E740481C1C}">
-                <a14:useLocalDpi xmlns:a14="http://schemas.microsoft.com/office/drawing/2010/main" val="0"/>
-              </a:ext>
-            </a:extLst>
-          </a:blip>
-          <a:srcRect l="16867" t="91868" r="68138" b="-593"/>
-          <a:stretch/>
-        </p:blipFill>
-        <p:spPr>
-          <a:xfrm>
-            <a:off x="6806360" y="5705755"/>
-            <a:ext cx="865278" cy="668801"/>
-          </a:xfrm>
-          <a:prstGeom prst="rect">
-            <a:avLst/>
-          </a:prstGeom>
-        </p:spPr>
-      </p:pic>
-      <p:pic>
-        <p:nvPicPr>
-          <p:cNvPr id="14" name="図 13" descr="文字と写真のスクリーンショット&#10;&#10;自動的に生成された説明">
-            <a:extLst>
-              <a:ext uri="{FF2B5EF4-FFF2-40B4-BE49-F238E27FC236}">
-                <a16:creationId xmlns:a16="http://schemas.microsoft.com/office/drawing/2014/main" id="{200F64C2-BE37-4512-B68F-4AEA24537824}"/>
-              </a:ext>
-            </a:extLst>
-          </p:cNvPr>
-          <p:cNvPicPr>
-            <a:picLocks noChangeAspect="1"/>
-          </p:cNvPicPr>
-          <p:nvPr/>
-        </p:nvPicPr>
-        <p:blipFill rotWithShape="1">
-          <a:blip r:embed="rId2">
-            <a:extLst>
-              <a:ext uri="{28A0092B-C50C-407E-A947-70E740481C1C}">
-                <a14:useLocalDpi xmlns:a14="http://schemas.microsoft.com/office/drawing/2010/main" val="0"/>
-              </a:ext>
-            </a:extLst>
-          </a:blip>
-          <a:srcRect l="14033" t="4676" r="64255" b="88795"/>
-          <a:stretch/>
-        </p:blipFill>
-        <p:spPr>
-          <a:xfrm>
-            <a:off x="2749435" y="2249665"/>
-            <a:ext cx="1572940" cy="626993"/>
-          </a:xfrm>
-          <a:prstGeom prst="rect">
-            <a:avLst/>
-          </a:prstGeom>
-        </p:spPr>
-      </p:pic>
-      <p:pic>
-        <p:nvPicPr>
-          <p:cNvPr id="16" name="図 15" descr="文字と写真のスクリーンショット&#10;&#10;自動的に生成された説明">
-            <a:extLst>
-              <a:ext uri="{FF2B5EF4-FFF2-40B4-BE49-F238E27FC236}">
-                <a16:creationId xmlns:a16="http://schemas.microsoft.com/office/drawing/2014/main" id="{0EC6667B-244D-4F7C-A08D-ABAFB4A37B28}"/>
-              </a:ext>
-            </a:extLst>
-          </p:cNvPr>
-          <p:cNvPicPr>
-            <a:picLocks noChangeAspect="1"/>
-          </p:cNvPicPr>
-          <p:nvPr/>
-        </p:nvPicPr>
-        <p:blipFill rotWithShape="1">
-          <a:blip r:embed="rId2">
-            <a:extLst>
-              <a:ext uri="{28A0092B-C50C-407E-A947-70E740481C1C}">
-                <a14:useLocalDpi xmlns:a14="http://schemas.microsoft.com/office/drawing/2010/main" val="0"/>
-              </a:ext>
-            </a:extLst>
-          </a:blip>
-          <a:srcRect l="6884" t="12999" r="59141" b="73006"/>
-          <a:stretch/>
-        </p:blipFill>
-        <p:spPr>
-          <a:xfrm>
-            <a:off x="2491829" y="2876658"/>
-            <a:ext cx="1960471" cy="1232609"/>
-          </a:xfrm>
-          <a:prstGeom prst="rect">
-            <a:avLst/>
-          </a:prstGeom>
-        </p:spPr>
-      </p:pic>
-      <p:sp>
-        <p:nvSpPr>
-          <p:cNvPr id="17" name="正方形/長方形 16">
-            <a:extLst>
-              <a:ext uri="{FF2B5EF4-FFF2-40B4-BE49-F238E27FC236}">
-                <a16:creationId xmlns:a16="http://schemas.microsoft.com/office/drawing/2014/main" id="{06FCD61B-4446-47FB-BBCF-5F2B29C5564E}"/>
+      <p:sp>
+        <p:nvSpPr>
+          <p:cNvPr id="18" name="四角形: メモ 17">
+            <a:extLst>
+              <a:ext uri="{FF2B5EF4-FFF2-40B4-BE49-F238E27FC236}">
+                <a16:creationId xmlns:a16="http://schemas.microsoft.com/office/drawing/2014/main" id="{7BF4B689-5A9C-4880-93B8-44B1345E4052}"/>
               </a:ext>
             </a:extLst>
           </p:cNvPr>
@@ -14324,542 +13347,50 @@
         </p:nvSpPr>
         <p:spPr>
           <a:xfrm>
-            <a:off x="4002210" y="5186833"/>
-            <a:ext cx="1028700" cy="707202"/>
-          </a:xfrm>
-          <a:prstGeom prst="rect">
+            <a:off x="5828997" y="2202087"/>
+            <a:ext cx="1248522" cy="546681"/>
+          </a:xfrm>
+          <a:prstGeom prst="foldedCorner">
             <a:avLst/>
           </a:prstGeom>
           <a:solidFill>
             <a:schemeClr val="bg1"/>
           </a:solidFill>
-          <a:ln>
+          <a:ln w="6350">
             <a:solidFill>
-              <a:schemeClr val="bg1"/>
+              <a:schemeClr val="tx1"/>
             </a:solidFill>
           </a:ln>
         </p:spPr>
         <p:style>
           <a:lnRef idx="2">
-            <a:schemeClr val="accent1">
-              <a:shade val="50000"/>
-            </a:schemeClr>
+            <a:schemeClr val="accent6"/>
           </a:lnRef>
           <a:fillRef idx="1">
-            <a:schemeClr val="accent1"/>
+            <a:schemeClr val="lt1"/>
           </a:fillRef>
           <a:effectRef idx="0">
-            <a:schemeClr val="accent1"/>
+            <a:schemeClr val="accent6"/>
           </a:effectRef>
           <a:fontRef idx="minor">
-            <a:schemeClr val="lt1"/>
+            <a:schemeClr val="dk1"/>
           </a:fontRef>
         </p:style>
         <p:txBody>
           <a:bodyPr rtlCol="0" anchor="ctr"/>
           <a:lstStyle/>
           <a:p>
-            <a:pPr algn="ctr"/>
-            <a:endParaRPr kumimoji="1" lang="ja-JP" altLang="en-US"/>
-          </a:p>
-        </p:txBody>
-      </p:sp>
-      <p:sp>
-        <p:nvSpPr>
-          <p:cNvPr id="19" name="正方形/長方形 18">
-            <a:extLst>
-              <a:ext uri="{FF2B5EF4-FFF2-40B4-BE49-F238E27FC236}">
-                <a16:creationId xmlns:a16="http://schemas.microsoft.com/office/drawing/2014/main" id="{36A93DB8-F7C3-40EE-B5AD-E3A728E440D1}"/>
-              </a:ext>
-            </a:extLst>
-          </p:cNvPr>
-          <p:cNvSpPr/>
-          <p:nvPr/>
-        </p:nvSpPr>
-        <p:spPr>
-          <a:xfrm>
-            <a:off x="4613160" y="4616894"/>
-            <a:ext cx="1028700" cy="707202"/>
-          </a:xfrm>
-          <a:prstGeom prst="rect">
-            <a:avLst/>
-          </a:prstGeom>
-          <a:solidFill>
-            <a:schemeClr val="bg1"/>
-          </a:solidFill>
-          <a:ln>
-            <a:solidFill>
-              <a:schemeClr val="bg1"/>
-            </a:solidFill>
-          </a:ln>
-        </p:spPr>
-        <p:style>
-          <a:lnRef idx="2">
-            <a:schemeClr val="accent1">
-              <a:shade val="50000"/>
-            </a:schemeClr>
-          </a:lnRef>
-          <a:fillRef idx="1">
-            <a:schemeClr val="accent1"/>
-          </a:fillRef>
-          <a:effectRef idx="0">
-            <a:schemeClr val="accent1"/>
-          </a:effectRef>
-          <a:fontRef idx="minor">
-            <a:schemeClr val="lt1"/>
-          </a:fontRef>
-        </p:style>
-        <p:txBody>
-          <a:bodyPr rtlCol="0" anchor="ctr"/>
-          <a:lstStyle/>
-          <a:p>
-            <a:pPr algn="ctr"/>
-            <a:endParaRPr kumimoji="1" lang="ja-JP" altLang="en-US"/>
-          </a:p>
-        </p:txBody>
-      </p:sp>
-      <p:pic>
-        <p:nvPicPr>
-          <p:cNvPr id="21" name="図 20" descr="文字と写真のスクリーンショット&#10;&#10;自動的に生成された説明">
-            <a:extLst>
-              <a:ext uri="{FF2B5EF4-FFF2-40B4-BE49-F238E27FC236}">
-                <a16:creationId xmlns:a16="http://schemas.microsoft.com/office/drawing/2014/main" id="{6F255102-773A-497C-9327-8DEB1A3BA5F3}"/>
-              </a:ext>
-            </a:extLst>
-          </p:cNvPr>
-          <p:cNvPicPr>
-            <a:picLocks noChangeAspect="1"/>
-          </p:cNvPicPr>
-          <p:nvPr/>
-        </p:nvPicPr>
-        <p:blipFill rotWithShape="1">
-          <a:blip r:embed="rId2">
-            <a:extLst>
-              <a:ext uri="{28A0092B-C50C-407E-A947-70E740481C1C}">
-                <a14:useLocalDpi xmlns:a14="http://schemas.microsoft.com/office/drawing/2010/main" val="0"/>
-              </a:ext>
-            </a:extLst>
-          </a:blip>
-          <a:srcRect l="16867" t="91868" r="68138" b="-593"/>
-          <a:stretch/>
-        </p:blipFill>
-        <p:spPr>
-          <a:xfrm>
-            <a:off x="1703010" y="5650490"/>
-            <a:ext cx="865278" cy="707202"/>
-          </a:xfrm>
-          <a:prstGeom prst="rect">
-            <a:avLst/>
-          </a:prstGeom>
-        </p:spPr>
-      </p:pic>
-      <p:pic>
-        <p:nvPicPr>
-          <p:cNvPr id="43" name="図 42" descr="文字と写真のスクリーンショット&#10;&#10;自動的に生成された説明">
-            <a:extLst>
-              <a:ext uri="{FF2B5EF4-FFF2-40B4-BE49-F238E27FC236}">
-                <a16:creationId xmlns:a16="http://schemas.microsoft.com/office/drawing/2014/main" id="{924954A4-8202-4118-83D1-BB64407A19B5}"/>
-              </a:ext>
-            </a:extLst>
-          </p:cNvPr>
-          <p:cNvPicPr>
-            <a:picLocks noChangeAspect="1"/>
-          </p:cNvPicPr>
-          <p:nvPr/>
-        </p:nvPicPr>
-        <p:blipFill rotWithShape="1">
-          <a:blip r:embed="rId2">
-            <a:extLst>
-              <a:ext uri="{28A0092B-C50C-407E-A947-70E740481C1C}">
-                <a14:useLocalDpi xmlns:a14="http://schemas.microsoft.com/office/drawing/2010/main" val="0"/>
-              </a:ext>
-            </a:extLst>
-          </a:blip>
-          <a:srcRect l="14953" t="-406" r="65439" b="95725"/>
-          <a:stretch/>
-        </p:blipFill>
-        <p:spPr>
-          <a:xfrm>
-            <a:off x="2946272" y="1757761"/>
-            <a:ext cx="1420540" cy="517559"/>
-          </a:xfrm>
-          <a:prstGeom prst="rect">
-            <a:avLst/>
-          </a:prstGeom>
-        </p:spPr>
-      </p:pic>
-      <p:cxnSp>
-        <p:nvCxnSpPr>
-          <p:cNvPr id="47" name="直線コネクタ 46">
-            <a:extLst>
-              <a:ext uri="{FF2B5EF4-FFF2-40B4-BE49-F238E27FC236}">
-                <a16:creationId xmlns:a16="http://schemas.microsoft.com/office/drawing/2014/main" id="{B8C53FD5-16D3-41FA-836D-51F19F02D796}"/>
-              </a:ext>
-            </a:extLst>
-          </p:cNvPr>
-          <p:cNvCxnSpPr>
-            <a:cxnSpLocks/>
-          </p:cNvCxnSpPr>
-          <p:nvPr/>
-        </p:nvCxnSpPr>
-        <p:spPr>
-          <a:xfrm flipH="1">
-            <a:off x="2135649" y="3492962"/>
-            <a:ext cx="470391" cy="1"/>
-          </a:xfrm>
-          <a:prstGeom prst="line">
-            <a:avLst/>
-          </a:prstGeom>
-        </p:spPr>
-        <p:style>
-          <a:lnRef idx="1">
-            <a:schemeClr val="dk1"/>
-          </a:lnRef>
-          <a:fillRef idx="0">
-            <a:schemeClr val="dk1"/>
-          </a:fillRef>
-          <a:effectRef idx="0">
-            <a:schemeClr val="dk1"/>
-          </a:effectRef>
-          <a:fontRef idx="minor">
-            <a:schemeClr val="tx1"/>
-          </a:fontRef>
-        </p:style>
-      </p:cxnSp>
-      <p:cxnSp>
-        <p:nvCxnSpPr>
-          <p:cNvPr id="55" name="直線コネクタ 54">
-            <a:extLst>
-              <a:ext uri="{FF2B5EF4-FFF2-40B4-BE49-F238E27FC236}">
-                <a16:creationId xmlns:a16="http://schemas.microsoft.com/office/drawing/2014/main" id="{D441B06A-88CC-458F-AE8F-1F253A9290B4}"/>
-              </a:ext>
-            </a:extLst>
-          </p:cNvPr>
-          <p:cNvCxnSpPr>
-            <a:cxnSpLocks/>
-            <a:stCxn id="21" idx="0"/>
-          </p:cNvCxnSpPr>
-          <p:nvPr/>
-        </p:nvCxnSpPr>
-        <p:spPr>
-          <a:xfrm flipV="1">
-            <a:off x="2135649" y="3492966"/>
-            <a:ext cx="0" cy="2157524"/>
-          </a:xfrm>
-          <a:prstGeom prst="line">
-            <a:avLst/>
-          </a:prstGeom>
-        </p:spPr>
-        <p:style>
-          <a:lnRef idx="1">
-            <a:schemeClr val="dk1"/>
-          </a:lnRef>
-          <a:fillRef idx="0">
-            <a:schemeClr val="dk1"/>
-          </a:fillRef>
-          <a:effectRef idx="0">
-            <a:schemeClr val="dk1"/>
-          </a:effectRef>
-          <a:fontRef idx="minor">
-            <a:schemeClr val="tx1"/>
-          </a:fontRef>
-        </p:style>
-      </p:cxnSp>
-      <p:cxnSp>
-        <p:nvCxnSpPr>
-          <p:cNvPr id="68" name="直線コネクタ 67">
-            <a:extLst>
-              <a:ext uri="{FF2B5EF4-FFF2-40B4-BE49-F238E27FC236}">
-                <a16:creationId xmlns:a16="http://schemas.microsoft.com/office/drawing/2014/main" id="{5123D2F2-F6CA-460D-8F2F-F6C3E53FE453}"/>
-              </a:ext>
-            </a:extLst>
-          </p:cNvPr>
-          <p:cNvCxnSpPr>
-            <a:cxnSpLocks/>
-          </p:cNvCxnSpPr>
-          <p:nvPr/>
-        </p:nvCxnSpPr>
-        <p:spPr>
-          <a:xfrm flipH="1">
-            <a:off x="2505331" y="5556417"/>
-            <a:ext cx="470391" cy="1"/>
-          </a:xfrm>
-          <a:prstGeom prst="line">
-            <a:avLst/>
-          </a:prstGeom>
-        </p:spPr>
-        <p:style>
-          <a:lnRef idx="1">
-            <a:schemeClr val="dk1"/>
-          </a:lnRef>
-          <a:fillRef idx="0">
-            <a:schemeClr val="dk1"/>
-          </a:fillRef>
-          <a:effectRef idx="0">
-            <a:schemeClr val="dk1"/>
-          </a:effectRef>
-          <a:fontRef idx="minor">
-            <a:schemeClr val="tx1"/>
-          </a:fontRef>
-        </p:style>
-      </p:cxnSp>
-      <p:cxnSp>
-        <p:nvCxnSpPr>
-          <p:cNvPr id="69" name="直線矢印コネクタ 68">
-            <a:extLst>
-              <a:ext uri="{FF2B5EF4-FFF2-40B4-BE49-F238E27FC236}">
-                <a16:creationId xmlns:a16="http://schemas.microsoft.com/office/drawing/2014/main" id="{1453BC25-EBB2-4B32-A67C-0C7FDF200B25}"/>
-              </a:ext>
-            </a:extLst>
-          </p:cNvPr>
-          <p:cNvCxnSpPr>
-            <a:cxnSpLocks/>
-          </p:cNvCxnSpPr>
-          <p:nvPr/>
-        </p:nvCxnSpPr>
-        <p:spPr>
-          <a:xfrm flipH="1">
-            <a:off x="2158877" y="5556417"/>
-            <a:ext cx="447163" cy="0"/>
-          </a:xfrm>
-          <a:prstGeom prst="straightConnector1">
-            <a:avLst/>
-          </a:prstGeom>
-          <a:ln>
-            <a:tailEnd type="triangle"/>
-          </a:ln>
-        </p:spPr>
-        <p:style>
-          <a:lnRef idx="1">
-            <a:schemeClr val="dk1"/>
-          </a:lnRef>
-          <a:fillRef idx="0">
-            <a:schemeClr val="dk1"/>
-          </a:fillRef>
-          <a:effectRef idx="0">
-            <a:schemeClr val="dk1"/>
-          </a:effectRef>
-          <a:fontRef idx="minor">
-            <a:schemeClr val="tx1"/>
-          </a:fontRef>
-        </p:style>
-      </p:cxnSp>
-      <p:sp>
-        <p:nvSpPr>
-          <p:cNvPr id="75" name="テキスト ボックス 74">
-            <a:extLst>
-              <a:ext uri="{FF2B5EF4-FFF2-40B4-BE49-F238E27FC236}">
-                <a16:creationId xmlns:a16="http://schemas.microsoft.com/office/drawing/2014/main" id="{19FC7132-BF29-445A-9179-AA210537002D}"/>
-              </a:ext>
-            </a:extLst>
-          </p:cNvPr>
-          <p:cNvSpPr txBox="1"/>
-          <p:nvPr/>
-        </p:nvSpPr>
-        <p:spPr>
-          <a:xfrm>
-            <a:off x="4319567" y="4321730"/>
-            <a:ext cx="337224" cy="230832"/>
-          </a:xfrm>
-          <a:prstGeom prst="rect">
-            <a:avLst/>
-          </a:prstGeom>
-          <a:solidFill>
-            <a:schemeClr val="bg1"/>
-          </a:solidFill>
-        </p:spPr>
-        <p:txBody>
-          <a:bodyPr wrap="square" rtlCol="0">
-            <a:spAutoFit/>
-          </a:bodyPr>
-          <a:lstStyle/>
-          <a:p>
-            <a:r>
-              <a:rPr kumimoji="1" lang="en-US" altLang="ja-JP" sz="900" dirty="0"/>
-              <a:t>NO</a:t>
-            </a:r>
-            <a:endParaRPr kumimoji="1" lang="ja-JP" altLang="en-US" sz="900" dirty="0"/>
-          </a:p>
-        </p:txBody>
-      </p:sp>
-      <p:sp>
-        <p:nvSpPr>
-          <p:cNvPr id="77" name="テキスト ボックス 76">
-            <a:extLst>
-              <a:ext uri="{FF2B5EF4-FFF2-40B4-BE49-F238E27FC236}">
-                <a16:creationId xmlns:a16="http://schemas.microsoft.com/office/drawing/2014/main" id="{FDBF1752-60FC-4E3A-BCF3-D68F1A3AB065}"/>
-              </a:ext>
-            </a:extLst>
-          </p:cNvPr>
-          <p:cNvSpPr txBox="1"/>
-          <p:nvPr/>
-        </p:nvSpPr>
-        <p:spPr>
-          <a:xfrm>
-            <a:off x="3528123" y="5000900"/>
-            <a:ext cx="434182" cy="230832"/>
-          </a:xfrm>
-          <a:prstGeom prst="rect">
-            <a:avLst/>
-          </a:prstGeom>
-          <a:solidFill>
-            <a:schemeClr val="bg1"/>
-          </a:solidFill>
-        </p:spPr>
-        <p:txBody>
-          <a:bodyPr wrap="square" rtlCol="0">
-            <a:spAutoFit/>
-          </a:bodyPr>
-          <a:lstStyle/>
-          <a:p>
-            <a:r>
-              <a:rPr kumimoji="1" lang="en-US" altLang="ja-JP" sz="900" dirty="0"/>
-              <a:t>YES</a:t>
-            </a:r>
-            <a:endParaRPr kumimoji="1" lang="ja-JP" altLang="en-US" sz="900" dirty="0"/>
-          </a:p>
-        </p:txBody>
-      </p:sp>
-      <p:cxnSp>
-        <p:nvCxnSpPr>
-          <p:cNvPr id="79" name="直線コネクタ 78">
-            <a:extLst>
-              <a:ext uri="{FF2B5EF4-FFF2-40B4-BE49-F238E27FC236}">
-                <a16:creationId xmlns:a16="http://schemas.microsoft.com/office/drawing/2014/main" id="{8051F3FD-7371-48CA-B633-21A90F1A88A0}"/>
-              </a:ext>
-            </a:extLst>
-          </p:cNvPr>
-          <p:cNvCxnSpPr>
-            <a:cxnSpLocks/>
-          </p:cNvCxnSpPr>
-          <p:nvPr/>
-        </p:nvCxnSpPr>
-        <p:spPr>
-          <a:xfrm flipV="1">
-            <a:off x="4901709" y="1837200"/>
-            <a:ext cx="0" cy="2779695"/>
-          </a:xfrm>
-          <a:prstGeom prst="line">
-            <a:avLst/>
-          </a:prstGeom>
-          <a:ln>
-            <a:prstDash val="dash"/>
-          </a:ln>
-        </p:spPr>
-        <p:style>
-          <a:lnRef idx="1">
-            <a:schemeClr val="dk1"/>
-          </a:lnRef>
-          <a:fillRef idx="0">
-            <a:schemeClr val="dk1"/>
-          </a:fillRef>
-          <a:effectRef idx="0">
-            <a:schemeClr val="dk1"/>
-          </a:effectRef>
-          <a:fontRef idx="minor">
-            <a:schemeClr val="tx1"/>
-          </a:fontRef>
-        </p:style>
-      </p:cxnSp>
-      <p:cxnSp>
-        <p:nvCxnSpPr>
-          <p:cNvPr id="81" name="直線コネクタ 80">
-            <a:extLst>
-              <a:ext uri="{FF2B5EF4-FFF2-40B4-BE49-F238E27FC236}">
-                <a16:creationId xmlns:a16="http://schemas.microsoft.com/office/drawing/2014/main" id="{97B00BC4-E2B2-4907-9D53-B54E169A4865}"/>
-              </a:ext>
-            </a:extLst>
-          </p:cNvPr>
-          <p:cNvCxnSpPr>
-            <a:cxnSpLocks/>
-          </p:cNvCxnSpPr>
-          <p:nvPr/>
-        </p:nvCxnSpPr>
-        <p:spPr>
-          <a:xfrm flipV="1">
-            <a:off x="4901709" y="1837200"/>
-            <a:ext cx="2329671" cy="1"/>
-          </a:xfrm>
-          <a:prstGeom prst="line">
-            <a:avLst/>
-          </a:prstGeom>
-          <a:ln>
-            <a:prstDash val="dash"/>
-          </a:ln>
-        </p:spPr>
-        <p:style>
-          <a:lnRef idx="1">
-            <a:schemeClr val="dk1"/>
-          </a:lnRef>
-          <a:fillRef idx="0">
-            <a:schemeClr val="dk1"/>
-          </a:fillRef>
-          <a:effectRef idx="0">
-            <a:schemeClr val="dk1"/>
-          </a:effectRef>
-          <a:fontRef idx="minor">
-            <a:schemeClr val="tx1"/>
-          </a:fontRef>
-        </p:style>
-      </p:cxnSp>
-      <p:sp>
-        <p:nvSpPr>
-          <p:cNvPr id="85" name="正方形/長方形 84">
-            <a:extLst>
-              <a:ext uri="{FF2B5EF4-FFF2-40B4-BE49-F238E27FC236}">
-                <a16:creationId xmlns:a16="http://schemas.microsoft.com/office/drawing/2014/main" id="{45D2D41C-9A99-4483-B7AF-0DF7FDC0FAAC}"/>
-              </a:ext>
-            </a:extLst>
-          </p:cNvPr>
-          <p:cNvSpPr/>
-          <p:nvPr/>
-        </p:nvSpPr>
-        <p:spPr>
-          <a:xfrm>
-            <a:off x="7978142" y="1863898"/>
-            <a:ext cx="1568911" cy="385763"/>
-          </a:xfrm>
-          <a:prstGeom prst="rect">
-            <a:avLst/>
-          </a:prstGeom>
-          <a:solidFill>
-            <a:schemeClr val="bg1"/>
-          </a:solidFill>
-          <a:ln>
-            <a:solidFill>
-              <a:schemeClr val="bg1"/>
-            </a:solidFill>
-          </a:ln>
-        </p:spPr>
-        <p:style>
-          <a:lnRef idx="2">
-            <a:schemeClr val="accent1">
-              <a:shade val="50000"/>
-            </a:schemeClr>
-          </a:lnRef>
-          <a:fillRef idx="1">
-            <a:schemeClr val="accent1"/>
-          </a:fillRef>
-          <a:effectRef idx="0">
-            <a:schemeClr val="accent1"/>
-          </a:effectRef>
-          <a:fontRef idx="minor">
-            <a:schemeClr val="lt1"/>
-          </a:fontRef>
-        </p:style>
-        <p:txBody>
-          <a:bodyPr rtlCol="0" anchor="ctr"/>
-          <a:lstStyle/>
-          <a:p>
-            <a:pPr algn="ctr"/>
-            <a:endParaRPr kumimoji="1" lang="ja-JP" altLang="en-US"/>
+            <a:r>
+              <a:rPr kumimoji="1" lang="ja-JP" altLang="en-US" sz="1100" dirty="0"/>
+              <a:t>ブザー用の処理</a:t>
+            </a:r>
           </a:p>
         </p:txBody>
       </p:sp>
     </p:spTree>
     <p:extLst>
       <p:ext uri="{BB962C8B-B14F-4D97-AF65-F5344CB8AC3E}">
-        <p14:creationId xmlns:p14="http://schemas.microsoft.com/office/powerpoint/2010/main" val="2199459091"/>
+        <p14:creationId xmlns:p14="http://schemas.microsoft.com/office/powerpoint/2010/main" val="1585770660"/>
       </p:ext>
     </p:extLst>
   </p:cSld>
@@ -14891,7 +13422,7 @@
           <p:cNvPr id="2" name="タイトル 1">
             <a:extLst>
               <a:ext uri="{FF2B5EF4-FFF2-40B4-BE49-F238E27FC236}">
-                <a16:creationId xmlns:a16="http://schemas.microsoft.com/office/drawing/2014/main" id="{4950F2F3-2D3D-4572-9D5A-4CFD9E1ED567}"/>
+                <a16:creationId xmlns:a16="http://schemas.microsoft.com/office/drawing/2014/main" id="{C9FE0A2B-FF88-4FB5-8B0F-5D2AA4069A29}"/>
               </a:ext>
             </a:extLst>
           </p:cNvPr>
@@ -14904,11 +13435,10 @@
         </p:nvSpPr>
         <p:spPr/>
         <p:txBody>
-          <a:bodyPr>
-            <a:normAutofit fontScale="90000"/>
-          </a:bodyPr>
+          <a:bodyPr/>
           <a:lstStyle/>
           <a:p>
+            <a:pPr lvl="0"/>
             <a:r>
               <a:rPr kumimoji="1" lang="en-US" altLang="ja-JP" sz="4800" kern="1200" spc="-50" baseline="0" dirty="0">
                 <a:solidFill>
@@ -14922,7 +13452,7 @@
                 <a:ea typeface="+mj-ea"/>
                 <a:cs typeface="+mj-cs"/>
               </a:rPr>
-              <a:t>2.3.9.</a:t>
+              <a:t>2.3.15.</a:t>
             </a:r>
             <a:r>
               <a:rPr kumimoji="1" lang="ja-JP" altLang="ja-JP" sz="4800" kern="1200" spc="-50" baseline="0" dirty="0">
@@ -14966,7 +13496,37 @@
                 <a:ea typeface="+mj-ea"/>
                 <a:cs typeface="+mj-cs"/>
               </a:rPr>
-              <a:t>　フローチャート － ブザー用割込み</a:t>
+              <a:t>　</a:t>
+            </a:r>
+            <a:r>
+              <a:rPr kumimoji="1" lang="ja-JP" altLang="ja-JP" sz="4800" kern="1200" spc="-50" baseline="0" dirty="0">
+                <a:solidFill>
+                  <a:schemeClr val="tx1">
+                    <a:lumMod val="75000"/>
+                    <a:lumOff val="25000"/>
+                  </a:schemeClr>
+                </a:solidFill>
+                <a:effectLst/>
+                <a:latin typeface="+mj-lt"/>
+                <a:ea typeface="+mj-ea"/>
+                <a:cs typeface="+mj-cs"/>
+              </a:rPr>
+              <a:t>フローチャート － </a:t>
+            </a:r>
+            <a:r>
+              <a:rPr kumimoji="1" lang="en-US" altLang="ja-JP" sz="4800" kern="1200" spc="-50" baseline="0" dirty="0">
+                <a:solidFill>
+                  <a:schemeClr val="tx1">
+                    <a:lumMod val="75000"/>
+                    <a:lumOff val="25000"/>
+                  </a:schemeClr>
+                </a:solidFill>
+                <a:effectLst/>
+                <a:latin typeface="+mj-lt"/>
+                <a:ea typeface="+mj-ea"/>
+                <a:cs typeface="+mj-cs"/>
+              </a:rPr>
+              <a:t>LED</a:t>
             </a:r>
             <a:endParaRPr kumimoji="1" lang="ja-JP" altLang="en-US" dirty="0"/>
           </a:p>
@@ -14977,7 +13537,7 @@
           <p:cNvPr id="4" name="日付プレースホルダー 3">
             <a:extLst>
               <a:ext uri="{FF2B5EF4-FFF2-40B4-BE49-F238E27FC236}">
-                <a16:creationId xmlns:a16="http://schemas.microsoft.com/office/drawing/2014/main" id="{E683C6A6-6465-4FD8-ACA1-4A3B1645D8A2}"/>
+                <a16:creationId xmlns:a16="http://schemas.microsoft.com/office/drawing/2014/main" id="{54EA8035-490E-47FD-854D-CC7F21E8AB9F}"/>
               </a:ext>
             </a:extLst>
           </p:cNvPr>
@@ -15006,7 +13566,7 @@
           <p:cNvPr id="5" name="スライド番号プレースホルダー 4">
             <a:extLst>
               <a:ext uri="{FF2B5EF4-FFF2-40B4-BE49-F238E27FC236}">
-                <a16:creationId xmlns:a16="http://schemas.microsoft.com/office/drawing/2014/main" id="{6B1CA635-89AA-404A-9D39-D536370AAE47}"/>
+                <a16:creationId xmlns:a16="http://schemas.microsoft.com/office/drawing/2014/main" id="{9F62979C-97A9-4E2F-A917-4569786C80C5}"/>
               </a:ext>
             </a:extLst>
           </p:cNvPr>
@@ -15032,19 +13592,21 @@
       </p:sp>
       <p:pic>
         <p:nvPicPr>
-          <p:cNvPr id="10" name="図 9" descr="テキスト が含まれている画像&#10;&#10;自動的に生成された説明">
-            <a:extLst>
-              <a:ext uri="{FF2B5EF4-FFF2-40B4-BE49-F238E27FC236}">
-                <a16:creationId xmlns:a16="http://schemas.microsoft.com/office/drawing/2014/main" id="{201B34E0-2606-473D-9467-AFCE065D2256}"/>
+          <p:cNvPr id="11" name="コンテンツ プレースホルダー 10" descr="抽象 が含まれている画像&#10;&#10;自動的に生成された説明">
+            <a:extLst>
+              <a:ext uri="{FF2B5EF4-FFF2-40B4-BE49-F238E27FC236}">
+                <a16:creationId xmlns:a16="http://schemas.microsoft.com/office/drawing/2014/main" id="{627203DA-B00B-43FA-ACBF-2856D9CBD442}"/>
               </a:ext>
             </a:extLst>
           </p:cNvPr>
           <p:cNvPicPr>
-            <a:picLocks noChangeAspect="1"/>
+            <a:picLocks noGrp="1" noChangeAspect="1"/>
           </p:cNvPicPr>
-          <p:nvPr/>
+          <p:nvPr>
+            <p:ph idx="1"/>
+          </p:nvPr>
         </p:nvPicPr>
-        <p:blipFill rotWithShape="1">
+        <p:blipFill>
           <a:blip r:embed="rId2">
             <a:extLst>
               <a:ext uri="{28A0092B-C50C-407E-A947-70E740481C1C}">
@@ -15052,147 +13614,21 @@
               </a:ext>
             </a:extLst>
           </a:blip>
-          <a:srcRect r="43585"/>
-          <a:stretch/>
+          <a:stretch>
+            <a:fillRect/>
+          </a:stretch>
         </p:blipFill>
         <p:spPr>
           <a:xfrm>
-            <a:off x="3508917" y="1951892"/>
-            <a:ext cx="1784301" cy="4294530"/>
-          </a:xfrm>
-          <a:prstGeom prst="rect">
-            <a:avLst/>
-          </a:prstGeom>
+            <a:off x="1190637" y="1861503"/>
+            <a:ext cx="9810726" cy="4402137"/>
+          </a:xfrm>
         </p:spPr>
       </p:pic>
-      <p:pic>
-        <p:nvPicPr>
-          <p:cNvPr id="13" name="図 12" descr="テキスト が含まれている画像&#10;&#10;自動的に生成された説明">
-            <a:extLst>
-              <a:ext uri="{FF2B5EF4-FFF2-40B4-BE49-F238E27FC236}">
-                <a16:creationId xmlns:a16="http://schemas.microsoft.com/office/drawing/2014/main" id="{57387234-C582-41DE-9E94-F478EE2188C5}"/>
-              </a:ext>
-            </a:extLst>
-          </p:cNvPr>
-          <p:cNvPicPr>
-            <a:picLocks noChangeAspect="1"/>
-          </p:cNvPicPr>
-          <p:nvPr/>
-        </p:nvPicPr>
-        <p:blipFill rotWithShape="1">
-          <a:blip r:embed="rId2">
-            <a:extLst>
-              <a:ext uri="{28A0092B-C50C-407E-A947-70E740481C1C}">
-                <a14:useLocalDpi xmlns:a14="http://schemas.microsoft.com/office/drawing/2010/main" val="0"/>
-              </a:ext>
-            </a:extLst>
-          </a:blip>
-          <a:srcRect l="57123" t="28207" r="-1484" b="23749"/>
-          <a:stretch/>
-        </p:blipFill>
-        <p:spPr>
-          <a:xfrm>
-            <a:off x="5674756" y="3057380"/>
-            <a:ext cx="1403052" cy="2063261"/>
-          </a:xfrm>
-          <a:prstGeom prst="rect">
-            <a:avLst/>
-          </a:prstGeom>
-        </p:spPr>
-      </p:pic>
-      <p:pic>
-        <p:nvPicPr>
-          <p:cNvPr id="14" name="図 13" descr="テキスト が含まれている画像&#10;&#10;自動的に生成された説明">
-            <a:extLst>
-              <a:ext uri="{FF2B5EF4-FFF2-40B4-BE49-F238E27FC236}">
-                <a16:creationId xmlns:a16="http://schemas.microsoft.com/office/drawing/2014/main" id="{34F75541-D9CD-4A92-94B7-A23B9CEEBBF9}"/>
-              </a:ext>
-            </a:extLst>
-          </p:cNvPr>
-          <p:cNvPicPr>
-            <a:picLocks noChangeAspect="1"/>
-          </p:cNvPicPr>
-          <p:nvPr/>
-        </p:nvPicPr>
-        <p:blipFill rotWithShape="1">
-          <a:blip r:embed="rId2">
-            <a:extLst>
-              <a:ext uri="{28A0092B-C50C-407E-A947-70E740481C1C}">
-                <a14:useLocalDpi xmlns:a14="http://schemas.microsoft.com/office/drawing/2010/main" val="0"/>
-              </a:ext>
-            </a:extLst>
-          </a:blip>
-          <a:srcRect l="35459" t="568" r="24998" b="83067"/>
-          <a:stretch/>
-        </p:blipFill>
-        <p:spPr>
-          <a:xfrm>
-            <a:off x="4667892" y="2045971"/>
-            <a:ext cx="1250652" cy="702797"/>
-          </a:xfrm>
-          <a:prstGeom prst="rect">
-            <a:avLst/>
-          </a:prstGeom>
-        </p:spPr>
-      </p:pic>
-      <p:sp>
-        <p:nvSpPr>
-          <p:cNvPr id="18" name="四角形: メモ 17">
-            <a:extLst>
-              <a:ext uri="{FF2B5EF4-FFF2-40B4-BE49-F238E27FC236}">
-                <a16:creationId xmlns:a16="http://schemas.microsoft.com/office/drawing/2014/main" id="{7BF4B689-5A9C-4880-93B8-44B1345E4052}"/>
-              </a:ext>
-            </a:extLst>
-          </p:cNvPr>
-          <p:cNvSpPr/>
-          <p:nvPr/>
-        </p:nvSpPr>
-        <p:spPr>
-          <a:xfrm>
-            <a:off x="5828997" y="2202087"/>
-            <a:ext cx="1248522" cy="546681"/>
-          </a:xfrm>
-          <a:prstGeom prst="foldedCorner">
-            <a:avLst/>
-          </a:prstGeom>
-          <a:solidFill>
-            <a:schemeClr val="bg1"/>
-          </a:solidFill>
-          <a:ln w="6350">
-            <a:solidFill>
-              <a:schemeClr val="tx1"/>
-            </a:solidFill>
-          </a:ln>
-        </p:spPr>
-        <p:style>
-          <a:lnRef idx="2">
-            <a:schemeClr val="accent6"/>
-          </a:lnRef>
-          <a:fillRef idx="1">
-            <a:schemeClr val="lt1"/>
-          </a:fillRef>
-          <a:effectRef idx="0">
-            <a:schemeClr val="accent6"/>
-          </a:effectRef>
-          <a:fontRef idx="minor">
-            <a:schemeClr val="dk1"/>
-          </a:fontRef>
-        </p:style>
-        <p:txBody>
-          <a:bodyPr rtlCol="0" anchor="ctr"/>
-          <a:lstStyle/>
-          <a:p>
-            <a:r>
-              <a:rPr kumimoji="1" lang="ja-JP" altLang="en-US" sz="1100" dirty="0"/>
-              <a:t>ブザー用の処理</a:t>
-            </a:r>
-          </a:p>
-        </p:txBody>
-      </p:sp>
     </p:spTree>
     <p:extLst>
       <p:ext uri="{BB962C8B-B14F-4D97-AF65-F5344CB8AC3E}">
-        <p14:creationId xmlns:p14="http://schemas.microsoft.com/office/powerpoint/2010/main" val="1585770660"/>
+        <p14:creationId xmlns:p14="http://schemas.microsoft.com/office/powerpoint/2010/main" val="2482906527"/>
       </p:ext>
     </p:extLst>
   </p:cSld>
@@ -15224,244 +13660,6 @@
           <p:cNvPr id="2" name="タイトル 1">
             <a:extLst>
               <a:ext uri="{FF2B5EF4-FFF2-40B4-BE49-F238E27FC236}">
-                <a16:creationId xmlns:a16="http://schemas.microsoft.com/office/drawing/2014/main" id="{C9FE0A2B-FF88-4FB5-8B0F-5D2AA4069A29}"/>
-              </a:ext>
-            </a:extLst>
-          </p:cNvPr>
-          <p:cNvSpPr>
-            <a:spLocks noGrp="1"/>
-          </p:cNvSpPr>
-          <p:nvPr>
-            <p:ph type="title"/>
-          </p:nvPr>
-        </p:nvSpPr>
-        <p:spPr/>
-        <p:txBody>
-          <a:bodyPr/>
-          <a:lstStyle/>
-          <a:p>
-            <a:pPr lvl="0"/>
-            <a:r>
-              <a:rPr kumimoji="1" lang="en-US" altLang="ja-JP" sz="4800" kern="1200" spc="-50" baseline="0" dirty="0">
-                <a:solidFill>
-                  <a:schemeClr val="tx1">
-                    <a:lumMod val="75000"/>
-                    <a:lumOff val="25000"/>
-                  </a:schemeClr>
-                </a:solidFill>
-                <a:effectLst/>
-                <a:latin typeface="+mj-lt"/>
-                <a:ea typeface="+mj-ea"/>
-                <a:cs typeface="+mj-cs"/>
-              </a:rPr>
-              <a:t>2.3.16.</a:t>
-            </a:r>
-            <a:r>
-              <a:rPr kumimoji="1" lang="ja-JP" altLang="ja-JP" sz="4800" kern="1200" spc="-50" baseline="0" dirty="0">
-                <a:solidFill>
-                  <a:schemeClr val="tx1">
-                    <a:lumMod val="75000"/>
-                    <a:lumOff val="25000"/>
-                  </a:schemeClr>
-                </a:solidFill>
-                <a:effectLst/>
-                <a:latin typeface="+mj-lt"/>
-                <a:ea typeface="+mj-ea"/>
-                <a:cs typeface="+mj-cs"/>
-              </a:rPr>
-              <a:t> 設計</a:t>
-            </a:r>
-            <a:br>
-              <a:rPr kumimoji="1" lang="en-US" altLang="ja-JP" sz="4800" kern="1200" spc="-50" baseline="0" dirty="0">
-                <a:solidFill>
-                  <a:schemeClr val="tx1">
-                    <a:lumMod val="75000"/>
-                    <a:lumOff val="25000"/>
-                  </a:schemeClr>
-                </a:solidFill>
-                <a:effectLst/>
-                <a:latin typeface="+mj-lt"/>
-                <a:ea typeface="+mj-ea"/>
-                <a:cs typeface="+mj-cs"/>
-              </a:rPr>
-            </a:br>
-            <a:r>
-              <a:rPr kumimoji="1" lang="ja-JP" altLang="en-US" sz="4800" kern="1200" spc="-50" baseline="0" dirty="0">
-                <a:solidFill>
-                  <a:schemeClr val="tx1">
-                    <a:lumMod val="75000"/>
-                    <a:lumOff val="25000"/>
-                  </a:schemeClr>
-                </a:solidFill>
-                <a:effectLst/>
-                <a:latin typeface="+mj-lt"/>
-                <a:ea typeface="+mj-ea"/>
-                <a:cs typeface="+mj-cs"/>
-              </a:rPr>
-              <a:t>　</a:t>
-            </a:r>
-            <a:r>
-              <a:rPr kumimoji="1" lang="ja-JP" altLang="ja-JP" sz="4800" kern="1200" spc="-50" baseline="0" dirty="0">
-                <a:solidFill>
-                  <a:schemeClr val="tx1">
-                    <a:lumMod val="75000"/>
-                    <a:lumOff val="25000"/>
-                  </a:schemeClr>
-                </a:solidFill>
-                <a:effectLst/>
-                <a:latin typeface="+mj-lt"/>
-                <a:ea typeface="+mj-ea"/>
-                <a:cs typeface="+mj-cs"/>
-              </a:rPr>
-              <a:t>フローチャート － </a:t>
-            </a:r>
-            <a:r>
-              <a:rPr kumimoji="1" lang="en-US" altLang="ja-JP" sz="4800" kern="1200" spc="-50" baseline="0" dirty="0">
-                <a:solidFill>
-                  <a:schemeClr val="tx1">
-                    <a:lumMod val="75000"/>
-                    <a:lumOff val="25000"/>
-                  </a:schemeClr>
-                </a:solidFill>
-                <a:effectLst/>
-                <a:latin typeface="+mj-lt"/>
-                <a:ea typeface="+mj-ea"/>
-                <a:cs typeface="+mj-cs"/>
-              </a:rPr>
-              <a:t>LED</a:t>
-            </a:r>
-            <a:endParaRPr kumimoji="1" lang="ja-JP" altLang="en-US" dirty="0"/>
-          </a:p>
-        </p:txBody>
-      </p:sp>
-      <p:sp>
-        <p:nvSpPr>
-          <p:cNvPr id="4" name="日付プレースホルダー 3">
-            <a:extLst>
-              <a:ext uri="{FF2B5EF4-FFF2-40B4-BE49-F238E27FC236}">
-                <a16:creationId xmlns:a16="http://schemas.microsoft.com/office/drawing/2014/main" id="{54EA8035-490E-47FD-854D-CC7F21E8AB9F}"/>
-              </a:ext>
-            </a:extLst>
-          </p:cNvPr>
-          <p:cNvSpPr>
-            <a:spLocks noGrp="1"/>
-          </p:cNvSpPr>
-          <p:nvPr>
-            <p:ph type="dt" sz="half" idx="10"/>
-          </p:nvPr>
-        </p:nvSpPr>
-        <p:spPr/>
-        <p:txBody>
-          <a:bodyPr/>
-          <a:lstStyle/>
-          <a:p>
-            <a:r>
-              <a:rPr kumimoji="1" lang="en-US" altLang="ja-JP"/>
-              <a:t>2020/9/4</a:t>
-            </a:r>
-            <a:endParaRPr kumimoji="1" lang="ja-JP" altLang="en-US"/>
-          </a:p>
-        </p:txBody>
-      </p:sp>
-      <p:sp>
-        <p:nvSpPr>
-          <p:cNvPr id="5" name="スライド番号プレースホルダー 4">
-            <a:extLst>
-              <a:ext uri="{FF2B5EF4-FFF2-40B4-BE49-F238E27FC236}">
-                <a16:creationId xmlns:a16="http://schemas.microsoft.com/office/drawing/2014/main" id="{9F62979C-97A9-4E2F-A917-4569786C80C5}"/>
-              </a:ext>
-            </a:extLst>
-          </p:cNvPr>
-          <p:cNvSpPr>
-            <a:spLocks noGrp="1"/>
-          </p:cNvSpPr>
-          <p:nvPr>
-            <p:ph type="sldNum" sz="quarter" idx="12"/>
-          </p:nvPr>
-        </p:nvSpPr>
-        <p:spPr/>
-        <p:txBody>
-          <a:bodyPr/>
-          <a:lstStyle/>
-          <a:p>
-            <a:fld id="{9EF722EF-13D3-412E-8097-5A8DE2CAAF3F}" type="slidenum">
-              <a:rPr kumimoji="1" lang="ja-JP" altLang="en-US" smtClean="0"/>
-              <a:t>25</a:t>
-            </a:fld>
-            <a:endParaRPr kumimoji="1" lang="ja-JP" altLang="en-US"/>
-          </a:p>
-        </p:txBody>
-      </p:sp>
-      <p:pic>
-        <p:nvPicPr>
-          <p:cNvPr id="11" name="コンテンツ プレースホルダー 10" descr="抽象 が含まれている画像&#10;&#10;自動的に生成された説明">
-            <a:extLst>
-              <a:ext uri="{FF2B5EF4-FFF2-40B4-BE49-F238E27FC236}">
-                <a16:creationId xmlns:a16="http://schemas.microsoft.com/office/drawing/2014/main" id="{627203DA-B00B-43FA-ACBF-2856D9CBD442}"/>
-              </a:ext>
-            </a:extLst>
-          </p:cNvPr>
-          <p:cNvPicPr>
-            <a:picLocks noGrp="1" noChangeAspect="1"/>
-          </p:cNvPicPr>
-          <p:nvPr>
-            <p:ph idx="1"/>
-          </p:nvPr>
-        </p:nvPicPr>
-        <p:blipFill>
-          <a:blip r:embed="rId2">
-            <a:extLst>
-              <a:ext uri="{28A0092B-C50C-407E-A947-70E740481C1C}">
-                <a14:useLocalDpi xmlns:a14="http://schemas.microsoft.com/office/drawing/2010/main" val="0"/>
-              </a:ext>
-            </a:extLst>
-          </a:blip>
-          <a:stretch>
-            <a:fillRect/>
-          </a:stretch>
-        </p:blipFill>
-        <p:spPr>
-          <a:xfrm>
-            <a:off x="1190637" y="1861503"/>
-            <a:ext cx="9810726" cy="4402137"/>
-          </a:xfrm>
-        </p:spPr>
-      </p:pic>
-    </p:spTree>
-    <p:extLst>
-      <p:ext uri="{BB962C8B-B14F-4D97-AF65-F5344CB8AC3E}">
-        <p14:creationId xmlns:p14="http://schemas.microsoft.com/office/powerpoint/2010/main" val="2482906527"/>
-      </p:ext>
-    </p:extLst>
-  </p:cSld>
-  <p:clrMapOvr>
-    <a:masterClrMapping/>
-  </p:clrMapOvr>
-</p:sld>
-</file>
-
-<file path=ppt/slides/slide27.xml><?xml version="1.0" encoding="utf-8"?>
-<p:sld xmlns:a="http://schemas.openxmlformats.org/drawingml/2006/main" xmlns:r="http://schemas.openxmlformats.org/officeDocument/2006/relationships" xmlns:p="http://schemas.openxmlformats.org/presentationml/2006/main">
-  <p:cSld>
-    <p:spTree>
-      <p:nvGrpSpPr>
-        <p:cNvPr id="1" name=""/>
-        <p:cNvGrpSpPr/>
-        <p:nvPr/>
-      </p:nvGrpSpPr>
-      <p:grpSpPr>
-        <a:xfrm>
-          <a:off x="0" y="0"/>
-          <a:ext cx="0" cy="0"/>
-          <a:chOff x="0" y="0"/>
-          <a:chExt cx="0" cy="0"/>
-        </a:xfrm>
-      </p:grpSpPr>
-      <p:sp>
-        <p:nvSpPr>
-          <p:cNvPr id="2" name="タイトル 1">
-            <a:extLst>
-              <a:ext uri="{FF2B5EF4-FFF2-40B4-BE49-F238E27FC236}">
                 <a16:creationId xmlns:a16="http://schemas.microsoft.com/office/drawing/2014/main" id="{B947DADB-3D02-4055-B61A-9DDB264B7A13}"/>
               </a:ext>
             </a:extLst>
@@ -15731,7 +13929,7 @@
           <a:p>
             <a:fld id="{9EF722EF-13D3-412E-8097-5A8DE2CAAF3F}" type="slidenum">
               <a:rPr kumimoji="1" lang="ja-JP" altLang="en-US" smtClean="0"/>
-              <a:t>26</a:t>
+              <a:t>25</a:t>
             </a:fld>
             <a:endParaRPr kumimoji="1" lang="ja-JP" altLang="en-US"/>
           </a:p>

--- a/資料/設計書/発表資料/設計レビュー_発表資料.pptx
+++ b/資料/設計書/発表資料/設計レビュー_発表資料.pptx
@@ -7564,10 +7564,10 @@
       </p:sp>
       <p:pic>
         <p:nvPicPr>
-          <p:cNvPr id="20" name="コンテンツ プレースホルダー 19">
-            <a:extLst>
-              <a:ext uri="{FF2B5EF4-FFF2-40B4-BE49-F238E27FC236}">
-                <a16:creationId xmlns:a16="http://schemas.microsoft.com/office/drawing/2014/main" id="{A3612E03-8D00-483E-8CF7-604A3C5059E8}"/>
+          <p:cNvPr id="15" name="コンテンツ プレースホルダー 14" descr="テキスト が含まれている画像&#10;&#10;自動的に生成された説明">
+            <a:extLst>
+              <a:ext uri="{FF2B5EF4-FFF2-40B4-BE49-F238E27FC236}">
+                <a16:creationId xmlns:a16="http://schemas.microsoft.com/office/drawing/2014/main" id="{69134D82-C863-47BA-B54A-00FAD20467CA}"/>
               </a:ext>
             </a:extLst>
           </p:cNvPr>
@@ -7578,7 +7578,7 @@
             <p:ph idx="1"/>
           </p:nvPr>
         </p:nvPicPr>
-        <p:blipFill>
+        <p:blipFill rotWithShape="1">
           <a:blip r:embed="rId2">
             <a:extLst>
               <a:ext uri="{28A0092B-C50C-407E-A947-70E740481C1C}">
@@ -7586,22 +7586,22 @@
               </a:ext>
             </a:extLst>
           </a:blip>
-          <a:srcRect/>
+          <a:srcRect t="13702" r="24626"/>
           <a:stretch/>
         </p:blipFill>
         <p:spPr>
           <a:xfrm>
-            <a:off x="7340599" y="1846263"/>
-            <a:ext cx="3293443" cy="4433077"/>
+            <a:off x="1351126" y="1806854"/>
+            <a:ext cx="3157979" cy="4434367"/>
           </a:xfrm>
         </p:spPr>
       </p:pic>
       <p:pic>
         <p:nvPicPr>
-          <p:cNvPr id="6" name="図 5" descr="テキスト, 地図 が含まれている画像&#10;&#10;自動的に生成された説明">
-            <a:extLst>
-              <a:ext uri="{FF2B5EF4-FFF2-40B4-BE49-F238E27FC236}">
-                <a16:creationId xmlns:a16="http://schemas.microsoft.com/office/drawing/2014/main" id="{98E9CBE3-E03A-4525-91C4-54AA006B0B57}"/>
+          <p:cNvPr id="17" name="図 16" descr="時計 が含まれている画像&#10;&#10;自動的に生成された説明">
+            <a:extLst>
+              <a:ext uri="{FF2B5EF4-FFF2-40B4-BE49-F238E27FC236}">
+                <a16:creationId xmlns:a16="http://schemas.microsoft.com/office/drawing/2014/main" id="{5600D1A9-494B-442B-A3F6-C0C32A1589F5}"/>
               </a:ext>
             </a:extLst>
           </p:cNvPr>
@@ -7610,7 +7610,7 @@
           </p:cNvPicPr>
           <p:nvPr/>
         </p:nvPicPr>
-        <p:blipFill>
+        <p:blipFill rotWithShape="1">
           <a:blip r:embed="rId3">
             <a:extLst>
               <a:ext uri="{28A0092B-C50C-407E-A947-70E740481C1C}">
@@ -7618,14 +7618,153 @@
               </a:ext>
             </a:extLst>
           </a:blip>
-          <a:stretch>
-            <a:fillRect/>
-          </a:stretch>
+          <a:srcRect l="-2411" t="-978" r="58639" b="85222"/>
+          <a:stretch/>
         </p:blipFill>
         <p:spPr>
           <a:xfrm>
-            <a:off x="1816101" y="1798717"/>
-            <a:ext cx="4235450" cy="4480623"/>
+            <a:off x="5759712" y="1806854"/>
+            <a:ext cx="2062792" cy="1165359"/>
+          </a:xfrm>
+          <a:prstGeom prst="rect">
+            <a:avLst/>
+          </a:prstGeom>
+        </p:spPr>
+      </p:pic>
+      <p:pic>
+        <p:nvPicPr>
+          <p:cNvPr id="21" name="コンテンツ プレースホルダー 14" descr="テキスト が含まれている画像&#10;&#10;自動的に生成された説明">
+            <a:extLst>
+              <a:ext uri="{FF2B5EF4-FFF2-40B4-BE49-F238E27FC236}">
+                <a16:creationId xmlns:a16="http://schemas.microsoft.com/office/drawing/2014/main" id="{01DF942A-7235-47D6-8CED-F1BE9338E208}"/>
+              </a:ext>
+            </a:extLst>
+          </p:cNvPr>
+          <p:cNvPicPr>
+            <a:picLocks noChangeAspect="1"/>
+          </p:cNvPicPr>
+          <p:nvPr/>
+        </p:nvPicPr>
+        <p:blipFill rotWithShape="1">
+          <a:blip r:embed="rId2">
+            <a:extLst>
+              <a:ext uri="{28A0092B-C50C-407E-A947-70E740481C1C}">
+                <a14:useLocalDpi xmlns:a14="http://schemas.microsoft.com/office/drawing/2010/main" val="0"/>
+              </a:ext>
+            </a:extLst>
+          </a:blip>
+          <a:srcRect l="76171" t="38499" r="-1304" b="42746"/>
+          <a:stretch/>
+        </p:blipFill>
+        <p:spPr>
+          <a:xfrm>
+            <a:off x="4264615" y="3908017"/>
+            <a:ext cx="1495097" cy="1368345"/>
+          </a:xfrm>
+          <a:prstGeom prst="rect">
+            <a:avLst/>
+          </a:prstGeom>
+        </p:spPr>
+      </p:pic>
+      <p:pic>
+        <p:nvPicPr>
+          <p:cNvPr id="19" name="コンテンツ プレースホルダー 14" descr="テキスト が含まれている画像&#10;&#10;自動的に生成された説明">
+            <a:extLst>
+              <a:ext uri="{FF2B5EF4-FFF2-40B4-BE49-F238E27FC236}">
+                <a16:creationId xmlns:a16="http://schemas.microsoft.com/office/drawing/2014/main" id="{1A950483-20F4-4BFE-A086-89D4C7F3C023}"/>
+              </a:ext>
+            </a:extLst>
+          </p:cNvPr>
+          <p:cNvPicPr>
+            <a:picLocks noChangeAspect="1"/>
+          </p:cNvPicPr>
+          <p:nvPr/>
+        </p:nvPicPr>
+        <p:blipFill rotWithShape="1">
+          <a:blip r:embed="rId2">
+            <a:extLst>
+              <a:ext uri="{28A0092B-C50C-407E-A947-70E740481C1C}">
+                <a14:useLocalDpi xmlns:a14="http://schemas.microsoft.com/office/drawing/2010/main" val="0"/>
+              </a:ext>
+            </a:extLst>
+          </a:blip>
+          <a:srcRect l="25023" t="-1513" r="26789" b="86853"/>
+          <a:stretch/>
+        </p:blipFill>
+        <p:spPr>
+          <a:xfrm>
+            <a:off x="57319" y="1772038"/>
+            <a:ext cx="2552183" cy="952307"/>
+          </a:xfrm>
+          <a:prstGeom prst="rect">
+            <a:avLst/>
+          </a:prstGeom>
+        </p:spPr>
+      </p:pic>
+      <p:pic>
+        <p:nvPicPr>
+          <p:cNvPr id="18" name="図 17" descr="時計 が含まれている画像&#10;&#10;自動的に生成された説明">
+            <a:extLst>
+              <a:ext uri="{FF2B5EF4-FFF2-40B4-BE49-F238E27FC236}">
+                <a16:creationId xmlns:a16="http://schemas.microsoft.com/office/drawing/2014/main" id="{8EA54C33-4181-40CA-B363-2B5DDC1B6CEA}"/>
+              </a:ext>
+            </a:extLst>
+          </p:cNvPr>
+          <p:cNvPicPr>
+            <a:picLocks noChangeAspect="1"/>
+          </p:cNvPicPr>
+          <p:nvPr/>
+        </p:nvPicPr>
+        <p:blipFill rotWithShape="1">
+          <a:blip r:embed="rId3">
+            <a:extLst>
+              <a:ext uri="{28A0092B-C50C-407E-A947-70E740481C1C}">
+                <a14:useLocalDpi xmlns:a14="http://schemas.microsoft.com/office/drawing/2010/main" val="0"/>
+              </a:ext>
+            </a:extLst>
+          </a:blip>
+          <a:srcRect t="16096" r="35328"/>
+          <a:stretch/>
+        </p:blipFill>
+        <p:spPr>
+          <a:xfrm>
+            <a:off x="7822504" y="1826885"/>
+            <a:ext cx="2198189" cy="4475934"/>
+          </a:xfrm>
+          <a:prstGeom prst="rect">
+            <a:avLst/>
+          </a:prstGeom>
+        </p:spPr>
+      </p:pic>
+      <p:pic>
+        <p:nvPicPr>
+          <p:cNvPr id="24" name="図 23" descr="時計 が含まれている画像&#10;&#10;自動的に生成された説明">
+            <a:extLst>
+              <a:ext uri="{FF2B5EF4-FFF2-40B4-BE49-F238E27FC236}">
+                <a16:creationId xmlns:a16="http://schemas.microsoft.com/office/drawing/2014/main" id="{BA7588A4-5647-4861-AD0C-D572E0C6BB3D}"/>
+              </a:ext>
+            </a:extLst>
+          </p:cNvPr>
+          <p:cNvPicPr>
+            <a:picLocks noChangeAspect="1"/>
+          </p:cNvPicPr>
+          <p:nvPr/>
+        </p:nvPicPr>
+        <p:blipFill rotWithShape="1">
+          <a:blip r:embed="rId3">
+            <a:extLst>
+              <a:ext uri="{28A0092B-C50C-407E-A947-70E740481C1C}">
+                <a14:useLocalDpi xmlns:a14="http://schemas.microsoft.com/office/drawing/2010/main" val="0"/>
+              </a:ext>
+            </a:extLst>
+          </a:blip>
+          <a:srcRect l="55951" t="14527" r="-3896" b="54396"/>
+          <a:stretch/>
+        </p:blipFill>
+        <p:spPr>
+          <a:xfrm>
+            <a:off x="9466936" y="1772039"/>
+            <a:ext cx="2099692" cy="2135978"/>
           </a:xfrm>
           <a:prstGeom prst="rect">
             <a:avLst/>

--- a/資料/設計書/発表資料/設計レビュー_発表資料.pptx
+++ b/資料/設計書/発表資料/設計レビュー_発表資料.pptx
@@ -222,7 +222,7 @@
           <a:p>
             <a:fld id="{06C2D682-6DF8-40A9-97AE-B3E5AAEFDFE2}" type="datetimeFigureOut">
               <a:rPr kumimoji="1" lang="ja-JP" altLang="en-US" smtClean="0"/>
-              <a:t>2020/9/4</a:t>
+              <a:t>2020/9/7</a:t>
             </a:fld>
             <a:endParaRPr kumimoji="1" lang="ja-JP" altLang="en-US"/>
           </a:p>
@@ -8428,7 +8428,7 @@
         </p:blipFill>
         <p:spPr>
           <a:xfrm>
-            <a:off x="613411" y="1841177"/>
+            <a:off x="613411" y="2924702"/>
             <a:ext cx="1227276" cy="1694503"/>
           </a:xfrm>
           <a:prstGeom prst="rect">
@@ -8644,7 +8644,7 @@
         </p:nvSpPr>
         <p:spPr>
           <a:xfrm>
-            <a:off x="1711235" y="1763866"/>
+            <a:off x="1711235" y="2847391"/>
             <a:ext cx="479515" cy="712634"/>
           </a:xfrm>
           <a:prstGeom prst="rect">
@@ -8808,7 +8808,7 @@
         </p:nvCxnSpPr>
         <p:spPr>
           <a:xfrm>
-            <a:off x="1307537" y="3535680"/>
+            <a:off x="1307537" y="4619205"/>
             <a:ext cx="1116576" cy="0"/>
           </a:xfrm>
           <a:prstGeom prst="line">
@@ -8849,8 +8849,8 @@
         </p:nvCxnSpPr>
         <p:spPr>
           <a:xfrm>
-            <a:off x="2412437" y="1881188"/>
-            <a:ext cx="0" cy="1654492"/>
+            <a:off x="2412437" y="1840332"/>
+            <a:ext cx="0" cy="2778873"/>
           </a:xfrm>
           <a:prstGeom prst="line">
             <a:avLst/>
@@ -9079,6 +9079,41 @@
           </a:fontRef>
         </p:style>
       </p:cxnSp>
+      <p:pic>
+        <p:nvPicPr>
+          <p:cNvPr id="21" name="コンテンツ プレースホルダー 16" descr="テキスト が含まれている画像&#10;&#10;自動的に生成された説明">
+            <a:extLst>
+              <a:ext uri="{FF2B5EF4-FFF2-40B4-BE49-F238E27FC236}">
+                <a16:creationId xmlns:a16="http://schemas.microsoft.com/office/drawing/2014/main" id="{5D16A2E3-08AE-4FDF-82BF-A478C50A8698}"/>
+              </a:ext>
+            </a:extLst>
+          </p:cNvPr>
+          <p:cNvPicPr>
+            <a:picLocks noChangeAspect="1"/>
+          </p:cNvPicPr>
+          <p:nvPr/>
+        </p:nvPicPr>
+        <p:blipFill rotWithShape="1">
+          <a:blip r:embed="rId2">
+            <a:extLst>
+              <a:ext uri="{28A0092B-C50C-407E-A947-70E740481C1C}">
+                <a14:useLocalDpi xmlns:a14="http://schemas.microsoft.com/office/drawing/2010/main" val="0"/>
+              </a:ext>
+            </a:extLst>
+          </a:blip>
+          <a:srcRect l="39137" t="1871" r="52472" b="91819"/>
+          <a:stretch/>
+        </p:blipFill>
+        <p:spPr>
+          <a:xfrm>
+            <a:off x="102990" y="1840332"/>
+            <a:ext cx="2231539" cy="722178"/>
+          </a:xfrm>
+          <a:prstGeom prst="rect">
+            <a:avLst/>
+          </a:prstGeom>
+        </p:spPr>
+      </p:pic>
     </p:spTree>
     <p:extLst>
       <p:ext uri="{BB962C8B-B14F-4D97-AF65-F5344CB8AC3E}">

--- a/資料/設計書/発表資料/設計レビュー_発表資料.pptx
+++ b/資料/設計書/発表資料/設計レビュー_発表資料.pptx
@@ -10339,6 +10339,41 @@
           <a:chExt cx="0" cy="0"/>
         </a:xfrm>
       </p:grpSpPr>
+      <p:pic>
+        <p:nvPicPr>
+          <p:cNvPr id="10" name="図 9" descr="テキスト が含まれている画像&#10;&#10;自動的に生成された説明">
+            <a:extLst>
+              <a:ext uri="{FF2B5EF4-FFF2-40B4-BE49-F238E27FC236}">
+                <a16:creationId xmlns:a16="http://schemas.microsoft.com/office/drawing/2014/main" id="{352B310B-1F37-49AC-947B-20700AFE23D9}"/>
+              </a:ext>
+            </a:extLst>
+          </p:cNvPr>
+          <p:cNvPicPr>
+            <a:picLocks noChangeAspect="1"/>
+          </p:cNvPicPr>
+          <p:nvPr/>
+        </p:nvPicPr>
+        <p:blipFill rotWithShape="1">
+          <a:blip r:embed="rId2">
+            <a:extLst>
+              <a:ext uri="{28A0092B-C50C-407E-A947-70E740481C1C}">
+                <a14:useLocalDpi xmlns:a14="http://schemas.microsoft.com/office/drawing/2010/main" val="0"/>
+              </a:ext>
+            </a:extLst>
+          </a:blip>
+          <a:srcRect l="32607" t="49864" b="21048"/>
+          <a:stretch/>
+        </p:blipFill>
+        <p:spPr>
+          <a:xfrm>
+            <a:off x="7103856" y="1810303"/>
+            <a:ext cx="2710703" cy="4466991"/>
+          </a:xfrm>
+          <a:prstGeom prst="rect">
+            <a:avLst/>
+          </a:prstGeom>
+        </p:spPr>
+      </p:pic>
       <p:sp>
         <p:nvSpPr>
           <p:cNvPr id="2" name="タイトル 1">
@@ -10543,7 +10578,7 @@
           </p:nvPr>
         </p:nvPicPr>
         <p:blipFill rotWithShape="1">
-          <a:blip r:embed="rId2">
+          <a:blip r:embed="rId3">
             <a:extLst>
               <a:ext uri="{28A0092B-C50C-407E-A947-70E740481C1C}">
                 <a14:useLocalDpi xmlns:a14="http://schemas.microsoft.com/office/drawing/2010/main" val="0"/>
@@ -10566,6 +10601,41 @@
             <a:extLst>
               <a:ext uri="{FF2B5EF4-FFF2-40B4-BE49-F238E27FC236}">
                 <a16:creationId xmlns:a16="http://schemas.microsoft.com/office/drawing/2014/main" id="{33323F42-2EA8-41AA-91B9-96783C707B1A}"/>
+              </a:ext>
+            </a:extLst>
+          </p:cNvPr>
+          <p:cNvPicPr>
+            <a:picLocks noChangeAspect="1"/>
+          </p:cNvPicPr>
+          <p:nvPr/>
+        </p:nvPicPr>
+        <p:blipFill rotWithShape="1">
+          <a:blip r:embed="rId4">
+            <a:extLst>
+              <a:ext uri="{28A0092B-C50C-407E-A947-70E740481C1C}">
+                <a14:useLocalDpi xmlns:a14="http://schemas.microsoft.com/office/drawing/2010/main" val="0"/>
+              </a:ext>
+            </a:extLst>
+          </a:blip>
+          <a:srcRect l="20652" t="60725" r="41591" b="19020"/>
+          <a:stretch/>
+        </p:blipFill>
+        <p:spPr>
+          <a:xfrm>
+            <a:off x="3382449" y="1837657"/>
+            <a:ext cx="1650979" cy="3362547"/>
+          </a:xfrm>
+          <a:prstGeom prst="rect">
+            <a:avLst/>
+          </a:prstGeom>
+        </p:spPr>
+      </p:pic>
+      <p:pic>
+        <p:nvPicPr>
+          <p:cNvPr id="15" name="コンテンツ プレースホルダー 10" descr="文字と写真のスクリーンショット&#10;&#10;自動的に生成された説明">
+            <a:extLst>
+              <a:ext uri="{FF2B5EF4-FFF2-40B4-BE49-F238E27FC236}">
+                <a16:creationId xmlns:a16="http://schemas.microsoft.com/office/drawing/2014/main" id="{DCE2C2D7-0697-44EE-8A19-2AC7ACE1DB3E}"/>
               </a:ext>
             </a:extLst>
           </p:cNvPr>
@@ -10582,13 +10652,13 @@
               </a:ext>
             </a:extLst>
           </a:blip>
-          <a:srcRect l="20652" t="55973" r="41591" b="19020"/>
+          <a:srcRect t="12539" r="59245" b="62628"/>
           <a:stretch/>
         </p:blipFill>
         <p:spPr>
           <a:xfrm>
-            <a:off x="4979301" y="1817924"/>
-            <a:ext cx="1650979" cy="4151579"/>
+            <a:off x="1704325" y="2167306"/>
+            <a:ext cx="1570840" cy="4097465"/>
           </a:xfrm>
           <a:prstGeom prst="rect">
             <a:avLst/>
@@ -10597,10 +10667,10 @@
       </p:pic>
       <p:pic>
         <p:nvPicPr>
-          <p:cNvPr id="15" name="コンテンツ プレースホルダー 10" descr="文字と写真のスクリーンショット&#10;&#10;自動的に生成された説明">
-            <a:extLst>
-              <a:ext uri="{FF2B5EF4-FFF2-40B4-BE49-F238E27FC236}">
-                <a16:creationId xmlns:a16="http://schemas.microsoft.com/office/drawing/2014/main" id="{DCE2C2D7-0697-44EE-8A19-2AC7ACE1DB3E}"/>
+          <p:cNvPr id="16" name="コンテンツ プレースホルダー 10" descr="文字と写真のスクリーンショット&#10;&#10;自動的に生成された説明">
+            <a:extLst>
+              <a:ext uri="{FF2B5EF4-FFF2-40B4-BE49-F238E27FC236}">
+                <a16:creationId xmlns:a16="http://schemas.microsoft.com/office/drawing/2014/main" id="{ECFF1E52-ABDC-412B-89A7-6B9FB847A4DE}"/>
               </a:ext>
             </a:extLst>
           </p:cNvPr>
@@ -10610,42 +10680,7 @@
           <p:nvPr/>
         </p:nvPicPr>
         <p:blipFill rotWithShape="1">
-          <a:blip r:embed="rId2">
-            <a:extLst>
-              <a:ext uri="{28A0092B-C50C-407E-A947-70E740481C1C}">
-                <a14:useLocalDpi xmlns:a14="http://schemas.microsoft.com/office/drawing/2010/main" val="0"/>
-              </a:ext>
-            </a:extLst>
-          </a:blip>
-          <a:srcRect t="12539" r="59245" b="62628"/>
-          <a:stretch/>
-        </p:blipFill>
-        <p:spPr>
-          <a:xfrm>
-            <a:off x="1704325" y="2167306"/>
-            <a:ext cx="1570840" cy="4097465"/>
-          </a:xfrm>
-          <a:prstGeom prst="rect">
-            <a:avLst/>
-          </a:prstGeom>
-        </p:spPr>
-      </p:pic>
-      <p:pic>
-        <p:nvPicPr>
-          <p:cNvPr id="16" name="コンテンツ プレースホルダー 10" descr="文字と写真のスクリーンショット&#10;&#10;自動的に生成された説明">
-            <a:extLst>
-              <a:ext uri="{FF2B5EF4-FFF2-40B4-BE49-F238E27FC236}">
-                <a16:creationId xmlns:a16="http://schemas.microsoft.com/office/drawing/2014/main" id="{ECFF1E52-ABDC-412B-89A7-6B9FB847A4DE}"/>
-              </a:ext>
-            </a:extLst>
-          </p:cNvPr>
-          <p:cNvPicPr>
-            <a:picLocks noChangeAspect="1"/>
-          </p:cNvPicPr>
-          <p:nvPr/>
-        </p:nvPicPr>
-        <p:blipFill rotWithShape="1">
-          <a:blip r:embed="rId2">
+          <a:blip r:embed="rId3">
             <a:extLst>
               <a:ext uri="{28A0092B-C50C-407E-A947-70E740481C1C}">
                 <a14:useLocalDpi xmlns:a14="http://schemas.microsoft.com/office/drawing/2010/main" val="0"/>
@@ -10872,10 +10907,10 @@
       </p:cxnSp>
       <p:pic>
         <p:nvPicPr>
-          <p:cNvPr id="41" name="図 40" descr="時計 が含まれている画像&#10;&#10;自動的に生成された説明">
-            <a:extLst>
-              <a:ext uri="{FF2B5EF4-FFF2-40B4-BE49-F238E27FC236}">
-                <a16:creationId xmlns:a16="http://schemas.microsoft.com/office/drawing/2014/main" id="{CA390D07-66A2-4031-ADDD-32A98F580D10}"/>
+          <p:cNvPr id="43" name="図 42" descr="時計 が含まれている画像&#10;&#10;自動的に生成された説明">
+            <a:extLst>
+              <a:ext uri="{FF2B5EF4-FFF2-40B4-BE49-F238E27FC236}">
+                <a16:creationId xmlns:a16="http://schemas.microsoft.com/office/drawing/2014/main" id="{8E6E79E9-5AF1-4BA8-86DD-7E63593457F2}"/>
               </a:ext>
             </a:extLst>
           </p:cNvPr>
@@ -10885,20 +10920,20 @@
           <p:nvPr/>
         </p:nvPicPr>
         <p:blipFill rotWithShape="1">
-          <a:blip r:embed="rId3">
+          <a:blip r:embed="rId4">
             <a:extLst>
               <a:ext uri="{28A0092B-C50C-407E-A947-70E740481C1C}">
                 <a14:useLocalDpi xmlns:a14="http://schemas.microsoft.com/office/drawing/2010/main" val="0"/>
               </a:ext>
             </a:extLst>
           </a:blip>
-          <a:srcRect l="64418" t="56328" r="-2175" b="18925"/>
+          <a:srcRect l="20652" t="80638" r="41591" b="-534"/>
           <a:stretch/>
         </p:blipFill>
         <p:spPr>
           <a:xfrm>
-            <a:off x="8410258" y="1817924"/>
-            <a:ext cx="1650979" cy="4108343"/>
+            <a:off x="5252677" y="2961567"/>
+            <a:ext cx="1650981" cy="3303203"/>
           </a:xfrm>
           <a:prstGeom prst="rect">
             <a:avLst/>
@@ -10907,10 +10942,10 @@
       </p:pic>
       <p:pic>
         <p:nvPicPr>
-          <p:cNvPr id="43" name="図 42" descr="時計 が含まれている画像&#10;&#10;自動的に生成された説明">
-            <a:extLst>
-              <a:ext uri="{FF2B5EF4-FFF2-40B4-BE49-F238E27FC236}">
-                <a16:creationId xmlns:a16="http://schemas.microsoft.com/office/drawing/2014/main" id="{8E6E79E9-5AF1-4BA8-86DD-7E63593457F2}"/>
+          <p:cNvPr id="45" name="図 44" descr="時計 が含まれている画像&#10;&#10;自動的に生成された説明">
+            <a:extLst>
+              <a:ext uri="{FF2B5EF4-FFF2-40B4-BE49-F238E27FC236}">
+                <a16:creationId xmlns:a16="http://schemas.microsoft.com/office/drawing/2014/main" id="{66CDDA2E-1F0A-4D98-9485-FF93DBD6E1D6}"/>
               </a:ext>
             </a:extLst>
           </p:cNvPr>
@@ -10920,42 +10955,7 @@
           <p:nvPr/>
         </p:nvPicPr>
         <p:blipFill rotWithShape="1">
-          <a:blip r:embed="rId3">
-            <a:extLst>
-              <a:ext uri="{28A0092B-C50C-407E-A947-70E740481C1C}">
-                <a14:useLocalDpi xmlns:a14="http://schemas.microsoft.com/office/drawing/2010/main" val="0"/>
-              </a:ext>
-            </a:extLst>
-          </a:blip>
-          <a:srcRect l="20652" t="80638" r="41591" b="-534"/>
-          <a:stretch/>
-        </p:blipFill>
-        <p:spPr>
-          <a:xfrm>
-            <a:off x="6834289" y="2961567"/>
-            <a:ext cx="1650981" cy="3303203"/>
-          </a:xfrm>
-          <a:prstGeom prst="rect">
-            <a:avLst/>
-          </a:prstGeom>
-        </p:spPr>
-      </p:pic>
-      <p:pic>
-        <p:nvPicPr>
-          <p:cNvPr id="45" name="図 44" descr="時計 が含まれている画像&#10;&#10;自動的に生成された説明">
-            <a:extLst>
-              <a:ext uri="{FF2B5EF4-FFF2-40B4-BE49-F238E27FC236}">
-                <a16:creationId xmlns:a16="http://schemas.microsoft.com/office/drawing/2014/main" id="{66CDDA2E-1F0A-4D98-9485-FF93DBD6E1D6}"/>
-              </a:ext>
-            </a:extLst>
-          </p:cNvPr>
-          <p:cNvPicPr>
-            <a:picLocks noChangeAspect="1"/>
-          </p:cNvPicPr>
-          <p:nvPr/>
-        </p:nvPicPr>
-        <p:blipFill rotWithShape="1">
-          <a:blip r:embed="rId3">
+          <a:blip r:embed="rId4">
             <a:extLst>
               <a:ext uri="{28A0092B-C50C-407E-A947-70E740481C1C}">
                 <a14:useLocalDpi xmlns:a14="http://schemas.microsoft.com/office/drawing/2010/main" val="0"/>
@@ -10991,7 +10991,7 @@
         </p:nvCxnSpPr>
         <p:spPr>
           <a:xfrm>
-            <a:off x="5574910" y="6120286"/>
+            <a:off x="3993298" y="5513198"/>
             <a:ext cx="1144382" cy="0"/>
           </a:xfrm>
           <a:prstGeom prst="line">
@@ -11032,8 +11032,8 @@
         </p:nvCxnSpPr>
         <p:spPr>
           <a:xfrm flipV="1">
-            <a:off x="6719292" y="2961567"/>
-            <a:ext cx="0" cy="3158719"/>
+            <a:off x="5137680" y="2961568"/>
+            <a:ext cx="0" cy="2551630"/>
           </a:xfrm>
           <a:prstGeom prst="line">
             <a:avLst/>
@@ -11073,7 +11073,7 @@
         </p:nvCxnSpPr>
         <p:spPr>
           <a:xfrm>
-            <a:off x="6719292" y="2963776"/>
+            <a:off x="5137680" y="2963776"/>
             <a:ext cx="711628" cy="0"/>
           </a:xfrm>
           <a:prstGeom prst="line">
@@ -11114,7 +11114,7 @@
         </p:nvCxnSpPr>
         <p:spPr>
           <a:xfrm flipV="1">
-            <a:off x="5577291" y="5807292"/>
+            <a:off x="3995679" y="5200204"/>
             <a:ext cx="0" cy="312994"/>
           </a:xfrm>
           <a:prstGeom prst="line">
@@ -11155,8 +11155,8 @@
         </p:nvCxnSpPr>
         <p:spPr>
           <a:xfrm>
-            <a:off x="9003909" y="6156881"/>
-            <a:ext cx="1381225" cy="0"/>
+            <a:off x="7665720" y="6272390"/>
+            <a:ext cx="2719414" cy="0"/>
           </a:xfrm>
           <a:prstGeom prst="line">
             <a:avLst/>
@@ -11196,8 +11196,8 @@
         </p:nvCxnSpPr>
         <p:spPr>
           <a:xfrm flipV="1">
-            <a:off x="10385134" y="2801971"/>
-            <a:ext cx="0" cy="3354911"/>
+            <a:off x="10385134" y="2801972"/>
+            <a:ext cx="0" cy="3462798"/>
           </a:xfrm>
           <a:prstGeom prst="line">
             <a:avLst/>
@@ -11264,47 +11264,6 @@
       </p:cxnSp>
       <p:cxnSp>
         <p:nvCxnSpPr>
-          <p:cNvPr id="55" name="直線コネクタ 54">
-            <a:extLst>
-              <a:ext uri="{FF2B5EF4-FFF2-40B4-BE49-F238E27FC236}">
-                <a16:creationId xmlns:a16="http://schemas.microsoft.com/office/drawing/2014/main" id="{1CDB1C71-FE4F-4411-8F49-92AD8F827169}"/>
-              </a:ext>
-            </a:extLst>
-          </p:cNvPr>
-          <p:cNvCxnSpPr>
-            <a:cxnSpLocks/>
-          </p:cNvCxnSpPr>
-          <p:nvPr/>
-        </p:nvCxnSpPr>
-        <p:spPr>
-          <a:xfrm flipV="1">
-            <a:off x="9006290" y="5951776"/>
-            <a:ext cx="0" cy="205105"/>
-          </a:xfrm>
-          <a:prstGeom prst="line">
-            <a:avLst/>
-          </a:prstGeom>
-          <a:ln>
-            <a:prstDash val="dash"/>
-          </a:ln>
-        </p:spPr>
-        <p:style>
-          <a:lnRef idx="1">
-            <a:schemeClr val="dk1"/>
-          </a:lnRef>
-          <a:fillRef idx="0">
-            <a:schemeClr val="dk1"/>
-          </a:fillRef>
-          <a:effectRef idx="0">
-            <a:schemeClr val="dk1"/>
-          </a:effectRef>
-          <a:fontRef idx="minor">
-            <a:schemeClr val="tx1"/>
-          </a:fontRef>
-        </p:style>
-      </p:cxnSp>
-      <p:cxnSp>
-        <p:nvCxnSpPr>
           <p:cNvPr id="61" name="直線コネクタ 60">
             <a:extLst>
               <a:ext uri="{FF2B5EF4-FFF2-40B4-BE49-F238E27FC236}">
@@ -11359,7 +11318,7 @@
           <p:nvPr/>
         </p:nvPicPr>
         <p:blipFill rotWithShape="1">
-          <a:blip r:embed="rId2">
+          <a:blip r:embed="rId3">
             <a:extLst>
               <a:ext uri="{28A0092B-C50C-407E-A947-70E740481C1C}">
                 <a14:useLocalDpi xmlns:a14="http://schemas.microsoft.com/office/drawing/2010/main" val="0"/>
@@ -11371,8 +11330,167 @@
         </p:blipFill>
         <p:spPr>
           <a:xfrm>
-            <a:off x="3198325" y="1897479"/>
+            <a:off x="130605" y="4772151"/>
             <a:ext cx="1473705" cy="1248760"/>
+          </a:xfrm>
+          <a:prstGeom prst="rect">
+            <a:avLst/>
+          </a:prstGeom>
+        </p:spPr>
+      </p:pic>
+      <p:sp>
+        <p:nvSpPr>
+          <p:cNvPr id="23" name="正方形/長方形 22">
+            <a:extLst>
+              <a:ext uri="{FF2B5EF4-FFF2-40B4-BE49-F238E27FC236}">
+                <a16:creationId xmlns:a16="http://schemas.microsoft.com/office/drawing/2014/main" id="{B7311079-B13B-4562-9C87-E10AA5BD06DC}"/>
+              </a:ext>
+            </a:extLst>
+          </p:cNvPr>
+          <p:cNvSpPr/>
+          <p:nvPr/>
+        </p:nvSpPr>
+        <p:spPr>
+          <a:xfrm>
+            <a:off x="8404902" y="2048355"/>
+            <a:ext cx="1295358" cy="659130"/>
+          </a:xfrm>
+          <a:prstGeom prst="rect">
+            <a:avLst/>
+          </a:prstGeom>
+          <a:solidFill>
+            <a:schemeClr val="bg1"/>
+          </a:solidFill>
+          <a:ln>
+            <a:solidFill>
+              <a:schemeClr val="bg1"/>
+            </a:solidFill>
+          </a:ln>
+        </p:spPr>
+        <p:style>
+          <a:lnRef idx="2">
+            <a:schemeClr val="accent1">
+              <a:shade val="50000"/>
+            </a:schemeClr>
+          </a:lnRef>
+          <a:fillRef idx="1">
+            <a:schemeClr val="accent1"/>
+          </a:fillRef>
+          <a:effectRef idx="0">
+            <a:schemeClr val="accent1"/>
+          </a:effectRef>
+          <a:fontRef idx="minor">
+            <a:schemeClr val="lt1"/>
+          </a:fontRef>
+        </p:style>
+        <p:txBody>
+          <a:bodyPr rtlCol="0" anchor="ctr"/>
+          <a:lstStyle/>
+          <a:p>
+            <a:pPr algn="ctr"/>
+            <a:endParaRPr kumimoji="1" lang="ja-JP" altLang="en-US"/>
+          </a:p>
+        </p:txBody>
+      </p:sp>
+      <p:pic>
+        <p:nvPicPr>
+          <p:cNvPr id="22" name="図 21" descr="テキスト が含まれている画像&#10;&#10;自動的に生成された説明">
+            <a:extLst>
+              <a:ext uri="{FF2B5EF4-FFF2-40B4-BE49-F238E27FC236}">
+                <a16:creationId xmlns:a16="http://schemas.microsoft.com/office/drawing/2014/main" id="{33DA58D6-1612-4658-AD19-DC737CAD92D1}"/>
+              </a:ext>
+            </a:extLst>
+          </p:cNvPr>
+          <p:cNvPicPr>
+            <a:picLocks noChangeAspect="1"/>
+          </p:cNvPicPr>
+          <p:nvPr/>
+        </p:nvPicPr>
+        <p:blipFill rotWithShape="1">
+          <a:blip r:embed="rId5">
+            <a:extLst>
+              <a:ext uri="{28A0092B-C50C-407E-A947-70E740481C1C}">
+                <a14:useLocalDpi xmlns:a14="http://schemas.microsoft.com/office/drawing/2010/main" val="0"/>
+              </a:ext>
+            </a:extLst>
+          </a:blip>
+          <a:srcRect l="37286" t="46335" r="44764" b="51037"/>
+          <a:stretch/>
+        </p:blipFill>
+        <p:spPr>
+          <a:xfrm>
+            <a:off x="8506339" y="1837657"/>
+            <a:ext cx="1033945" cy="577842"/>
+          </a:xfrm>
+          <a:prstGeom prst="rect">
+            <a:avLst/>
+          </a:prstGeom>
+        </p:spPr>
+      </p:pic>
+      <p:pic>
+        <p:nvPicPr>
+          <p:cNvPr id="25" name="図 24" descr="テキスト が含まれている画像&#10;&#10;自動的に生成された説明">
+            <a:extLst>
+              <a:ext uri="{FF2B5EF4-FFF2-40B4-BE49-F238E27FC236}">
+                <a16:creationId xmlns:a16="http://schemas.microsoft.com/office/drawing/2014/main" id="{3D6481C7-EFCF-473B-8350-1EC2C278C6FC}"/>
+              </a:ext>
+            </a:extLst>
+          </p:cNvPr>
+          <p:cNvPicPr>
+            <a:picLocks noChangeAspect="1"/>
+          </p:cNvPicPr>
+          <p:nvPr/>
+        </p:nvPicPr>
+        <p:blipFill rotWithShape="1">
+          <a:blip r:embed="rId5">
+            <a:extLst>
+              <a:ext uri="{28A0092B-C50C-407E-A947-70E740481C1C}">
+                <a14:useLocalDpi xmlns:a14="http://schemas.microsoft.com/office/drawing/2010/main" val="0"/>
+              </a:ext>
+            </a:extLst>
+          </a:blip>
+          <a:srcRect l="66151" t="52400" r="5846" b="44210"/>
+          <a:stretch/>
+        </p:blipFill>
+        <p:spPr>
+          <a:xfrm>
+            <a:off x="9900458" y="1861433"/>
+            <a:ext cx="1613021" cy="745523"/>
+          </a:xfrm>
+          <a:prstGeom prst="rect">
+            <a:avLst/>
+          </a:prstGeom>
+        </p:spPr>
+      </p:pic>
+      <p:pic>
+        <p:nvPicPr>
+          <p:cNvPr id="27" name="図 26" descr="時計 が含まれている画像&#10;&#10;自動的に生成された説明">
+            <a:extLst>
+              <a:ext uri="{FF2B5EF4-FFF2-40B4-BE49-F238E27FC236}">
+                <a16:creationId xmlns:a16="http://schemas.microsoft.com/office/drawing/2014/main" id="{3D9ED808-9EFA-4C23-A0F3-4FD74958D5B6}"/>
+              </a:ext>
+            </a:extLst>
+          </p:cNvPr>
+          <p:cNvPicPr>
+            <a:picLocks noChangeAspect="1"/>
+          </p:cNvPicPr>
+          <p:nvPr/>
+        </p:nvPicPr>
+        <p:blipFill rotWithShape="1">
+          <a:blip r:embed="rId4">
+            <a:extLst>
+              <a:ext uri="{28A0092B-C50C-407E-A947-70E740481C1C}">
+                <a14:useLocalDpi xmlns:a14="http://schemas.microsoft.com/office/drawing/2010/main" val="0"/>
+              </a:ext>
+            </a:extLst>
+          </a:blip>
+          <a:srcRect l="22057" t="56156" r="53004" b="40407"/>
+          <a:stretch/>
+        </p:blipFill>
+        <p:spPr>
+          <a:xfrm>
+            <a:off x="4542899" y="1948902"/>
+            <a:ext cx="1090491" cy="570584"/>
           </a:xfrm>
           <a:prstGeom prst="rect">
             <a:avLst/>
